--- a/presentations/session-9-open-issues-in-ai.pptx
+++ b/presentations/session-9-open-issues-in-ai.pptx
@@ -5,7 +5,7 @@
     <p:sldMasterId id="2147483648" r:id="rId1"/>
   </p:sldMasterIdLst>
   <p:notesMasterIdLst>
-    <p:notesMasterId r:id="rId13"/>
+    <p:notesMasterId r:id="rId18"/>
   </p:notesMasterIdLst>
   <p:sldIdLst>
     <p:sldId id="263" r:id="rId2"/>
@@ -13,12 +13,17 @@
     <p:sldId id="542" r:id="rId4"/>
     <p:sldId id="556" r:id="rId5"/>
     <p:sldId id="564" r:id="rId6"/>
-    <p:sldId id="558" r:id="rId7"/>
-    <p:sldId id="559" r:id="rId8"/>
-    <p:sldId id="560" r:id="rId9"/>
-    <p:sldId id="561" r:id="rId10"/>
-    <p:sldId id="562" r:id="rId11"/>
-    <p:sldId id="563" r:id="rId12"/>
+    <p:sldId id="565" r:id="rId7"/>
+    <p:sldId id="567" r:id="rId8"/>
+    <p:sldId id="568" r:id="rId9"/>
+    <p:sldId id="566" r:id="rId10"/>
+    <p:sldId id="558" r:id="rId11"/>
+    <p:sldId id="569" r:id="rId12"/>
+    <p:sldId id="559" r:id="rId13"/>
+    <p:sldId id="560" r:id="rId14"/>
+    <p:sldId id="561" r:id="rId15"/>
+    <p:sldId id="562" r:id="rId16"/>
+    <p:sldId id="563" r:id="rId17"/>
   </p:sldIdLst>
   <p:sldSz cx="12192000" cy="6858000"/>
   <p:notesSz cx="6797675" cy="9874250"/>
@@ -218,7 +223,7 @@
           <a:p>
             <a:fld id="{74B0C4F4-A186-4C13-8E85-1B7149B65718}" type="datetimeFigureOut">
               <a:rPr lang="en-US" smtClean="0"/>
-              <a:t>10/25/18</a:t>
+              <a:t>11/5/18</a:t>
             </a:fld>
             <a:endParaRPr lang="en-US"/>
           </a:p>
@@ -643,7 +648,7 @@
     </p:spTree>
     <p:extLst>
       <p:ext uri="{BB962C8B-B14F-4D97-AF65-F5344CB8AC3E}">
-        <p14:creationId xmlns:p14="http://schemas.microsoft.com/office/powerpoint/2010/main" val="1092752190"/>
+        <p14:creationId xmlns:p14="http://schemas.microsoft.com/office/powerpoint/2010/main" val="2780719010"/>
       </p:ext>
     </p:extLst>
   </p:cSld>
@@ -697,7 +702,18 @@
           <a:bodyPr/>
           <a:lstStyle/>
           <a:p>
-            <a:endParaRPr lang="en-US" dirty="0"/>
+            <a:r>
+              <a:rPr lang="en-US" dirty="0"/>
+              <a:t>https://</a:t>
+            </a:r>
+            <a:r>
+              <a:rPr lang="en-US" dirty="0" err="1"/>
+              <a:t>www.deeplearning.ai</a:t>
+            </a:r>
+            <a:r>
+              <a:rPr lang="en-US" dirty="0"/>
+              <a:t>/</a:t>
+            </a:r>
           </a:p>
         </p:txBody>
       </p:sp>
@@ -719,6 +735,426 @@
             <a:fld id="{2F6F93F9-6E01-423B-ABB3-8FB3B0651941}" type="slidenum">
               <a:rPr lang="en-US" smtClean="0"/>
               <a:t>11</a:t>
+            </a:fld>
+            <a:endParaRPr lang="en-US"/>
+          </a:p>
+        </p:txBody>
+      </p:sp>
+    </p:spTree>
+    <p:extLst>
+      <p:ext uri="{BB962C8B-B14F-4D97-AF65-F5344CB8AC3E}">
+        <p14:creationId xmlns:p14="http://schemas.microsoft.com/office/powerpoint/2010/main" val="3534153860"/>
+      </p:ext>
+    </p:extLst>
+  </p:cSld>
+  <p:clrMapOvr>
+    <a:masterClrMapping/>
+  </p:clrMapOvr>
+</p:notes>
+</file>
+
+<file path=ppt/notesSlides/notesSlide12.xml><?xml version="1.0" encoding="utf-8"?>
+<p:notes xmlns:a="http://schemas.openxmlformats.org/drawingml/2006/main" xmlns:r="http://schemas.openxmlformats.org/officeDocument/2006/relationships" xmlns:p="http://schemas.openxmlformats.org/presentationml/2006/main">
+  <p:cSld>
+    <p:spTree>
+      <p:nvGrpSpPr>
+        <p:cNvPr id="1" name=""/>
+        <p:cNvGrpSpPr/>
+        <p:nvPr/>
+      </p:nvGrpSpPr>
+      <p:grpSpPr>
+        <a:xfrm>
+          <a:off x="0" y="0"/>
+          <a:ext cx="0" cy="0"/>
+          <a:chOff x="0" y="0"/>
+          <a:chExt cx="0" cy="0"/>
+        </a:xfrm>
+      </p:grpSpPr>
+      <p:sp>
+        <p:nvSpPr>
+          <p:cNvPr id="2" name="Slide Image Placeholder 1"/>
+          <p:cNvSpPr>
+            <a:spLocks noGrp="1" noRot="1" noChangeAspect="1"/>
+          </p:cNvSpPr>
+          <p:nvPr>
+            <p:ph type="sldImg"/>
+          </p:nvPr>
+        </p:nvSpPr>
+        <p:spPr/>
+      </p:sp>
+      <p:sp>
+        <p:nvSpPr>
+          <p:cNvPr id="3" name="Notes Placeholder 2"/>
+          <p:cNvSpPr>
+            <a:spLocks noGrp="1"/>
+          </p:cNvSpPr>
+          <p:nvPr>
+            <p:ph type="body" idx="1"/>
+          </p:nvPr>
+        </p:nvSpPr>
+        <p:spPr/>
+        <p:txBody>
+          <a:bodyPr/>
+          <a:lstStyle/>
+          <a:p>
+            <a:endParaRPr lang="en-US" dirty="0"/>
+          </a:p>
+        </p:txBody>
+      </p:sp>
+      <p:sp>
+        <p:nvSpPr>
+          <p:cNvPr id="4" name="Slide Number Placeholder 3"/>
+          <p:cNvSpPr>
+            <a:spLocks noGrp="1"/>
+          </p:cNvSpPr>
+          <p:nvPr>
+            <p:ph type="sldNum" sz="quarter" idx="10"/>
+          </p:nvPr>
+        </p:nvSpPr>
+        <p:spPr/>
+        <p:txBody>
+          <a:bodyPr/>
+          <a:lstStyle/>
+          <a:p>
+            <a:fld id="{2F6F93F9-6E01-423B-ABB3-8FB3B0651941}" type="slidenum">
+              <a:rPr lang="en-US" smtClean="0"/>
+              <a:t>12</a:t>
+            </a:fld>
+            <a:endParaRPr lang="en-US"/>
+          </a:p>
+        </p:txBody>
+      </p:sp>
+    </p:spTree>
+    <p:extLst>
+      <p:ext uri="{BB962C8B-B14F-4D97-AF65-F5344CB8AC3E}">
+        <p14:creationId xmlns:p14="http://schemas.microsoft.com/office/powerpoint/2010/main" val="1426491306"/>
+      </p:ext>
+    </p:extLst>
+  </p:cSld>
+  <p:clrMapOvr>
+    <a:masterClrMapping/>
+  </p:clrMapOvr>
+</p:notes>
+</file>
+
+<file path=ppt/notesSlides/notesSlide13.xml><?xml version="1.0" encoding="utf-8"?>
+<p:notes xmlns:a="http://schemas.openxmlformats.org/drawingml/2006/main" xmlns:r="http://schemas.openxmlformats.org/officeDocument/2006/relationships" xmlns:p="http://schemas.openxmlformats.org/presentationml/2006/main">
+  <p:cSld>
+    <p:spTree>
+      <p:nvGrpSpPr>
+        <p:cNvPr id="1" name=""/>
+        <p:cNvGrpSpPr/>
+        <p:nvPr/>
+      </p:nvGrpSpPr>
+      <p:grpSpPr>
+        <a:xfrm>
+          <a:off x="0" y="0"/>
+          <a:ext cx="0" cy="0"/>
+          <a:chOff x="0" y="0"/>
+          <a:chExt cx="0" cy="0"/>
+        </a:xfrm>
+      </p:grpSpPr>
+      <p:sp>
+        <p:nvSpPr>
+          <p:cNvPr id="2" name="Slide Image Placeholder 1"/>
+          <p:cNvSpPr>
+            <a:spLocks noGrp="1" noRot="1" noChangeAspect="1"/>
+          </p:cNvSpPr>
+          <p:nvPr>
+            <p:ph type="sldImg"/>
+          </p:nvPr>
+        </p:nvSpPr>
+        <p:spPr/>
+      </p:sp>
+      <p:sp>
+        <p:nvSpPr>
+          <p:cNvPr id="3" name="Notes Placeholder 2"/>
+          <p:cNvSpPr>
+            <a:spLocks noGrp="1"/>
+          </p:cNvSpPr>
+          <p:nvPr>
+            <p:ph type="body" idx="1"/>
+          </p:nvPr>
+        </p:nvSpPr>
+        <p:spPr/>
+        <p:txBody>
+          <a:bodyPr/>
+          <a:lstStyle/>
+          <a:p>
+            <a:endParaRPr lang="en-US" dirty="0"/>
+          </a:p>
+        </p:txBody>
+      </p:sp>
+      <p:sp>
+        <p:nvSpPr>
+          <p:cNvPr id="4" name="Slide Number Placeholder 3"/>
+          <p:cNvSpPr>
+            <a:spLocks noGrp="1"/>
+          </p:cNvSpPr>
+          <p:nvPr>
+            <p:ph type="sldNum" sz="quarter" idx="10"/>
+          </p:nvPr>
+        </p:nvSpPr>
+        <p:spPr/>
+        <p:txBody>
+          <a:bodyPr/>
+          <a:lstStyle/>
+          <a:p>
+            <a:fld id="{2F6F93F9-6E01-423B-ABB3-8FB3B0651941}" type="slidenum">
+              <a:rPr lang="en-US" smtClean="0"/>
+              <a:t>13</a:t>
+            </a:fld>
+            <a:endParaRPr lang="en-US"/>
+          </a:p>
+        </p:txBody>
+      </p:sp>
+    </p:spTree>
+    <p:extLst>
+      <p:ext uri="{BB962C8B-B14F-4D97-AF65-F5344CB8AC3E}">
+        <p14:creationId xmlns:p14="http://schemas.microsoft.com/office/powerpoint/2010/main" val="3917118602"/>
+      </p:ext>
+    </p:extLst>
+  </p:cSld>
+  <p:clrMapOvr>
+    <a:masterClrMapping/>
+  </p:clrMapOvr>
+</p:notes>
+</file>
+
+<file path=ppt/notesSlides/notesSlide14.xml><?xml version="1.0" encoding="utf-8"?>
+<p:notes xmlns:a="http://schemas.openxmlformats.org/drawingml/2006/main" xmlns:r="http://schemas.openxmlformats.org/officeDocument/2006/relationships" xmlns:p="http://schemas.openxmlformats.org/presentationml/2006/main">
+  <p:cSld>
+    <p:spTree>
+      <p:nvGrpSpPr>
+        <p:cNvPr id="1" name=""/>
+        <p:cNvGrpSpPr/>
+        <p:nvPr/>
+      </p:nvGrpSpPr>
+      <p:grpSpPr>
+        <a:xfrm>
+          <a:off x="0" y="0"/>
+          <a:ext cx="0" cy="0"/>
+          <a:chOff x="0" y="0"/>
+          <a:chExt cx="0" cy="0"/>
+        </a:xfrm>
+      </p:grpSpPr>
+      <p:sp>
+        <p:nvSpPr>
+          <p:cNvPr id="2" name="Slide Image Placeholder 1"/>
+          <p:cNvSpPr>
+            <a:spLocks noGrp="1" noRot="1" noChangeAspect="1"/>
+          </p:cNvSpPr>
+          <p:nvPr>
+            <p:ph type="sldImg"/>
+          </p:nvPr>
+        </p:nvSpPr>
+        <p:spPr/>
+      </p:sp>
+      <p:sp>
+        <p:nvSpPr>
+          <p:cNvPr id="3" name="Notes Placeholder 2"/>
+          <p:cNvSpPr>
+            <a:spLocks noGrp="1"/>
+          </p:cNvSpPr>
+          <p:nvPr>
+            <p:ph type="body" idx="1"/>
+          </p:nvPr>
+        </p:nvSpPr>
+        <p:spPr/>
+        <p:txBody>
+          <a:bodyPr/>
+          <a:lstStyle/>
+          <a:p>
+            <a:endParaRPr lang="en-US" dirty="0"/>
+          </a:p>
+        </p:txBody>
+      </p:sp>
+      <p:sp>
+        <p:nvSpPr>
+          <p:cNvPr id="4" name="Slide Number Placeholder 3"/>
+          <p:cNvSpPr>
+            <a:spLocks noGrp="1"/>
+          </p:cNvSpPr>
+          <p:nvPr>
+            <p:ph type="sldNum" sz="quarter" idx="10"/>
+          </p:nvPr>
+        </p:nvSpPr>
+        <p:spPr/>
+        <p:txBody>
+          <a:bodyPr/>
+          <a:lstStyle/>
+          <a:p>
+            <a:fld id="{2F6F93F9-6E01-423B-ABB3-8FB3B0651941}" type="slidenum">
+              <a:rPr lang="en-US" smtClean="0"/>
+              <a:t>14</a:t>
+            </a:fld>
+            <a:endParaRPr lang="en-US"/>
+          </a:p>
+        </p:txBody>
+      </p:sp>
+    </p:spTree>
+    <p:extLst>
+      <p:ext uri="{BB962C8B-B14F-4D97-AF65-F5344CB8AC3E}">
+        <p14:creationId xmlns:p14="http://schemas.microsoft.com/office/powerpoint/2010/main" val="467430118"/>
+      </p:ext>
+    </p:extLst>
+  </p:cSld>
+  <p:clrMapOvr>
+    <a:masterClrMapping/>
+  </p:clrMapOvr>
+</p:notes>
+</file>
+
+<file path=ppt/notesSlides/notesSlide15.xml><?xml version="1.0" encoding="utf-8"?>
+<p:notes xmlns:a="http://schemas.openxmlformats.org/drawingml/2006/main" xmlns:r="http://schemas.openxmlformats.org/officeDocument/2006/relationships" xmlns:p="http://schemas.openxmlformats.org/presentationml/2006/main">
+  <p:cSld>
+    <p:spTree>
+      <p:nvGrpSpPr>
+        <p:cNvPr id="1" name=""/>
+        <p:cNvGrpSpPr/>
+        <p:nvPr/>
+      </p:nvGrpSpPr>
+      <p:grpSpPr>
+        <a:xfrm>
+          <a:off x="0" y="0"/>
+          <a:ext cx="0" cy="0"/>
+          <a:chOff x="0" y="0"/>
+          <a:chExt cx="0" cy="0"/>
+        </a:xfrm>
+      </p:grpSpPr>
+      <p:sp>
+        <p:nvSpPr>
+          <p:cNvPr id="2" name="Slide Image Placeholder 1"/>
+          <p:cNvSpPr>
+            <a:spLocks noGrp="1" noRot="1" noChangeAspect="1"/>
+          </p:cNvSpPr>
+          <p:nvPr>
+            <p:ph type="sldImg"/>
+          </p:nvPr>
+        </p:nvSpPr>
+        <p:spPr/>
+      </p:sp>
+      <p:sp>
+        <p:nvSpPr>
+          <p:cNvPr id="3" name="Notes Placeholder 2"/>
+          <p:cNvSpPr>
+            <a:spLocks noGrp="1"/>
+          </p:cNvSpPr>
+          <p:nvPr>
+            <p:ph type="body" idx="1"/>
+          </p:nvPr>
+        </p:nvSpPr>
+        <p:spPr/>
+        <p:txBody>
+          <a:bodyPr/>
+          <a:lstStyle/>
+          <a:p>
+            <a:endParaRPr lang="en-US" dirty="0"/>
+          </a:p>
+        </p:txBody>
+      </p:sp>
+      <p:sp>
+        <p:nvSpPr>
+          <p:cNvPr id="4" name="Slide Number Placeholder 3"/>
+          <p:cNvSpPr>
+            <a:spLocks noGrp="1"/>
+          </p:cNvSpPr>
+          <p:nvPr>
+            <p:ph type="sldNum" sz="quarter" idx="10"/>
+          </p:nvPr>
+        </p:nvSpPr>
+        <p:spPr/>
+        <p:txBody>
+          <a:bodyPr/>
+          <a:lstStyle/>
+          <a:p>
+            <a:fld id="{2F6F93F9-6E01-423B-ABB3-8FB3B0651941}" type="slidenum">
+              <a:rPr lang="en-US" smtClean="0"/>
+              <a:t>15</a:t>
+            </a:fld>
+            <a:endParaRPr lang="en-US"/>
+          </a:p>
+        </p:txBody>
+      </p:sp>
+    </p:spTree>
+    <p:extLst>
+      <p:ext uri="{BB962C8B-B14F-4D97-AF65-F5344CB8AC3E}">
+        <p14:creationId xmlns:p14="http://schemas.microsoft.com/office/powerpoint/2010/main" val="1092752190"/>
+      </p:ext>
+    </p:extLst>
+  </p:cSld>
+  <p:clrMapOvr>
+    <a:masterClrMapping/>
+  </p:clrMapOvr>
+</p:notes>
+</file>
+
+<file path=ppt/notesSlides/notesSlide16.xml><?xml version="1.0" encoding="utf-8"?>
+<p:notes xmlns:a="http://schemas.openxmlformats.org/drawingml/2006/main" xmlns:r="http://schemas.openxmlformats.org/officeDocument/2006/relationships" xmlns:p="http://schemas.openxmlformats.org/presentationml/2006/main">
+  <p:cSld>
+    <p:spTree>
+      <p:nvGrpSpPr>
+        <p:cNvPr id="1" name=""/>
+        <p:cNvGrpSpPr/>
+        <p:nvPr/>
+      </p:nvGrpSpPr>
+      <p:grpSpPr>
+        <a:xfrm>
+          <a:off x="0" y="0"/>
+          <a:ext cx="0" cy="0"/>
+          <a:chOff x="0" y="0"/>
+          <a:chExt cx="0" cy="0"/>
+        </a:xfrm>
+      </p:grpSpPr>
+      <p:sp>
+        <p:nvSpPr>
+          <p:cNvPr id="2" name="Slide Image Placeholder 1"/>
+          <p:cNvSpPr>
+            <a:spLocks noGrp="1" noRot="1" noChangeAspect="1"/>
+          </p:cNvSpPr>
+          <p:nvPr>
+            <p:ph type="sldImg"/>
+          </p:nvPr>
+        </p:nvSpPr>
+        <p:spPr/>
+      </p:sp>
+      <p:sp>
+        <p:nvSpPr>
+          <p:cNvPr id="3" name="Notes Placeholder 2"/>
+          <p:cNvSpPr>
+            <a:spLocks noGrp="1"/>
+          </p:cNvSpPr>
+          <p:nvPr>
+            <p:ph type="body" idx="1"/>
+          </p:nvPr>
+        </p:nvSpPr>
+        <p:spPr/>
+        <p:txBody>
+          <a:bodyPr/>
+          <a:lstStyle/>
+          <a:p>
+            <a:endParaRPr lang="en-US" dirty="0"/>
+          </a:p>
+        </p:txBody>
+      </p:sp>
+      <p:sp>
+        <p:nvSpPr>
+          <p:cNvPr id="4" name="Slide Number Placeholder 3"/>
+          <p:cNvSpPr>
+            <a:spLocks noGrp="1"/>
+          </p:cNvSpPr>
+          <p:nvPr>
+            <p:ph type="sldNum" sz="quarter" idx="10"/>
+          </p:nvPr>
+        </p:nvSpPr>
+        <p:spPr/>
+        <p:txBody>
+          <a:bodyPr/>
+          <a:lstStyle/>
+          <a:p>
+            <a:fld id="{2F6F93F9-6E01-423B-ABB3-8FB3B0651941}" type="slidenum">
+              <a:rPr lang="en-US" smtClean="0"/>
+              <a:t>16</a:t>
             </a:fld>
             <a:endParaRPr lang="en-US"/>
           </a:p>
@@ -1151,7 +1587,7 @@
     </p:spTree>
     <p:extLst>
       <p:ext uri="{BB962C8B-B14F-4D97-AF65-F5344CB8AC3E}">
-        <p14:creationId xmlns:p14="http://schemas.microsoft.com/office/powerpoint/2010/main" val="2780719010"/>
+        <p14:creationId xmlns:p14="http://schemas.microsoft.com/office/powerpoint/2010/main" val="1078903008"/>
       </p:ext>
     </p:extLst>
   </p:cSld>
@@ -1205,6 +1641,20 @@
           <a:bodyPr/>
           <a:lstStyle/>
           <a:p>
+            <a:r>
+              <a:rPr lang="en-US" dirty="0"/>
+              <a:t>The example of https://</a:t>
+            </a:r>
+            <a:r>
+              <a:rPr lang="en-US" dirty="0" err="1"/>
+              <a:t>landing.ai</a:t>
+            </a:r>
+            <a:r>
+              <a:rPr lang="en-US" dirty="0"/>
+              <a:t>/ initiative</a:t>
+            </a:r>
+          </a:p>
+          <a:p>
             <a:endParaRPr lang="en-US" dirty="0"/>
           </a:p>
         </p:txBody>
@@ -1235,7 +1685,7 @@
     </p:spTree>
     <p:extLst>
       <p:ext uri="{BB962C8B-B14F-4D97-AF65-F5344CB8AC3E}">
-        <p14:creationId xmlns:p14="http://schemas.microsoft.com/office/powerpoint/2010/main" val="1426491306"/>
+        <p14:creationId xmlns:p14="http://schemas.microsoft.com/office/powerpoint/2010/main" val="3178925709"/>
       </p:ext>
     </p:extLst>
   </p:cSld>
@@ -1289,6 +1739,14 @@
           <a:bodyPr/>
           <a:lstStyle/>
           <a:p>
+            <a:r>
+              <a:rPr lang="en-US" dirty="0"/>
+              <a:t>+ Virtual </a:t>
+            </a:r>
+            <a:r>
+              <a:rPr lang="en-US" dirty="0" err="1"/>
+              <a:t>environements</a:t>
+            </a:r>
             <a:endParaRPr lang="en-US" dirty="0"/>
           </a:p>
         </p:txBody>
@@ -1319,7 +1777,7 @@
     </p:spTree>
     <p:extLst>
       <p:ext uri="{BB962C8B-B14F-4D97-AF65-F5344CB8AC3E}">
-        <p14:creationId xmlns:p14="http://schemas.microsoft.com/office/powerpoint/2010/main" val="3917118602"/>
+        <p14:creationId xmlns:p14="http://schemas.microsoft.com/office/powerpoint/2010/main" val="42429649"/>
       </p:ext>
     </p:extLst>
   </p:cSld>
@@ -1373,7 +1831,18 @@
           <a:bodyPr/>
           <a:lstStyle/>
           <a:p>
-            <a:endParaRPr lang="en-US" dirty="0"/>
+            <a:r>
+              <a:rPr lang="en-US" dirty="0"/>
+              <a:t>https://</a:t>
+            </a:r>
+            <a:r>
+              <a:rPr lang="en-US" dirty="0" err="1"/>
+              <a:t>www.deeplearning.ai</a:t>
+            </a:r>
+            <a:r>
+              <a:rPr lang="en-US" dirty="0"/>
+              <a:t>/</a:t>
+            </a:r>
           </a:p>
         </p:txBody>
       </p:sp>
@@ -1403,7 +1872,7 @@
     </p:spTree>
     <p:extLst>
       <p:ext uri="{BB962C8B-B14F-4D97-AF65-F5344CB8AC3E}">
-        <p14:creationId xmlns:p14="http://schemas.microsoft.com/office/powerpoint/2010/main" val="467430118"/>
+        <p14:creationId xmlns:p14="http://schemas.microsoft.com/office/powerpoint/2010/main" val="3749979836"/>
       </p:ext>
     </p:extLst>
   </p:cSld>
@@ -4204,6 +4673,502 @@
                 </a:solidFill>
                 <a:latin typeface="Cambria" panose="02040503050406030204" pitchFamily="18" charset="0"/>
               </a:rPr>
+              <a:t>NARROW VS. GENERAL INTELLIGENCE</a:t>
+            </a:r>
+          </a:p>
+        </p:txBody>
+      </p:sp>
+    </p:spTree>
+    <p:extLst>
+      <p:ext uri="{BB962C8B-B14F-4D97-AF65-F5344CB8AC3E}">
+        <p14:creationId xmlns:p14="http://schemas.microsoft.com/office/powerpoint/2010/main" val="1581891547"/>
+      </p:ext>
+    </p:extLst>
+  </p:cSld>
+  <p:clrMapOvr>
+    <a:masterClrMapping/>
+  </p:clrMapOvr>
+  <mc:AlternateContent xmlns:mc="http://schemas.openxmlformats.org/markup-compatibility/2006" xmlns:p14="http://schemas.microsoft.com/office/powerpoint/2010/main">
+    <mc:Choice Requires="p14">
+      <p:transition spd="med" p14:dur="700">
+        <p:fade/>
+      </p:transition>
+    </mc:Choice>
+    <mc:Fallback xmlns="">
+      <p:transition spd="med">
+        <p:fade/>
+      </p:transition>
+    </mc:Fallback>
+  </mc:AlternateContent>
+</p:sld>
+</file>
+
+<file path=ppt/slides/slide11.xml><?xml version="1.0" encoding="utf-8"?>
+<p:sld xmlns:a="http://schemas.openxmlformats.org/drawingml/2006/main" xmlns:r="http://schemas.openxmlformats.org/officeDocument/2006/relationships" xmlns:p="http://schemas.openxmlformats.org/presentationml/2006/main">
+  <p:cSld>
+    <p:spTree>
+      <p:nvGrpSpPr>
+        <p:cNvPr id="1" name=""/>
+        <p:cNvGrpSpPr/>
+        <p:nvPr/>
+      </p:nvGrpSpPr>
+      <p:grpSpPr>
+        <a:xfrm>
+          <a:off x="0" y="0"/>
+          <a:ext cx="0" cy="0"/>
+          <a:chOff x="0" y="0"/>
+          <a:chExt cx="0" cy="0"/>
+        </a:xfrm>
+      </p:grpSpPr>
+      <p:sp>
+        <p:nvSpPr>
+          <p:cNvPr id="8" name="TextBox 7"/>
+          <p:cNvSpPr txBox="1"/>
+          <p:nvPr/>
+        </p:nvSpPr>
+        <p:spPr>
+          <a:xfrm>
+            <a:off x="1271768" y="1115051"/>
+            <a:ext cx="9196386" cy="553998"/>
+          </a:xfrm>
+          <a:prstGeom prst="rect">
+            <a:avLst/>
+          </a:prstGeom>
+          <a:noFill/>
+        </p:spPr>
+        <p:txBody>
+          <a:bodyPr wrap="square" rtlCol="0">
+            <a:spAutoFit/>
+          </a:bodyPr>
+          <a:lstStyle/>
+          <a:p>
+            <a:r>
+              <a:rPr lang="en-US" sz="3000" b="1" dirty="0">
+                <a:solidFill>
+                  <a:schemeClr val="accent1"/>
+                </a:solidFill>
+                <a:latin typeface="Cambria" panose="02040503050406030204" pitchFamily="18" charset="0"/>
+              </a:rPr>
+              <a:t>DOMAIN-SPECIFIC AND LACK OF GENERALIZATION</a:t>
+            </a:r>
+          </a:p>
+        </p:txBody>
+      </p:sp>
+      <p:sp>
+        <p:nvSpPr>
+          <p:cNvPr id="6" name="TextBox 5">
+            <a:extLst>
+              <a:ext uri="{FF2B5EF4-FFF2-40B4-BE49-F238E27FC236}">
+                <a16:creationId xmlns:a16="http://schemas.microsoft.com/office/drawing/2014/main" id="{80CDDE41-8C09-D54C-917C-9FB77CE4824D}"/>
+              </a:ext>
+            </a:extLst>
+          </p:cNvPr>
+          <p:cNvSpPr txBox="1"/>
+          <p:nvPr/>
+        </p:nvSpPr>
+        <p:spPr>
+          <a:xfrm>
+            <a:off x="1275701" y="2333156"/>
+            <a:ext cx="9909364" cy="2308324"/>
+          </a:xfrm>
+          <a:prstGeom prst="rect">
+            <a:avLst/>
+          </a:prstGeom>
+          <a:noFill/>
+        </p:spPr>
+        <p:txBody>
+          <a:bodyPr wrap="square" rtlCol="0">
+            <a:spAutoFit/>
+          </a:bodyPr>
+          <a:lstStyle/>
+          <a:p>
+            <a:pPr marL="342900" indent="-342900">
+              <a:buFont typeface="Arial"/>
+              <a:buChar char="•"/>
+            </a:pPr>
+            <a:r>
+              <a:rPr lang="en-US" sz="2400" b="1" dirty="0">
+                <a:solidFill>
+                  <a:schemeClr val="accent1"/>
+                </a:solidFill>
+                <a:latin typeface="Cambria" panose="02040503050406030204" pitchFamily="18" charset="0"/>
+              </a:rPr>
+              <a:t>ONLINE COURSES</a:t>
+            </a:r>
+            <a:br>
+              <a:rPr lang="en-US" sz="2400" b="1" dirty="0">
+                <a:solidFill>
+                  <a:schemeClr val="accent1"/>
+                </a:solidFill>
+                <a:latin typeface="Cambria" panose="02040503050406030204" pitchFamily="18" charset="0"/>
+              </a:rPr>
+            </a:br>
+            <a:endParaRPr lang="en-US" sz="2400" b="1" dirty="0">
+              <a:solidFill>
+                <a:schemeClr val="accent1"/>
+              </a:solidFill>
+              <a:latin typeface="Cambria" panose="02040503050406030204" pitchFamily="18" charset="0"/>
+            </a:endParaRPr>
+          </a:p>
+          <a:p>
+            <a:pPr marL="342900" indent="-342900">
+              <a:buFont typeface="Arial"/>
+              <a:buChar char="•"/>
+            </a:pPr>
+            <a:r>
+              <a:rPr lang="en-US" sz="2400" b="1" dirty="0">
+                <a:solidFill>
+                  <a:schemeClr val="accent1"/>
+                </a:solidFill>
+                <a:latin typeface="Cambria" panose="02040503050406030204" pitchFamily="18" charset="0"/>
+              </a:rPr>
+              <a:t>BEST PRACTICES</a:t>
+            </a:r>
+            <a:br>
+              <a:rPr lang="en-US" sz="2400" b="1" dirty="0">
+                <a:solidFill>
+                  <a:schemeClr val="accent1"/>
+                </a:solidFill>
+                <a:latin typeface="Cambria" panose="02040503050406030204" pitchFamily="18" charset="0"/>
+              </a:rPr>
+            </a:br>
+            <a:endParaRPr lang="en-US" sz="2400" b="1" dirty="0">
+              <a:solidFill>
+                <a:schemeClr val="accent1"/>
+              </a:solidFill>
+              <a:latin typeface="Cambria" panose="02040503050406030204" pitchFamily="18" charset="0"/>
+            </a:endParaRPr>
+          </a:p>
+          <a:p>
+            <a:pPr marL="342900" indent="-342900">
+              <a:buFont typeface="Arial"/>
+              <a:buChar char="•"/>
+            </a:pPr>
+            <a:r>
+              <a:rPr lang="en-US" sz="2400" b="1" dirty="0">
+                <a:solidFill>
+                  <a:schemeClr val="accent1"/>
+                </a:solidFill>
+                <a:latin typeface="Cambria" panose="02040503050406030204" pitchFamily="18" charset="0"/>
+              </a:rPr>
+              <a:t>COMPETITIONS</a:t>
+            </a:r>
+            <a:br>
+              <a:rPr lang="en-US" sz="2400" b="1" dirty="0">
+                <a:solidFill>
+                  <a:schemeClr val="accent1"/>
+                </a:solidFill>
+                <a:latin typeface="Cambria" panose="02040503050406030204" pitchFamily="18" charset="0"/>
+              </a:rPr>
+            </a:br>
+            <a:endParaRPr lang="en-US" sz="2400" b="1" dirty="0">
+              <a:solidFill>
+                <a:schemeClr val="accent1"/>
+              </a:solidFill>
+              <a:latin typeface="Cambria" panose="02040503050406030204" pitchFamily="18" charset="0"/>
+            </a:endParaRPr>
+          </a:p>
+        </p:txBody>
+      </p:sp>
+    </p:spTree>
+    <p:extLst>
+      <p:ext uri="{BB962C8B-B14F-4D97-AF65-F5344CB8AC3E}">
+        <p14:creationId xmlns:p14="http://schemas.microsoft.com/office/powerpoint/2010/main" val="3105999542"/>
+      </p:ext>
+    </p:extLst>
+  </p:cSld>
+  <p:clrMapOvr>
+    <a:masterClrMapping/>
+  </p:clrMapOvr>
+  <mc:AlternateContent xmlns:mc="http://schemas.openxmlformats.org/markup-compatibility/2006" xmlns:p14="http://schemas.microsoft.com/office/powerpoint/2010/main">
+    <mc:Choice Requires="p14">
+      <p:transition spd="med" p14:dur="700">
+        <p:fade/>
+      </p:transition>
+    </mc:Choice>
+    <mc:Fallback xmlns="">
+      <p:transition spd="med">
+        <p:fade/>
+      </p:transition>
+    </mc:Fallback>
+  </mc:AlternateContent>
+</p:sld>
+</file>
+
+<file path=ppt/slides/slide12.xml><?xml version="1.0" encoding="utf-8"?>
+<p:sld xmlns:a="http://schemas.openxmlformats.org/drawingml/2006/main" xmlns:r="http://schemas.openxmlformats.org/officeDocument/2006/relationships" xmlns:p="http://schemas.openxmlformats.org/presentationml/2006/main">
+  <p:cSld>
+    <p:spTree>
+      <p:nvGrpSpPr>
+        <p:cNvPr id="1" name=""/>
+        <p:cNvGrpSpPr/>
+        <p:nvPr/>
+      </p:nvGrpSpPr>
+      <p:grpSpPr>
+        <a:xfrm>
+          <a:off x="0" y="0"/>
+          <a:ext cx="0" cy="0"/>
+          <a:chOff x="0" y="0"/>
+          <a:chExt cx="0" cy="0"/>
+        </a:xfrm>
+      </p:grpSpPr>
+      <p:sp>
+        <p:nvSpPr>
+          <p:cNvPr id="8" name="TextBox 7"/>
+          <p:cNvSpPr txBox="1"/>
+          <p:nvPr/>
+        </p:nvSpPr>
+        <p:spPr>
+          <a:xfrm>
+            <a:off x="1271768" y="1115051"/>
+            <a:ext cx="9196386" cy="630942"/>
+          </a:xfrm>
+          <a:prstGeom prst="rect">
+            <a:avLst/>
+          </a:prstGeom>
+          <a:noFill/>
+        </p:spPr>
+        <p:txBody>
+          <a:bodyPr wrap="square" rtlCol="0">
+            <a:spAutoFit/>
+          </a:bodyPr>
+          <a:lstStyle/>
+          <a:p>
+            <a:r>
+              <a:rPr lang="en-US" sz="3500" b="1" dirty="0">
+                <a:solidFill>
+                  <a:schemeClr val="accent1"/>
+                </a:solidFill>
+                <a:latin typeface="Cambria" panose="02040503050406030204" pitchFamily="18" charset="0"/>
+              </a:rPr>
+              <a:t>DATA GREEDINESS</a:t>
+            </a:r>
+          </a:p>
+        </p:txBody>
+      </p:sp>
+    </p:spTree>
+    <p:extLst>
+      <p:ext uri="{BB962C8B-B14F-4D97-AF65-F5344CB8AC3E}">
+        <p14:creationId xmlns:p14="http://schemas.microsoft.com/office/powerpoint/2010/main" val="1108266415"/>
+      </p:ext>
+    </p:extLst>
+  </p:cSld>
+  <p:clrMapOvr>
+    <a:masterClrMapping/>
+  </p:clrMapOvr>
+  <mc:AlternateContent xmlns:mc="http://schemas.openxmlformats.org/markup-compatibility/2006" xmlns:p14="http://schemas.microsoft.com/office/powerpoint/2010/main">
+    <mc:Choice Requires="p14">
+      <p:transition spd="med" p14:dur="700">
+        <p:fade/>
+      </p:transition>
+    </mc:Choice>
+    <mc:Fallback xmlns="">
+      <p:transition spd="med">
+        <p:fade/>
+      </p:transition>
+    </mc:Fallback>
+  </mc:AlternateContent>
+</p:sld>
+</file>
+
+<file path=ppt/slides/slide13.xml><?xml version="1.0" encoding="utf-8"?>
+<p:sld xmlns:a="http://schemas.openxmlformats.org/drawingml/2006/main" xmlns:r="http://schemas.openxmlformats.org/officeDocument/2006/relationships" xmlns:p="http://schemas.openxmlformats.org/presentationml/2006/main">
+  <p:cSld>
+    <p:spTree>
+      <p:nvGrpSpPr>
+        <p:cNvPr id="1" name=""/>
+        <p:cNvGrpSpPr/>
+        <p:nvPr/>
+      </p:nvGrpSpPr>
+      <p:grpSpPr>
+        <a:xfrm>
+          <a:off x="0" y="0"/>
+          <a:ext cx="0" cy="0"/>
+          <a:chOff x="0" y="0"/>
+          <a:chExt cx="0" cy="0"/>
+        </a:xfrm>
+      </p:grpSpPr>
+      <p:sp>
+        <p:nvSpPr>
+          <p:cNvPr id="8" name="TextBox 7"/>
+          <p:cNvSpPr txBox="1"/>
+          <p:nvPr/>
+        </p:nvSpPr>
+        <p:spPr>
+          <a:xfrm>
+            <a:off x="1271768" y="1115051"/>
+            <a:ext cx="9196386" cy="1169551"/>
+          </a:xfrm>
+          <a:prstGeom prst="rect">
+            <a:avLst/>
+          </a:prstGeom>
+          <a:noFill/>
+        </p:spPr>
+        <p:txBody>
+          <a:bodyPr wrap="square" rtlCol="0">
+            <a:spAutoFit/>
+          </a:bodyPr>
+          <a:lstStyle/>
+          <a:p>
+            <a:r>
+              <a:rPr lang="en-US" sz="3500" b="1" dirty="0">
+                <a:solidFill>
+                  <a:schemeClr val="accent1"/>
+                </a:solidFill>
+                <a:latin typeface="Cambria" panose="02040503050406030204" pitchFamily="18" charset="0"/>
+              </a:rPr>
+              <a:t>ENTREPRENEURS &amp; VENTURE CAPITAL ECOSYSTEMS</a:t>
+            </a:r>
+          </a:p>
+        </p:txBody>
+      </p:sp>
+    </p:spTree>
+    <p:extLst>
+      <p:ext uri="{BB962C8B-B14F-4D97-AF65-F5344CB8AC3E}">
+        <p14:creationId xmlns:p14="http://schemas.microsoft.com/office/powerpoint/2010/main" val="983120470"/>
+      </p:ext>
+    </p:extLst>
+  </p:cSld>
+  <p:clrMapOvr>
+    <a:masterClrMapping/>
+  </p:clrMapOvr>
+  <mc:AlternateContent xmlns:mc="http://schemas.openxmlformats.org/markup-compatibility/2006" xmlns:p14="http://schemas.microsoft.com/office/powerpoint/2010/main">
+    <mc:Choice Requires="p14">
+      <p:transition spd="med" p14:dur="700">
+        <p:fade/>
+      </p:transition>
+    </mc:Choice>
+    <mc:Fallback xmlns="">
+      <p:transition spd="med">
+        <p:fade/>
+      </p:transition>
+    </mc:Fallback>
+  </mc:AlternateContent>
+</p:sld>
+</file>
+
+<file path=ppt/slides/slide14.xml><?xml version="1.0" encoding="utf-8"?>
+<p:sld xmlns:a="http://schemas.openxmlformats.org/drawingml/2006/main" xmlns:r="http://schemas.openxmlformats.org/officeDocument/2006/relationships" xmlns:p="http://schemas.openxmlformats.org/presentationml/2006/main">
+  <p:cSld>
+    <p:spTree>
+      <p:nvGrpSpPr>
+        <p:cNvPr id="1" name=""/>
+        <p:cNvGrpSpPr/>
+        <p:nvPr/>
+      </p:nvGrpSpPr>
+      <p:grpSpPr>
+        <a:xfrm>
+          <a:off x="0" y="0"/>
+          <a:ext cx="0" cy="0"/>
+          <a:chOff x="0" y="0"/>
+          <a:chExt cx="0" cy="0"/>
+        </a:xfrm>
+      </p:grpSpPr>
+      <p:sp>
+        <p:nvSpPr>
+          <p:cNvPr id="8" name="TextBox 7"/>
+          <p:cNvSpPr txBox="1"/>
+          <p:nvPr/>
+        </p:nvSpPr>
+        <p:spPr>
+          <a:xfrm>
+            <a:off x="1271768" y="1115051"/>
+            <a:ext cx="9196386" cy="630942"/>
+          </a:xfrm>
+          <a:prstGeom prst="rect">
+            <a:avLst/>
+          </a:prstGeom>
+          <a:noFill/>
+        </p:spPr>
+        <p:txBody>
+          <a:bodyPr wrap="square" rtlCol="0">
+            <a:spAutoFit/>
+          </a:bodyPr>
+          <a:lstStyle/>
+          <a:p>
+            <a:r>
+              <a:rPr lang="en-US" sz="3500" b="1" dirty="0">
+                <a:solidFill>
+                  <a:schemeClr val="accent1"/>
+                </a:solidFill>
+                <a:latin typeface="Cambria" panose="02040503050406030204" pitchFamily="18" charset="0"/>
+              </a:rPr>
+              <a:t>THE WINNER-TAKE ALL ECONOMICS</a:t>
+            </a:r>
+          </a:p>
+        </p:txBody>
+      </p:sp>
+    </p:spTree>
+    <p:extLst>
+      <p:ext uri="{BB962C8B-B14F-4D97-AF65-F5344CB8AC3E}">
+        <p14:creationId xmlns:p14="http://schemas.microsoft.com/office/powerpoint/2010/main" val="3740597422"/>
+      </p:ext>
+    </p:extLst>
+  </p:cSld>
+  <p:clrMapOvr>
+    <a:masterClrMapping/>
+  </p:clrMapOvr>
+  <mc:AlternateContent xmlns:mc="http://schemas.openxmlformats.org/markup-compatibility/2006" xmlns:p14="http://schemas.microsoft.com/office/powerpoint/2010/main">
+    <mc:Choice Requires="p14">
+      <p:transition spd="med" p14:dur="700">
+        <p:fade/>
+      </p:transition>
+    </mc:Choice>
+    <mc:Fallback xmlns="">
+      <p:transition spd="med">
+        <p:fade/>
+      </p:transition>
+    </mc:Fallback>
+  </mc:AlternateContent>
+</p:sld>
+</file>
+
+<file path=ppt/slides/slide15.xml><?xml version="1.0" encoding="utf-8"?>
+<p:sld xmlns:a="http://schemas.openxmlformats.org/drawingml/2006/main" xmlns:r="http://schemas.openxmlformats.org/officeDocument/2006/relationships" xmlns:p="http://schemas.openxmlformats.org/presentationml/2006/main">
+  <p:cSld>
+    <p:spTree>
+      <p:nvGrpSpPr>
+        <p:cNvPr id="1" name=""/>
+        <p:cNvGrpSpPr/>
+        <p:nvPr/>
+      </p:nvGrpSpPr>
+      <p:grpSpPr>
+        <a:xfrm>
+          <a:off x="0" y="0"/>
+          <a:ext cx="0" cy="0"/>
+          <a:chOff x="0" y="0"/>
+          <a:chExt cx="0" cy="0"/>
+        </a:xfrm>
+      </p:grpSpPr>
+      <p:sp>
+        <p:nvSpPr>
+          <p:cNvPr id="8" name="TextBox 7"/>
+          <p:cNvSpPr txBox="1"/>
+          <p:nvPr/>
+        </p:nvSpPr>
+        <p:spPr>
+          <a:xfrm>
+            <a:off x="1271768" y="1115051"/>
+            <a:ext cx="9196386" cy="630942"/>
+          </a:xfrm>
+          <a:prstGeom prst="rect">
+            <a:avLst/>
+          </a:prstGeom>
+          <a:noFill/>
+        </p:spPr>
+        <p:txBody>
+          <a:bodyPr wrap="square" rtlCol="0">
+            <a:spAutoFit/>
+          </a:bodyPr>
+          <a:lstStyle/>
+          <a:p>
+            <a:r>
+              <a:rPr lang="en-US" sz="3500" b="1" dirty="0">
+                <a:solidFill>
+                  <a:schemeClr val="accent1"/>
+                </a:solidFill>
+                <a:latin typeface="Cambria" panose="02040503050406030204" pitchFamily="18" charset="0"/>
+              </a:rPr>
               <a:t>MEDIA-ATTENTION DISTORTS REALITY</a:t>
             </a:r>
           </a:p>
@@ -4234,7 +5199,7 @@
 </p:sld>
 </file>
 
-<file path=ppt/slides/slide11.xml><?xml version="1.0" encoding="utf-8"?>
+<file path=ppt/slides/slide16.xml><?xml version="1.0" encoding="utf-8"?>
 <p:sld xmlns:a="http://schemas.openxmlformats.org/drawingml/2006/main" xmlns:r="http://schemas.openxmlformats.org/officeDocument/2006/relationships" xmlns:p="http://schemas.openxmlformats.org/presentationml/2006/main">
   <p:cSld>
     <p:spTree>
@@ -4938,7 +5903,7 @@
         <p:spPr>
           <a:xfrm>
             <a:off x="1271768" y="1115051"/>
-            <a:ext cx="9196386" cy="630942"/>
+            <a:ext cx="9196386" cy="553998"/>
           </a:xfrm>
           <a:prstGeom prst="rect">
             <a:avLst/>
@@ -4952,21 +5917,137 @@
           <a:lstStyle/>
           <a:p>
             <a:r>
-              <a:rPr lang="en-US" sz="3500" b="1" dirty="0">
+              <a:rPr lang="en-US" sz="3000" b="1" dirty="0">
                 <a:solidFill>
                   <a:schemeClr val="accent1"/>
                 </a:solidFill>
                 <a:latin typeface="Cambria" panose="02040503050406030204" pitchFamily="18" charset="0"/>
               </a:rPr>
-              <a:t>NARROW VS. GENERAL INTELLIGENCE</a:t>
-            </a:r>
+              <a:t>ASSESSING SCIENTIFIC PAPERS</a:t>
+            </a:r>
+          </a:p>
+        </p:txBody>
+      </p:sp>
+      <p:sp>
+        <p:nvSpPr>
+          <p:cNvPr id="6" name="TextBox 5">
+            <a:extLst>
+              <a:ext uri="{FF2B5EF4-FFF2-40B4-BE49-F238E27FC236}">
+                <a16:creationId xmlns:a16="http://schemas.microsoft.com/office/drawing/2014/main" id="{80CDDE41-8C09-D54C-917C-9FB77CE4824D}"/>
+              </a:ext>
+            </a:extLst>
+          </p:cNvPr>
+          <p:cNvSpPr txBox="1"/>
+          <p:nvPr/>
+        </p:nvSpPr>
+        <p:spPr>
+          <a:xfrm>
+            <a:off x="1275701" y="2333156"/>
+            <a:ext cx="9909364" cy="2308324"/>
+          </a:xfrm>
+          <a:prstGeom prst="rect">
+            <a:avLst/>
+          </a:prstGeom>
+          <a:noFill/>
+        </p:spPr>
+        <p:txBody>
+          <a:bodyPr wrap="square" rtlCol="0">
+            <a:spAutoFit/>
+          </a:bodyPr>
+          <a:lstStyle/>
+          <a:p>
+            <a:pPr marL="342900" indent="-342900">
+              <a:buFont typeface="Arial"/>
+              <a:buChar char="•"/>
+            </a:pPr>
+            <a:r>
+              <a:rPr lang="en-US" sz="2400" b="1" dirty="0">
+                <a:solidFill>
+                  <a:schemeClr val="accent1"/>
+                </a:solidFill>
+                <a:latin typeface="Cambria" panose="02040503050406030204" pitchFamily="18" charset="0"/>
+              </a:rPr>
+              <a:t>FLOOD OF MEDIA ATTENTION MIGHT DISTORT REALITY</a:t>
+            </a:r>
+            <a:br>
+              <a:rPr lang="en-US" sz="2400" b="1" dirty="0">
+                <a:solidFill>
+                  <a:schemeClr val="accent1"/>
+                </a:solidFill>
+                <a:latin typeface="Cambria" panose="02040503050406030204" pitchFamily="18" charset="0"/>
+              </a:rPr>
+            </a:br>
+            <a:endParaRPr lang="en-US" sz="2400" b="1" dirty="0">
+              <a:solidFill>
+                <a:schemeClr val="accent1"/>
+              </a:solidFill>
+              <a:latin typeface="Cambria" panose="02040503050406030204" pitchFamily="18" charset="0"/>
+            </a:endParaRPr>
+          </a:p>
+          <a:p>
+            <a:pPr marL="342900" indent="-342900">
+              <a:buFont typeface="Arial"/>
+              <a:buChar char="•"/>
+            </a:pPr>
+            <a:r>
+              <a:rPr lang="en-US" sz="2400" b="1" dirty="0">
+                <a:solidFill>
+                  <a:schemeClr val="accent1"/>
+                </a:solidFill>
+                <a:latin typeface="Cambria" panose="02040503050406030204" pitchFamily="18" charset="0"/>
+              </a:rPr>
+              <a:t>CAREFULLY ASSESS ACHIEVEMENTS, HYPOTHESIS, TRICKS, …</a:t>
+            </a:r>
+            <a:br>
+              <a:rPr lang="en-US" sz="2400" b="1" dirty="0">
+                <a:solidFill>
+                  <a:schemeClr val="accent1"/>
+                </a:solidFill>
+                <a:latin typeface="Cambria" panose="02040503050406030204" pitchFamily="18" charset="0"/>
+              </a:rPr>
+            </a:br>
+            <a:endParaRPr lang="en-US" sz="2400" b="1" dirty="0">
+              <a:solidFill>
+                <a:schemeClr val="accent1"/>
+              </a:solidFill>
+              <a:latin typeface="Cambria" panose="02040503050406030204" pitchFamily="18" charset="0"/>
+            </a:endParaRPr>
+          </a:p>
+          <a:p>
+            <a:pPr marL="342900" indent="-342900">
+              <a:buFont typeface="Arial"/>
+              <a:buChar char="•"/>
+            </a:pPr>
+            <a:r>
+              <a:rPr lang="en-US" sz="2400" b="1" dirty="0">
+                <a:solidFill>
+                  <a:schemeClr val="accent1"/>
+                </a:solidFill>
+                <a:latin typeface="Cambria" panose="02040503050406030204" pitchFamily="18" charset="0"/>
+              </a:rPr>
+              <a:t>REPRODUCIBILITY?</a:t>
+            </a:r>
+            <a:br>
+              <a:rPr lang="en-US" sz="2400" b="1" dirty="0">
+                <a:solidFill>
+                  <a:schemeClr val="accent1"/>
+                </a:solidFill>
+                <a:latin typeface="Cambria" panose="02040503050406030204" pitchFamily="18" charset="0"/>
+              </a:rPr>
+            </a:br>
+            <a:endParaRPr lang="en-US" sz="2400" b="1" dirty="0">
+              <a:solidFill>
+                <a:schemeClr val="accent1"/>
+              </a:solidFill>
+              <a:latin typeface="Cambria" panose="02040503050406030204" pitchFamily="18" charset="0"/>
+            </a:endParaRPr>
           </a:p>
         </p:txBody>
       </p:sp>
     </p:spTree>
     <p:extLst>
       <p:ext uri="{BB962C8B-B14F-4D97-AF65-F5344CB8AC3E}">
-        <p14:creationId xmlns:p14="http://schemas.microsoft.com/office/powerpoint/2010/main" val="1581891547"/>
+        <p14:creationId xmlns:p14="http://schemas.microsoft.com/office/powerpoint/2010/main" val="4166614193"/>
       </p:ext>
     </p:extLst>
   </p:cSld>
@@ -5014,7 +6095,7 @@
         <p:spPr>
           <a:xfrm>
             <a:off x="1271768" y="1115051"/>
-            <a:ext cx="9196386" cy="630942"/>
+            <a:ext cx="9196386" cy="553998"/>
           </a:xfrm>
           <a:prstGeom prst="rect">
             <a:avLst/>
@@ -5028,21 +6109,201 @@
           <a:lstStyle/>
           <a:p>
             <a:r>
-              <a:rPr lang="en-US" sz="3500" b="1" dirty="0">
+              <a:rPr lang="en-US" sz="3000" b="1" dirty="0">
                 <a:solidFill>
                   <a:schemeClr val="accent1"/>
                 </a:solidFill>
                 <a:latin typeface="Cambria" panose="02040503050406030204" pitchFamily="18" charset="0"/>
               </a:rPr>
-              <a:t>DATA GREEDINESS</a:t>
-            </a:r>
+              <a:t>INDUSTRIALIZED AI</a:t>
+            </a:r>
+          </a:p>
+        </p:txBody>
+      </p:sp>
+      <p:sp>
+        <p:nvSpPr>
+          <p:cNvPr id="6" name="TextBox 5">
+            <a:extLst>
+              <a:ext uri="{FF2B5EF4-FFF2-40B4-BE49-F238E27FC236}">
+                <a16:creationId xmlns:a16="http://schemas.microsoft.com/office/drawing/2014/main" id="{80CDDE41-8C09-D54C-917C-9FB77CE4824D}"/>
+              </a:ext>
+            </a:extLst>
+          </p:cNvPr>
+          <p:cNvSpPr txBox="1"/>
+          <p:nvPr/>
+        </p:nvSpPr>
+        <p:spPr>
+          <a:xfrm>
+            <a:off x="1275701" y="2333156"/>
+            <a:ext cx="9909364" cy="2677656"/>
+          </a:xfrm>
+          <a:prstGeom prst="rect">
+            <a:avLst/>
+          </a:prstGeom>
+          <a:noFill/>
+        </p:spPr>
+        <p:txBody>
+          <a:bodyPr wrap="square" rtlCol="0">
+            <a:spAutoFit/>
+          </a:bodyPr>
+          <a:lstStyle/>
+          <a:p>
+            <a:pPr marL="342900" indent="-342900">
+              <a:buFont typeface="Arial"/>
+              <a:buChar char="•"/>
+            </a:pPr>
+            <a:r>
+              <a:rPr lang="en-US" sz="2400" b="1" dirty="0">
+                <a:solidFill>
+                  <a:schemeClr val="accent1"/>
+                </a:solidFill>
+                <a:latin typeface="Cambria" panose="02040503050406030204" pitchFamily="18" charset="0"/>
+              </a:rPr>
+              <a:t>STILL MAINLY ARTISANAL &amp; HAND-CRAFTED</a:t>
+            </a:r>
+            <a:br>
+              <a:rPr lang="en-US" sz="2400" b="1" dirty="0">
+                <a:solidFill>
+                  <a:schemeClr val="accent1"/>
+                </a:solidFill>
+                <a:latin typeface="Cambria" panose="02040503050406030204" pitchFamily="18" charset="0"/>
+              </a:rPr>
+            </a:br>
+            <a:endParaRPr lang="en-US" sz="2400" b="1" dirty="0">
+              <a:solidFill>
+                <a:schemeClr val="accent1"/>
+              </a:solidFill>
+              <a:latin typeface="Cambria" panose="02040503050406030204" pitchFamily="18" charset="0"/>
+            </a:endParaRPr>
+          </a:p>
+          <a:p>
+            <a:pPr marL="342900" indent="-342900">
+              <a:buFont typeface="Arial"/>
+              <a:buChar char="•"/>
+            </a:pPr>
+            <a:r>
+              <a:rPr lang="en-US" sz="2400" b="1" dirty="0">
+                <a:solidFill>
+                  <a:schemeClr val="accent1"/>
+                </a:solidFill>
+                <a:latin typeface="Cambria" panose="02040503050406030204" pitchFamily="18" charset="0"/>
+              </a:rPr>
+              <a:t>REPRODUCIBILITY/STANDARDIZATION FOR INDUSTRIAL DEPLOYMENT</a:t>
+            </a:r>
+            <a:br>
+              <a:rPr lang="en-US" sz="2400" b="1" dirty="0">
+                <a:solidFill>
+                  <a:schemeClr val="accent1"/>
+                </a:solidFill>
+                <a:latin typeface="Cambria" panose="02040503050406030204" pitchFamily="18" charset="0"/>
+              </a:rPr>
+            </a:br>
+            <a:r>
+              <a:rPr lang="en-US" sz="2400" b="1" dirty="0">
+                <a:solidFill>
+                  <a:schemeClr val="accent1"/>
+                </a:solidFill>
+                <a:latin typeface="Cambria" panose="02040503050406030204" pitchFamily="18" charset="0"/>
+              </a:rPr>
+              <a:t> </a:t>
+            </a:r>
+          </a:p>
+          <a:p>
+            <a:pPr marL="342900" indent="-342900">
+              <a:buFont typeface="Arial"/>
+              <a:buChar char="•"/>
+            </a:pPr>
+            <a:r>
+              <a:rPr lang="en-US" sz="2400" b="1" dirty="0">
+                <a:solidFill>
+                  <a:schemeClr val="accent1"/>
+                </a:solidFill>
+                <a:latin typeface="Cambria" panose="02040503050406030204" pitchFamily="18" charset="0"/>
+              </a:rPr>
+              <a:t>TOOLS, METHODOLOGIES AND HR</a:t>
+            </a:r>
+            <a:br>
+              <a:rPr lang="en-US" sz="2400" b="1" dirty="0">
+                <a:solidFill>
+                  <a:schemeClr val="accent1"/>
+                </a:solidFill>
+                <a:latin typeface="Cambria" panose="02040503050406030204" pitchFamily="18" charset="0"/>
+              </a:rPr>
+            </a:br>
+            <a:endParaRPr lang="en-US" sz="2400" b="1" dirty="0">
+              <a:solidFill>
+                <a:schemeClr val="accent1"/>
+              </a:solidFill>
+              <a:latin typeface="Cambria" panose="02040503050406030204" pitchFamily="18" charset="0"/>
+            </a:endParaRPr>
+          </a:p>
+        </p:txBody>
+      </p:sp>
+      <p:sp>
+        <p:nvSpPr>
+          <p:cNvPr id="2" name="Rectangle 1">
+            <a:extLst>
+              <a:ext uri="{FF2B5EF4-FFF2-40B4-BE49-F238E27FC236}">
+                <a16:creationId xmlns:a16="http://schemas.microsoft.com/office/drawing/2014/main" id="{9C881274-35C7-DD44-90EF-A4093AAAC2D9}"/>
+              </a:ext>
+            </a:extLst>
+          </p:cNvPr>
+          <p:cNvSpPr/>
+          <p:nvPr/>
+        </p:nvSpPr>
+        <p:spPr>
+          <a:xfrm>
+            <a:off x="1271768" y="5429935"/>
+            <a:ext cx="9387840" cy="369332"/>
+          </a:xfrm>
+          <a:prstGeom prst="rect">
+            <a:avLst/>
+          </a:prstGeom>
+        </p:spPr>
+        <p:txBody>
+          <a:bodyPr wrap="square">
+            <a:spAutoFit/>
+          </a:bodyPr>
+          <a:lstStyle/>
+          <a:p>
+            <a:r>
+              <a:rPr lang="fr-FR" dirty="0">
+                <a:hlinkClick r:id="rId3"/>
+              </a:rPr>
+              <a:t>https://</a:t>
+            </a:r>
+            <a:r>
+              <a:rPr lang="fr-FR" dirty="0" err="1">
+                <a:hlinkClick r:id="rId3"/>
+              </a:rPr>
+              <a:t>medium.com</a:t>
+            </a:r>
+            <a:r>
+              <a:rPr lang="fr-FR" dirty="0">
+                <a:hlinkClick r:id="rId3"/>
+              </a:rPr>
+              <a:t>/@</a:t>
+            </a:r>
+            <a:r>
+              <a:rPr lang="fr-FR" dirty="0" err="1">
+                <a:hlinkClick r:id="rId3"/>
+              </a:rPr>
+              <a:t>Petuum</a:t>
+            </a:r>
+            <a:r>
+              <a:rPr lang="fr-FR" dirty="0">
+                <a:hlinkClick r:id="rId3"/>
+              </a:rPr>
+              <a:t>/what-is-industrialized-ai-and-why-is-it-important-42c0ee652113</a:t>
+            </a:r>
+            <a:endParaRPr lang="fr-FR" dirty="0"/>
           </a:p>
         </p:txBody>
       </p:sp>
     </p:spTree>
     <p:extLst>
       <p:ext uri="{BB962C8B-B14F-4D97-AF65-F5344CB8AC3E}">
-        <p14:creationId xmlns:p14="http://schemas.microsoft.com/office/powerpoint/2010/main" val="1108266415"/>
+        <p14:creationId xmlns:p14="http://schemas.microsoft.com/office/powerpoint/2010/main" val="4066552282"/>
       </p:ext>
     </p:extLst>
   </p:cSld>
@@ -5090,7 +6351,7 @@
         <p:spPr>
           <a:xfrm>
             <a:off x="1271768" y="1115051"/>
-            <a:ext cx="9196386" cy="1169551"/>
+            <a:ext cx="9196386" cy="553998"/>
           </a:xfrm>
           <a:prstGeom prst="rect">
             <a:avLst/>
@@ -5104,21 +6365,238 @@
           <a:lstStyle/>
           <a:p>
             <a:r>
-              <a:rPr lang="en-US" sz="3500" b="1" dirty="0">
+              <a:rPr lang="en-US" sz="3000" b="1" dirty="0">
                 <a:solidFill>
                   <a:schemeClr val="accent1"/>
                 </a:solidFill>
                 <a:latin typeface="Cambria" panose="02040503050406030204" pitchFamily="18" charset="0"/>
               </a:rPr>
-              <a:t>ENTREPRENEURS &amp; VENTURE CAPITAL ECOSYSTEMS</a:t>
-            </a:r>
+              <a:t>REPRODUCIBILITY OF AI RESEARCH PAPERS</a:t>
+            </a:r>
+          </a:p>
+        </p:txBody>
+      </p:sp>
+      <p:sp>
+        <p:nvSpPr>
+          <p:cNvPr id="6" name="TextBox 5">
+            <a:extLst>
+              <a:ext uri="{FF2B5EF4-FFF2-40B4-BE49-F238E27FC236}">
+                <a16:creationId xmlns:a16="http://schemas.microsoft.com/office/drawing/2014/main" id="{80CDDE41-8C09-D54C-917C-9FB77CE4824D}"/>
+              </a:ext>
+            </a:extLst>
+          </p:cNvPr>
+          <p:cNvSpPr txBox="1"/>
+          <p:nvPr/>
+        </p:nvSpPr>
+        <p:spPr>
+          <a:xfrm>
+            <a:off x="1275701" y="2333156"/>
+            <a:ext cx="9909364" cy="2308324"/>
+          </a:xfrm>
+          <a:prstGeom prst="rect">
+            <a:avLst/>
+          </a:prstGeom>
+          <a:noFill/>
+        </p:spPr>
+        <p:txBody>
+          <a:bodyPr wrap="square" rtlCol="0">
+            <a:spAutoFit/>
+          </a:bodyPr>
+          <a:lstStyle/>
+          <a:p>
+            <a:pPr marL="342900" indent="-342900">
+              <a:buFont typeface="Arial"/>
+              <a:buChar char="•"/>
+            </a:pPr>
+            <a:r>
+              <a:rPr lang="en-US" sz="2400" b="1" dirty="0">
+                <a:solidFill>
+                  <a:schemeClr val="accent1"/>
+                </a:solidFill>
+                <a:latin typeface="Cambria" panose="02040503050406030204" pitchFamily="18" charset="0"/>
+              </a:rPr>
+              <a:t>THE NOW PERVASIVE JUPYTER NOTEBOOKS </a:t>
+            </a:r>
+            <a:br>
+              <a:rPr lang="en-US" sz="2400" b="1" dirty="0">
+                <a:solidFill>
+                  <a:schemeClr val="accent1"/>
+                </a:solidFill>
+                <a:latin typeface="Cambria" panose="02040503050406030204" pitchFamily="18" charset="0"/>
+              </a:rPr>
+            </a:br>
+            <a:endParaRPr lang="en-US" sz="2400" b="1" dirty="0">
+              <a:solidFill>
+                <a:schemeClr val="accent1"/>
+              </a:solidFill>
+              <a:latin typeface="Cambria" panose="02040503050406030204" pitchFamily="18" charset="0"/>
+            </a:endParaRPr>
+          </a:p>
+          <a:p>
+            <a:pPr marL="342900" indent="-342900">
+              <a:buFont typeface="Arial"/>
+              <a:buChar char="•"/>
+            </a:pPr>
+            <a:r>
+              <a:rPr lang="en-US" sz="2400" b="1" dirty="0">
+                <a:solidFill>
+                  <a:schemeClr val="accent1"/>
+                </a:solidFill>
+                <a:latin typeface="Cambria" panose="02040503050406030204" pitchFamily="18" charset="0"/>
+              </a:rPr>
+              <a:t>OPEN-SOURCE AND GITHUB-LIKE CODE REPOSITORIES</a:t>
+            </a:r>
+            <a:br>
+              <a:rPr lang="en-US" sz="2400" b="1" dirty="0">
+                <a:solidFill>
+                  <a:schemeClr val="accent1"/>
+                </a:solidFill>
+                <a:latin typeface="Cambria" panose="02040503050406030204" pitchFamily="18" charset="0"/>
+              </a:rPr>
+            </a:br>
+            <a:r>
+              <a:rPr lang="en-US" sz="2400" b="1" dirty="0">
+                <a:solidFill>
+                  <a:schemeClr val="accent1"/>
+                </a:solidFill>
+                <a:latin typeface="Cambria" panose="02040503050406030204" pitchFamily="18" charset="0"/>
+              </a:rPr>
+              <a:t> </a:t>
+            </a:r>
+          </a:p>
+          <a:p>
+            <a:pPr marL="342900" indent="-342900">
+              <a:buFont typeface="Arial"/>
+              <a:buChar char="•"/>
+            </a:pPr>
+            <a:r>
+              <a:rPr lang="en-US" sz="2400" b="1" dirty="0">
+                <a:solidFill>
+                  <a:schemeClr val="accent1"/>
+                </a:solidFill>
+                <a:latin typeface="Cambria" panose="02040503050406030204" pitchFamily="18" charset="0"/>
+              </a:rPr>
+              <a:t>COMPUTING ENVIRONEMENTS AND POWER</a:t>
+            </a:r>
+            <a:br>
+              <a:rPr lang="en-US" sz="2400" b="1" dirty="0">
+                <a:solidFill>
+                  <a:schemeClr val="accent1"/>
+                </a:solidFill>
+                <a:latin typeface="Cambria" panose="02040503050406030204" pitchFamily="18" charset="0"/>
+              </a:rPr>
+            </a:br>
+            <a:endParaRPr lang="en-US" sz="2400" b="1" dirty="0">
+              <a:solidFill>
+                <a:schemeClr val="accent1"/>
+              </a:solidFill>
+              <a:latin typeface="Cambria" panose="02040503050406030204" pitchFamily="18" charset="0"/>
+            </a:endParaRPr>
+          </a:p>
+        </p:txBody>
+      </p:sp>
+      <p:sp>
+        <p:nvSpPr>
+          <p:cNvPr id="3" name="Rectangle 2">
+            <a:extLst>
+              <a:ext uri="{FF2B5EF4-FFF2-40B4-BE49-F238E27FC236}">
+                <a16:creationId xmlns:a16="http://schemas.microsoft.com/office/drawing/2014/main" id="{95F4BF44-01E4-1244-82A7-A1E9E34470A9}"/>
+              </a:ext>
+            </a:extLst>
+          </p:cNvPr>
+          <p:cNvSpPr/>
+          <p:nvPr/>
+        </p:nvSpPr>
+        <p:spPr>
+          <a:xfrm>
+            <a:off x="1271768" y="5120921"/>
+            <a:ext cx="5352491" cy="369332"/>
+          </a:xfrm>
+          <a:prstGeom prst="rect">
+            <a:avLst/>
+          </a:prstGeom>
+        </p:spPr>
+        <p:txBody>
+          <a:bodyPr wrap="none">
+            <a:spAutoFit/>
+          </a:bodyPr>
+          <a:lstStyle/>
+          <a:p>
+            <a:r>
+              <a:rPr lang="fr-FR" dirty="0">
+                <a:hlinkClick r:id="rId3"/>
+              </a:rPr>
+              <a:t>https://</a:t>
+            </a:r>
+            <a:r>
+              <a:rPr lang="fr-FR" dirty="0" err="1">
+                <a:hlinkClick r:id="rId3"/>
+              </a:rPr>
+              <a:t>www.nature.com</a:t>
+            </a:r>
+            <a:r>
+              <a:rPr lang="fr-FR" dirty="0">
+                <a:hlinkClick r:id="rId3"/>
+              </a:rPr>
+              <a:t>/articles/d41586-018-07196-1</a:t>
+            </a:r>
+            <a:endParaRPr lang="fr-FR" dirty="0"/>
+          </a:p>
+        </p:txBody>
+      </p:sp>
+      <p:sp>
+        <p:nvSpPr>
+          <p:cNvPr id="4" name="Rectangle 3">
+            <a:extLst>
+              <a:ext uri="{FF2B5EF4-FFF2-40B4-BE49-F238E27FC236}">
+                <a16:creationId xmlns:a16="http://schemas.microsoft.com/office/drawing/2014/main" id="{7353E6E4-C45C-FE48-8E22-BCBB9421F44F}"/>
+              </a:ext>
+            </a:extLst>
+          </p:cNvPr>
+          <p:cNvSpPr/>
+          <p:nvPr/>
+        </p:nvSpPr>
+        <p:spPr>
+          <a:xfrm>
+            <a:off x="1271768" y="5490253"/>
+            <a:ext cx="3506857" cy="369332"/>
+          </a:xfrm>
+          <a:prstGeom prst="rect">
+            <a:avLst/>
+          </a:prstGeom>
+        </p:spPr>
+        <p:txBody>
+          <a:bodyPr wrap="none">
+            <a:spAutoFit/>
+          </a:bodyPr>
+          <a:lstStyle/>
+          <a:p>
+            <a:r>
+              <a:rPr lang="fr-FR" dirty="0">
+                <a:hlinkClick r:id="rId4"/>
+              </a:rPr>
+              <a:t>https://</a:t>
+            </a:r>
+            <a:r>
+              <a:rPr lang="fr-FR" dirty="0" err="1">
+                <a:hlinkClick r:id="rId4"/>
+              </a:rPr>
+              <a:t>colab.research.google.com</a:t>
+            </a:r>
+            <a:r>
+              <a:rPr lang="fr-FR" dirty="0">
+                <a:hlinkClick r:id="rId4"/>
+              </a:rPr>
+              <a:t>/</a:t>
+            </a:r>
+            <a:endParaRPr lang="fr-FR" dirty="0"/>
           </a:p>
         </p:txBody>
       </p:sp>
     </p:spTree>
     <p:extLst>
       <p:ext uri="{BB962C8B-B14F-4D97-AF65-F5344CB8AC3E}">
-        <p14:creationId xmlns:p14="http://schemas.microsoft.com/office/powerpoint/2010/main" val="983120470"/>
+        <p14:creationId xmlns:p14="http://schemas.microsoft.com/office/powerpoint/2010/main" val="513472006"/>
       </p:ext>
     </p:extLst>
   </p:cSld>
@@ -5166,7 +6644,7 @@
         <p:spPr>
           <a:xfrm>
             <a:off x="1271768" y="1115051"/>
-            <a:ext cx="9196386" cy="630942"/>
+            <a:ext cx="9196386" cy="553998"/>
           </a:xfrm>
           <a:prstGeom prst="rect">
             <a:avLst/>
@@ -5180,21 +6658,364 @@
           <a:lstStyle/>
           <a:p>
             <a:r>
-              <a:rPr lang="en-US" sz="3500" b="1" dirty="0">
+              <a:rPr lang="en-US" sz="3000" b="1" dirty="0">
                 <a:solidFill>
                   <a:schemeClr val="accent1"/>
                 </a:solidFill>
                 <a:latin typeface="Cambria" panose="02040503050406030204" pitchFamily="18" charset="0"/>
               </a:rPr>
-              <a:t>THE WINNER-TAKE ALL ECONOMICS</a:t>
-            </a:r>
+              <a:t>AI DEMOCRATIZATION</a:t>
+            </a:r>
+          </a:p>
+        </p:txBody>
+      </p:sp>
+      <p:sp>
+        <p:nvSpPr>
+          <p:cNvPr id="6" name="TextBox 5">
+            <a:extLst>
+              <a:ext uri="{FF2B5EF4-FFF2-40B4-BE49-F238E27FC236}">
+                <a16:creationId xmlns:a16="http://schemas.microsoft.com/office/drawing/2014/main" id="{80CDDE41-8C09-D54C-917C-9FB77CE4824D}"/>
+              </a:ext>
+            </a:extLst>
+          </p:cNvPr>
+          <p:cNvSpPr txBox="1"/>
+          <p:nvPr/>
+        </p:nvSpPr>
+        <p:spPr>
+          <a:xfrm>
+            <a:off x="1275701" y="2333156"/>
+            <a:ext cx="9909364" cy="2308324"/>
+          </a:xfrm>
+          <a:prstGeom prst="rect">
+            <a:avLst/>
+          </a:prstGeom>
+          <a:noFill/>
+        </p:spPr>
+        <p:txBody>
+          <a:bodyPr wrap="square" rtlCol="0">
+            <a:spAutoFit/>
+          </a:bodyPr>
+          <a:lstStyle/>
+          <a:p>
+            <a:pPr marL="342900" indent="-342900">
+              <a:buFont typeface="Arial"/>
+              <a:buChar char="•"/>
+            </a:pPr>
+            <a:r>
+              <a:rPr lang="en-US" sz="2400" b="1" dirty="0">
+                <a:solidFill>
+                  <a:schemeClr val="accent1"/>
+                </a:solidFill>
+                <a:latin typeface="Cambria" panose="02040503050406030204" pitchFamily="18" charset="0"/>
+              </a:rPr>
+              <a:t>ONLINE COURSES</a:t>
+            </a:r>
+            <a:br>
+              <a:rPr lang="en-US" sz="2400" b="1" dirty="0">
+                <a:solidFill>
+                  <a:schemeClr val="accent1"/>
+                </a:solidFill>
+                <a:latin typeface="Cambria" panose="02040503050406030204" pitchFamily="18" charset="0"/>
+              </a:rPr>
+            </a:br>
+            <a:endParaRPr lang="en-US" sz="2400" b="1" dirty="0">
+              <a:solidFill>
+                <a:schemeClr val="accent1"/>
+              </a:solidFill>
+              <a:latin typeface="Cambria" panose="02040503050406030204" pitchFamily="18" charset="0"/>
+            </a:endParaRPr>
+          </a:p>
+          <a:p>
+            <a:pPr marL="342900" indent="-342900">
+              <a:buFont typeface="Arial"/>
+              <a:buChar char="•"/>
+            </a:pPr>
+            <a:r>
+              <a:rPr lang="en-US" sz="2400" b="1" dirty="0">
+                <a:solidFill>
+                  <a:schemeClr val="accent1"/>
+                </a:solidFill>
+                <a:latin typeface="Cambria" panose="02040503050406030204" pitchFamily="18" charset="0"/>
+              </a:rPr>
+              <a:t>BEST PRACTICES</a:t>
+            </a:r>
+            <a:br>
+              <a:rPr lang="en-US" sz="2400" b="1" dirty="0">
+                <a:solidFill>
+                  <a:schemeClr val="accent1"/>
+                </a:solidFill>
+                <a:latin typeface="Cambria" panose="02040503050406030204" pitchFamily="18" charset="0"/>
+              </a:rPr>
+            </a:br>
+            <a:endParaRPr lang="en-US" sz="2400" b="1" dirty="0">
+              <a:solidFill>
+                <a:schemeClr val="accent1"/>
+              </a:solidFill>
+              <a:latin typeface="Cambria" panose="02040503050406030204" pitchFamily="18" charset="0"/>
+            </a:endParaRPr>
+          </a:p>
+          <a:p>
+            <a:pPr marL="342900" indent="-342900">
+              <a:buFont typeface="Arial"/>
+              <a:buChar char="•"/>
+            </a:pPr>
+            <a:r>
+              <a:rPr lang="en-US" sz="2400" b="1" dirty="0">
+                <a:solidFill>
+                  <a:schemeClr val="accent1"/>
+                </a:solidFill>
+                <a:latin typeface="Cambria" panose="02040503050406030204" pitchFamily="18" charset="0"/>
+              </a:rPr>
+              <a:t>COMPETITIONS</a:t>
+            </a:r>
+            <a:br>
+              <a:rPr lang="en-US" sz="2400" b="1" dirty="0">
+                <a:solidFill>
+                  <a:schemeClr val="accent1"/>
+                </a:solidFill>
+                <a:latin typeface="Cambria" panose="02040503050406030204" pitchFamily="18" charset="0"/>
+              </a:rPr>
+            </a:br>
+            <a:endParaRPr lang="en-US" sz="2400" b="1" dirty="0">
+              <a:solidFill>
+                <a:schemeClr val="accent1"/>
+              </a:solidFill>
+              <a:latin typeface="Cambria" panose="02040503050406030204" pitchFamily="18" charset="0"/>
+            </a:endParaRPr>
+          </a:p>
+        </p:txBody>
+      </p:sp>
+      <p:sp>
+        <p:nvSpPr>
+          <p:cNvPr id="2" name="Rectangle 1">
+            <a:extLst>
+              <a:ext uri="{FF2B5EF4-FFF2-40B4-BE49-F238E27FC236}">
+                <a16:creationId xmlns:a16="http://schemas.microsoft.com/office/drawing/2014/main" id="{9C881274-35C7-DD44-90EF-A4093AAAC2D9}"/>
+              </a:ext>
+            </a:extLst>
+          </p:cNvPr>
+          <p:cNvSpPr/>
+          <p:nvPr/>
+        </p:nvSpPr>
+        <p:spPr>
+          <a:xfrm>
+            <a:off x="1271768" y="5056555"/>
+            <a:ext cx="9387840" cy="369332"/>
+          </a:xfrm>
+          <a:prstGeom prst="rect">
+            <a:avLst/>
+          </a:prstGeom>
+        </p:spPr>
+        <p:txBody>
+          <a:bodyPr wrap="square">
+            <a:spAutoFit/>
+          </a:bodyPr>
+          <a:lstStyle/>
+          <a:p>
+            <a:r>
+              <a:rPr lang="fr-FR" dirty="0">
+                <a:hlinkClick r:id="rId3"/>
+              </a:rPr>
+              <a:t>https://www.deeplearning.ai/</a:t>
+            </a:r>
+            <a:endParaRPr lang="fr-FR" dirty="0"/>
+          </a:p>
+        </p:txBody>
+      </p:sp>
+      <p:sp>
+        <p:nvSpPr>
+          <p:cNvPr id="3" name="Rectangle 2">
+            <a:extLst>
+              <a:ext uri="{FF2B5EF4-FFF2-40B4-BE49-F238E27FC236}">
+                <a16:creationId xmlns:a16="http://schemas.microsoft.com/office/drawing/2014/main" id="{44390A30-7304-D347-93B6-D7A925027985}"/>
+              </a:ext>
+            </a:extLst>
+          </p:cNvPr>
+          <p:cNvSpPr/>
+          <p:nvPr/>
+        </p:nvSpPr>
+        <p:spPr>
+          <a:xfrm>
+            <a:off x="1271768" y="5324594"/>
+            <a:ext cx="2094869" cy="369332"/>
+          </a:xfrm>
+          <a:prstGeom prst="rect">
+            <a:avLst/>
+          </a:prstGeom>
+        </p:spPr>
+        <p:txBody>
+          <a:bodyPr wrap="none">
+            <a:spAutoFit/>
+          </a:bodyPr>
+          <a:lstStyle/>
+          <a:p>
+            <a:r>
+              <a:rPr lang="fr-FR" dirty="0">
+                <a:hlinkClick r:id="rId4"/>
+              </a:rPr>
+              <a:t>https://</a:t>
+            </a:r>
+            <a:r>
+              <a:rPr lang="fr-FR" dirty="0" err="1">
+                <a:hlinkClick r:id="rId4"/>
+              </a:rPr>
+              <a:t>www.fast.ai</a:t>
+            </a:r>
+            <a:r>
+              <a:rPr lang="fr-FR" dirty="0">
+                <a:hlinkClick r:id="rId4"/>
+              </a:rPr>
+              <a:t>/</a:t>
+            </a:r>
+            <a:endParaRPr lang="fr-FR" dirty="0"/>
+          </a:p>
+        </p:txBody>
+      </p:sp>
+      <p:sp>
+        <p:nvSpPr>
+          <p:cNvPr id="7" name="Rectangle 6">
+            <a:extLst>
+              <a:ext uri="{FF2B5EF4-FFF2-40B4-BE49-F238E27FC236}">
+                <a16:creationId xmlns:a16="http://schemas.microsoft.com/office/drawing/2014/main" id="{EFF1D905-FBB1-1440-9205-AFA8ACF08CAB}"/>
+              </a:ext>
+            </a:extLst>
+          </p:cNvPr>
+          <p:cNvSpPr/>
+          <p:nvPr/>
+        </p:nvSpPr>
+        <p:spPr>
+          <a:xfrm>
+            <a:off x="1271768" y="5595758"/>
+            <a:ext cx="2418675" cy="369332"/>
+          </a:xfrm>
+          <a:prstGeom prst="rect">
+            <a:avLst/>
+          </a:prstGeom>
+        </p:spPr>
+        <p:txBody>
+          <a:bodyPr wrap="none">
+            <a:spAutoFit/>
+          </a:bodyPr>
+          <a:lstStyle/>
+          <a:p>
+            <a:r>
+              <a:rPr lang="fr-FR" dirty="0">
+                <a:hlinkClick r:id="rId5"/>
+              </a:rPr>
+              <a:t>https://eu.udacity.com/</a:t>
+            </a:r>
+            <a:endParaRPr lang="fr-FR" dirty="0"/>
+          </a:p>
+        </p:txBody>
+      </p:sp>
+      <p:sp>
+        <p:nvSpPr>
+          <p:cNvPr id="4" name="Rectangle 3">
+            <a:extLst>
+              <a:ext uri="{FF2B5EF4-FFF2-40B4-BE49-F238E27FC236}">
+                <a16:creationId xmlns:a16="http://schemas.microsoft.com/office/drawing/2014/main" id="{555DB889-98E4-284A-8499-BD834C07FAC4}"/>
+              </a:ext>
+            </a:extLst>
+          </p:cNvPr>
+          <p:cNvSpPr/>
+          <p:nvPr/>
+        </p:nvSpPr>
+        <p:spPr>
+          <a:xfrm>
+            <a:off x="1271768" y="5868203"/>
+            <a:ext cx="2872838" cy="369332"/>
+          </a:xfrm>
+          <a:prstGeom prst="rect">
+            <a:avLst/>
+          </a:prstGeom>
+        </p:spPr>
+        <p:txBody>
+          <a:bodyPr wrap="none">
+            <a:spAutoFit/>
+          </a:bodyPr>
+          <a:lstStyle/>
+          <a:p>
+            <a:r>
+              <a:rPr lang="fr-FR" dirty="0">
+                <a:hlinkClick r:id="rId6"/>
+              </a:rPr>
+              <a:t>http://</a:t>
+            </a:r>
+            <a:r>
+              <a:rPr lang="fr-FR" dirty="0" err="1">
+                <a:hlinkClick r:id="rId6"/>
+              </a:rPr>
+              <a:t>www.mlyearning.org</a:t>
+            </a:r>
+            <a:r>
+              <a:rPr lang="fr-FR" dirty="0">
+                <a:hlinkClick r:id="rId6"/>
+              </a:rPr>
+              <a:t>/</a:t>
+            </a:r>
+            <a:endParaRPr lang="fr-FR" dirty="0"/>
+          </a:p>
+        </p:txBody>
+      </p:sp>
+      <p:sp>
+        <p:nvSpPr>
+          <p:cNvPr id="5" name="Rectangle 4">
+            <a:extLst>
+              <a:ext uri="{FF2B5EF4-FFF2-40B4-BE49-F238E27FC236}">
+                <a16:creationId xmlns:a16="http://schemas.microsoft.com/office/drawing/2014/main" id="{663BED60-1181-CC41-93FB-EA8A167EE6F3}"/>
+              </a:ext>
+            </a:extLst>
+          </p:cNvPr>
+          <p:cNvSpPr/>
+          <p:nvPr/>
+        </p:nvSpPr>
+        <p:spPr>
+          <a:xfrm>
+            <a:off x="1271768" y="6162227"/>
+            <a:ext cx="3823354" cy="369332"/>
+          </a:xfrm>
+          <a:prstGeom prst="rect">
+            <a:avLst/>
+          </a:prstGeom>
+        </p:spPr>
+        <p:txBody>
+          <a:bodyPr wrap="none">
+            <a:spAutoFit/>
+          </a:bodyPr>
+          <a:lstStyle/>
+          <a:p>
+            <a:r>
+              <a:rPr lang="fr-FR" dirty="0">
+                <a:hlinkClick r:id="rId7"/>
+              </a:rPr>
+              <a:t>https://</a:t>
+            </a:r>
+            <a:r>
+              <a:rPr lang="fr-FR" dirty="0" err="1">
+                <a:hlinkClick r:id="rId7"/>
+              </a:rPr>
+              <a:t>www.kaggle.com</a:t>
+            </a:r>
+            <a:r>
+              <a:rPr lang="fr-FR" dirty="0">
+                <a:hlinkClick r:id="rId7"/>
+              </a:rPr>
+              <a:t>/</a:t>
+            </a:r>
+            <a:r>
+              <a:rPr lang="fr-FR" dirty="0" err="1">
+                <a:hlinkClick r:id="rId7"/>
+              </a:rPr>
+              <a:t>competitions</a:t>
+            </a:r>
+            <a:endParaRPr lang="fr-FR" dirty="0"/>
           </a:p>
         </p:txBody>
       </p:sp>
     </p:spTree>
     <p:extLst>
       <p:ext uri="{BB962C8B-B14F-4D97-AF65-F5344CB8AC3E}">
-        <p14:creationId xmlns:p14="http://schemas.microsoft.com/office/powerpoint/2010/main" val="3740597422"/>
+        <p14:creationId xmlns:p14="http://schemas.microsoft.com/office/powerpoint/2010/main" val="643803180"/>
       </p:ext>
     </p:extLst>
   </p:cSld>

--- a/presentations/session-9-open-issues-in-ai.pptx
+++ b/presentations/session-9-open-issues-in-ai.pptx
@@ -5,7 +5,7 @@
     <p:sldMasterId id="2147483648" r:id="rId1"/>
   </p:sldMasterIdLst>
   <p:notesMasterIdLst>
-    <p:notesMasterId r:id="rId18"/>
+    <p:notesMasterId r:id="rId26"/>
   </p:notesMasterIdLst>
   <p:sldIdLst>
     <p:sldId id="263" r:id="rId2"/>
@@ -18,12 +18,20 @@
     <p:sldId id="568" r:id="rId9"/>
     <p:sldId id="566" r:id="rId10"/>
     <p:sldId id="558" r:id="rId11"/>
-    <p:sldId id="569" r:id="rId12"/>
-    <p:sldId id="559" r:id="rId13"/>
-    <p:sldId id="560" r:id="rId14"/>
-    <p:sldId id="561" r:id="rId15"/>
-    <p:sldId id="562" r:id="rId16"/>
-    <p:sldId id="563" r:id="rId17"/>
+    <p:sldId id="570" r:id="rId12"/>
+    <p:sldId id="575" r:id="rId13"/>
+    <p:sldId id="569" r:id="rId14"/>
+    <p:sldId id="576" r:id="rId15"/>
+    <p:sldId id="572" r:id="rId16"/>
+    <p:sldId id="581" r:id="rId17"/>
+    <p:sldId id="559" r:id="rId18"/>
+    <p:sldId id="582" r:id="rId19"/>
+    <p:sldId id="583" r:id="rId20"/>
+    <p:sldId id="585" r:id="rId21"/>
+    <p:sldId id="586" r:id="rId22"/>
+    <p:sldId id="584" r:id="rId23"/>
+    <p:sldId id="587" r:id="rId24"/>
+    <p:sldId id="588" r:id="rId25"/>
   </p:sldIdLst>
   <p:sldSz cx="12192000" cy="6858000"/>
   <p:notesSz cx="6797675" cy="9874250"/>
@@ -618,7 +626,10 @@
           <a:bodyPr/>
           <a:lstStyle/>
           <a:p>
-            <a:endParaRPr lang="en-US" dirty="0"/>
+            <a:r>
+              <a:rPr lang="en-US" dirty="0"/>
+              <a:t>AGI: Artificial General Intelligence</a:t>
+            </a:r>
           </a:p>
         </p:txBody>
       </p:sp>
@@ -702,18 +713,7 @@
           <a:bodyPr/>
           <a:lstStyle/>
           <a:p>
-            <a:r>
-              <a:rPr lang="en-US" dirty="0"/>
-              <a:t>https://</a:t>
-            </a:r>
-            <a:r>
-              <a:rPr lang="en-US" dirty="0" err="1"/>
-              <a:t>www.deeplearning.ai</a:t>
-            </a:r>
-            <a:r>
-              <a:rPr lang="en-US" dirty="0"/>
-              <a:t>/</a:t>
-            </a:r>
+            <a:endParaRPr lang="en-US" dirty="0"/>
           </a:p>
         </p:txBody>
       </p:sp>
@@ -743,7 +743,7 @@
     </p:spTree>
     <p:extLst>
       <p:ext uri="{BB962C8B-B14F-4D97-AF65-F5344CB8AC3E}">
-        <p14:creationId xmlns:p14="http://schemas.microsoft.com/office/powerpoint/2010/main" val="3534153860"/>
+        <p14:creationId xmlns:p14="http://schemas.microsoft.com/office/powerpoint/2010/main" val="18037204"/>
       </p:ext>
     </p:extLst>
   </p:cSld>
@@ -827,7 +827,7 @@
     </p:spTree>
     <p:extLst>
       <p:ext uri="{BB962C8B-B14F-4D97-AF65-F5344CB8AC3E}">
-        <p14:creationId xmlns:p14="http://schemas.microsoft.com/office/powerpoint/2010/main" val="1426491306"/>
+        <p14:creationId xmlns:p14="http://schemas.microsoft.com/office/powerpoint/2010/main" val="2461651564"/>
       </p:ext>
     </p:extLst>
   </p:cSld>
@@ -911,7 +911,7 @@
     </p:spTree>
     <p:extLst>
       <p:ext uri="{BB962C8B-B14F-4D97-AF65-F5344CB8AC3E}">
-        <p14:creationId xmlns:p14="http://schemas.microsoft.com/office/powerpoint/2010/main" val="3917118602"/>
+        <p14:creationId xmlns:p14="http://schemas.microsoft.com/office/powerpoint/2010/main" val="3534153860"/>
       </p:ext>
     </p:extLst>
   </p:cSld>
@@ -965,6 +965,594 @@
           <a:bodyPr/>
           <a:lstStyle/>
           <a:p>
+            <a:r>
+              <a:rPr lang="fr-FR" sz="1200" b="0" i="0" kern="1200" dirty="0">
+                <a:solidFill>
+                  <a:schemeClr val="tx1"/>
+                </a:solidFill>
+                <a:effectLst/>
+                <a:latin typeface="+mn-lt"/>
+                <a:ea typeface="+mn-ea"/>
+                <a:cs typeface="+mn-cs"/>
+              </a:rPr>
+              <a:t>if </a:t>
+            </a:r>
+            <a:r>
+              <a:rPr lang="fr-FR" sz="1200" b="0" i="0" kern="1200" dirty="0" err="1">
+                <a:solidFill>
+                  <a:schemeClr val="tx1"/>
+                </a:solidFill>
+                <a:effectLst/>
+                <a:latin typeface="+mn-lt"/>
+                <a:ea typeface="+mn-ea"/>
+                <a:cs typeface="+mn-cs"/>
+              </a:rPr>
+              <a:t>you</a:t>
+            </a:r>
+            <a:r>
+              <a:rPr lang="fr-FR" sz="1200" b="0" i="0" kern="1200" dirty="0">
+                <a:solidFill>
+                  <a:schemeClr val="tx1"/>
+                </a:solidFill>
+                <a:effectLst/>
+                <a:latin typeface="+mn-lt"/>
+                <a:ea typeface="+mn-ea"/>
+                <a:cs typeface="+mn-cs"/>
+              </a:rPr>
+              <a:t> use a pure </a:t>
+            </a:r>
+            <a:r>
+              <a:rPr lang="fr-FR" sz="1200" b="0" i="0" kern="1200" dirty="0" err="1">
+                <a:solidFill>
+                  <a:schemeClr val="tx1"/>
+                </a:solidFill>
+                <a:effectLst/>
+                <a:latin typeface="+mn-lt"/>
+                <a:ea typeface="+mn-ea"/>
+                <a:cs typeface="+mn-cs"/>
+              </a:rPr>
+              <a:t>reinforcement</a:t>
+            </a:r>
+            <a:r>
+              <a:rPr lang="fr-FR" sz="1200" b="0" i="0" kern="1200" dirty="0">
+                <a:solidFill>
+                  <a:schemeClr val="tx1"/>
+                </a:solidFill>
+                <a:effectLst/>
+                <a:latin typeface="+mn-lt"/>
+                <a:ea typeface="+mn-ea"/>
+                <a:cs typeface="+mn-cs"/>
+              </a:rPr>
+              <a:t> </a:t>
+            </a:r>
+            <a:r>
+              <a:rPr lang="fr-FR" sz="1200" b="0" i="0" kern="1200" dirty="0" err="1">
+                <a:solidFill>
+                  <a:schemeClr val="tx1"/>
+                </a:solidFill>
+                <a:effectLst/>
+                <a:latin typeface="+mn-lt"/>
+                <a:ea typeface="+mn-ea"/>
+                <a:cs typeface="+mn-cs"/>
+              </a:rPr>
+              <a:t>learning</a:t>
+            </a:r>
+            <a:r>
+              <a:rPr lang="fr-FR" sz="1200" b="0" i="0" kern="1200" dirty="0">
+                <a:solidFill>
+                  <a:schemeClr val="tx1"/>
+                </a:solidFill>
+                <a:effectLst/>
+                <a:latin typeface="+mn-lt"/>
+                <a:ea typeface="+mn-ea"/>
+                <a:cs typeface="+mn-cs"/>
+              </a:rPr>
+              <a:t> technique, and train a system to drive a car </a:t>
+            </a:r>
+            <a:r>
+              <a:rPr lang="fr-FR" sz="1200" b="0" i="0" kern="1200" dirty="0" err="1">
+                <a:solidFill>
+                  <a:schemeClr val="tx1"/>
+                </a:solidFill>
+                <a:effectLst/>
+                <a:latin typeface="+mn-lt"/>
+                <a:ea typeface="+mn-ea"/>
+                <a:cs typeface="+mn-cs"/>
+              </a:rPr>
+              <a:t>with</a:t>
+            </a:r>
+            <a:r>
+              <a:rPr lang="fr-FR" sz="1200" b="0" i="0" kern="1200" dirty="0">
+                <a:solidFill>
+                  <a:schemeClr val="tx1"/>
+                </a:solidFill>
+                <a:effectLst/>
+                <a:latin typeface="+mn-lt"/>
+                <a:ea typeface="+mn-ea"/>
+                <a:cs typeface="+mn-cs"/>
+              </a:rPr>
+              <a:t> a simulator, </a:t>
+            </a:r>
+            <a:r>
+              <a:rPr lang="fr-FR" sz="1200" b="0" i="0" kern="1200" dirty="0" err="1">
+                <a:solidFill>
+                  <a:schemeClr val="tx1"/>
+                </a:solidFill>
+                <a:effectLst/>
+                <a:latin typeface="+mn-lt"/>
+                <a:ea typeface="+mn-ea"/>
+                <a:cs typeface="+mn-cs"/>
+              </a:rPr>
+              <a:t>it’s</a:t>
+            </a:r>
+            <a:r>
+              <a:rPr lang="fr-FR" sz="1200" b="0" i="0" kern="1200" dirty="0">
+                <a:solidFill>
+                  <a:schemeClr val="tx1"/>
+                </a:solidFill>
+                <a:effectLst/>
+                <a:latin typeface="+mn-lt"/>
+                <a:ea typeface="+mn-ea"/>
+                <a:cs typeface="+mn-cs"/>
+              </a:rPr>
+              <a:t> </a:t>
+            </a:r>
+            <a:r>
+              <a:rPr lang="fr-FR" sz="1200" b="0" i="0" kern="1200" dirty="0" err="1">
+                <a:solidFill>
+                  <a:schemeClr val="tx1"/>
+                </a:solidFill>
+                <a:effectLst/>
+                <a:latin typeface="+mn-lt"/>
+                <a:ea typeface="+mn-ea"/>
+                <a:cs typeface="+mn-cs"/>
+              </a:rPr>
+              <a:t>going</a:t>
+            </a:r>
+            <a:r>
+              <a:rPr lang="fr-FR" sz="1200" b="0" i="0" kern="1200" dirty="0">
+                <a:solidFill>
+                  <a:schemeClr val="tx1"/>
+                </a:solidFill>
+                <a:effectLst/>
+                <a:latin typeface="+mn-lt"/>
+                <a:ea typeface="+mn-ea"/>
+                <a:cs typeface="+mn-cs"/>
+              </a:rPr>
+              <a:t> to have to crash </a:t>
+            </a:r>
+            <a:r>
+              <a:rPr lang="fr-FR" sz="1200" b="0" i="0" kern="1200" dirty="0" err="1">
+                <a:solidFill>
+                  <a:schemeClr val="tx1"/>
+                </a:solidFill>
+                <a:effectLst/>
+                <a:latin typeface="+mn-lt"/>
+                <a:ea typeface="+mn-ea"/>
+                <a:cs typeface="+mn-cs"/>
+              </a:rPr>
+              <a:t>into</a:t>
+            </a:r>
+            <a:r>
+              <a:rPr lang="fr-FR" sz="1200" b="0" i="0" kern="1200" dirty="0">
+                <a:solidFill>
+                  <a:schemeClr val="tx1"/>
+                </a:solidFill>
+                <a:effectLst/>
+                <a:latin typeface="+mn-lt"/>
+                <a:ea typeface="+mn-ea"/>
+                <a:cs typeface="+mn-cs"/>
+              </a:rPr>
+              <a:t> a </a:t>
+            </a:r>
+            <a:r>
+              <a:rPr lang="fr-FR" sz="1200" b="0" i="0" kern="1200" dirty="0" err="1">
+                <a:solidFill>
+                  <a:schemeClr val="tx1"/>
+                </a:solidFill>
+                <a:effectLst/>
+                <a:latin typeface="+mn-lt"/>
+                <a:ea typeface="+mn-ea"/>
+                <a:cs typeface="+mn-cs"/>
+              </a:rPr>
+              <a:t>tree</a:t>
+            </a:r>
+            <a:r>
+              <a:rPr lang="fr-FR" sz="1200" b="0" i="0" kern="1200" dirty="0">
+                <a:solidFill>
+                  <a:schemeClr val="tx1"/>
+                </a:solidFill>
+                <a:effectLst/>
+                <a:latin typeface="+mn-lt"/>
+                <a:ea typeface="+mn-ea"/>
+                <a:cs typeface="+mn-cs"/>
+              </a:rPr>
+              <a:t> 40,000 times </a:t>
+            </a:r>
+            <a:r>
+              <a:rPr lang="fr-FR" sz="1200" b="0" i="0" kern="1200" dirty="0" err="1">
+                <a:solidFill>
+                  <a:schemeClr val="tx1"/>
+                </a:solidFill>
+                <a:effectLst/>
+                <a:latin typeface="+mn-lt"/>
+                <a:ea typeface="+mn-ea"/>
+                <a:cs typeface="+mn-cs"/>
+              </a:rPr>
+              <a:t>before</a:t>
+            </a:r>
+            <a:r>
+              <a:rPr lang="fr-FR" sz="1200" b="0" i="0" kern="1200" dirty="0">
+                <a:solidFill>
+                  <a:schemeClr val="tx1"/>
+                </a:solidFill>
+                <a:effectLst/>
+                <a:latin typeface="+mn-lt"/>
+                <a:ea typeface="+mn-ea"/>
+                <a:cs typeface="+mn-cs"/>
+              </a:rPr>
+              <a:t> </a:t>
+            </a:r>
+            <a:r>
+              <a:rPr lang="fr-FR" sz="1200" b="0" i="0" kern="1200" dirty="0" err="1">
+                <a:solidFill>
+                  <a:schemeClr val="tx1"/>
+                </a:solidFill>
+                <a:effectLst/>
+                <a:latin typeface="+mn-lt"/>
+                <a:ea typeface="+mn-ea"/>
+                <a:cs typeface="+mn-cs"/>
+              </a:rPr>
+              <a:t>it</a:t>
+            </a:r>
+            <a:r>
+              <a:rPr lang="fr-FR" sz="1200" b="0" i="0" kern="1200" dirty="0">
+                <a:solidFill>
+                  <a:schemeClr val="tx1"/>
+                </a:solidFill>
+                <a:effectLst/>
+                <a:latin typeface="+mn-lt"/>
+                <a:ea typeface="+mn-ea"/>
+                <a:cs typeface="+mn-cs"/>
+              </a:rPr>
+              <a:t> figures out </a:t>
+            </a:r>
+            <a:r>
+              <a:rPr lang="fr-FR" sz="1200" b="0" i="0" kern="1200" dirty="0" err="1">
+                <a:solidFill>
+                  <a:schemeClr val="tx1"/>
+                </a:solidFill>
+                <a:effectLst/>
+                <a:latin typeface="+mn-lt"/>
+                <a:ea typeface="+mn-ea"/>
+                <a:cs typeface="+mn-cs"/>
+              </a:rPr>
+              <a:t>it’s</a:t>
+            </a:r>
+            <a:r>
+              <a:rPr lang="fr-FR" sz="1200" b="0" i="0" kern="1200" dirty="0">
+                <a:solidFill>
+                  <a:schemeClr val="tx1"/>
+                </a:solidFill>
+                <a:effectLst/>
+                <a:latin typeface="+mn-lt"/>
+                <a:ea typeface="+mn-ea"/>
+                <a:cs typeface="+mn-cs"/>
+              </a:rPr>
+              <a:t> a </a:t>
+            </a:r>
+            <a:r>
+              <a:rPr lang="fr-FR" sz="1200" b="0" i="0" kern="1200" dirty="0" err="1">
+                <a:solidFill>
+                  <a:schemeClr val="tx1"/>
+                </a:solidFill>
+                <a:effectLst/>
+                <a:latin typeface="+mn-lt"/>
+                <a:ea typeface="+mn-ea"/>
+                <a:cs typeface="+mn-cs"/>
+              </a:rPr>
+              <a:t>bad</a:t>
+            </a:r>
+            <a:r>
+              <a:rPr lang="fr-FR" sz="1200" b="0" i="0" kern="1200" dirty="0">
+                <a:solidFill>
+                  <a:schemeClr val="tx1"/>
+                </a:solidFill>
+                <a:effectLst/>
+                <a:latin typeface="+mn-lt"/>
+                <a:ea typeface="+mn-ea"/>
+                <a:cs typeface="+mn-cs"/>
+              </a:rPr>
+              <a:t> </a:t>
+            </a:r>
+            <a:r>
+              <a:rPr lang="fr-FR" sz="1200" b="0" i="0" kern="1200" dirty="0" err="1">
+                <a:solidFill>
+                  <a:schemeClr val="tx1"/>
+                </a:solidFill>
+                <a:effectLst/>
+                <a:latin typeface="+mn-lt"/>
+                <a:ea typeface="+mn-ea"/>
+                <a:cs typeface="+mn-cs"/>
+              </a:rPr>
+              <a:t>idea</a:t>
+            </a:r>
+            <a:r>
+              <a:rPr lang="fr-FR" sz="1200" b="0" i="0" kern="1200" dirty="0">
+                <a:solidFill>
+                  <a:schemeClr val="tx1"/>
+                </a:solidFill>
+                <a:effectLst/>
+                <a:latin typeface="+mn-lt"/>
+                <a:ea typeface="+mn-ea"/>
+                <a:cs typeface="+mn-cs"/>
+              </a:rPr>
+              <a:t>. So </a:t>
+            </a:r>
+            <a:r>
+              <a:rPr lang="fr-FR" sz="1200" b="0" i="0" kern="1200" dirty="0" err="1">
+                <a:solidFill>
+                  <a:schemeClr val="tx1"/>
+                </a:solidFill>
+                <a:effectLst/>
+                <a:latin typeface="+mn-lt"/>
+                <a:ea typeface="+mn-ea"/>
+                <a:cs typeface="+mn-cs"/>
+              </a:rPr>
+              <a:t>claiming</a:t>
+            </a:r>
+            <a:r>
+              <a:rPr lang="fr-FR" sz="1200" b="0" i="0" kern="1200" dirty="0">
+                <a:solidFill>
+                  <a:schemeClr val="tx1"/>
+                </a:solidFill>
+                <a:effectLst/>
+                <a:latin typeface="+mn-lt"/>
+                <a:ea typeface="+mn-ea"/>
+                <a:cs typeface="+mn-cs"/>
+              </a:rPr>
+              <a:t> </a:t>
+            </a:r>
+            <a:r>
+              <a:rPr lang="fr-FR" sz="1200" b="0" i="0" kern="1200" dirty="0" err="1">
+                <a:solidFill>
+                  <a:schemeClr val="tx1"/>
+                </a:solidFill>
+                <a:effectLst/>
+                <a:latin typeface="+mn-lt"/>
+                <a:ea typeface="+mn-ea"/>
+                <a:cs typeface="+mn-cs"/>
+              </a:rPr>
+              <a:t>that</a:t>
+            </a:r>
+            <a:r>
+              <a:rPr lang="fr-FR" sz="1200" b="0" i="0" kern="1200" dirty="0">
+                <a:solidFill>
+                  <a:schemeClr val="tx1"/>
+                </a:solidFill>
+                <a:effectLst/>
+                <a:latin typeface="+mn-lt"/>
+                <a:ea typeface="+mn-ea"/>
+                <a:cs typeface="+mn-cs"/>
+              </a:rPr>
+              <a:t> </a:t>
+            </a:r>
+            <a:r>
+              <a:rPr lang="fr-FR" sz="1200" b="0" i="0" kern="1200" dirty="0" err="1">
+                <a:solidFill>
+                  <a:schemeClr val="tx1"/>
+                </a:solidFill>
+                <a:effectLst/>
+                <a:latin typeface="+mn-lt"/>
+                <a:ea typeface="+mn-ea"/>
+                <a:cs typeface="+mn-cs"/>
+              </a:rPr>
+              <a:t>somehow</a:t>
+            </a:r>
+            <a:r>
+              <a:rPr lang="fr-FR" sz="1200" b="0" i="0" kern="1200" dirty="0">
+                <a:solidFill>
+                  <a:schemeClr val="tx1"/>
+                </a:solidFill>
+                <a:effectLst/>
+                <a:latin typeface="+mn-lt"/>
+                <a:ea typeface="+mn-ea"/>
+                <a:cs typeface="+mn-cs"/>
+              </a:rPr>
+              <a:t> </a:t>
+            </a:r>
+            <a:r>
+              <a:rPr lang="fr-FR" sz="1200" b="0" i="1" kern="1200" dirty="0" err="1">
+                <a:solidFill>
+                  <a:schemeClr val="tx1"/>
+                </a:solidFill>
+                <a:effectLst/>
+                <a:latin typeface="+mn-lt"/>
+                <a:ea typeface="+mn-ea"/>
+                <a:cs typeface="+mn-cs"/>
+              </a:rPr>
+              <a:t>just</a:t>
+            </a:r>
+            <a:r>
+              <a:rPr lang="fr-FR" sz="1200" b="0" i="0" kern="1200" dirty="0">
+                <a:solidFill>
+                  <a:schemeClr val="tx1"/>
+                </a:solidFill>
+                <a:effectLst/>
+                <a:latin typeface="+mn-lt"/>
+                <a:ea typeface="+mn-ea"/>
+                <a:cs typeface="+mn-cs"/>
+              </a:rPr>
+              <a:t> </a:t>
+            </a:r>
+            <a:r>
+              <a:rPr lang="fr-FR" sz="1200" b="0" i="0" kern="1200" dirty="0" err="1">
+                <a:solidFill>
+                  <a:schemeClr val="tx1"/>
+                </a:solidFill>
+                <a:effectLst/>
+                <a:latin typeface="+mn-lt"/>
+                <a:ea typeface="+mn-ea"/>
+                <a:cs typeface="+mn-cs"/>
+              </a:rPr>
+              <a:t>reinforcement</a:t>
+            </a:r>
+            <a:r>
+              <a:rPr lang="fr-FR" sz="1200" b="0" i="0" kern="1200" dirty="0">
+                <a:solidFill>
+                  <a:schemeClr val="tx1"/>
+                </a:solidFill>
+                <a:effectLst/>
+                <a:latin typeface="+mn-lt"/>
+                <a:ea typeface="+mn-ea"/>
+                <a:cs typeface="+mn-cs"/>
+              </a:rPr>
+              <a:t> </a:t>
+            </a:r>
+            <a:r>
+              <a:rPr lang="fr-FR" sz="1200" b="0" i="0" kern="1200" dirty="0" err="1">
+                <a:solidFill>
+                  <a:schemeClr val="tx1"/>
+                </a:solidFill>
+                <a:effectLst/>
+                <a:latin typeface="+mn-lt"/>
+                <a:ea typeface="+mn-ea"/>
+                <a:cs typeface="+mn-cs"/>
+              </a:rPr>
+              <a:t>learning</a:t>
+            </a:r>
+            <a:r>
+              <a:rPr lang="fr-FR" sz="1200" b="0" i="0" kern="1200" dirty="0">
+                <a:solidFill>
+                  <a:schemeClr val="tx1"/>
+                </a:solidFill>
+                <a:effectLst/>
+                <a:latin typeface="+mn-lt"/>
+                <a:ea typeface="+mn-ea"/>
+                <a:cs typeface="+mn-cs"/>
+              </a:rPr>
+              <a:t> </a:t>
+            </a:r>
+            <a:r>
+              <a:rPr lang="fr-FR" sz="1200" b="0" i="0" kern="1200" dirty="0" err="1">
+                <a:solidFill>
+                  <a:schemeClr val="tx1"/>
+                </a:solidFill>
+                <a:effectLst/>
+                <a:latin typeface="+mn-lt"/>
+                <a:ea typeface="+mn-ea"/>
+                <a:cs typeface="+mn-cs"/>
+              </a:rPr>
+              <a:t>is</a:t>
+            </a:r>
+            <a:r>
+              <a:rPr lang="fr-FR" sz="1200" b="0" i="0" kern="1200" dirty="0">
+                <a:solidFill>
+                  <a:schemeClr val="tx1"/>
+                </a:solidFill>
+                <a:effectLst/>
+                <a:latin typeface="+mn-lt"/>
+                <a:ea typeface="+mn-ea"/>
+                <a:cs typeface="+mn-cs"/>
+              </a:rPr>
+              <a:t> </a:t>
+            </a:r>
+            <a:r>
+              <a:rPr lang="fr-FR" sz="1200" b="0" i="0" kern="1200" dirty="0" err="1">
+                <a:solidFill>
+                  <a:schemeClr val="tx1"/>
+                </a:solidFill>
+                <a:effectLst/>
+                <a:latin typeface="+mn-lt"/>
+                <a:ea typeface="+mn-ea"/>
+                <a:cs typeface="+mn-cs"/>
+              </a:rPr>
+              <a:t>going</a:t>
+            </a:r>
+            <a:r>
+              <a:rPr lang="fr-FR" sz="1200" b="0" i="0" kern="1200" dirty="0">
+                <a:solidFill>
+                  <a:schemeClr val="tx1"/>
+                </a:solidFill>
+                <a:effectLst/>
+                <a:latin typeface="+mn-lt"/>
+                <a:ea typeface="+mn-ea"/>
+                <a:cs typeface="+mn-cs"/>
+              </a:rPr>
+              <a:t> to </a:t>
+            </a:r>
+            <a:r>
+              <a:rPr lang="fr-FR" sz="1200" b="0" i="0" kern="1200" dirty="0" err="1">
+                <a:solidFill>
+                  <a:schemeClr val="tx1"/>
+                </a:solidFill>
+                <a:effectLst/>
+                <a:latin typeface="+mn-lt"/>
+                <a:ea typeface="+mn-ea"/>
+                <a:cs typeface="+mn-cs"/>
+              </a:rPr>
+              <a:t>be</a:t>
+            </a:r>
+            <a:r>
+              <a:rPr lang="fr-FR" sz="1200" b="0" i="0" kern="1200" dirty="0">
+                <a:solidFill>
+                  <a:schemeClr val="tx1"/>
+                </a:solidFill>
+                <a:effectLst/>
+                <a:latin typeface="+mn-lt"/>
+                <a:ea typeface="+mn-ea"/>
+                <a:cs typeface="+mn-cs"/>
+              </a:rPr>
+              <a:t> the key to intelligence </a:t>
+            </a:r>
+            <a:r>
+              <a:rPr lang="fr-FR" sz="1200" b="0" i="0" kern="1200" dirty="0" err="1">
+                <a:solidFill>
+                  <a:schemeClr val="tx1"/>
+                </a:solidFill>
+                <a:effectLst/>
+                <a:latin typeface="+mn-lt"/>
+                <a:ea typeface="+mn-ea"/>
+                <a:cs typeface="+mn-cs"/>
+              </a:rPr>
+              <a:t>is</a:t>
+            </a:r>
+            <a:r>
+              <a:rPr lang="fr-FR" sz="1200" b="0" i="0" kern="1200" dirty="0">
+                <a:solidFill>
+                  <a:schemeClr val="tx1"/>
+                </a:solidFill>
+                <a:effectLst/>
+                <a:latin typeface="+mn-lt"/>
+                <a:ea typeface="+mn-ea"/>
+                <a:cs typeface="+mn-cs"/>
+              </a:rPr>
+              <a:t> </a:t>
+            </a:r>
+            <a:r>
+              <a:rPr lang="fr-FR" sz="1200" b="0" i="0" kern="1200" dirty="0" err="1">
+                <a:solidFill>
+                  <a:schemeClr val="tx1"/>
+                </a:solidFill>
+                <a:effectLst/>
+                <a:latin typeface="+mn-lt"/>
+                <a:ea typeface="+mn-ea"/>
+                <a:cs typeface="+mn-cs"/>
+              </a:rPr>
+              <a:t>wrong</a:t>
+            </a:r>
+            <a:r>
+              <a:rPr lang="fr-FR" sz="1200" b="0" i="0" kern="1200" dirty="0">
+                <a:solidFill>
+                  <a:schemeClr val="tx1"/>
+                </a:solidFill>
+                <a:effectLst/>
+                <a:latin typeface="+mn-lt"/>
+                <a:ea typeface="+mn-ea"/>
+                <a:cs typeface="+mn-cs"/>
+              </a:rPr>
+              <a:t>.</a:t>
+            </a:r>
             <a:endParaRPr lang="en-US" dirty="0"/>
           </a:p>
         </p:txBody>
@@ -995,7 +1583,7 @@
     </p:spTree>
     <p:extLst>
       <p:ext uri="{BB962C8B-B14F-4D97-AF65-F5344CB8AC3E}">
-        <p14:creationId xmlns:p14="http://schemas.microsoft.com/office/powerpoint/2010/main" val="467430118"/>
+        <p14:creationId xmlns:p14="http://schemas.microsoft.com/office/powerpoint/2010/main" val="4263051455"/>
       </p:ext>
     </p:extLst>
   </p:cSld>
@@ -1049,7 +1637,28 @@
           <a:bodyPr/>
           <a:lstStyle/>
           <a:p>
-            <a:endParaRPr lang="en-US" dirty="0"/>
+            <a:r>
+              <a:rPr lang="en-US" dirty="0"/>
+              <a:t>Forget Terminator </a:t>
+            </a:r>
+          </a:p>
+          <a:p>
+            <a:r>
+              <a:rPr lang="en-US" dirty="0" err="1"/>
+              <a:t>Yoshua</a:t>
+            </a:r>
+            <a:r>
+              <a:rPr lang="en-US" dirty="0"/>
+              <a:t> </a:t>
+            </a:r>
+            <a:r>
+              <a:rPr lang="en-US" dirty="0" err="1"/>
+              <a:t>Bengio</a:t>
+            </a:r>
+            <a:r>
+              <a:rPr lang="en-US" dirty="0"/>
+              <a:t>: “Less urgent to anticipate AGI and singularity than overpopulation on Mars”</a:t>
+            </a:r>
           </a:p>
         </p:txBody>
       </p:sp>
@@ -1079,7 +1688,7 @@
     </p:spTree>
     <p:extLst>
       <p:ext uri="{BB962C8B-B14F-4D97-AF65-F5344CB8AC3E}">
-        <p14:creationId xmlns:p14="http://schemas.microsoft.com/office/powerpoint/2010/main" val="1092752190"/>
+        <p14:creationId xmlns:p14="http://schemas.microsoft.com/office/powerpoint/2010/main" val="2391639358"/>
       </p:ext>
     </p:extLst>
   </p:cSld>
@@ -1133,7 +1742,16 @@
           <a:bodyPr/>
           <a:lstStyle/>
           <a:p>
-            <a:endParaRPr lang="en-US" dirty="0"/>
+            <a:r>
+              <a:rPr lang="en-US" dirty="0"/>
+              <a:t>Example of global warning reduction… There is a simple straightforward solution. </a:t>
+            </a:r>
+          </a:p>
+          <a:p>
+            <a:r>
+              <a:rPr lang="en-US" dirty="0"/>
+              <a:t>Reward shaping and sparse rewards in Reinforcement learning example</a:t>
+            </a:r>
           </a:p>
         </p:txBody>
       </p:sp>
@@ -1163,7 +1781,274 @@
     </p:spTree>
     <p:extLst>
       <p:ext uri="{BB962C8B-B14F-4D97-AF65-F5344CB8AC3E}">
-        <p14:creationId xmlns:p14="http://schemas.microsoft.com/office/powerpoint/2010/main" val="1594068714"/>
+        <p14:creationId xmlns:p14="http://schemas.microsoft.com/office/powerpoint/2010/main" val="45882606"/>
+      </p:ext>
+    </p:extLst>
+  </p:cSld>
+  <p:clrMapOvr>
+    <a:masterClrMapping/>
+  </p:clrMapOvr>
+</p:notes>
+</file>
+
+<file path=ppt/notesSlides/notesSlide17.xml><?xml version="1.0" encoding="utf-8"?>
+<p:notes xmlns:a="http://schemas.openxmlformats.org/drawingml/2006/main" xmlns:r="http://schemas.openxmlformats.org/officeDocument/2006/relationships" xmlns:p="http://schemas.openxmlformats.org/presentationml/2006/main">
+  <p:cSld>
+    <p:spTree>
+      <p:nvGrpSpPr>
+        <p:cNvPr id="1" name=""/>
+        <p:cNvGrpSpPr/>
+        <p:nvPr/>
+      </p:nvGrpSpPr>
+      <p:grpSpPr>
+        <a:xfrm>
+          <a:off x="0" y="0"/>
+          <a:ext cx="0" cy="0"/>
+          <a:chOff x="0" y="0"/>
+          <a:chExt cx="0" cy="0"/>
+        </a:xfrm>
+      </p:grpSpPr>
+      <p:sp>
+        <p:nvSpPr>
+          <p:cNvPr id="2" name="Slide Image Placeholder 1"/>
+          <p:cNvSpPr>
+            <a:spLocks noGrp="1" noRot="1" noChangeAspect="1"/>
+          </p:cNvSpPr>
+          <p:nvPr>
+            <p:ph type="sldImg"/>
+          </p:nvPr>
+        </p:nvSpPr>
+        <p:spPr/>
+      </p:sp>
+      <p:sp>
+        <p:nvSpPr>
+          <p:cNvPr id="3" name="Notes Placeholder 2"/>
+          <p:cNvSpPr>
+            <a:spLocks noGrp="1"/>
+          </p:cNvSpPr>
+          <p:nvPr>
+            <p:ph type="body" idx="1"/>
+          </p:nvPr>
+        </p:nvSpPr>
+        <p:spPr/>
+        <p:txBody>
+          <a:bodyPr/>
+          <a:lstStyle/>
+          <a:p>
+            <a:endParaRPr lang="en-US" dirty="0"/>
+          </a:p>
+        </p:txBody>
+      </p:sp>
+      <p:sp>
+        <p:nvSpPr>
+          <p:cNvPr id="4" name="Slide Number Placeholder 3"/>
+          <p:cNvSpPr>
+            <a:spLocks noGrp="1"/>
+          </p:cNvSpPr>
+          <p:nvPr>
+            <p:ph type="sldNum" sz="quarter" idx="10"/>
+          </p:nvPr>
+        </p:nvSpPr>
+        <p:spPr/>
+        <p:txBody>
+          <a:bodyPr/>
+          <a:lstStyle/>
+          <a:p>
+            <a:fld id="{2F6F93F9-6E01-423B-ABB3-8FB3B0651941}" type="slidenum">
+              <a:rPr lang="en-US" smtClean="0"/>
+              <a:t>17</a:t>
+            </a:fld>
+            <a:endParaRPr lang="en-US"/>
+          </a:p>
+        </p:txBody>
+      </p:sp>
+    </p:spTree>
+    <p:extLst>
+      <p:ext uri="{BB962C8B-B14F-4D97-AF65-F5344CB8AC3E}">
+        <p14:creationId xmlns:p14="http://schemas.microsoft.com/office/powerpoint/2010/main" val="1426491306"/>
+      </p:ext>
+    </p:extLst>
+  </p:cSld>
+  <p:clrMapOvr>
+    <a:masterClrMapping/>
+  </p:clrMapOvr>
+</p:notes>
+</file>
+
+<file path=ppt/notesSlides/notesSlide18.xml><?xml version="1.0" encoding="utf-8"?>
+<p:notes xmlns:a="http://schemas.openxmlformats.org/drawingml/2006/main" xmlns:r="http://schemas.openxmlformats.org/officeDocument/2006/relationships" xmlns:p="http://schemas.openxmlformats.org/presentationml/2006/main">
+  <p:cSld>
+    <p:spTree>
+      <p:nvGrpSpPr>
+        <p:cNvPr id="1" name=""/>
+        <p:cNvGrpSpPr/>
+        <p:nvPr/>
+      </p:nvGrpSpPr>
+      <p:grpSpPr>
+        <a:xfrm>
+          <a:off x="0" y="0"/>
+          <a:ext cx="0" cy="0"/>
+          <a:chOff x="0" y="0"/>
+          <a:chExt cx="0" cy="0"/>
+        </a:xfrm>
+      </p:grpSpPr>
+      <p:sp>
+        <p:nvSpPr>
+          <p:cNvPr id="2" name="Slide Image Placeholder 1"/>
+          <p:cNvSpPr>
+            <a:spLocks noGrp="1" noRot="1" noChangeAspect="1"/>
+          </p:cNvSpPr>
+          <p:nvPr>
+            <p:ph type="sldImg"/>
+          </p:nvPr>
+        </p:nvSpPr>
+        <p:spPr/>
+      </p:sp>
+      <p:sp>
+        <p:nvSpPr>
+          <p:cNvPr id="3" name="Notes Placeholder 2"/>
+          <p:cNvSpPr>
+            <a:spLocks noGrp="1"/>
+          </p:cNvSpPr>
+          <p:nvPr>
+            <p:ph type="body" idx="1"/>
+          </p:nvPr>
+        </p:nvSpPr>
+        <p:spPr/>
+        <p:txBody>
+          <a:bodyPr/>
+          <a:lstStyle/>
+          <a:p>
+            <a:endParaRPr lang="en-US" dirty="0"/>
+          </a:p>
+        </p:txBody>
+      </p:sp>
+      <p:sp>
+        <p:nvSpPr>
+          <p:cNvPr id="4" name="Slide Number Placeholder 3"/>
+          <p:cNvSpPr>
+            <a:spLocks noGrp="1"/>
+          </p:cNvSpPr>
+          <p:nvPr>
+            <p:ph type="sldNum" sz="quarter" idx="10"/>
+          </p:nvPr>
+        </p:nvSpPr>
+        <p:spPr/>
+        <p:txBody>
+          <a:bodyPr/>
+          <a:lstStyle/>
+          <a:p>
+            <a:fld id="{2F6F93F9-6E01-423B-ABB3-8FB3B0651941}" type="slidenum">
+              <a:rPr lang="en-US" smtClean="0"/>
+              <a:t>18</a:t>
+            </a:fld>
+            <a:endParaRPr lang="en-US"/>
+          </a:p>
+        </p:txBody>
+      </p:sp>
+    </p:spTree>
+    <p:extLst>
+      <p:ext uri="{BB962C8B-B14F-4D97-AF65-F5344CB8AC3E}">
+        <p14:creationId xmlns:p14="http://schemas.microsoft.com/office/powerpoint/2010/main" val="2449674475"/>
+      </p:ext>
+    </p:extLst>
+  </p:cSld>
+  <p:clrMapOvr>
+    <a:masterClrMapping/>
+  </p:clrMapOvr>
+</p:notes>
+</file>
+
+<file path=ppt/notesSlides/notesSlide19.xml><?xml version="1.0" encoding="utf-8"?>
+<p:notes xmlns:a="http://schemas.openxmlformats.org/drawingml/2006/main" xmlns:r="http://schemas.openxmlformats.org/officeDocument/2006/relationships" xmlns:p="http://schemas.openxmlformats.org/presentationml/2006/main">
+  <p:cSld>
+    <p:spTree>
+      <p:nvGrpSpPr>
+        <p:cNvPr id="1" name=""/>
+        <p:cNvGrpSpPr/>
+        <p:nvPr/>
+      </p:nvGrpSpPr>
+      <p:grpSpPr>
+        <a:xfrm>
+          <a:off x="0" y="0"/>
+          <a:ext cx="0" cy="0"/>
+          <a:chOff x="0" y="0"/>
+          <a:chExt cx="0" cy="0"/>
+        </a:xfrm>
+      </p:grpSpPr>
+      <p:sp>
+        <p:nvSpPr>
+          <p:cNvPr id="2" name="Slide Image Placeholder 1"/>
+          <p:cNvSpPr>
+            <a:spLocks noGrp="1" noRot="1" noChangeAspect="1"/>
+          </p:cNvSpPr>
+          <p:nvPr>
+            <p:ph type="sldImg"/>
+          </p:nvPr>
+        </p:nvSpPr>
+        <p:spPr/>
+      </p:sp>
+      <p:sp>
+        <p:nvSpPr>
+          <p:cNvPr id="3" name="Notes Placeholder 2"/>
+          <p:cNvSpPr>
+            <a:spLocks noGrp="1"/>
+          </p:cNvSpPr>
+          <p:nvPr>
+            <p:ph type="body" idx="1"/>
+          </p:nvPr>
+        </p:nvSpPr>
+        <p:spPr/>
+        <p:txBody>
+          <a:bodyPr/>
+          <a:lstStyle/>
+          <a:p>
+            <a:r>
+              <a:rPr lang="en-US" dirty="0"/>
+              <a:t>Bullet 1: dire prediction</a:t>
+            </a:r>
+          </a:p>
+          <a:p>
+            <a:endParaRPr lang="en-US" dirty="0"/>
+          </a:p>
+          <a:p>
+            <a:r>
+              <a:rPr lang="en-US" dirty="0"/>
+              <a:t>Why such a huge gap? OECD focused on a task-based approach rather than entire occupation</a:t>
+            </a:r>
+          </a:p>
+          <a:p>
+            <a:endParaRPr lang="en-US" dirty="0"/>
+          </a:p>
+        </p:txBody>
+      </p:sp>
+      <p:sp>
+        <p:nvSpPr>
+          <p:cNvPr id="4" name="Slide Number Placeholder 3"/>
+          <p:cNvSpPr>
+            <a:spLocks noGrp="1"/>
+          </p:cNvSpPr>
+          <p:nvPr>
+            <p:ph type="sldNum" sz="quarter" idx="10"/>
+          </p:nvPr>
+        </p:nvSpPr>
+        <p:spPr/>
+        <p:txBody>
+          <a:bodyPr/>
+          <a:lstStyle/>
+          <a:p>
+            <a:fld id="{2F6F93F9-6E01-423B-ABB3-8FB3B0651941}" type="slidenum">
+              <a:rPr lang="en-US" smtClean="0"/>
+              <a:t>19</a:t>
+            </a:fld>
+            <a:endParaRPr lang="en-US"/>
+          </a:p>
+        </p:txBody>
+      </p:sp>
+    </p:spTree>
+    <p:extLst>
+      <p:ext uri="{BB962C8B-B14F-4D97-AF65-F5344CB8AC3E}">
+        <p14:creationId xmlns:p14="http://schemas.microsoft.com/office/powerpoint/2010/main" val="3445430856"/>
       </p:ext>
     </p:extLst>
   </p:cSld>
@@ -1248,6 +2133,441 @@
     <p:extLst>
       <p:ext uri="{BB962C8B-B14F-4D97-AF65-F5344CB8AC3E}">
         <p14:creationId xmlns:p14="http://schemas.microsoft.com/office/powerpoint/2010/main" val="335354275"/>
+      </p:ext>
+    </p:extLst>
+  </p:cSld>
+  <p:clrMapOvr>
+    <a:masterClrMapping/>
+  </p:clrMapOvr>
+</p:notes>
+</file>
+
+<file path=ppt/notesSlides/notesSlide20.xml><?xml version="1.0" encoding="utf-8"?>
+<p:notes xmlns:a="http://schemas.openxmlformats.org/drawingml/2006/main" xmlns:r="http://schemas.openxmlformats.org/officeDocument/2006/relationships" xmlns:p="http://schemas.openxmlformats.org/presentationml/2006/main">
+  <p:cSld>
+    <p:spTree>
+      <p:nvGrpSpPr>
+        <p:cNvPr id="1" name=""/>
+        <p:cNvGrpSpPr/>
+        <p:nvPr/>
+      </p:nvGrpSpPr>
+      <p:grpSpPr>
+        <a:xfrm>
+          <a:off x="0" y="0"/>
+          <a:ext cx="0" cy="0"/>
+          <a:chOff x="0" y="0"/>
+          <a:chExt cx="0" cy="0"/>
+        </a:xfrm>
+      </p:grpSpPr>
+      <p:sp>
+        <p:nvSpPr>
+          <p:cNvPr id="2" name="Slide Image Placeholder 1"/>
+          <p:cNvSpPr>
+            <a:spLocks noGrp="1" noRot="1" noChangeAspect="1"/>
+          </p:cNvSpPr>
+          <p:nvPr>
+            <p:ph type="sldImg"/>
+          </p:nvPr>
+        </p:nvSpPr>
+        <p:spPr/>
+      </p:sp>
+      <p:sp>
+        <p:nvSpPr>
+          <p:cNvPr id="3" name="Notes Placeholder 2"/>
+          <p:cNvSpPr>
+            <a:spLocks noGrp="1"/>
+          </p:cNvSpPr>
+          <p:nvPr>
+            <p:ph type="body" idx="1"/>
+          </p:nvPr>
+        </p:nvSpPr>
+        <p:spPr/>
+        <p:txBody>
+          <a:bodyPr/>
+          <a:lstStyle/>
+          <a:p>
+            <a:r>
+              <a:rPr lang="en-US" dirty="0"/>
+              <a:t>Bullet 1: dire prediction</a:t>
+            </a:r>
+          </a:p>
+          <a:p>
+            <a:endParaRPr lang="en-US" dirty="0"/>
+          </a:p>
+          <a:p>
+            <a:r>
+              <a:rPr lang="en-US" dirty="0"/>
+              <a:t>Why such a huge gap? OECD focused on a task-based approach rather than entire occupation</a:t>
+            </a:r>
+          </a:p>
+          <a:p>
+            <a:endParaRPr lang="en-US" dirty="0"/>
+          </a:p>
+        </p:txBody>
+      </p:sp>
+      <p:sp>
+        <p:nvSpPr>
+          <p:cNvPr id="4" name="Slide Number Placeholder 3"/>
+          <p:cNvSpPr>
+            <a:spLocks noGrp="1"/>
+          </p:cNvSpPr>
+          <p:nvPr>
+            <p:ph type="sldNum" sz="quarter" idx="10"/>
+          </p:nvPr>
+        </p:nvSpPr>
+        <p:spPr/>
+        <p:txBody>
+          <a:bodyPr/>
+          <a:lstStyle/>
+          <a:p>
+            <a:fld id="{2F6F93F9-6E01-423B-ABB3-8FB3B0651941}" type="slidenum">
+              <a:rPr lang="en-US" smtClean="0"/>
+              <a:t>20</a:t>
+            </a:fld>
+            <a:endParaRPr lang="en-US"/>
+          </a:p>
+        </p:txBody>
+      </p:sp>
+    </p:spTree>
+    <p:extLst>
+      <p:ext uri="{BB962C8B-B14F-4D97-AF65-F5344CB8AC3E}">
+        <p14:creationId xmlns:p14="http://schemas.microsoft.com/office/powerpoint/2010/main" val="3215488144"/>
+      </p:ext>
+    </p:extLst>
+  </p:cSld>
+  <p:clrMapOvr>
+    <a:masterClrMapping/>
+  </p:clrMapOvr>
+</p:notes>
+</file>
+
+<file path=ppt/notesSlides/notesSlide21.xml><?xml version="1.0" encoding="utf-8"?>
+<p:notes xmlns:a="http://schemas.openxmlformats.org/drawingml/2006/main" xmlns:r="http://schemas.openxmlformats.org/officeDocument/2006/relationships" xmlns:p="http://schemas.openxmlformats.org/presentationml/2006/main">
+  <p:cSld>
+    <p:spTree>
+      <p:nvGrpSpPr>
+        <p:cNvPr id="1" name=""/>
+        <p:cNvGrpSpPr/>
+        <p:nvPr/>
+      </p:nvGrpSpPr>
+      <p:grpSpPr>
+        <a:xfrm>
+          <a:off x="0" y="0"/>
+          <a:ext cx="0" cy="0"/>
+          <a:chOff x="0" y="0"/>
+          <a:chExt cx="0" cy="0"/>
+        </a:xfrm>
+      </p:grpSpPr>
+      <p:sp>
+        <p:nvSpPr>
+          <p:cNvPr id="2" name="Slide Image Placeholder 1"/>
+          <p:cNvSpPr>
+            <a:spLocks noGrp="1" noRot="1" noChangeAspect="1"/>
+          </p:cNvSpPr>
+          <p:nvPr>
+            <p:ph type="sldImg"/>
+          </p:nvPr>
+        </p:nvSpPr>
+        <p:spPr/>
+      </p:sp>
+      <p:sp>
+        <p:nvSpPr>
+          <p:cNvPr id="3" name="Notes Placeholder 2"/>
+          <p:cNvSpPr>
+            <a:spLocks noGrp="1"/>
+          </p:cNvSpPr>
+          <p:nvPr>
+            <p:ph type="body" idx="1"/>
+          </p:nvPr>
+        </p:nvSpPr>
+        <p:spPr/>
+        <p:txBody>
+          <a:bodyPr/>
+          <a:lstStyle/>
+          <a:p>
+            <a:endParaRPr lang="en-US" dirty="0"/>
+          </a:p>
+        </p:txBody>
+      </p:sp>
+      <p:sp>
+        <p:nvSpPr>
+          <p:cNvPr id="4" name="Slide Number Placeholder 3"/>
+          <p:cNvSpPr>
+            <a:spLocks noGrp="1"/>
+          </p:cNvSpPr>
+          <p:nvPr>
+            <p:ph type="sldNum" sz="quarter" idx="10"/>
+          </p:nvPr>
+        </p:nvSpPr>
+        <p:spPr/>
+        <p:txBody>
+          <a:bodyPr/>
+          <a:lstStyle/>
+          <a:p>
+            <a:fld id="{2F6F93F9-6E01-423B-ABB3-8FB3B0651941}" type="slidenum">
+              <a:rPr lang="en-US" smtClean="0"/>
+              <a:t>21</a:t>
+            </a:fld>
+            <a:endParaRPr lang="en-US"/>
+          </a:p>
+        </p:txBody>
+      </p:sp>
+    </p:spTree>
+    <p:extLst>
+      <p:ext uri="{BB962C8B-B14F-4D97-AF65-F5344CB8AC3E}">
+        <p14:creationId xmlns:p14="http://schemas.microsoft.com/office/powerpoint/2010/main" val="2187487454"/>
+      </p:ext>
+    </p:extLst>
+  </p:cSld>
+  <p:clrMapOvr>
+    <a:masterClrMapping/>
+  </p:clrMapOvr>
+</p:notes>
+</file>
+
+<file path=ppt/notesSlides/notesSlide22.xml><?xml version="1.0" encoding="utf-8"?>
+<p:notes xmlns:a="http://schemas.openxmlformats.org/drawingml/2006/main" xmlns:r="http://schemas.openxmlformats.org/officeDocument/2006/relationships" xmlns:p="http://schemas.openxmlformats.org/presentationml/2006/main">
+  <p:cSld>
+    <p:spTree>
+      <p:nvGrpSpPr>
+        <p:cNvPr id="1" name=""/>
+        <p:cNvGrpSpPr/>
+        <p:nvPr/>
+      </p:nvGrpSpPr>
+      <p:grpSpPr>
+        <a:xfrm>
+          <a:off x="0" y="0"/>
+          <a:ext cx="0" cy="0"/>
+          <a:chOff x="0" y="0"/>
+          <a:chExt cx="0" cy="0"/>
+        </a:xfrm>
+      </p:grpSpPr>
+      <p:sp>
+        <p:nvSpPr>
+          <p:cNvPr id="2" name="Slide Image Placeholder 1"/>
+          <p:cNvSpPr>
+            <a:spLocks noGrp="1" noRot="1" noChangeAspect="1"/>
+          </p:cNvSpPr>
+          <p:nvPr>
+            <p:ph type="sldImg"/>
+          </p:nvPr>
+        </p:nvSpPr>
+        <p:spPr/>
+      </p:sp>
+      <p:sp>
+        <p:nvSpPr>
+          <p:cNvPr id="3" name="Notes Placeholder 2"/>
+          <p:cNvSpPr>
+            <a:spLocks noGrp="1"/>
+          </p:cNvSpPr>
+          <p:nvPr>
+            <p:ph type="body" idx="1"/>
+          </p:nvPr>
+        </p:nvSpPr>
+        <p:spPr/>
+        <p:txBody>
+          <a:bodyPr/>
+          <a:lstStyle/>
+          <a:p>
+            <a:endParaRPr lang="en-US" dirty="0"/>
+          </a:p>
+        </p:txBody>
+      </p:sp>
+      <p:sp>
+        <p:nvSpPr>
+          <p:cNvPr id="4" name="Slide Number Placeholder 3"/>
+          <p:cNvSpPr>
+            <a:spLocks noGrp="1"/>
+          </p:cNvSpPr>
+          <p:nvPr>
+            <p:ph type="sldNum" sz="quarter" idx="10"/>
+          </p:nvPr>
+        </p:nvSpPr>
+        <p:spPr/>
+        <p:txBody>
+          <a:bodyPr/>
+          <a:lstStyle/>
+          <a:p>
+            <a:fld id="{2F6F93F9-6E01-423B-ABB3-8FB3B0651941}" type="slidenum">
+              <a:rPr lang="en-US" smtClean="0"/>
+              <a:t>22</a:t>
+            </a:fld>
+            <a:endParaRPr lang="en-US"/>
+          </a:p>
+        </p:txBody>
+      </p:sp>
+    </p:spTree>
+    <p:extLst>
+      <p:ext uri="{BB962C8B-B14F-4D97-AF65-F5344CB8AC3E}">
+        <p14:creationId xmlns:p14="http://schemas.microsoft.com/office/powerpoint/2010/main" val="324264664"/>
+      </p:ext>
+    </p:extLst>
+  </p:cSld>
+  <p:clrMapOvr>
+    <a:masterClrMapping/>
+  </p:clrMapOvr>
+</p:notes>
+</file>
+
+<file path=ppt/notesSlides/notesSlide23.xml><?xml version="1.0" encoding="utf-8"?>
+<p:notes xmlns:a="http://schemas.openxmlformats.org/drawingml/2006/main" xmlns:r="http://schemas.openxmlformats.org/officeDocument/2006/relationships" xmlns:p="http://schemas.openxmlformats.org/presentationml/2006/main">
+  <p:cSld>
+    <p:spTree>
+      <p:nvGrpSpPr>
+        <p:cNvPr id="1" name=""/>
+        <p:cNvGrpSpPr/>
+        <p:nvPr/>
+      </p:nvGrpSpPr>
+      <p:grpSpPr>
+        <a:xfrm>
+          <a:off x="0" y="0"/>
+          <a:ext cx="0" cy="0"/>
+          <a:chOff x="0" y="0"/>
+          <a:chExt cx="0" cy="0"/>
+        </a:xfrm>
+      </p:grpSpPr>
+      <p:sp>
+        <p:nvSpPr>
+          <p:cNvPr id="2" name="Slide Image Placeholder 1"/>
+          <p:cNvSpPr>
+            <a:spLocks noGrp="1" noRot="1" noChangeAspect="1"/>
+          </p:cNvSpPr>
+          <p:nvPr>
+            <p:ph type="sldImg"/>
+          </p:nvPr>
+        </p:nvSpPr>
+        <p:spPr/>
+      </p:sp>
+      <p:sp>
+        <p:nvSpPr>
+          <p:cNvPr id="3" name="Notes Placeholder 2"/>
+          <p:cNvSpPr>
+            <a:spLocks noGrp="1"/>
+          </p:cNvSpPr>
+          <p:nvPr>
+            <p:ph type="body" idx="1"/>
+          </p:nvPr>
+        </p:nvSpPr>
+        <p:spPr/>
+        <p:txBody>
+          <a:bodyPr/>
+          <a:lstStyle/>
+          <a:p>
+            <a:endParaRPr lang="en-US" dirty="0"/>
+          </a:p>
+        </p:txBody>
+      </p:sp>
+      <p:sp>
+        <p:nvSpPr>
+          <p:cNvPr id="4" name="Slide Number Placeholder 3"/>
+          <p:cNvSpPr>
+            <a:spLocks noGrp="1"/>
+          </p:cNvSpPr>
+          <p:nvPr>
+            <p:ph type="sldNum" sz="quarter" idx="10"/>
+          </p:nvPr>
+        </p:nvSpPr>
+        <p:spPr/>
+        <p:txBody>
+          <a:bodyPr/>
+          <a:lstStyle/>
+          <a:p>
+            <a:fld id="{2F6F93F9-6E01-423B-ABB3-8FB3B0651941}" type="slidenum">
+              <a:rPr lang="en-US" smtClean="0"/>
+              <a:t>23</a:t>
+            </a:fld>
+            <a:endParaRPr lang="en-US"/>
+          </a:p>
+        </p:txBody>
+      </p:sp>
+    </p:spTree>
+    <p:extLst>
+      <p:ext uri="{BB962C8B-B14F-4D97-AF65-F5344CB8AC3E}">
+        <p14:creationId xmlns:p14="http://schemas.microsoft.com/office/powerpoint/2010/main" val="3545786996"/>
+      </p:ext>
+    </p:extLst>
+  </p:cSld>
+  <p:clrMapOvr>
+    <a:masterClrMapping/>
+  </p:clrMapOvr>
+</p:notes>
+</file>
+
+<file path=ppt/notesSlides/notesSlide24.xml><?xml version="1.0" encoding="utf-8"?>
+<p:notes xmlns:a="http://schemas.openxmlformats.org/drawingml/2006/main" xmlns:r="http://schemas.openxmlformats.org/officeDocument/2006/relationships" xmlns:p="http://schemas.openxmlformats.org/presentationml/2006/main">
+  <p:cSld>
+    <p:spTree>
+      <p:nvGrpSpPr>
+        <p:cNvPr id="1" name=""/>
+        <p:cNvGrpSpPr/>
+        <p:nvPr/>
+      </p:nvGrpSpPr>
+      <p:grpSpPr>
+        <a:xfrm>
+          <a:off x="0" y="0"/>
+          <a:ext cx="0" cy="0"/>
+          <a:chOff x="0" y="0"/>
+          <a:chExt cx="0" cy="0"/>
+        </a:xfrm>
+      </p:grpSpPr>
+      <p:sp>
+        <p:nvSpPr>
+          <p:cNvPr id="2" name="Slide Image Placeholder 1"/>
+          <p:cNvSpPr>
+            <a:spLocks noGrp="1" noRot="1" noChangeAspect="1"/>
+          </p:cNvSpPr>
+          <p:nvPr>
+            <p:ph type="sldImg"/>
+          </p:nvPr>
+        </p:nvSpPr>
+        <p:spPr/>
+      </p:sp>
+      <p:sp>
+        <p:nvSpPr>
+          <p:cNvPr id="3" name="Notes Placeholder 2"/>
+          <p:cNvSpPr>
+            <a:spLocks noGrp="1"/>
+          </p:cNvSpPr>
+          <p:nvPr>
+            <p:ph type="body" idx="1"/>
+          </p:nvPr>
+        </p:nvSpPr>
+        <p:spPr/>
+        <p:txBody>
+          <a:bodyPr/>
+          <a:lstStyle/>
+          <a:p>
+            <a:endParaRPr lang="en-US" dirty="0"/>
+          </a:p>
+        </p:txBody>
+      </p:sp>
+      <p:sp>
+        <p:nvSpPr>
+          <p:cNvPr id="4" name="Slide Number Placeholder 3"/>
+          <p:cNvSpPr>
+            <a:spLocks noGrp="1"/>
+          </p:cNvSpPr>
+          <p:nvPr>
+            <p:ph type="sldNum" sz="quarter" idx="10"/>
+          </p:nvPr>
+        </p:nvSpPr>
+        <p:spPr/>
+        <p:txBody>
+          <a:bodyPr/>
+          <a:lstStyle/>
+          <a:p>
+            <a:fld id="{2F6F93F9-6E01-423B-ABB3-8FB3B0651941}" type="slidenum">
+              <a:rPr lang="en-US" smtClean="0"/>
+              <a:t>24</a:t>
+            </a:fld>
+            <a:endParaRPr lang="en-US"/>
+          </a:p>
+        </p:txBody>
+      </p:sp>
+    </p:spTree>
+    <p:extLst>
+      <p:ext uri="{BB962C8B-B14F-4D97-AF65-F5344CB8AC3E}">
+        <p14:creationId xmlns:p14="http://schemas.microsoft.com/office/powerpoint/2010/main" val="194683161"/>
       </p:ext>
     </p:extLst>
   </p:cSld>
@@ -1473,7 +2793,10 @@
           <a:bodyPr/>
           <a:lstStyle/>
           <a:p>
-            <a:endParaRPr lang="en-US" dirty="0"/>
+            <a:r>
+              <a:rPr lang="en-US" dirty="0"/>
+              <a:t>Also allow to time-stamp research papers without delay and risky …</a:t>
+            </a:r>
           </a:p>
         </p:txBody>
       </p:sp>
@@ -1741,13 +3064,8 @@
           <a:p>
             <a:r>
               <a:rPr lang="en-US" dirty="0"/>
-              <a:t>+ Virtual </a:t>
-            </a:r>
-            <a:r>
-              <a:rPr lang="en-US" dirty="0" err="1"/>
-              <a:t>environements</a:t>
-            </a:r>
-            <a:endParaRPr lang="en-US" dirty="0"/>
+              <a:t>+ Virtual environments</a:t>
+            </a:r>
           </a:p>
         </p:txBody>
       </p:sp>
@@ -1831,18 +3149,7 @@
           <a:bodyPr/>
           <a:lstStyle/>
           <a:p>
-            <a:r>
-              <a:rPr lang="en-US" dirty="0"/>
-              <a:t>https://</a:t>
-            </a:r>
-            <a:r>
-              <a:rPr lang="en-US" dirty="0" err="1"/>
-              <a:t>www.deeplearning.ai</a:t>
-            </a:r>
-            <a:r>
-              <a:rPr lang="en-US" dirty="0"/>
-              <a:t>/</a:t>
-            </a:r>
+            <a:endParaRPr lang="en-US" dirty="0"/>
           </a:p>
         </p:txBody>
       </p:sp>
@@ -4653,7 +5960,7 @@
         <p:spPr>
           <a:xfrm>
             <a:off x="1271768" y="1115051"/>
-            <a:ext cx="9196386" cy="630942"/>
+            <a:ext cx="11142654" cy="2400657"/>
           </a:xfrm>
           <a:prstGeom prst="rect">
             <a:avLst/>
@@ -4667,13 +5974,35 @@
           <a:lstStyle/>
           <a:p>
             <a:r>
-              <a:rPr lang="en-US" sz="3500" b="1" dirty="0">
-                <a:solidFill>
-                  <a:schemeClr val="accent1"/>
-                </a:solidFill>
-                <a:latin typeface="Cambria" panose="02040503050406030204" pitchFamily="18" charset="0"/>
-              </a:rPr>
-              <a:t>NARROW VS. GENERAL INTELLIGENCE</a:t>
+              <a:rPr lang="en-US" sz="5000" b="1" dirty="0">
+                <a:solidFill>
+                  <a:schemeClr val="accent1"/>
+                </a:solidFill>
+                <a:latin typeface="Cambria" panose="02040503050406030204" pitchFamily="18" charset="0"/>
+              </a:rPr>
+              <a:t>NARROW AI </a:t>
+            </a:r>
+          </a:p>
+          <a:p>
+            <a:r>
+              <a:rPr lang="en-US" sz="5000" b="1" dirty="0">
+                <a:solidFill>
+                  <a:schemeClr val="accent1"/>
+                </a:solidFill>
+                <a:latin typeface="Cambria" panose="02040503050406030204" pitchFamily="18" charset="0"/>
+              </a:rPr>
+              <a:t>VS.</a:t>
+            </a:r>
+          </a:p>
+          <a:p>
+            <a:r>
+              <a:rPr lang="en-US" sz="5000" b="1" dirty="0">
+                <a:solidFill>
+                  <a:schemeClr val="accent1"/>
+                </a:solidFill>
+                <a:latin typeface="Cambria" panose="02040503050406030204" pitchFamily="18" charset="0"/>
+              </a:rPr>
+              <a:t>AGI</a:t>
             </a:r>
           </a:p>
         </p:txBody>
@@ -4729,7 +6058,7 @@
         <p:spPr>
           <a:xfrm>
             <a:off x="1271768" y="1115051"/>
-            <a:ext cx="9196386" cy="553998"/>
+            <a:ext cx="9990592" cy="553998"/>
           </a:xfrm>
           <a:prstGeom prst="rect">
             <a:avLst/>
@@ -4749,7 +6078,7 @@
                 </a:solidFill>
                 <a:latin typeface="Cambria" panose="02040503050406030204" pitchFamily="18" charset="0"/>
               </a:rPr>
-              <a:t>DOMAIN-SPECIFIC AND LACK OF GENERALIZATION</a:t>
+              <a:t>NARROW AI 1/2</a:t>
             </a:r>
           </a:p>
         </p:txBody>
@@ -4769,7 +6098,7 @@
         <p:spPr>
           <a:xfrm>
             <a:off x="1275701" y="2333156"/>
-            <a:ext cx="9909364" cy="2308324"/>
+            <a:ext cx="9909364" cy="3046988"/>
           </a:xfrm>
           <a:prstGeom prst="rect">
             <a:avLst/>
@@ -4793,7 +6122,7 @@
                 </a:solidFill>
                 <a:latin typeface="Cambria" panose="02040503050406030204" pitchFamily="18" charset="0"/>
               </a:rPr>
-              <a:t>ONLINE COURSES</a:t>
+              <a:t>SELF-DRIVING CARS</a:t>
             </a:r>
             <a:br>
               <a:rPr lang="en-US" sz="2400" b="1" dirty="0">
@@ -4822,7 +6151,7 @@
                 </a:solidFill>
                 <a:latin typeface="Cambria" panose="02040503050406030204" pitchFamily="18" charset="0"/>
               </a:rPr>
-              <a:t>BEST PRACTICES</a:t>
+              <a:t>INTERPRETING MEDICAL IMAGES</a:t>
             </a:r>
             <a:br>
               <a:rPr lang="en-US" sz="2400" b="1" dirty="0">
@@ -4851,7 +6180,7 @@
                 </a:solidFill>
                 <a:latin typeface="Cambria" panose="02040503050406030204" pitchFamily="18" charset="0"/>
               </a:rPr>
-              <a:t>COMPETITIONS</a:t>
+              <a:t>BEATING WORLD CHAMPION GO</a:t>
             </a:r>
             <a:br>
               <a:rPr lang="en-US" sz="2400" b="1" dirty="0">
@@ -4868,12 +6197,41 @@
               <a:latin typeface="Cambria" panose="02040503050406030204" pitchFamily="18" charset="0"/>
             </a:endParaRPr>
           </a:p>
+          <a:p>
+            <a:pPr marL="342900" indent="-342900">
+              <a:buFont typeface="Arial"/>
+              <a:buChar char="•"/>
+            </a:pPr>
+            <a:r>
+              <a:rPr lang="en-US" sz="2400" b="1" dirty="0">
+                <a:solidFill>
+                  <a:schemeClr val="accent1"/>
+                </a:solidFill>
+                <a:latin typeface="Cambria" panose="02040503050406030204" pitchFamily="18" charset="0"/>
+              </a:rPr>
+              <a:t>…</a:t>
+            </a:r>
+            <a:br>
+              <a:rPr lang="en-US" sz="2400" b="1" dirty="0">
+                <a:solidFill>
+                  <a:schemeClr val="accent1"/>
+                </a:solidFill>
+                <a:latin typeface="Cambria" panose="02040503050406030204" pitchFamily="18" charset="0"/>
+              </a:rPr>
+            </a:br>
+            <a:endParaRPr lang="en-US" sz="2400" b="1" dirty="0">
+              <a:solidFill>
+                <a:schemeClr val="accent1"/>
+              </a:solidFill>
+              <a:latin typeface="Cambria" panose="02040503050406030204" pitchFamily="18" charset="0"/>
+            </a:endParaRPr>
+          </a:p>
         </p:txBody>
       </p:sp>
     </p:spTree>
     <p:extLst>
       <p:ext uri="{BB962C8B-B14F-4D97-AF65-F5344CB8AC3E}">
-        <p14:creationId xmlns:p14="http://schemas.microsoft.com/office/powerpoint/2010/main" val="3105999542"/>
+        <p14:creationId xmlns:p14="http://schemas.microsoft.com/office/powerpoint/2010/main" val="1083636431"/>
       </p:ext>
     </p:extLst>
   </p:cSld>
@@ -4921,7 +6279,7 @@
         <p:spPr>
           <a:xfrm>
             <a:off x="1271768" y="1115051"/>
-            <a:ext cx="9196386" cy="630942"/>
+            <a:ext cx="9990592" cy="553998"/>
           </a:xfrm>
           <a:prstGeom prst="rect">
             <a:avLst/>
@@ -4935,21 +6293,137 @@
           <a:lstStyle/>
           <a:p>
             <a:r>
-              <a:rPr lang="en-US" sz="3500" b="1" dirty="0">
-                <a:solidFill>
-                  <a:schemeClr val="accent1"/>
-                </a:solidFill>
-                <a:latin typeface="Cambria" panose="02040503050406030204" pitchFamily="18" charset="0"/>
-              </a:rPr>
-              <a:t>DATA GREEDINESS</a:t>
-            </a:r>
+              <a:rPr lang="en-US" sz="3000" b="1" dirty="0">
+                <a:solidFill>
+                  <a:schemeClr val="accent1"/>
+                </a:solidFill>
+                <a:latin typeface="Cambria" panose="02040503050406030204" pitchFamily="18" charset="0"/>
+              </a:rPr>
+              <a:t>NARROW AI 2/2</a:t>
+            </a:r>
+          </a:p>
+        </p:txBody>
+      </p:sp>
+      <p:sp>
+        <p:nvSpPr>
+          <p:cNvPr id="6" name="TextBox 5">
+            <a:extLst>
+              <a:ext uri="{FF2B5EF4-FFF2-40B4-BE49-F238E27FC236}">
+                <a16:creationId xmlns:a16="http://schemas.microsoft.com/office/drawing/2014/main" id="{80CDDE41-8C09-D54C-917C-9FB77CE4824D}"/>
+              </a:ext>
+            </a:extLst>
+          </p:cNvPr>
+          <p:cNvSpPr txBox="1"/>
+          <p:nvPr/>
+        </p:nvSpPr>
+        <p:spPr>
+          <a:xfrm>
+            <a:off x="1275701" y="2333156"/>
+            <a:ext cx="9909364" cy="2308324"/>
+          </a:xfrm>
+          <a:prstGeom prst="rect">
+            <a:avLst/>
+          </a:prstGeom>
+          <a:noFill/>
+        </p:spPr>
+        <p:txBody>
+          <a:bodyPr wrap="square" rtlCol="0">
+            <a:spAutoFit/>
+          </a:bodyPr>
+          <a:lstStyle/>
+          <a:p>
+            <a:pPr marL="342900" indent="-342900">
+              <a:buFont typeface="Arial"/>
+              <a:buChar char="•"/>
+            </a:pPr>
+            <a:r>
+              <a:rPr lang="en-US" sz="2400" b="1" dirty="0">
+                <a:solidFill>
+                  <a:schemeClr val="accent1"/>
+                </a:solidFill>
+                <a:latin typeface="Cambria" panose="02040503050406030204" pitchFamily="18" charset="0"/>
+              </a:rPr>
+              <a:t>DOMAIN SPECIFIC</a:t>
+            </a:r>
+            <a:br>
+              <a:rPr lang="en-US" sz="2400" b="1" dirty="0">
+                <a:solidFill>
+                  <a:schemeClr val="accent1"/>
+                </a:solidFill>
+                <a:latin typeface="Cambria" panose="02040503050406030204" pitchFamily="18" charset="0"/>
+              </a:rPr>
+            </a:br>
+            <a:endParaRPr lang="en-US" sz="2400" b="1" dirty="0">
+              <a:solidFill>
+                <a:schemeClr val="accent1"/>
+              </a:solidFill>
+              <a:latin typeface="Cambria" panose="02040503050406030204" pitchFamily="18" charset="0"/>
+            </a:endParaRPr>
+          </a:p>
+          <a:p>
+            <a:pPr marL="342900" indent="-342900">
+              <a:buFont typeface="Arial"/>
+              <a:buChar char="•"/>
+            </a:pPr>
+            <a:r>
+              <a:rPr lang="en-US" sz="2400" b="1" dirty="0">
+                <a:solidFill>
+                  <a:schemeClr val="accent1"/>
+                </a:solidFill>
+                <a:latin typeface="Cambria" panose="02040503050406030204" pitchFamily="18" charset="0"/>
+              </a:rPr>
+              <a:t>LOTS OF TRAINING DATA</a:t>
+            </a:r>
+            <a:br>
+              <a:rPr lang="en-US" sz="2400" b="1" dirty="0">
+                <a:solidFill>
+                  <a:schemeClr val="accent1"/>
+                </a:solidFill>
+                <a:latin typeface="Cambria" panose="02040503050406030204" pitchFamily="18" charset="0"/>
+              </a:rPr>
+            </a:br>
+            <a:endParaRPr lang="en-US" sz="2400" b="1" dirty="0">
+              <a:solidFill>
+                <a:schemeClr val="accent1"/>
+              </a:solidFill>
+              <a:latin typeface="Cambria" panose="02040503050406030204" pitchFamily="18" charset="0"/>
+            </a:endParaRPr>
+          </a:p>
+          <a:p>
+            <a:pPr marL="342900" indent="-342900">
+              <a:buFont typeface="Arial"/>
+              <a:buChar char="•"/>
+            </a:pPr>
+            <a:r>
+              <a:rPr lang="en-US" sz="2400" b="1" dirty="0">
+                <a:solidFill>
+                  <a:schemeClr val="accent1"/>
+                </a:solidFill>
+                <a:latin typeface="Cambria" panose="02040503050406030204" pitchFamily="18" charset="0"/>
+              </a:rPr>
+              <a:t>NO MODEL OF THE WORLD</a:t>
+            </a:r>
+            <a:br>
+              <a:rPr lang="en-US" sz="2400" b="1" dirty="0">
+                <a:solidFill>
+                  <a:schemeClr val="accent1"/>
+                </a:solidFill>
+                <a:latin typeface="Cambria" panose="02040503050406030204" pitchFamily="18" charset="0"/>
+              </a:rPr>
+            </a:br>
+            <a:endParaRPr lang="en-US" sz="2400" b="1" dirty="0">
+              <a:solidFill>
+                <a:schemeClr val="accent1"/>
+              </a:solidFill>
+              <a:latin typeface="Cambria" panose="02040503050406030204" pitchFamily="18" charset="0"/>
+            </a:endParaRPr>
           </a:p>
         </p:txBody>
       </p:sp>
     </p:spTree>
     <p:extLst>
       <p:ext uri="{BB962C8B-B14F-4D97-AF65-F5344CB8AC3E}">
-        <p14:creationId xmlns:p14="http://schemas.microsoft.com/office/powerpoint/2010/main" val="1108266415"/>
+        <p14:creationId xmlns:p14="http://schemas.microsoft.com/office/powerpoint/2010/main" val="575429886"/>
       </p:ext>
     </p:extLst>
   </p:cSld>
@@ -4988,44 +6462,119 @@
           <a:chExt cx="0" cy="0"/>
         </a:xfrm>
       </p:grpSpPr>
-      <p:sp>
-        <p:nvSpPr>
-          <p:cNvPr id="8" name="TextBox 7"/>
-          <p:cNvSpPr txBox="1"/>
+      <p:pic>
+        <p:nvPicPr>
+          <p:cNvPr id="9" name="Picture 8">
+            <a:extLst>
+              <a:ext uri="{FF2B5EF4-FFF2-40B4-BE49-F238E27FC236}">
+                <a16:creationId xmlns:a16="http://schemas.microsoft.com/office/drawing/2014/main" id="{5B7D02FA-354D-E24F-8B88-979688A078D1}"/>
+              </a:ext>
+            </a:extLst>
+          </p:cNvPr>
+          <p:cNvPicPr>
+            <a:picLocks noChangeAspect="1"/>
+          </p:cNvPicPr>
           <p:nvPr/>
-        </p:nvSpPr>
-        <p:spPr>
-          <a:xfrm>
-            <a:off x="1271768" y="1115051"/>
-            <a:ext cx="9196386" cy="1169551"/>
+        </p:nvPicPr>
+        <p:blipFill>
+          <a:blip r:embed="rId3"/>
+          <a:stretch>
+            <a:fillRect/>
+          </a:stretch>
+        </p:blipFill>
+        <p:spPr>
+          <a:xfrm>
+            <a:off x="3447046" y="593727"/>
+            <a:ext cx="5506841" cy="1565927"/>
           </a:xfrm>
           <a:prstGeom prst="rect">
             <a:avLst/>
           </a:prstGeom>
-          <a:noFill/>
-        </p:spPr>
-        <p:txBody>
-          <a:bodyPr wrap="square" rtlCol="0">
+        </p:spPr>
+      </p:pic>
+      <p:pic>
+        <p:nvPicPr>
+          <p:cNvPr id="10" name="Picture 9">
+            <a:extLst>
+              <a:ext uri="{FF2B5EF4-FFF2-40B4-BE49-F238E27FC236}">
+                <a16:creationId xmlns:a16="http://schemas.microsoft.com/office/drawing/2014/main" id="{4AAA66C7-6BC9-C541-9FBF-760EFBE8E2BC}"/>
+              </a:ext>
+            </a:extLst>
+          </p:cNvPr>
+          <p:cNvPicPr>
+            <a:picLocks noChangeAspect="1"/>
+          </p:cNvPicPr>
+          <p:nvPr/>
+        </p:nvPicPr>
+        <p:blipFill>
+          <a:blip r:embed="rId4"/>
+          <a:stretch>
+            <a:fillRect/>
+          </a:stretch>
+        </p:blipFill>
+        <p:spPr>
+          <a:xfrm>
+            <a:off x="1627026" y="2247901"/>
+            <a:ext cx="9802202" cy="3351926"/>
+          </a:xfrm>
+          <a:prstGeom prst="rect">
+            <a:avLst/>
+          </a:prstGeom>
+        </p:spPr>
+      </p:pic>
+      <p:sp>
+        <p:nvSpPr>
+          <p:cNvPr id="11" name="Rectangle 10">
+            <a:extLst>
+              <a:ext uri="{FF2B5EF4-FFF2-40B4-BE49-F238E27FC236}">
+                <a16:creationId xmlns:a16="http://schemas.microsoft.com/office/drawing/2014/main" id="{DD2B9E7F-6677-FA4C-A5C7-549B27D793C3}"/>
+              </a:ext>
+            </a:extLst>
+          </p:cNvPr>
+          <p:cNvSpPr/>
+          <p:nvPr/>
+        </p:nvSpPr>
+        <p:spPr>
+          <a:xfrm>
+            <a:off x="3774706" y="5890620"/>
+            <a:ext cx="6043065" cy="369332"/>
+          </a:xfrm>
+          <a:prstGeom prst="rect">
+            <a:avLst/>
+          </a:prstGeom>
+        </p:spPr>
+        <p:txBody>
+          <a:bodyPr wrap="none">
             <a:spAutoFit/>
           </a:bodyPr>
           <a:lstStyle/>
           <a:p>
             <a:r>
-              <a:rPr lang="en-US" sz="3500" b="1" dirty="0">
-                <a:solidFill>
-                  <a:schemeClr val="accent1"/>
-                </a:solidFill>
-                <a:latin typeface="Cambria" panose="02040503050406030204" pitchFamily="18" charset="0"/>
-              </a:rPr>
-              <a:t>ENTREPRENEURS &amp; VENTURE CAPITAL ECOSYSTEMS</a:t>
-            </a:r>
+              <a:rPr lang="fr-FR" dirty="0">
+                <a:hlinkClick r:id="rId5"/>
+              </a:rPr>
+              <a:t>http://</a:t>
+            </a:r>
+            <a:r>
+              <a:rPr lang="fr-FR" dirty="0" err="1">
+                <a:hlinkClick r:id="rId5"/>
+              </a:rPr>
+              <a:t>www.evolvingai.org</a:t>
+            </a:r>
+            <a:r>
+              <a:rPr lang="fr-FR" dirty="0">
+                <a:hlinkClick r:id="rId5"/>
+              </a:rPr>
+              <a:t>/files/DNNsEasilyFooled_cvpr15.pdf</a:t>
+            </a:r>
+            <a:endParaRPr lang="fr-FR" dirty="0"/>
           </a:p>
         </p:txBody>
       </p:sp>
     </p:spTree>
     <p:extLst>
       <p:ext uri="{BB962C8B-B14F-4D97-AF65-F5344CB8AC3E}">
-        <p14:creationId xmlns:p14="http://schemas.microsoft.com/office/powerpoint/2010/main" val="983120470"/>
+        <p14:creationId xmlns:p14="http://schemas.microsoft.com/office/powerpoint/2010/main" val="3105999542"/>
       </p:ext>
     </p:extLst>
   </p:cSld>
@@ -5073,7 +6622,7 @@
         <p:spPr>
           <a:xfrm>
             <a:off x="1271768" y="1115051"/>
-            <a:ext cx="9196386" cy="630942"/>
+            <a:ext cx="9990592" cy="553998"/>
           </a:xfrm>
           <a:prstGeom prst="rect">
             <a:avLst/>
@@ -5087,21 +6636,319 @@
           <a:lstStyle/>
           <a:p>
             <a:r>
-              <a:rPr lang="en-US" sz="3500" b="1" dirty="0">
-                <a:solidFill>
-                  <a:schemeClr val="accent1"/>
-                </a:solidFill>
-                <a:latin typeface="Cambria" panose="02040503050406030204" pitchFamily="18" charset="0"/>
-              </a:rPr>
-              <a:t>THE WINNER-TAKE ALL ECONOMICS</a:t>
-            </a:r>
+              <a:rPr lang="en-US" sz="3000" b="1" dirty="0">
+                <a:solidFill>
+                  <a:schemeClr val="accent1"/>
+                </a:solidFill>
+                <a:latin typeface="Cambria" panose="02040503050406030204" pitchFamily="18" charset="0"/>
+              </a:rPr>
+              <a:t>ALPHAGO ZERO</a:t>
+            </a:r>
+          </a:p>
+        </p:txBody>
+      </p:sp>
+      <p:pic>
+        <p:nvPicPr>
+          <p:cNvPr id="2" name="Picture 1">
+            <a:extLst>
+              <a:ext uri="{FF2B5EF4-FFF2-40B4-BE49-F238E27FC236}">
+                <a16:creationId xmlns:a16="http://schemas.microsoft.com/office/drawing/2014/main" id="{8E60CC87-9216-D94E-9ADE-1F0D9760FD04}"/>
+              </a:ext>
+            </a:extLst>
+          </p:cNvPr>
+          <p:cNvPicPr>
+            <a:picLocks noChangeAspect="1"/>
+          </p:cNvPicPr>
+          <p:nvPr/>
+        </p:nvPicPr>
+        <p:blipFill>
+          <a:blip r:embed="rId3"/>
+          <a:stretch>
+            <a:fillRect/>
+          </a:stretch>
+        </p:blipFill>
+        <p:spPr>
+          <a:xfrm>
+            <a:off x="1359241" y="2088162"/>
+            <a:ext cx="4593297" cy="2557980"/>
+          </a:xfrm>
+          <a:prstGeom prst="rect">
+            <a:avLst/>
+          </a:prstGeom>
+        </p:spPr>
+      </p:pic>
+      <p:sp>
+        <p:nvSpPr>
+          <p:cNvPr id="5" name="TextBox 4">
+            <a:extLst>
+              <a:ext uri="{FF2B5EF4-FFF2-40B4-BE49-F238E27FC236}">
+                <a16:creationId xmlns:a16="http://schemas.microsoft.com/office/drawing/2014/main" id="{6D89DFB1-1ADD-684A-835E-E698B49FD91E}"/>
+              </a:ext>
+            </a:extLst>
+          </p:cNvPr>
+          <p:cNvSpPr txBox="1"/>
+          <p:nvPr/>
+        </p:nvSpPr>
+        <p:spPr>
+          <a:xfrm>
+            <a:off x="6153664" y="2077784"/>
+            <a:ext cx="5642919" cy="2677656"/>
+          </a:xfrm>
+          <a:prstGeom prst="rect">
+            <a:avLst/>
+          </a:prstGeom>
+          <a:noFill/>
+        </p:spPr>
+        <p:txBody>
+          <a:bodyPr wrap="square" rtlCol="0">
+            <a:spAutoFit/>
+          </a:bodyPr>
+          <a:lstStyle/>
+          <a:p>
+            <a:pPr marL="342900" indent="-342900">
+              <a:buFont typeface="Arial"/>
+              <a:buChar char="•"/>
+            </a:pPr>
+            <a:r>
+              <a:rPr lang="en-US" sz="2400" b="1" dirty="0">
+                <a:solidFill>
+                  <a:schemeClr val="accent1"/>
+                </a:solidFill>
+                <a:latin typeface="Cambria" panose="02040503050406030204" pitchFamily="18" charset="0"/>
+              </a:rPr>
+              <a:t>MILLIONS OF GAMES</a:t>
+            </a:r>
+            <a:br>
+              <a:rPr lang="en-US" sz="2400" b="1" dirty="0">
+                <a:solidFill>
+                  <a:schemeClr val="accent1"/>
+                </a:solidFill>
+                <a:latin typeface="Cambria" panose="02040503050406030204" pitchFamily="18" charset="0"/>
+              </a:rPr>
+            </a:br>
+            <a:endParaRPr lang="en-US" sz="2400" b="1" dirty="0">
+              <a:solidFill>
+                <a:schemeClr val="accent1"/>
+              </a:solidFill>
+              <a:latin typeface="Cambria" panose="02040503050406030204" pitchFamily="18" charset="0"/>
+            </a:endParaRPr>
+          </a:p>
+          <a:p>
+            <a:pPr marL="342900" indent="-342900">
+              <a:buFont typeface="Arial"/>
+              <a:buChar char="•"/>
+            </a:pPr>
+            <a:r>
+              <a:rPr lang="en-US" sz="2400" b="1" dirty="0">
+                <a:solidFill>
+                  <a:schemeClr val="accent1"/>
+                </a:solidFill>
+                <a:latin typeface="Cambria" panose="02040503050406030204" pitchFamily="18" charset="0"/>
+              </a:rPr>
+              <a:t>VERY SIMPLE ENVIRONMENT</a:t>
+            </a:r>
+            <a:br>
+              <a:rPr lang="en-US" sz="2400" b="1" dirty="0">
+                <a:solidFill>
+                  <a:schemeClr val="accent1"/>
+                </a:solidFill>
+                <a:latin typeface="Cambria" panose="02040503050406030204" pitchFamily="18" charset="0"/>
+              </a:rPr>
+            </a:br>
+            <a:endParaRPr lang="en-US" sz="2400" b="1" dirty="0">
+              <a:solidFill>
+                <a:schemeClr val="accent1"/>
+              </a:solidFill>
+              <a:latin typeface="Cambria" panose="02040503050406030204" pitchFamily="18" charset="0"/>
+            </a:endParaRPr>
+          </a:p>
+          <a:p>
+            <a:pPr marL="342900" indent="-342900">
+              <a:buFont typeface="Arial"/>
+              <a:buChar char="•"/>
+            </a:pPr>
+            <a:r>
+              <a:rPr lang="en-US" sz="2400" b="1" dirty="0">
+                <a:solidFill>
+                  <a:schemeClr val="accent1"/>
+                </a:solidFill>
+                <a:latin typeface="Cambria" panose="02040503050406030204" pitchFamily="18" charset="0"/>
+              </a:rPr>
+              <a:t>THOUSANDS OF FRAMES PER SECOND ON MULTIPLE COMPUTERS</a:t>
+            </a:r>
+            <a:br>
+              <a:rPr lang="en-US" sz="2400" b="1" dirty="0">
+                <a:solidFill>
+                  <a:schemeClr val="accent1"/>
+                </a:solidFill>
+                <a:latin typeface="Cambria" panose="02040503050406030204" pitchFamily="18" charset="0"/>
+              </a:rPr>
+            </a:br>
+            <a:endParaRPr lang="en-US" sz="2400" b="1" dirty="0">
+              <a:solidFill>
+                <a:schemeClr val="accent1"/>
+              </a:solidFill>
+              <a:latin typeface="Cambria" panose="02040503050406030204" pitchFamily="18" charset="0"/>
+            </a:endParaRPr>
+          </a:p>
+        </p:txBody>
+      </p:sp>
+      <p:sp>
+        <p:nvSpPr>
+          <p:cNvPr id="7" name="TextBox 6">
+            <a:extLst>
+              <a:ext uri="{FF2B5EF4-FFF2-40B4-BE49-F238E27FC236}">
+                <a16:creationId xmlns:a16="http://schemas.microsoft.com/office/drawing/2014/main" id="{6366047C-C3FC-2145-ACAC-534C88D93F66}"/>
+              </a:ext>
+            </a:extLst>
+          </p:cNvPr>
+          <p:cNvSpPr txBox="1"/>
+          <p:nvPr/>
+        </p:nvSpPr>
+        <p:spPr>
+          <a:xfrm>
+            <a:off x="1271768" y="4943720"/>
+            <a:ext cx="11406265" cy="461665"/>
+          </a:xfrm>
+          <a:prstGeom prst="rect">
+            <a:avLst/>
+          </a:prstGeom>
+          <a:noFill/>
+        </p:spPr>
+        <p:txBody>
+          <a:bodyPr wrap="square" rtlCol="0">
+            <a:spAutoFit/>
+          </a:bodyPr>
+          <a:lstStyle/>
+          <a:p>
+            <a:r>
+              <a:rPr lang="en-US" sz="2400" b="1" dirty="0">
+                <a:solidFill>
+                  <a:schemeClr val="accent6"/>
+                </a:solidFill>
+                <a:latin typeface="Cambria" panose="02040503050406030204" pitchFamily="18" charset="0"/>
+              </a:rPr>
+              <a:t>“… you cannot run the real world faster than real time” – Yann </a:t>
+            </a:r>
+            <a:r>
+              <a:rPr lang="en-US" sz="2400" b="1" dirty="0" err="1">
+                <a:solidFill>
+                  <a:schemeClr val="accent6"/>
+                </a:solidFill>
+                <a:latin typeface="Cambria" panose="02040503050406030204" pitchFamily="18" charset="0"/>
+              </a:rPr>
+              <a:t>LeCun</a:t>
+            </a:r>
+            <a:endParaRPr lang="en-US" sz="2400" b="1" dirty="0">
+              <a:solidFill>
+                <a:schemeClr val="accent6"/>
+              </a:solidFill>
+              <a:latin typeface="Cambria" panose="02040503050406030204" pitchFamily="18" charset="0"/>
+            </a:endParaRPr>
+          </a:p>
+        </p:txBody>
+      </p:sp>
+      <p:sp>
+        <p:nvSpPr>
+          <p:cNvPr id="4" name="Rectangle 3">
+            <a:extLst>
+              <a:ext uri="{FF2B5EF4-FFF2-40B4-BE49-F238E27FC236}">
+                <a16:creationId xmlns:a16="http://schemas.microsoft.com/office/drawing/2014/main" id="{14999D97-FD1E-5B48-82CD-95444D317BBE}"/>
+              </a:ext>
+            </a:extLst>
+          </p:cNvPr>
+          <p:cNvSpPr/>
+          <p:nvPr/>
+        </p:nvSpPr>
+        <p:spPr>
+          <a:xfrm>
+            <a:off x="1271768" y="5494809"/>
+            <a:ext cx="10488479" cy="369332"/>
+          </a:xfrm>
+          <a:prstGeom prst="rect">
+            <a:avLst/>
+          </a:prstGeom>
+        </p:spPr>
+        <p:txBody>
+          <a:bodyPr wrap="square">
+            <a:spAutoFit/>
+          </a:bodyPr>
+          <a:lstStyle/>
+          <a:p>
+            <a:r>
+              <a:rPr lang="fr-FR" dirty="0">
+                <a:hlinkClick r:id="rId4"/>
+              </a:rPr>
+              <a:t>https://</a:t>
+            </a:r>
+            <a:r>
+              <a:rPr lang="fr-FR" dirty="0" err="1">
+                <a:hlinkClick r:id="rId4"/>
+              </a:rPr>
+              <a:t>www.theverge.com</a:t>
+            </a:r>
+            <a:r>
+              <a:rPr lang="fr-FR" dirty="0">
+                <a:hlinkClick r:id="rId4"/>
+              </a:rPr>
+              <a:t>/2017/10/26/16552056/a-intelligence-</a:t>
+            </a:r>
+            <a:r>
+              <a:rPr lang="fr-FR" dirty="0" err="1">
+                <a:hlinkClick r:id="rId4"/>
+              </a:rPr>
+              <a:t>terminator</a:t>
+            </a:r>
+            <a:r>
+              <a:rPr lang="fr-FR" dirty="0">
+                <a:hlinkClick r:id="rId4"/>
+              </a:rPr>
+              <a:t>-</a:t>
+            </a:r>
+            <a:r>
+              <a:rPr lang="fr-FR" dirty="0" err="1">
+                <a:hlinkClick r:id="rId4"/>
+              </a:rPr>
+              <a:t>facebook</a:t>
+            </a:r>
+            <a:r>
+              <a:rPr lang="fr-FR" dirty="0">
+                <a:hlinkClick r:id="rId4"/>
+              </a:rPr>
+              <a:t>-</a:t>
+            </a:r>
+            <a:r>
+              <a:rPr lang="fr-FR" dirty="0" err="1">
+                <a:hlinkClick r:id="rId4"/>
+              </a:rPr>
+              <a:t>yann</a:t>
+            </a:r>
+            <a:r>
+              <a:rPr lang="fr-FR" dirty="0">
+                <a:hlinkClick r:id="rId4"/>
+              </a:rPr>
+              <a:t>-</a:t>
+            </a:r>
+            <a:r>
+              <a:rPr lang="fr-FR" dirty="0" err="1">
+                <a:hlinkClick r:id="rId4"/>
+              </a:rPr>
+              <a:t>lecun</a:t>
+            </a:r>
+            <a:r>
+              <a:rPr lang="fr-FR" dirty="0">
+                <a:hlinkClick r:id="rId4"/>
+              </a:rPr>
+              <a:t>-interview</a:t>
+            </a:r>
+            <a:endParaRPr lang="fr-FR" dirty="0"/>
           </a:p>
         </p:txBody>
       </p:sp>
     </p:spTree>
     <p:extLst>
       <p:ext uri="{BB962C8B-B14F-4D97-AF65-F5344CB8AC3E}">
-        <p14:creationId xmlns:p14="http://schemas.microsoft.com/office/powerpoint/2010/main" val="3740597422"/>
+        <p14:creationId xmlns:p14="http://schemas.microsoft.com/office/powerpoint/2010/main" val="3114015882"/>
       </p:ext>
     </p:extLst>
   </p:cSld>
@@ -5149,7 +6996,7 @@
         <p:spPr>
           <a:xfrm>
             <a:off x="1271768" y="1115051"/>
-            <a:ext cx="9196386" cy="630942"/>
+            <a:ext cx="9196386" cy="553998"/>
           </a:xfrm>
           <a:prstGeom prst="rect">
             <a:avLst/>
@@ -5163,21 +7010,234 @@
           <a:lstStyle/>
           <a:p>
             <a:r>
-              <a:rPr lang="en-US" sz="3500" b="1" dirty="0">
-                <a:solidFill>
-                  <a:schemeClr val="accent1"/>
-                </a:solidFill>
-                <a:latin typeface="Cambria" panose="02040503050406030204" pitchFamily="18" charset="0"/>
-              </a:rPr>
-              <a:t>MEDIA-ATTENTION DISTORTS REALITY</a:t>
-            </a:r>
+              <a:rPr lang="en-US" sz="3000" b="1" dirty="0">
+                <a:solidFill>
+                  <a:schemeClr val="accent1"/>
+                </a:solidFill>
+                <a:latin typeface="Cambria" panose="02040503050406030204" pitchFamily="18" charset="0"/>
+              </a:rPr>
+              <a:t>ARTIFICIAL GENERAL INTELLIGENCE</a:t>
+            </a:r>
+          </a:p>
+        </p:txBody>
+      </p:sp>
+      <p:sp>
+        <p:nvSpPr>
+          <p:cNvPr id="6" name="TextBox 5">
+            <a:extLst>
+              <a:ext uri="{FF2B5EF4-FFF2-40B4-BE49-F238E27FC236}">
+                <a16:creationId xmlns:a16="http://schemas.microsoft.com/office/drawing/2014/main" id="{80CDDE41-8C09-D54C-917C-9FB77CE4824D}"/>
+              </a:ext>
+            </a:extLst>
+          </p:cNvPr>
+          <p:cNvSpPr txBox="1"/>
+          <p:nvPr/>
+        </p:nvSpPr>
+        <p:spPr>
+          <a:xfrm>
+            <a:off x="1275701" y="2333156"/>
+            <a:ext cx="9909364" cy="3046988"/>
+          </a:xfrm>
+          <a:prstGeom prst="rect">
+            <a:avLst/>
+          </a:prstGeom>
+          <a:noFill/>
+        </p:spPr>
+        <p:txBody>
+          <a:bodyPr wrap="square" rtlCol="0">
+            <a:spAutoFit/>
+          </a:bodyPr>
+          <a:lstStyle/>
+          <a:p>
+            <a:pPr marL="342900" indent="-342900">
+              <a:buFont typeface="Arial"/>
+              <a:buChar char="•"/>
+            </a:pPr>
+            <a:r>
+              <a:rPr lang="en-US" sz="2400" b="1" dirty="0">
+                <a:solidFill>
+                  <a:schemeClr val="accent1"/>
+                </a:solidFill>
+                <a:latin typeface="Cambria" panose="02040503050406030204" pitchFamily="18" charset="0"/>
+              </a:rPr>
+              <a:t>LONG WAY TO GO BEFORE APPROACHING NEAR THE INTELLIGENCE OF A BABY, OR EVEN AN ANIMAL</a:t>
+            </a:r>
+            <a:br>
+              <a:rPr lang="en-US" sz="2400" b="1" dirty="0">
+                <a:solidFill>
+                  <a:schemeClr val="accent1"/>
+                </a:solidFill>
+                <a:latin typeface="Cambria" panose="02040503050406030204" pitchFamily="18" charset="0"/>
+              </a:rPr>
+            </a:br>
+            <a:endParaRPr lang="en-US" sz="2400" b="1" dirty="0">
+              <a:solidFill>
+                <a:schemeClr val="accent1"/>
+              </a:solidFill>
+              <a:latin typeface="Cambria" panose="02040503050406030204" pitchFamily="18" charset="0"/>
+            </a:endParaRPr>
+          </a:p>
+          <a:p>
+            <a:pPr marL="342900" indent="-342900">
+              <a:buFont typeface="Arial"/>
+              <a:buChar char="•"/>
+            </a:pPr>
+            <a:r>
+              <a:rPr lang="en-US" sz="2400" b="1" dirty="0">
+                <a:solidFill>
+                  <a:schemeClr val="accent1"/>
+                </a:solidFill>
+                <a:latin typeface="Cambria" panose="02040503050406030204" pitchFamily="18" charset="0"/>
+              </a:rPr>
+              <a:t>HOW TO GET MACHINES TO LEARN HOW THE WORLD WORKS BY OBSERVATION – UNSUPERVISED LEARNING</a:t>
+            </a:r>
+            <a:br>
+              <a:rPr lang="en-US" sz="2400" b="1" dirty="0">
+                <a:solidFill>
+                  <a:schemeClr val="accent1"/>
+                </a:solidFill>
+                <a:latin typeface="Cambria" panose="02040503050406030204" pitchFamily="18" charset="0"/>
+              </a:rPr>
+            </a:br>
+            <a:endParaRPr lang="en-US" sz="2400" b="1" dirty="0">
+              <a:solidFill>
+                <a:schemeClr val="accent1"/>
+              </a:solidFill>
+              <a:latin typeface="Cambria" panose="02040503050406030204" pitchFamily="18" charset="0"/>
+            </a:endParaRPr>
+          </a:p>
+          <a:p>
+            <a:pPr marL="342900" indent="-342900">
+              <a:buFont typeface="Arial"/>
+              <a:buChar char="•"/>
+            </a:pPr>
+            <a:r>
+              <a:rPr lang="en-US" sz="2400" b="1" dirty="0">
+                <a:solidFill>
+                  <a:schemeClr val="accent1"/>
+                </a:solidFill>
+                <a:latin typeface="Cambria" panose="02040503050406030204" pitchFamily="18" charset="0"/>
+              </a:rPr>
+              <a:t>CONTINUOUS PROGRESS …</a:t>
+            </a:r>
+            <a:br>
+              <a:rPr lang="en-US" sz="2400" b="1" dirty="0">
+                <a:solidFill>
+                  <a:schemeClr val="accent1"/>
+                </a:solidFill>
+                <a:latin typeface="Cambria" panose="02040503050406030204" pitchFamily="18" charset="0"/>
+              </a:rPr>
+            </a:br>
+            <a:endParaRPr lang="en-US" sz="2400" b="1" dirty="0">
+              <a:solidFill>
+                <a:schemeClr val="accent1"/>
+              </a:solidFill>
+              <a:latin typeface="Cambria" panose="02040503050406030204" pitchFamily="18" charset="0"/>
+            </a:endParaRPr>
+          </a:p>
+        </p:txBody>
+      </p:sp>
+      <p:sp>
+        <p:nvSpPr>
+          <p:cNvPr id="4" name="Rectangle 3">
+            <a:extLst>
+              <a:ext uri="{FF2B5EF4-FFF2-40B4-BE49-F238E27FC236}">
+                <a16:creationId xmlns:a16="http://schemas.microsoft.com/office/drawing/2014/main" id="{7D1E94C7-9D42-FB42-95C0-9A8C49E520F6}"/>
+              </a:ext>
+            </a:extLst>
+          </p:cNvPr>
+          <p:cNvSpPr/>
+          <p:nvPr/>
+        </p:nvSpPr>
+        <p:spPr>
+          <a:xfrm>
+            <a:off x="1271768" y="5195478"/>
+            <a:ext cx="10488479" cy="369332"/>
+          </a:xfrm>
+          <a:prstGeom prst="rect">
+            <a:avLst/>
+          </a:prstGeom>
+        </p:spPr>
+        <p:txBody>
+          <a:bodyPr wrap="square">
+            <a:spAutoFit/>
+          </a:bodyPr>
+          <a:lstStyle/>
+          <a:p>
+            <a:r>
+              <a:rPr lang="fr-FR" dirty="0">
+                <a:hlinkClick r:id="rId3"/>
+              </a:rPr>
+              <a:t>https://</a:t>
+            </a:r>
+            <a:r>
+              <a:rPr lang="fr-FR" dirty="0" err="1">
+                <a:hlinkClick r:id="rId3"/>
+              </a:rPr>
+              <a:t>www.theverge.com</a:t>
+            </a:r>
+            <a:r>
+              <a:rPr lang="fr-FR" dirty="0">
+                <a:hlinkClick r:id="rId3"/>
+              </a:rPr>
+              <a:t>/2017/10/26/16552056/a-intelligence-</a:t>
+            </a:r>
+            <a:r>
+              <a:rPr lang="fr-FR" dirty="0" err="1">
+                <a:hlinkClick r:id="rId3"/>
+              </a:rPr>
+              <a:t>terminator</a:t>
+            </a:r>
+            <a:r>
+              <a:rPr lang="fr-FR" dirty="0">
+                <a:hlinkClick r:id="rId3"/>
+              </a:rPr>
+              <a:t>-</a:t>
+            </a:r>
+            <a:r>
+              <a:rPr lang="fr-FR" dirty="0" err="1">
+                <a:hlinkClick r:id="rId3"/>
+              </a:rPr>
+              <a:t>facebook</a:t>
+            </a:r>
+            <a:r>
+              <a:rPr lang="fr-FR" dirty="0">
+                <a:hlinkClick r:id="rId3"/>
+              </a:rPr>
+              <a:t>-</a:t>
+            </a:r>
+            <a:r>
+              <a:rPr lang="fr-FR" dirty="0" err="1">
+                <a:hlinkClick r:id="rId3"/>
+              </a:rPr>
+              <a:t>yann</a:t>
+            </a:r>
+            <a:r>
+              <a:rPr lang="fr-FR" dirty="0">
+                <a:hlinkClick r:id="rId3"/>
+              </a:rPr>
+              <a:t>-</a:t>
+            </a:r>
+            <a:r>
+              <a:rPr lang="fr-FR" dirty="0" err="1">
+                <a:hlinkClick r:id="rId3"/>
+              </a:rPr>
+              <a:t>lecun</a:t>
+            </a:r>
+            <a:r>
+              <a:rPr lang="fr-FR" dirty="0">
+                <a:hlinkClick r:id="rId3"/>
+              </a:rPr>
+              <a:t>-interview</a:t>
+            </a:r>
+            <a:endParaRPr lang="fr-FR" dirty="0"/>
           </a:p>
         </p:txBody>
       </p:sp>
     </p:spTree>
     <p:extLst>
       <p:ext uri="{BB962C8B-B14F-4D97-AF65-F5344CB8AC3E}">
-        <p14:creationId xmlns:p14="http://schemas.microsoft.com/office/powerpoint/2010/main" val="1704148243"/>
+        <p14:creationId xmlns:p14="http://schemas.microsoft.com/office/powerpoint/2010/main" val="1850385569"/>
       </p:ext>
     </p:extLst>
   </p:cSld>
@@ -5225,7 +7285,7 @@
         <p:spPr>
           <a:xfrm>
             <a:off x="1271768" y="1115051"/>
-            <a:ext cx="9196386" cy="630942"/>
+            <a:ext cx="9196386" cy="553998"/>
           </a:xfrm>
           <a:prstGeom prst="rect">
             <a:avLst/>
@@ -5239,13 +7299,160 @@
           <a:lstStyle/>
           <a:p>
             <a:r>
-              <a:rPr lang="en-US" sz="3500" b="1" dirty="0">
-                <a:solidFill>
-                  <a:schemeClr val="accent1"/>
-                </a:solidFill>
-                <a:latin typeface="Cambria" panose="02040503050406030204" pitchFamily="18" charset="0"/>
-              </a:rPr>
-              <a:t>CAPACITIES: HUMAN + COMPUTING POWER</a:t>
+              <a:rPr lang="en-US" sz="3000" b="1" dirty="0">
+                <a:solidFill>
+                  <a:schemeClr val="accent1"/>
+                </a:solidFill>
+                <a:latin typeface="Cambria" panose="02040503050406030204" pitchFamily="18" charset="0"/>
+              </a:rPr>
+              <a:t>UNFRIENDLY AI SCENARIO: DYSTOPIA</a:t>
+            </a:r>
+          </a:p>
+        </p:txBody>
+      </p:sp>
+      <p:sp>
+        <p:nvSpPr>
+          <p:cNvPr id="6" name="TextBox 5">
+            <a:extLst>
+              <a:ext uri="{FF2B5EF4-FFF2-40B4-BE49-F238E27FC236}">
+                <a16:creationId xmlns:a16="http://schemas.microsoft.com/office/drawing/2014/main" id="{80CDDE41-8C09-D54C-917C-9FB77CE4824D}"/>
+              </a:ext>
+            </a:extLst>
+          </p:cNvPr>
+          <p:cNvSpPr txBox="1"/>
+          <p:nvPr/>
+        </p:nvSpPr>
+        <p:spPr>
+          <a:xfrm>
+            <a:off x="1271768" y="2196551"/>
+            <a:ext cx="9412708" cy="1200329"/>
+          </a:xfrm>
+          <a:prstGeom prst="rect">
+            <a:avLst/>
+          </a:prstGeom>
+          <a:noFill/>
+        </p:spPr>
+        <p:txBody>
+          <a:bodyPr wrap="square" rtlCol="0">
+            <a:spAutoFit/>
+          </a:bodyPr>
+          <a:lstStyle/>
+          <a:p>
+            <a:r>
+              <a:rPr lang="en-US" sz="2400" b="1" dirty="0">
+                <a:solidFill>
+                  <a:schemeClr val="accent1"/>
+                </a:solidFill>
+                <a:latin typeface="Cambria" panose="02040503050406030204" pitchFamily="18" charset="0"/>
+              </a:rPr>
+              <a:t>“I don’t work on preventing AI from turning evil for the same reason that I don’t work on combating overpopulation on the planet Mars” – Andrew Ng</a:t>
+            </a:r>
+          </a:p>
+        </p:txBody>
+      </p:sp>
+      <p:sp>
+        <p:nvSpPr>
+          <p:cNvPr id="2" name="Rectangle 1">
+            <a:extLst>
+              <a:ext uri="{FF2B5EF4-FFF2-40B4-BE49-F238E27FC236}">
+                <a16:creationId xmlns:a16="http://schemas.microsoft.com/office/drawing/2014/main" id="{5AA66E2B-E737-1D4B-B7E7-357987C2C325}"/>
+              </a:ext>
+            </a:extLst>
+          </p:cNvPr>
+          <p:cNvSpPr/>
+          <p:nvPr/>
+        </p:nvSpPr>
+        <p:spPr>
+          <a:xfrm>
+            <a:off x="1271768" y="3443658"/>
+            <a:ext cx="9989356" cy="369332"/>
+          </a:xfrm>
+          <a:prstGeom prst="rect">
+            <a:avLst/>
+          </a:prstGeom>
+        </p:spPr>
+        <p:txBody>
+          <a:bodyPr wrap="square">
+            <a:spAutoFit/>
+          </a:bodyPr>
+          <a:lstStyle/>
+          <a:p>
+            <a:r>
+              <a:rPr lang="fr-FR" dirty="0">
+                <a:hlinkClick r:id="rId3"/>
+              </a:rPr>
+              <a:t>https://</a:t>
+            </a:r>
+            <a:r>
+              <a:rPr lang="fr-FR" dirty="0" err="1">
+                <a:hlinkClick r:id="rId3"/>
+              </a:rPr>
+              <a:t>www.lesswrong.com</a:t>
+            </a:r>
+            <a:r>
+              <a:rPr lang="fr-FR" dirty="0">
+                <a:hlinkClick r:id="rId3"/>
+              </a:rPr>
+              <a:t>/</a:t>
+            </a:r>
+            <a:r>
+              <a:rPr lang="fr-FR" dirty="0" err="1">
+                <a:hlinkClick r:id="rId3"/>
+              </a:rPr>
+              <a:t>posts</a:t>
+            </a:r>
+            <a:r>
+              <a:rPr lang="fr-FR" dirty="0">
+                <a:hlinkClick r:id="rId3"/>
+              </a:rPr>
+              <a:t>/3ZyEC2vagoePPcj3o/</a:t>
+            </a:r>
+            <a:r>
+              <a:rPr lang="fr-FR" dirty="0" err="1">
+                <a:hlinkClick r:id="rId3"/>
+              </a:rPr>
+              <a:t>andrew-ng-dismisses-ufai-concerns</a:t>
+            </a:r>
+            <a:endParaRPr lang="fr-FR" dirty="0"/>
+          </a:p>
+        </p:txBody>
+      </p:sp>
+      <p:sp>
+        <p:nvSpPr>
+          <p:cNvPr id="7" name="TextBox 6">
+            <a:extLst>
+              <a:ext uri="{FF2B5EF4-FFF2-40B4-BE49-F238E27FC236}">
+                <a16:creationId xmlns:a16="http://schemas.microsoft.com/office/drawing/2014/main" id="{7F4C7571-B792-844D-BFFA-3CBD087FB200}"/>
+              </a:ext>
+            </a:extLst>
+          </p:cNvPr>
+          <p:cNvSpPr txBox="1"/>
+          <p:nvPr/>
+        </p:nvSpPr>
+        <p:spPr>
+          <a:xfrm>
+            <a:off x="1271768" y="4598432"/>
+            <a:ext cx="9196386" cy="1015663"/>
+          </a:xfrm>
+          <a:prstGeom prst="rect">
+            <a:avLst/>
+          </a:prstGeom>
+          <a:noFill/>
+        </p:spPr>
+        <p:txBody>
+          <a:bodyPr wrap="square" rtlCol="0">
+            <a:spAutoFit/>
+          </a:bodyPr>
+          <a:lstStyle/>
+          <a:p>
+            <a:r>
+              <a:rPr lang="en-US" sz="3000" b="1" dirty="0">
+                <a:solidFill>
+                  <a:schemeClr val="accent6"/>
+                </a:solidFill>
+                <a:latin typeface="Cambria" panose="02040503050406030204" pitchFamily="18" charset="0"/>
+              </a:rPr>
+              <a:t>THIS, SAID, POTENTIAL CONTROL &amp; VALUE ALIGNMENT PROBLEMS</a:t>
             </a:r>
           </a:p>
         </p:txBody>
@@ -5253,7 +7460,591 @@
     </p:spTree>
     <p:extLst>
       <p:ext uri="{BB962C8B-B14F-4D97-AF65-F5344CB8AC3E}">
-        <p14:creationId xmlns:p14="http://schemas.microsoft.com/office/powerpoint/2010/main" val="2923339881"/>
+        <p14:creationId xmlns:p14="http://schemas.microsoft.com/office/powerpoint/2010/main" val="1466020768"/>
+      </p:ext>
+    </p:extLst>
+  </p:cSld>
+  <p:clrMapOvr>
+    <a:masterClrMapping/>
+  </p:clrMapOvr>
+  <mc:AlternateContent xmlns:mc="http://schemas.openxmlformats.org/markup-compatibility/2006" xmlns:p14="http://schemas.microsoft.com/office/powerpoint/2010/main">
+    <mc:Choice Requires="p14">
+      <p:transition spd="med" p14:dur="700">
+        <p:fade/>
+      </p:transition>
+    </mc:Choice>
+    <mc:Fallback xmlns="">
+      <p:transition spd="med">
+        <p:fade/>
+      </p:transition>
+    </mc:Fallback>
+  </mc:AlternateContent>
+</p:sld>
+</file>
+
+<file path=ppt/slides/slide17.xml><?xml version="1.0" encoding="utf-8"?>
+<p:sld xmlns:a="http://schemas.openxmlformats.org/drawingml/2006/main" xmlns:r="http://schemas.openxmlformats.org/officeDocument/2006/relationships" xmlns:p="http://schemas.openxmlformats.org/presentationml/2006/main">
+  <p:cSld>
+    <p:spTree>
+      <p:nvGrpSpPr>
+        <p:cNvPr id="1" name=""/>
+        <p:cNvGrpSpPr/>
+        <p:nvPr/>
+      </p:nvGrpSpPr>
+      <p:grpSpPr>
+        <a:xfrm>
+          <a:off x="0" y="0"/>
+          <a:ext cx="0" cy="0"/>
+          <a:chOff x="0" y="0"/>
+          <a:chExt cx="0" cy="0"/>
+        </a:xfrm>
+      </p:grpSpPr>
+      <p:sp>
+        <p:nvSpPr>
+          <p:cNvPr id="8" name="TextBox 7"/>
+          <p:cNvSpPr txBox="1"/>
+          <p:nvPr/>
+        </p:nvSpPr>
+        <p:spPr>
+          <a:xfrm>
+            <a:off x="1271768" y="1115051"/>
+            <a:ext cx="9196386" cy="861774"/>
+          </a:xfrm>
+          <a:prstGeom prst="rect">
+            <a:avLst/>
+          </a:prstGeom>
+          <a:noFill/>
+        </p:spPr>
+        <p:txBody>
+          <a:bodyPr wrap="square" rtlCol="0">
+            <a:spAutoFit/>
+          </a:bodyPr>
+          <a:lstStyle/>
+          <a:p>
+            <a:r>
+              <a:rPr lang="en-US" sz="5000" b="1" dirty="0">
+                <a:solidFill>
+                  <a:schemeClr val="accent1"/>
+                </a:solidFill>
+                <a:latin typeface="Cambria" panose="02040503050406030204" pitchFamily="18" charset="0"/>
+              </a:rPr>
+              <a:t>AI TRADEOFFS</a:t>
+            </a:r>
+          </a:p>
+        </p:txBody>
+      </p:sp>
+      <p:sp>
+        <p:nvSpPr>
+          <p:cNvPr id="3" name="TextBox 2">
+            <a:extLst>
+              <a:ext uri="{FF2B5EF4-FFF2-40B4-BE49-F238E27FC236}">
+                <a16:creationId xmlns:a16="http://schemas.microsoft.com/office/drawing/2014/main" id="{C52FDFE8-C131-F145-8143-EFCAD8E53816}"/>
+              </a:ext>
+            </a:extLst>
+          </p:cNvPr>
+          <p:cNvSpPr txBox="1"/>
+          <p:nvPr/>
+        </p:nvSpPr>
+        <p:spPr>
+          <a:xfrm>
+            <a:off x="1275701" y="2366108"/>
+            <a:ext cx="9909364" cy="1938992"/>
+          </a:xfrm>
+          <a:prstGeom prst="rect">
+            <a:avLst/>
+          </a:prstGeom>
+          <a:noFill/>
+        </p:spPr>
+        <p:txBody>
+          <a:bodyPr wrap="square" rtlCol="0">
+            <a:spAutoFit/>
+          </a:bodyPr>
+          <a:lstStyle/>
+          <a:p>
+            <a:pPr marL="342900" indent="-342900">
+              <a:buFont typeface="Arial"/>
+              <a:buChar char="•"/>
+            </a:pPr>
+            <a:r>
+              <a:rPr lang="en-US" sz="2400" b="1" dirty="0">
+                <a:solidFill>
+                  <a:schemeClr val="accent1"/>
+                </a:solidFill>
+                <a:latin typeface="Cambria" panose="02040503050406030204" pitchFamily="18" charset="0"/>
+              </a:rPr>
+              <a:t>MORE DATA =&gt; LESS PRIVACY</a:t>
+            </a:r>
+          </a:p>
+          <a:p>
+            <a:pPr marL="342900" indent="-342900">
+              <a:buFont typeface="Arial"/>
+              <a:buChar char="•"/>
+            </a:pPr>
+            <a:endParaRPr lang="en-US" sz="2400" b="1" dirty="0">
+              <a:solidFill>
+                <a:schemeClr val="accent1"/>
+              </a:solidFill>
+              <a:latin typeface="Cambria" panose="02040503050406030204" pitchFamily="18" charset="0"/>
+            </a:endParaRPr>
+          </a:p>
+          <a:p>
+            <a:pPr marL="342900" indent="-342900">
+              <a:buFont typeface="Arial"/>
+              <a:buChar char="•"/>
+            </a:pPr>
+            <a:r>
+              <a:rPr lang="en-US" sz="2400" b="1" dirty="0">
+                <a:solidFill>
+                  <a:schemeClr val="accent1"/>
+                </a:solidFill>
+                <a:latin typeface="Cambria" panose="02040503050406030204" pitchFamily="18" charset="0"/>
+              </a:rPr>
+              <a:t>MORE AUTONOMY =&gt; LESS CONTROL</a:t>
+            </a:r>
+            <a:br>
+              <a:rPr lang="en-US" sz="2400" b="1" dirty="0">
+                <a:solidFill>
+                  <a:schemeClr val="accent1"/>
+                </a:solidFill>
+                <a:latin typeface="Cambria" panose="02040503050406030204" pitchFamily="18" charset="0"/>
+              </a:rPr>
+            </a:br>
+            <a:endParaRPr lang="en-US" sz="2400" b="1" dirty="0">
+              <a:solidFill>
+                <a:schemeClr val="accent1"/>
+              </a:solidFill>
+              <a:latin typeface="Cambria" panose="02040503050406030204" pitchFamily="18" charset="0"/>
+            </a:endParaRPr>
+          </a:p>
+          <a:p>
+            <a:pPr marL="342900" indent="-342900">
+              <a:buFont typeface="Arial"/>
+              <a:buChar char="•"/>
+            </a:pPr>
+            <a:r>
+              <a:rPr lang="en-US" sz="2400" b="1" dirty="0">
+                <a:solidFill>
+                  <a:schemeClr val="accent1"/>
+                </a:solidFill>
+                <a:latin typeface="Cambria" panose="02040503050406030204" pitchFamily="18" charset="0"/>
+              </a:rPr>
+              <a:t>MORE SPEED =&gt; LESS ACCURACY</a:t>
+            </a:r>
+          </a:p>
+        </p:txBody>
+      </p:sp>
+    </p:spTree>
+    <p:extLst>
+      <p:ext uri="{BB962C8B-B14F-4D97-AF65-F5344CB8AC3E}">
+        <p14:creationId xmlns:p14="http://schemas.microsoft.com/office/powerpoint/2010/main" val="1108266415"/>
+      </p:ext>
+    </p:extLst>
+  </p:cSld>
+  <p:clrMapOvr>
+    <a:masterClrMapping/>
+  </p:clrMapOvr>
+  <mc:AlternateContent xmlns:mc="http://schemas.openxmlformats.org/markup-compatibility/2006" xmlns:p14="http://schemas.microsoft.com/office/powerpoint/2010/main">
+    <mc:Choice Requires="p14">
+      <p:transition spd="med" p14:dur="700">
+        <p:fade/>
+      </p:transition>
+    </mc:Choice>
+    <mc:Fallback xmlns="">
+      <p:transition spd="med">
+        <p:fade/>
+      </p:transition>
+    </mc:Fallback>
+  </mc:AlternateContent>
+</p:sld>
+</file>
+
+<file path=ppt/slides/slide18.xml><?xml version="1.0" encoding="utf-8"?>
+<p:sld xmlns:a="http://schemas.openxmlformats.org/drawingml/2006/main" xmlns:r="http://schemas.openxmlformats.org/officeDocument/2006/relationships" xmlns:p="http://schemas.openxmlformats.org/presentationml/2006/main">
+  <p:cSld>
+    <p:spTree>
+      <p:nvGrpSpPr>
+        <p:cNvPr id="1" name=""/>
+        <p:cNvGrpSpPr/>
+        <p:nvPr/>
+      </p:nvGrpSpPr>
+      <p:grpSpPr>
+        <a:xfrm>
+          <a:off x="0" y="0"/>
+          <a:ext cx="0" cy="0"/>
+          <a:chOff x="0" y="0"/>
+          <a:chExt cx="0" cy="0"/>
+        </a:xfrm>
+      </p:grpSpPr>
+      <p:sp>
+        <p:nvSpPr>
+          <p:cNvPr id="8" name="TextBox 7"/>
+          <p:cNvSpPr txBox="1"/>
+          <p:nvPr/>
+        </p:nvSpPr>
+        <p:spPr>
+          <a:xfrm>
+            <a:off x="1271768" y="1115051"/>
+            <a:ext cx="9196386" cy="861774"/>
+          </a:xfrm>
+          <a:prstGeom prst="rect">
+            <a:avLst/>
+          </a:prstGeom>
+          <a:noFill/>
+        </p:spPr>
+        <p:txBody>
+          <a:bodyPr wrap="square" rtlCol="0">
+            <a:spAutoFit/>
+          </a:bodyPr>
+          <a:lstStyle/>
+          <a:p>
+            <a:r>
+              <a:rPr lang="en-US" sz="5000" b="1" dirty="0">
+                <a:solidFill>
+                  <a:schemeClr val="accent1"/>
+                </a:solidFill>
+                <a:latin typeface="Cambria" panose="02040503050406030204" pitchFamily="18" charset="0"/>
+              </a:rPr>
+              <a:t>SOCIAL IMPACT</a:t>
+            </a:r>
+          </a:p>
+        </p:txBody>
+      </p:sp>
+    </p:spTree>
+    <p:extLst>
+      <p:ext uri="{BB962C8B-B14F-4D97-AF65-F5344CB8AC3E}">
+        <p14:creationId xmlns:p14="http://schemas.microsoft.com/office/powerpoint/2010/main" val="1624558547"/>
+      </p:ext>
+    </p:extLst>
+  </p:cSld>
+  <p:clrMapOvr>
+    <a:masterClrMapping/>
+  </p:clrMapOvr>
+  <mc:AlternateContent xmlns:mc="http://schemas.openxmlformats.org/markup-compatibility/2006" xmlns:p14="http://schemas.microsoft.com/office/powerpoint/2010/main">
+    <mc:Choice Requires="p14">
+      <p:transition spd="med" p14:dur="700">
+        <p:fade/>
+      </p:transition>
+    </mc:Choice>
+    <mc:Fallback xmlns="">
+      <p:transition spd="med">
+        <p:fade/>
+      </p:transition>
+    </mc:Fallback>
+  </mc:AlternateContent>
+</p:sld>
+</file>
+
+<file path=ppt/slides/slide19.xml><?xml version="1.0" encoding="utf-8"?>
+<p:sld xmlns:a="http://schemas.openxmlformats.org/drawingml/2006/main" xmlns:r="http://schemas.openxmlformats.org/officeDocument/2006/relationships" xmlns:p="http://schemas.openxmlformats.org/presentationml/2006/main">
+  <p:cSld>
+    <p:spTree>
+      <p:nvGrpSpPr>
+        <p:cNvPr id="1" name=""/>
+        <p:cNvGrpSpPr/>
+        <p:nvPr/>
+      </p:nvGrpSpPr>
+      <p:grpSpPr>
+        <a:xfrm>
+          <a:off x="0" y="0"/>
+          <a:ext cx="0" cy="0"/>
+          <a:chOff x="0" y="0"/>
+          <a:chExt cx="0" cy="0"/>
+        </a:xfrm>
+      </p:grpSpPr>
+      <p:sp>
+        <p:nvSpPr>
+          <p:cNvPr id="8" name="TextBox 7"/>
+          <p:cNvSpPr txBox="1"/>
+          <p:nvPr/>
+        </p:nvSpPr>
+        <p:spPr>
+          <a:xfrm>
+            <a:off x="1271768" y="1115051"/>
+            <a:ext cx="9196386" cy="553998"/>
+          </a:xfrm>
+          <a:prstGeom prst="rect">
+            <a:avLst/>
+          </a:prstGeom>
+          <a:noFill/>
+        </p:spPr>
+        <p:txBody>
+          <a:bodyPr wrap="square" rtlCol="0">
+            <a:spAutoFit/>
+          </a:bodyPr>
+          <a:lstStyle/>
+          <a:p>
+            <a:r>
+              <a:rPr lang="en-US" sz="3000" b="1" dirty="0">
+                <a:solidFill>
+                  <a:schemeClr val="accent1"/>
+                </a:solidFill>
+                <a:latin typeface="Cambria" panose="02040503050406030204" pitchFamily="18" charset="0"/>
+              </a:rPr>
+              <a:t>SOME AI-INDUCED JOB LOSSES FORECASTS</a:t>
+            </a:r>
+          </a:p>
+        </p:txBody>
+      </p:sp>
+      <p:sp>
+        <p:nvSpPr>
+          <p:cNvPr id="6" name="TextBox 5">
+            <a:extLst>
+              <a:ext uri="{FF2B5EF4-FFF2-40B4-BE49-F238E27FC236}">
+                <a16:creationId xmlns:a16="http://schemas.microsoft.com/office/drawing/2014/main" id="{80CDDE41-8C09-D54C-917C-9FB77CE4824D}"/>
+              </a:ext>
+            </a:extLst>
+          </p:cNvPr>
+          <p:cNvSpPr txBox="1"/>
+          <p:nvPr/>
+        </p:nvSpPr>
+        <p:spPr>
+          <a:xfrm>
+            <a:off x="1271768" y="2135448"/>
+            <a:ext cx="9909364" cy="3170099"/>
+          </a:xfrm>
+          <a:prstGeom prst="rect">
+            <a:avLst/>
+          </a:prstGeom>
+          <a:noFill/>
+        </p:spPr>
+        <p:txBody>
+          <a:bodyPr wrap="square" rtlCol="0">
+            <a:spAutoFit/>
+          </a:bodyPr>
+          <a:lstStyle/>
+          <a:p>
+            <a:pPr marL="342900" indent="-342900">
+              <a:buFont typeface="Arial"/>
+              <a:buChar char="•"/>
+            </a:pPr>
+            <a:r>
+              <a:rPr lang="en-US" sz="4000" b="1" dirty="0">
+                <a:solidFill>
+                  <a:schemeClr val="accent1"/>
+                </a:solidFill>
+                <a:latin typeface="Cambria" panose="02040503050406030204" pitchFamily="18" charset="0"/>
+              </a:rPr>
+              <a:t>47%</a:t>
+            </a:r>
+            <a:r>
+              <a:rPr lang="en-US" sz="2400" b="1" dirty="0">
+                <a:solidFill>
+                  <a:schemeClr val="accent1"/>
+                </a:solidFill>
+                <a:latin typeface="Cambria" panose="02040503050406030204" pitchFamily="18" charset="0"/>
+              </a:rPr>
+              <a:t> OF U.S JOBS COULD BE AUTOMATED WITHIN THE NEXT DECADE OR TWO (Frey &amp; Osborne, 2013) </a:t>
+            </a:r>
+            <a:br>
+              <a:rPr lang="en-US" sz="2400" b="1" dirty="0">
+                <a:solidFill>
+                  <a:schemeClr val="accent1"/>
+                </a:solidFill>
+                <a:latin typeface="Cambria" panose="02040503050406030204" pitchFamily="18" charset="0"/>
+              </a:rPr>
+            </a:br>
+            <a:br>
+              <a:rPr lang="en-US" sz="2400" b="1" dirty="0">
+                <a:solidFill>
+                  <a:schemeClr val="accent1"/>
+                </a:solidFill>
+                <a:latin typeface="Cambria" panose="02040503050406030204" pitchFamily="18" charset="0"/>
+              </a:rPr>
+            </a:br>
+            <a:endParaRPr lang="en-US" sz="2400" b="1" dirty="0">
+              <a:solidFill>
+                <a:schemeClr val="accent1"/>
+              </a:solidFill>
+              <a:latin typeface="Cambria" panose="02040503050406030204" pitchFamily="18" charset="0"/>
+            </a:endParaRPr>
+          </a:p>
+          <a:p>
+            <a:pPr marL="342900" indent="-342900">
+              <a:buFont typeface="Arial"/>
+              <a:buChar char="•"/>
+            </a:pPr>
+            <a:r>
+              <a:rPr lang="en-US" sz="2400" b="1" dirty="0">
+                <a:solidFill>
+                  <a:schemeClr val="accent1"/>
+                </a:solidFill>
+                <a:latin typeface="Cambria" panose="02040503050406030204" pitchFamily="18" charset="0"/>
+              </a:rPr>
+              <a:t>JUST </a:t>
+            </a:r>
+            <a:r>
+              <a:rPr lang="en-US" sz="4000" b="1" dirty="0">
+                <a:solidFill>
+                  <a:schemeClr val="accent1"/>
+                </a:solidFill>
+                <a:latin typeface="Cambria" panose="02040503050406030204" pitchFamily="18" charset="0"/>
+              </a:rPr>
+              <a:t>9%</a:t>
+            </a:r>
+            <a:r>
+              <a:rPr lang="en-US" sz="2400" b="1" dirty="0">
+                <a:solidFill>
+                  <a:schemeClr val="accent1"/>
+                </a:solidFill>
+                <a:latin typeface="Cambria" panose="02040503050406030204" pitchFamily="18" charset="0"/>
+              </a:rPr>
+              <a:t> OF JOBS IN THE U.S WERE AT HIGH RISK OF AUTOMATION (OECD report, 2016)</a:t>
+            </a:r>
+            <a:br>
+              <a:rPr lang="en-US" sz="2400" b="1" dirty="0">
+                <a:solidFill>
+                  <a:schemeClr val="accent1"/>
+                </a:solidFill>
+                <a:latin typeface="Cambria" panose="02040503050406030204" pitchFamily="18" charset="0"/>
+              </a:rPr>
+            </a:br>
+            <a:endParaRPr lang="en-US" sz="2400" b="1" dirty="0">
+              <a:solidFill>
+                <a:schemeClr val="accent1"/>
+              </a:solidFill>
+              <a:latin typeface="Cambria" panose="02040503050406030204" pitchFamily="18" charset="0"/>
+            </a:endParaRPr>
+          </a:p>
+        </p:txBody>
+      </p:sp>
+      <p:sp>
+        <p:nvSpPr>
+          <p:cNvPr id="4" name="Rectangle 3">
+            <a:extLst>
+              <a:ext uri="{FF2B5EF4-FFF2-40B4-BE49-F238E27FC236}">
+                <a16:creationId xmlns:a16="http://schemas.microsoft.com/office/drawing/2014/main" id="{7D1E94C7-9D42-FB42-95C0-9A8C49E520F6}"/>
+              </a:ext>
+            </a:extLst>
+          </p:cNvPr>
+          <p:cNvSpPr/>
+          <p:nvPr/>
+        </p:nvSpPr>
+        <p:spPr>
+          <a:xfrm>
+            <a:off x="1605587" y="3104944"/>
+            <a:ext cx="10488479" cy="369332"/>
+          </a:xfrm>
+          <a:prstGeom prst="rect">
+            <a:avLst/>
+          </a:prstGeom>
+        </p:spPr>
+        <p:txBody>
+          <a:bodyPr wrap="square">
+            <a:spAutoFit/>
+          </a:bodyPr>
+          <a:lstStyle/>
+          <a:p>
+            <a:r>
+              <a:rPr lang="fr-FR" dirty="0">
+                <a:hlinkClick r:id="rId3"/>
+              </a:rPr>
+              <a:t>https://</a:t>
+            </a:r>
+            <a:r>
+              <a:rPr lang="fr-FR" dirty="0" err="1">
+                <a:hlinkClick r:id="rId3"/>
+              </a:rPr>
+              <a:t>www.oxfordmartin.ox.ac.uk</a:t>
+            </a:r>
+            <a:r>
+              <a:rPr lang="fr-FR" dirty="0">
+                <a:hlinkClick r:id="rId3"/>
+              </a:rPr>
+              <a:t>/</a:t>
+            </a:r>
+            <a:r>
+              <a:rPr lang="fr-FR" dirty="0" err="1">
+                <a:hlinkClick r:id="rId3"/>
+              </a:rPr>
+              <a:t>downloads</a:t>
+            </a:r>
+            <a:r>
+              <a:rPr lang="fr-FR" dirty="0">
+                <a:hlinkClick r:id="rId3"/>
+              </a:rPr>
+              <a:t>/</a:t>
+            </a:r>
+            <a:r>
+              <a:rPr lang="fr-FR" dirty="0" err="1">
+                <a:hlinkClick r:id="rId3"/>
+              </a:rPr>
+              <a:t>academic</a:t>
+            </a:r>
+            <a:r>
+              <a:rPr lang="fr-FR" dirty="0">
+                <a:hlinkClick r:id="rId3"/>
+              </a:rPr>
+              <a:t>/</a:t>
+            </a:r>
+            <a:r>
+              <a:rPr lang="fr-FR" dirty="0" err="1">
+                <a:hlinkClick r:id="rId3"/>
+              </a:rPr>
+              <a:t>The_Future_of_Employment.pdf</a:t>
+            </a:r>
+            <a:endParaRPr lang="fr-FR" dirty="0"/>
+          </a:p>
+        </p:txBody>
+      </p:sp>
+      <p:sp>
+        <p:nvSpPr>
+          <p:cNvPr id="2" name="Rectangle 1">
+            <a:extLst>
+              <a:ext uri="{FF2B5EF4-FFF2-40B4-BE49-F238E27FC236}">
+                <a16:creationId xmlns:a16="http://schemas.microsoft.com/office/drawing/2014/main" id="{0CDDE724-555D-BC4C-A89E-16E0CB598528}"/>
+              </a:ext>
+            </a:extLst>
+          </p:cNvPr>
+          <p:cNvSpPr/>
+          <p:nvPr/>
+        </p:nvSpPr>
+        <p:spPr>
+          <a:xfrm>
+            <a:off x="1605587" y="4839188"/>
+            <a:ext cx="6433751" cy="369332"/>
+          </a:xfrm>
+          <a:prstGeom prst="rect">
+            <a:avLst/>
+          </a:prstGeom>
+        </p:spPr>
+        <p:txBody>
+          <a:bodyPr wrap="square">
+            <a:spAutoFit/>
+          </a:bodyPr>
+          <a:lstStyle/>
+          <a:p>
+            <a:r>
+              <a:rPr lang="fr-FR" dirty="0">
+                <a:hlinkClick r:id="rId4"/>
+              </a:rPr>
+              <a:t>http://</a:t>
+            </a:r>
+            <a:r>
+              <a:rPr lang="fr-FR" dirty="0" err="1">
+                <a:hlinkClick r:id="rId4"/>
+              </a:rPr>
+              <a:t>www.ifuturo.org</a:t>
+            </a:r>
+            <a:r>
+              <a:rPr lang="fr-FR" dirty="0">
+                <a:hlinkClick r:id="rId4"/>
+              </a:rPr>
+              <a:t>/sites/default/files/docs/</a:t>
+            </a:r>
+            <a:r>
+              <a:rPr lang="fr-FR" dirty="0" err="1">
+                <a:hlinkClick r:id="rId4"/>
+              </a:rPr>
+              <a:t>automation.pdf</a:t>
+            </a:r>
+            <a:endParaRPr lang="fr-FR" dirty="0"/>
+          </a:p>
+        </p:txBody>
+      </p:sp>
+    </p:spTree>
+    <p:extLst>
+      <p:ext uri="{BB962C8B-B14F-4D97-AF65-F5344CB8AC3E}">
+        <p14:creationId xmlns:p14="http://schemas.microsoft.com/office/powerpoint/2010/main" val="2524662446"/>
       </p:ext>
     </p:extLst>
   </p:cSld>
@@ -5458,6 +8249,1496 @@
 </p:sld>
 </file>
 
+<file path=ppt/slides/slide20.xml><?xml version="1.0" encoding="utf-8"?>
+<p:sld xmlns:a="http://schemas.openxmlformats.org/drawingml/2006/main" xmlns:r="http://schemas.openxmlformats.org/officeDocument/2006/relationships" xmlns:p="http://schemas.openxmlformats.org/presentationml/2006/main">
+  <p:cSld>
+    <p:spTree>
+      <p:nvGrpSpPr>
+        <p:cNvPr id="1" name=""/>
+        <p:cNvGrpSpPr/>
+        <p:nvPr/>
+      </p:nvGrpSpPr>
+      <p:grpSpPr>
+        <a:xfrm>
+          <a:off x="0" y="0"/>
+          <a:ext cx="0" cy="0"/>
+          <a:chOff x="0" y="0"/>
+          <a:chExt cx="0" cy="0"/>
+        </a:xfrm>
+      </p:grpSpPr>
+      <p:sp>
+        <p:nvSpPr>
+          <p:cNvPr id="8" name="TextBox 7"/>
+          <p:cNvSpPr txBox="1"/>
+          <p:nvPr/>
+        </p:nvSpPr>
+        <p:spPr>
+          <a:xfrm>
+            <a:off x="1271768" y="1115051"/>
+            <a:ext cx="9196386" cy="553998"/>
+          </a:xfrm>
+          <a:prstGeom prst="rect">
+            <a:avLst/>
+          </a:prstGeom>
+          <a:noFill/>
+        </p:spPr>
+        <p:txBody>
+          <a:bodyPr wrap="square" rtlCol="0">
+            <a:spAutoFit/>
+          </a:bodyPr>
+          <a:lstStyle/>
+          <a:p>
+            <a:r>
+              <a:rPr lang="en-US" sz="3000" b="1" dirty="0">
+                <a:solidFill>
+                  <a:schemeClr val="accent1"/>
+                </a:solidFill>
+                <a:latin typeface="Cambria" panose="02040503050406030204" pitchFamily="18" charset="0"/>
+              </a:rPr>
+              <a:t>SOME AI-INDUCED JOB LOSSES FORECASTS</a:t>
+            </a:r>
+          </a:p>
+        </p:txBody>
+      </p:sp>
+      <p:sp>
+        <p:nvSpPr>
+          <p:cNvPr id="6" name="TextBox 5">
+            <a:extLst>
+              <a:ext uri="{FF2B5EF4-FFF2-40B4-BE49-F238E27FC236}">
+                <a16:creationId xmlns:a16="http://schemas.microsoft.com/office/drawing/2014/main" id="{80CDDE41-8C09-D54C-917C-9FB77CE4824D}"/>
+              </a:ext>
+            </a:extLst>
+          </p:cNvPr>
+          <p:cNvSpPr txBox="1"/>
+          <p:nvPr/>
+        </p:nvSpPr>
+        <p:spPr>
+          <a:xfrm>
+            <a:off x="1271768" y="2135448"/>
+            <a:ext cx="9909364" cy="3170099"/>
+          </a:xfrm>
+          <a:prstGeom prst="rect">
+            <a:avLst/>
+          </a:prstGeom>
+          <a:noFill/>
+        </p:spPr>
+        <p:txBody>
+          <a:bodyPr wrap="square" rtlCol="0">
+            <a:spAutoFit/>
+          </a:bodyPr>
+          <a:lstStyle/>
+          <a:p>
+            <a:pPr marL="342900" indent="-342900">
+              <a:buFont typeface="Arial"/>
+              <a:buChar char="•"/>
+            </a:pPr>
+            <a:r>
+              <a:rPr lang="en-US" sz="4000" b="1" dirty="0">
+                <a:solidFill>
+                  <a:schemeClr val="accent1"/>
+                </a:solidFill>
+                <a:latin typeface="Cambria" panose="02040503050406030204" pitchFamily="18" charset="0"/>
+              </a:rPr>
+              <a:t>47%</a:t>
+            </a:r>
+            <a:r>
+              <a:rPr lang="en-US" sz="2400" b="1" dirty="0">
+                <a:solidFill>
+                  <a:schemeClr val="accent1"/>
+                </a:solidFill>
+                <a:latin typeface="Cambria" panose="02040503050406030204" pitchFamily="18" charset="0"/>
+              </a:rPr>
+              <a:t> OF U.S JOBS COULD BE AUTOMATED WITHIN THE NEXT DECADE OR TWO (Frey &amp; Osborne, 2013) </a:t>
+            </a:r>
+            <a:br>
+              <a:rPr lang="en-US" sz="2400" b="1" dirty="0">
+                <a:solidFill>
+                  <a:schemeClr val="accent1"/>
+                </a:solidFill>
+                <a:latin typeface="Cambria" panose="02040503050406030204" pitchFamily="18" charset="0"/>
+              </a:rPr>
+            </a:br>
+            <a:br>
+              <a:rPr lang="en-US" sz="2400" b="1" dirty="0">
+                <a:solidFill>
+                  <a:schemeClr val="accent1"/>
+                </a:solidFill>
+                <a:latin typeface="Cambria" panose="02040503050406030204" pitchFamily="18" charset="0"/>
+              </a:rPr>
+            </a:br>
+            <a:endParaRPr lang="en-US" sz="2400" b="1" dirty="0">
+              <a:solidFill>
+                <a:schemeClr val="accent1"/>
+              </a:solidFill>
+              <a:latin typeface="Cambria" panose="02040503050406030204" pitchFamily="18" charset="0"/>
+            </a:endParaRPr>
+          </a:p>
+          <a:p>
+            <a:pPr marL="342900" indent="-342900">
+              <a:buFont typeface="Arial"/>
+              <a:buChar char="•"/>
+            </a:pPr>
+            <a:r>
+              <a:rPr lang="en-US" sz="2400" b="1" dirty="0">
+                <a:solidFill>
+                  <a:schemeClr val="accent1"/>
+                </a:solidFill>
+                <a:latin typeface="Cambria" panose="02040503050406030204" pitchFamily="18" charset="0"/>
+              </a:rPr>
+              <a:t>JUST </a:t>
+            </a:r>
+            <a:r>
+              <a:rPr lang="en-US" sz="4000" b="1" dirty="0">
+                <a:solidFill>
+                  <a:schemeClr val="accent1"/>
+                </a:solidFill>
+                <a:latin typeface="Cambria" panose="02040503050406030204" pitchFamily="18" charset="0"/>
+              </a:rPr>
+              <a:t>9%</a:t>
+            </a:r>
+            <a:r>
+              <a:rPr lang="en-US" sz="2400" b="1" dirty="0">
+                <a:solidFill>
+                  <a:schemeClr val="accent1"/>
+                </a:solidFill>
+                <a:latin typeface="Cambria" panose="02040503050406030204" pitchFamily="18" charset="0"/>
+              </a:rPr>
+              <a:t> OF JOBS IN THE U.S WERE AT HIGH RISK OF AUTOMATION (OECD report, 2016)</a:t>
+            </a:r>
+            <a:br>
+              <a:rPr lang="en-US" sz="2400" b="1" dirty="0">
+                <a:solidFill>
+                  <a:schemeClr val="accent1"/>
+                </a:solidFill>
+                <a:latin typeface="Cambria" panose="02040503050406030204" pitchFamily="18" charset="0"/>
+              </a:rPr>
+            </a:br>
+            <a:endParaRPr lang="en-US" sz="2400" b="1" dirty="0">
+              <a:solidFill>
+                <a:schemeClr val="accent1"/>
+              </a:solidFill>
+              <a:latin typeface="Cambria" panose="02040503050406030204" pitchFamily="18" charset="0"/>
+            </a:endParaRPr>
+          </a:p>
+        </p:txBody>
+      </p:sp>
+      <p:sp>
+        <p:nvSpPr>
+          <p:cNvPr id="4" name="Rectangle 3">
+            <a:extLst>
+              <a:ext uri="{FF2B5EF4-FFF2-40B4-BE49-F238E27FC236}">
+                <a16:creationId xmlns:a16="http://schemas.microsoft.com/office/drawing/2014/main" id="{7D1E94C7-9D42-FB42-95C0-9A8C49E520F6}"/>
+              </a:ext>
+            </a:extLst>
+          </p:cNvPr>
+          <p:cNvSpPr/>
+          <p:nvPr/>
+        </p:nvSpPr>
+        <p:spPr>
+          <a:xfrm>
+            <a:off x="1605587" y="3104944"/>
+            <a:ext cx="10488479" cy="369332"/>
+          </a:xfrm>
+          <a:prstGeom prst="rect">
+            <a:avLst/>
+          </a:prstGeom>
+        </p:spPr>
+        <p:txBody>
+          <a:bodyPr wrap="square">
+            <a:spAutoFit/>
+          </a:bodyPr>
+          <a:lstStyle/>
+          <a:p>
+            <a:r>
+              <a:rPr lang="fr-FR" dirty="0">
+                <a:hlinkClick r:id="rId3"/>
+              </a:rPr>
+              <a:t>https://</a:t>
+            </a:r>
+            <a:r>
+              <a:rPr lang="fr-FR" dirty="0" err="1">
+                <a:hlinkClick r:id="rId3"/>
+              </a:rPr>
+              <a:t>www.oxfordmartin.ox.ac.uk</a:t>
+            </a:r>
+            <a:r>
+              <a:rPr lang="fr-FR" dirty="0">
+                <a:hlinkClick r:id="rId3"/>
+              </a:rPr>
+              <a:t>/</a:t>
+            </a:r>
+            <a:r>
+              <a:rPr lang="fr-FR" dirty="0" err="1">
+                <a:hlinkClick r:id="rId3"/>
+              </a:rPr>
+              <a:t>downloads</a:t>
+            </a:r>
+            <a:r>
+              <a:rPr lang="fr-FR" dirty="0">
+                <a:hlinkClick r:id="rId3"/>
+              </a:rPr>
+              <a:t>/</a:t>
+            </a:r>
+            <a:r>
+              <a:rPr lang="fr-FR" dirty="0" err="1">
+                <a:hlinkClick r:id="rId3"/>
+              </a:rPr>
+              <a:t>academic</a:t>
+            </a:r>
+            <a:r>
+              <a:rPr lang="fr-FR" dirty="0">
+                <a:hlinkClick r:id="rId3"/>
+              </a:rPr>
+              <a:t>/</a:t>
+            </a:r>
+            <a:r>
+              <a:rPr lang="fr-FR" dirty="0" err="1">
+                <a:hlinkClick r:id="rId3"/>
+              </a:rPr>
+              <a:t>The_Future_of_Employment.pdf</a:t>
+            </a:r>
+            <a:endParaRPr lang="fr-FR" dirty="0"/>
+          </a:p>
+        </p:txBody>
+      </p:sp>
+      <p:sp>
+        <p:nvSpPr>
+          <p:cNvPr id="2" name="Rectangle 1">
+            <a:extLst>
+              <a:ext uri="{FF2B5EF4-FFF2-40B4-BE49-F238E27FC236}">
+                <a16:creationId xmlns:a16="http://schemas.microsoft.com/office/drawing/2014/main" id="{0CDDE724-555D-BC4C-A89E-16E0CB598528}"/>
+              </a:ext>
+            </a:extLst>
+          </p:cNvPr>
+          <p:cNvSpPr/>
+          <p:nvPr/>
+        </p:nvSpPr>
+        <p:spPr>
+          <a:xfrm>
+            <a:off x="1605587" y="4839188"/>
+            <a:ext cx="6433751" cy="369332"/>
+          </a:xfrm>
+          <a:prstGeom prst="rect">
+            <a:avLst/>
+          </a:prstGeom>
+        </p:spPr>
+        <p:txBody>
+          <a:bodyPr wrap="square">
+            <a:spAutoFit/>
+          </a:bodyPr>
+          <a:lstStyle/>
+          <a:p>
+            <a:r>
+              <a:rPr lang="fr-FR" dirty="0">
+                <a:hlinkClick r:id="rId4"/>
+              </a:rPr>
+              <a:t>http://</a:t>
+            </a:r>
+            <a:r>
+              <a:rPr lang="fr-FR" dirty="0" err="1">
+                <a:hlinkClick r:id="rId4"/>
+              </a:rPr>
+              <a:t>www.ifuturo.org</a:t>
+            </a:r>
+            <a:r>
+              <a:rPr lang="fr-FR" dirty="0">
+                <a:hlinkClick r:id="rId4"/>
+              </a:rPr>
+              <a:t>/sites/default/files/docs/</a:t>
+            </a:r>
+            <a:r>
+              <a:rPr lang="fr-FR" dirty="0" err="1">
+                <a:hlinkClick r:id="rId4"/>
+              </a:rPr>
+              <a:t>automation.pdf</a:t>
+            </a:r>
+            <a:endParaRPr lang="fr-FR" dirty="0"/>
+          </a:p>
+        </p:txBody>
+      </p:sp>
+    </p:spTree>
+    <p:extLst>
+      <p:ext uri="{BB962C8B-B14F-4D97-AF65-F5344CB8AC3E}">
+        <p14:creationId xmlns:p14="http://schemas.microsoft.com/office/powerpoint/2010/main" val="1666748756"/>
+      </p:ext>
+    </p:extLst>
+  </p:cSld>
+  <p:clrMapOvr>
+    <a:masterClrMapping/>
+  </p:clrMapOvr>
+  <mc:AlternateContent xmlns:mc="http://schemas.openxmlformats.org/markup-compatibility/2006" xmlns:p14="http://schemas.microsoft.com/office/powerpoint/2010/main">
+    <mc:Choice Requires="p14">
+      <p:transition spd="med" p14:dur="700">
+        <p:fade/>
+      </p:transition>
+    </mc:Choice>
+    <mc:Fallback xmlns="">
+      <p:transition spd="med">
+        <p:fade/>
+      </p:transition>
+    </mc:Fallback>
+  </mc:AlternateContent>
+</p:sld>
+</file>
+
+<file path=ppt/slides/slide21.xml><?xml version="1.0" encoding="utf-8"?>
+<p:sld xmlns:a="http://schemas.openxmlformats.org/drawingml/2006/main" xmlns:r="http://schemas.openxmlformats.org/officeDocument/2006/relationships" xmlns:p="http://schemas.openxmlformats.org/presentationml/2006/main">
+  <p:cSld>
+    <p:spTree>
+      <p:nvGrpSpPr>
+        <p:cNvPr id="1" name=""/>
+        <p:cNvGrpSpPr/>
+        <p:nvPr/>
+      </p:nvGrpSpPr>
+      <p:grpSpPr>
+        <a:xfrm>
+          <a:off x="0" y="0"/>
+          <a:ext cx="0" cy="0"/>
+          <a:chOff x="0" y="0"/>
+          <a:chExt cx="0" cy="0"/>
+        </a:xfrm>
+      </p:grpSpPr>
+      <p:sp>
+        <p:nvSpPr>
+          <p:cNvPr id="8" name="TextBox 7"/>
+          <p:cNvSpPr txBox="1"/>
+          <p:nvPr/>
+        </p:nvSpPr>
+        <p:spPr>
+          <a:xfrm>
+            <a:off x="1271768" y="1115051"/>
+            <a:ext cx="9196386" cy="553998"/>
+          </a:xfrm>
+          <a:prstGeom prst="rect">
+            <a:avLst/>
+          </a:prstGeom>
+          <a:noFill/>
+        </p:spPr>
+        <p:txBody>
+          <a:bodyPr wrap="square" rtlCol="0">
+            <a:spAutoFit/>
+          </a:bodyPr>
+          <a:lstStyle/>
+          <a:p>
+            <a:r>
+              <a:rPr lang="en-US" sz="3000" b="1" dirty="0">
+                <a:solidFill>
+                  <a:schemeClr val="accent1"/>
+                </a:solidFill>
+                <a:latin typeface="Cambria" panose="02040503050406030204" pitchFamily="18" charset="0"/>
+              </a:rPr>
+              <a:t>THE END OF BLIND OPTIMISM </a:t>
+            </a:r>
+          </a:p>
+        </p:txBody>
+      </p:sp>
+      <p:sp>
+        <p:nvSpPr>
+          <p:cNvPr id="6" name="TextBox 5">
+            <a:extLst>
+              <a:ext uri="{FF2B5EF4-FFF2-40B4-BE49-F238E27FC236}">
+                <a16:creationId xmlns:a16="http://schemas.microsoft.com/office/drawing/2014/main" id="{80CDDE41-8C09-D54C-917C-9FB77CE4824D}"/>
+              </a:ext>
+            </a:extLst>
+          </p:cNvPr>
+          <p:cNvSpPr txBox="1"/>
+          <p:nvPr/>
+        </p:nvSpPr>
+        <p:spPr>
+          <a:xfrm>
+            <a:off x="1271768" y="2135448"/>
+            <a:ext cx="9909364" cy="2308324"/>
+          </a:xfrm>
+          <a:prstGeom prst="rect">
+            <a:avLst/>
+          </a:prstGeom>
+          <a:noFill/>
+        </p:spPr>
+        <p:txBody>
+          <a:bodyPr wrap="square" rtlCol="0">
+            <a:spAutoFit/>
+          </a:bodyPr>
+          <a:lstStyle/>
+          <a:p>
+            <a:pPr marL="342900" indent="-342900">
+              <a:buFont typeface="Arial"/>
+              <a:buChar char="•"/>
+            </a:pPr>
+            <a:r>
+              <a:rPr lang="en-US" sz="2400" b="1" dirty="0">
+                <a:solidFill>
+                  <a:schemeClr val="accent1"/>
+                </a:solidFill>
+                <a:latin typeface="Cambria" panose="02040503050406030204" pitchFamily="18" charset="0"/>
+              </a:rPr>
+              <a:t>TECHNO-OPTIMISM: “JUST ANOTHER INDUSTRIAL REVOLUTION …</a:t>
+            </a:r>
+            <a:br>
+              <a:rPr lang="en-US" sz="2400" b="1" dirty="0">
+                <a:solidFill>
+                  <a:schemeClr val="accent1"/>
+                </a:solidFill>
+                <a:latin typeface="Cambria" panose="02040503050406030204" pitchFamily="18" charset="0"/>
+              </a:rPr>
+            </a:br>
+            <a:r>
+              <a:rPr lang="en-US" sz="2400" b="1" dirty="0">
+                <a:solidFill>
+                  <a:schemeClr val="accent1"/>
+                </a:solidFill>
+                <a:latin typeface="Cambria" panose="02040503050406030204" pitchFamily="18" charset="0"/>
+              </a:rPr>
+              <a:t>COMMUNICATING VESSELS” </a:t>
+            </a:r>
+            <a:br>
+              <a:rPr lang="en-US" sz="2400" b="1" dirty="0">
+                <a:solidFill>
+                  <a:schemeClr val="accent1"/>
+                </a:solidFill>
+                <a:latin typeface="Cambria" panose="02040503050406030204" pitchFamily="18" charset="0"/>
+              </a:rPr>
+            </a:br>
+            <a:br>
+              <a:rPr lang="en-US" sz="2400" b="1" dirty="0">
+                <a:solidFill>
+                  <a:schemeClr val="accent1"/>
+                </a:solidFill>
+                <a:latin typeface="Cambria" panose="02040503050406030204" pitchFamily="18" charset="0"/>
+              </a:rPr>
+            </a:br>
+            <a:endParaRPr lang="en-US" sz="2400" b="1" dirty="0">
+              <a:solidFill>
+                <a:schemeClr val="accent1"/>
+              </a:solidFill>
+              <a:latin typeface="Cambria" panose="02040503050406030204" pitchFamily="18" charset="0"/>
+            </a:endParaRPr>
+          </a:p>
+          <a:p>
+            <a:pPr marL="342900" indent="-342900">
+              <a:buFont typeface="Arial"/>
+              <a:buChar char="•"/>
+            </a:pPr>
+            <a:r>
+              <a:rPr lang="en-US" sz="2400" b="1" dirty="0">
+                <a:solidFill>
+                  <a:schemeClr val="accent1"/>
+                </a:solidFill>
+                <a:latin typeface="Cambria" panose="02040503050406030204" pitchFamily="18" charset="0"/>
+              </a:rPr>
+              <a:t>UNIQUE NATURE GENERAL PURPOSE TECHNOLOGY (GPT): ”BETTER, FASTER, STRONGER”</a:t>
+            </a:r>
+          </a:p>
+        </p:txBody>
+      </p:sp>
+      <p:sp>
+        <p:nvSpPr>
+          <p:cNvPr id="3" name="TextBox 2">
+            <a:extLst>
+              <a:ext uri="{FF2B5EF4-FFF2-40B4-BE49-F238E27FC236}">
+                <a16:creationId xmlns:a16="http://schemas.microsoft.com/office/drawing/2014/main" id="{4045CEFA-DACF-D844-9449-CBC9071336EB}"/>
+              </a:ext>
+            </a:extLst>
+          </p:cNvPr>
+          <p:cNvSpPr txBox="1"/>
+          <p:nvPr/>
+        </p:nvSpPr>
+        <p:spPr>
+          <a:xfrm>
+            <a:off x="1271768" y="5601730"/>
+            <a:ext cx="4282326" cy="369332"/>
+          </a:xfrm>
+          <a:prstGeom prst="rect">
+            <a:avLst/>
+          </a:prstGeom>
+          <a:noFill/>
+        </p:spPr>
+        <p:txBody>
+          <a:bodyPr wrap="none" rtlCol="0">
+            <a:spAutoFit/>
+          </a:bodyPr>
+          <a:lstStyle/>
+          <a:p>
+            <a:r>
+              <a:rPr lang="fr-FR" dirty="0">
+                <a:hlinkClick r:id="rId3"/>
+              </a:rPr>
+              <a:t>http://</a:t>
+            </a:r>
+            <a:r>
+              <a:rPr lang="fr-FR" dirty="0" err="1">
+                <a:hlinkClick r:id="rId3"/>
+              </a:rPr>
+              <a:t>secondmachineage.com</a:t>
+            </a:r>
+            <a:r>
+              <a:rPr lang="fr-FR" dirty="0">
+                <a:hlinkClick r:id="rId3"/>
+              </a:rPr>
+              <a:t>/about-2ma/</a:t>
+            </a:r>
+            <a:endParaRPr lang="fr-FR" dirty="0"/>
+          </a:p>
+        </p:txBody>
+      </p:sp>
+    </p:spTree>
+    <p:extLst>
+      <p:ext uri="{BB962C8B-B14F-4D97-AF65-F5344CB8AC3E}">
+        <p14:creationId xmlns:p14="http://schemas.microsoft.com/office/powerpoint/2010/main" val="596059307"/>
+      </p:ext>
+    </p:extLst>
+  </p:cSld>
+  <p:clrMapOvr>
+    <a:masterClrMapping/>
+  </p:clrMapOvr>
+  <mc:AlternateContent xmlns:mc="http://schemas.openxmlformats.org/markup-compatibility/2006" xmlns:p14="http://schemas.microsoft.com/office/powerpoint/2010/main">
+    <mc:Choice Requires="p14">
+      <p:transition spd="med" p14:dur="700">
+        <p:fade/>
+      </p:transition>
+    </mc:Choice>
+    <mc:Fallback xmlns="">
+      <p:transition spd="med">
+        <p:fade/>
+      </p:transition>
+    </mc:Fallback>
+  </mc:AlternateContent>
+</p:sld>
+</file>
+
+<file path=ppt/slides/slide22.xml><?xml version="1.0" encoding="utf-8"?>
+<p:sld xmlns:a="http://schemas.openxmlformats.org/drawingml/2006/main" xmlns:r="http://schemas.openxmlformats.org/officeDocument/2006/relationships" xmlns:p="http://schemas.openxmlformats.org/presentationml/2006/main">
+  <p:cSld>
+    <p:spTree>
+      <p:nvGrpSpPr>
+        <p:cNvPr id="1" name=""/>
+        <p:cNvGrpSpPr/>
+        <p:nvPr/>
+      </p:nvGrpSpPr>
+      <p:grpSpPr>
+        <a:xfrm>
+          <a:off x="0" y="0"/>
+          <a:ext cx="0" cy="0"/>
+          <a:chOff x="0" y="0"/>
+          <a:chExt cx="0" cy="0"/>
+        </a:xfrm>
+      </p:grpSpPr>
+      <p:sp>
+        <p:nvSpPr>
+          <p:cNvPr id="8" name="TextBox 7"/>
+          <p:cNvSpPr txBox="1"/>
+          <p:nvPr/>
+        </p:nvSpPr>
+        <p:spPr>
+          <a:xfrm>
+            <a:off x="1271768" y="1115051"/>
+            <a:ext cx="9196386" cy="861774"/>
+          </a:xfrm>
+          <a:prstGeom prst="rect">
+            <a:avLst/>
+          </a:prstGeom>
+          <a:noFill/>
+        </p:spPr>
+        <p:txBody>
+          <a:bodyPr wrap="square" rtlCol="0">
+            <a:spAutoFit/>
+          </a:bodyPr>
+          <a:lstStyle/>
+          <a:p>
+            <a:r>
+              <a:rPr lang="en-US" sz="5000" b="1" dirty="0">
+                <a:solidFill>
+                  <a:schemeClr val="accent1"/>
+                </a:solidFill>
+                <a:latin typeface="Cambria" panose="02040503050406030204" pitchFamily="18" charset="0"/>
+              </a:rPr>
+              <a:t>WORKING GROUP SESSION</a:t>
+            </a:r>
+          </a:p>
+        </p:txBody>
+      </p:sp>
+    </p:spTree>
+    <p:extLst>
+      <p:ext uri="{BB962C8B-B14F-4D97-AF65-F5344CB8AC3E}">
+        <p14:creationId xmlns:p14="http://schemas.microsoft.com/office/powerpoint/2010/main" val="2410272891"/>
+      </p:ext>
+    </p:extLst>
+  </p:cSld>
+  <p:clrMapOvr>
+    <a:masterClrMapping/>
+  </p:clrMapOvr>
+  <mc:AlternateContent xmlns:mc="http://schemas.openxmlformats.org/markup-compatibility/2006" xmlns:p14="http://schemas.microsoft.com/office/powerpoint/2010/main">
+    <mc:Choice Requires="p14">
+      <p:transition spd="med" p14:dur="700">
+        <p:fade/>
+      </p:transition>
+    </mc:Choice>
+    <mc:Fallback xmlns="">
+      <p:transition spd="med">
+        <p:fade/>
+      </p:transition>
+    </mc:Fallback>
+  </mc:AlternateContent>
+</p:sld>
+</file>
+
+<file path=ppt/slides/slide23.xml><?xml version="1.0" encoding="utf-8"?>
+<p:sld xmlns:a="http://schemas.openxmlformats.org/drawingml/2006/main" xmlns:r="http://schemas.openxmlformats.org/officeDocument/2006/relationships" xmlns:p="http://schemas.openxmlformats.org/presentationml/2006/main">
+  <p:cSld>
+    <p:spTree>
+      <p:nvGrpSpPr>
+        <p:cNvPr id="1" name=""/>
+        <p:cNvGrpSpPr/>
+        <p:nvPr/>
+      </p:nvGrpSpPr>
+      <p:grpSpPr>
+        <a:xfrm>
+          <a:off x="0" y="0"/>
+          <a:ext cx="0" cy="0"/>
+          <a:chOff x="0" y="0"/>
+          <a:chExt cx="0" cy="0"/>
+        </a:xfrm>
+      </p:grpSpPr>
+      <p:cxnSp>
+        <p:nvCxnSpPr>
+          <p:cNvPr id="4" name="Straight Arrow Connector 3">
+            <a:extLst>
+              <a:ext uri="{FF2B5EF4-FFF2-40B4-BE49-F238E27FC236}">
+                <a16:creationId xmlns:a16="http://schemas.microsoft.com/office/drawing/2014/main" id="{32DDB47C-010D-9D45-A471-240076BA3B2E}"/>
+              </a:ext>
+            </a:extLst>
+          </p:cNvPr>
+          <p:cNvCxnSpPr/>
+          <p:nvPr/>
+        </p:nvCxnSpPr>
+        <p:spPr>
+          <a:xfrm>
+            <a:off x="5519351" y="749643"/>
+            <a:ext cx="0" cy="5231027"/>
+          </a:xfrm>
+          <a:prstGeom prst="straightConnector1">
+            <a:avLst/>
+          </a:prstGeom>
+          <a:ln w="47625">
+            <a:headEnd type="triangle"/>
+            <a:tailEnd type="triangle"/>
+          </a:ln>
+        </p:spPr>
+        <p:style>
+          <a:lnRef idx="1">
+            <a:schemeClr val="accent1"/>
+          </a:lnRef>
+          <a:fillRef idx="0">
+            <a:schemeClr val="accent1"/>
+          </a:fillRef>
+          <a:effectRef idx="0">
+            <a:schemeClr val="accent1"/>
+          </a:effectRef>
+          <a:fontRef idx="minor">
+            <a:schemeClr val="tx1"/>
+          </a:fontRef>
+        </p:style>
+      </p:cxnSp>
+      <p:cxnSp>
+        <p:nvCxnSpPr>
+          <p:cNvPr id="11" name="Straight Arrow Connector 10">
+            <a:extLst>
+              <a:ext uri="{FF2B5EF4-FFF2-40B4-BE49-F238E27FC236}">
+                <a16:creationId xmlns:a16="http://schemas.microsoft.com/office/drawing/2014/main" id="{F59830D0-B5C0-1D43-A1D4-8B5BFC081480}"/>
+              </a:ext>
+            </a:extLst>
+          </p:cNvPr>
+          <p:cNvCxnSpPr>
+            <a:cxnSpLocks/>
+          </p:cNvCxnSpPr>
+          <p:nvPr/>
+        </p:nvCxnSpPr>
+        <p:spPr>
+          <a:xfrm flipV="1">
+            <a:off x="2108886" y="3303373"/>
+            <a:ext cx="7348152" cy="61783"/>
+          </a:xfrm>
+          <a:prstGeom prst="straightConnector1">
+            <a:avLst/>
+          </a:prstGeom>
+          <a:ln w="47625">
+            <a:headEnd type="triangle"/>
+            <a:tailEnd type="triangle"/>
+          </a:ln>
+        </p:spPr>
+        <p:style>
+          <a:lnRef idx="1">
+            <a:schemeClr val="accent1"/>
+          </a:lnRef>
+          <a:fillRef idx="0">
+            <a:schemeClr val="accent1"/>
+          </a:fillRef>
+          <a:effectRef idx="0">
+            <a:schemeClr val="accent1"/>
+          </a:effectRef>
+          <a:fontRef idx="minor">
+            <a:schemeClr val="tx1"/>
+          </a:fontRef>
+        </p:style>
+      </p:cxnSp>
+      <p:sp>
+        <p:nvSpPr>
+          <p:cNvPr id="16" name="Rectangle 15">
+            <a:extLst>
+              <a:ext uri="{FF2B5EF4-FFF2-40B4-BE49-F238E27FC236}">
+                <a16:creationId xmlns:a16="http://schemas.microsoft.com/office/drawing/2014/main" id="{2AB9BEE5-457D-4A4E-A343-31DAB492B57F}"/>
+              </a:ext>
+            </a:extLst>
+          </p:cNvPr>
+          <p:cNvSpPr/>
+          <p:nvPr/>
+        </p:nvSpPr>
+        <p:spPr>
+          <a:xfrm>
+            <a:off x="1021491" y="3456281"/>
+            <a:ext cx="2603158" cy="646331"/>
+          </a:xfrm>
+          <a:prstGeom prst="rect">
+            <a:avLst/>
+          </a:prstGeom>
+        </p:spPr>
+        <p:txBody>
+          <a:bodyPr wrap="square">
+            <a:spAutoFit/>
+          </a:bodyPr>
+          <a:lstStyle/>
+          <a:p>
+            <a:r>
+              <a:rPr lang="en-US" b="1" dirty="0">
+                <a:solidFill>
+                  <a:schemeClr val="accent1"/>
+                </a:solidFill>
+                <a:latin typeface="Cambria" panose="02040503050406030204" pitchFamily="18" charset="0"/>
+              </a:rPr>
+              <a:t>OPTIMIZATION-BASED</a:t>
+            </a:r>
+            <a:br>
+              <a:rPr lang="en-US" b="1" dirty="0">
+                <a:solidFill>
+                  <a:schemeClr val="accent1"/>
+                </a:solidFill>
+                <a:latin typeface="Cambria" panose="02040503050406030204" pitchFamily="18" charset="0"/>
+              </a:rPr>
+            </a:br>
+            <a:endParaRPr lang="fr-FR" dirty="0"/>
+          </a:p>
+        </p:txBody>
+      </p:sp>
+      <p:sp>
+        <p:nvSpPr>
+          <p:cNvPr id="17" name="Rectangle 16">
+            <a:extLst>
+              <a:ext uri="{FF2B5EF4-FFF2-40B4-BE49-F238E27FC236}">
+                <a16:creationId xmlns:a16="http://schemas.microsoft.com/office/drawing/2014/main" id="{10BE394B-2F5F-BF4A-8D12-37A81F03A69C}"/>
+              </a:ext>
+            </a:extLst>
+          </p:cNvPr>
+          <p:cNvSpPr/>
+          <p:nvPr/>
+        </p:nvSpPr>
+        <p:spPr>
+          <a:xfrm>
+            <a:off x="7937156" y="3456281"/>
+            <a:ext cx="3863546" cy="646331"/>
+          </a:xfrm>
+          <a:prstGeom prst="rect">
+            <a:avLst/>
+          </a:prstGeom>
+        </p:spPr>
+        <p:txBody>
+          <a:bodyPr wrap="square">
+            <a:spAutoFit/>
+          </a:bodyPr>
+          <a:lstStyle/>
+          <a:p>
+            <a:r>
+              <a:rPr lang="en-US" b="1" dirty="0">
+                <a:solidFill>
+                  <a:schemeClr val="accent1"/>
+                </a:solidFill>
+                <a:latin typeface="Cambria" panose="02040503050406030204" pitchFamily="18" charset="0"/>
+              </a:rPr>
+              <a:t>CREATIVITY- OR STRATEGY-BASED</a:t>
+            </a:r>
+            <a:br>
+              <a:rPr lang="en-US" b="1" dirty="0">
+                <a:solidFill>
+                  <a:schemeClr val="accent1"/>
+                </a:solidFill>
+                <a:latin typeface="Cambria" panose="02040503050406030204" pitchFamily="18" charset="0"/>
+              </a:rPr>
+            </a:br>
+            <a:endParaRPr lang="fr-FR" dirty="0"/>
+          </a:p>
+        </p:txBody>
+      </p:sp>
+      <p:sp>
+        <p:nvSpPr>
+          <p:cNvPr id="18" name="Rectangle 17">
+            <a:extLst>
+              <a:ext uri="{FF2B5EF4-FFF2-40B4-BE49-F238E27FC236}">
+                <a16:creationId xmlns:a16="http://schemas.microsoft.com/office/drawing/2014/main" id="{5E2A8B83-0FED-F842-8BD7-B008BE0D4967}"/>
+              </a:ext>
+            </a:extLst>
+          </p:cNvPr>
+          <p:cNvSpPr/>
+          <p:nvPr/>
+        </p:nvSpPr>
+        <p:spPr>
+          <a:xfrm>
+            <a:off x="4924166" y="6088270"/>
+            <a:ext cx="1190369" cy="646331"/>
+          </a:xfrm>
+          <a:prstGeom prst="rect">
+            <a:avLst/>
+          </a:prstGeom>
+        </p:spPr>
+        <p:txBody>
+          <a:bodyPr wrap="square">
+            <a:spAutoFit/>
+          </a:bodyPr>
+          <a:lstStyle/>
+          <a:p>
+            <a:r>
+              <a:rPr lang="en-US" b="1" dirty="0">
+                <a:solidFill>
+                  <a:schemeClr val="accent1"/>
+                </a:solidFill>
+                <a:latin typeface="Cambria" panose="02040503050406030204" pitchFamily="18" charset="0"/>
+              </a:rPr>
+              <a:t>ASOCIAL</a:t>
+            </a:r>
+            <a:br>
+              <a:rPr lang="en-US" b="1" dirty="0">
+                <a:solidFill>
+                  <a:schemeClr val="accent1"/>
+                </a:solidFill>
+                <a:latin typeface="Cambria" panose="02040503050406030204" pitchFamily="18" charset="0"/>
+              </a:rPr>
+            </a:br>
+            <a:endParaRPr lang="fr-FR" dirty="0"/>
+          </a:p>
+        </p:txBody>
+      </p:sp>
+      <p:sp>
+        <p:nvSpPr>
+          <p:cNvPr id="19" name="Rectangle 18">
+            <a:extLst>
+              <a:ext uri="{FF2B5EF4-FFF2-40B4-BE49-F238E27FC236}">
+                <a16:creationId xmlns:a16="http://schemas.microsoft.com/office/drawing/2014/main" id="{9D955DFC-605B-4C45-9D90-2B0A224D7D3C}"/>
+              </a:ext>
+            </a:extLst>
+          </p:cNvPr>
+          <p:cNvSpPr/>
+          <p:nvPr/>
+        </p:nvSpPr>
+        <p:spPr>
+          <a:xfrm>
+            <a:off x="5084803" y="403831"/>
+            <a:ext cx="1190369" cy="369332"/>
+          </a:xfrm>
+          <a:prstGeom prst="rect">
+            <a:avLst/>
+          </a:prstGeom>
+        </p:spPr>
+        <p:txBody>
+          <a:bodyPr wrap="square">
+            <a:spAutoFit/>
+          </a:bodyPr>
+          <a:lstStyle/>
+          <a:p>
+            <a:r>
+              <a:rPr lang="en-US" b="1" dirty="0">
+                <a:solidFill>
+                  <a:schemeClr val="accent1"/>
+                </a:solidFill>
+                <a:latin typeface="Cambria" panose="02040503050406030204" pitchFamily="18" charset="0"/>
+              </a:rPr>
+              <a:t>SOCIAL</a:t>
+            </a:r>
+            <a:endParaRPr lang="fr-FR" dirty="0"/>
+          </a:p>
+        </p:txBody>
+      </p:sp>
+      <p:sp>
+        <p:nvSpPr>
+          <p:cNvPr id="21" name="Rectangle 20">
+            <a:extLst>
+              <a:ext uri="{FF2B5EF4-FFF2-40B4-BE49-F238E27FC236}">
+                <a16:creationId xmlns:a16="http://schemas.microsoft.com/office/drawing/2014/main" id="{11674881-8AB7-AA4B-91AA-A9C30186EA94}"/>
+              </a:ext>
+            </a:extLst>
+          </p:cNvPr>
+          <p:cNvSpPr/>
+          <p:nvPr/>
+        </p:nvSpPr>
+        <p:spPr>
+          <a:xfrm>
+            <a:off x="9961604" y="80665"/>
+            <a:ext cx="2774093" cy="1015663"/>
+          </a:xfrm>
+          <a:prstGeom prst="rect">
+            <a:avLst/>
+          </a:prstGeom>
+        </p:spPr>
+        <p:txBody>
+          <a:bodyPr wrap="square">
+            <a:spAutoFit/>
+          </a:bodyPr>
+          <a:lstStyle/>
+          <a:p>
+            <a:r>
+              <a:rPr lang="en-US" sz="3000" b="1" dirty="0">
+                <a:solidFill>
+                  <a:schemeClr val="accent6">
+                    <a:lumMod val="75000"/>
+                  </a:schemeClr>
+                </a:solidFill>
+                <a:latin typeface="Cambria" panose="02040503050406030204" pitchFamily="18" charset="0"/>
+              </a:rPr>
+              <a:t>COGNITIVE LABOR</a:t>
+            </a:r>
+            <a:endParaRPr lang="fr-FR" sz="3000" dirty="0">
+              <a:solidFill>
+                <a:schemeClr val="accent6">
+                  <a:lumMod val="75000"/>
+                </a:schemeClr>
+              </a:solidFill>
+            </a:endParaRPr>
+          </a:p>
+        </p:txBody>
+      </p:sp>
+      <p:sp>
+        <p:nvSpPr>
+          <p:cNvPr id="22" name="TextBox 21">
+            <a:extLst>
+              <a:ext uri="{FF2B5EF4-FFF2-40B4-BE49-F238E27FC236}">
+                <a16:creationId xmlns:a16="http://schemas.microsoft.com/office/drawing/2014/main" id="{651D9F72-F0B8-5840-AE4C-659A9BBA7D04}"/>
+              </a:ext>
+            </a:extLst>
+          </p:cNvPr>
+          <p:cNvSpPr txBox="1"/>
+          <p:nvPr/>
+        </p:nvSpPr>
+        <p:spPr>
+          <a:xfrm>
+            <a:off x="8254314" y="1013254"/>
+            <a:ext cx="569002" cy="369332"/>
+          </a:xfrm>
+          <a:prstGeom prst="rect">
+            <a:avLst/>
+          </a:prstGeom>
+          <a:noFill/>
+        </p:spPr>
+        <p:txBody>
+          <a:bodyPr wrap="none" rtlCol="0">
+            <a:spAutoFit/>
+          </a:bodyPr>
+          <a:lstStyle/>
+          <a:p>
+            <a:r>
+              <a:rPr lang="fr-FR" dirty="0"/>
+              <a:t>CEO</a:t>
+            </a:r>
+          </a:p>
+        </p:txBody>
+      </p:sp>
+      <p:sp>
+        <p:nvSpPr>
+          <p:cNvPr id="23" name="TextBox 22">
+            <a:extLst>
+              <a:ext uri="{FF2B5EF4-FFF2-40B4-BE49-F238E27FC236}">
+                <a16:creationId xmlns:a16="http://schemas.microsoft.com/office/drawing/2014/main" id="{B2B78647-4406-D447-9F89-5434C032F2EF}"/>
+              </a:ext>
+            </a:extLst>
+          </p:cNvPr>
+          <p:cNvSpPr txBox="1"/>
+          <p:nvPr/>
+        </p:nvSpPr>
+        <p:spPr>
+          <a:xfrm>
+            <a:off x="8338183" y="5515047"/>
+            <a:ext cx="970266" cy="369332"/>
+          </a:xfrm>
+          <a:prstGeom prst="rect">
+            <a:avLst/>
+          </a:prstGeom>
+          <a:noFill/>
+        </p:spPr>
+        <p:txBody>
+          <a:bodyPr wrap="none" rtlCol="0">
+            <a:spAutoFit/>
+          </a:bodyPr>
+          <a:lstStyle/>
+          <a:p>
+            <a:r>
+              <a:rPr lang="fr-FR" dirty="0" err="1"/>
+              <a:t>Scientist</a:t>
+            </a:r>
+            <a:endParaRPr lang="fr-FR" dirty="0"/>
+          </a:p>
+        </p:txBody>
+      </p:sp>
+      <p:sp>
+        <p:nvSpPr>
+          <p:cNvPr id="24" name="TextBox 23">
+            <a:extLst>
+              <a:ext uri="{FF2B5EF4-FFF2-40B4-BE49-F238E27FC236}">
+                <a16:creationId xmlns:a16="http://schemas.microsoft.com/office/drawing/2014/main" id="{9C0A84EF-83AC-9043-80C0-9C6F536D48C9}"/>
+              </a:ext>
+            </a:extLst>
+          </p:cNvPr>
+          <p:cNvSpPr txBox="1"/>
+          <p:nvPr/>
+        </p:nvSpPr>
+        <p:spPr>
+          <a:xfrm>
+            <a:off x="3494808" y="1013254"/>
+            <a:ext cx="917559" cy="369332"/>
+          </a:xfrm>
+          <a:prstGeom prst="rect">
+            <a:avLst/>
+          </a:prstGeom>
+          <a:noFill/>
+        </p:spPr>
+        <p:txBody>
+          <a:bodyPr wrap="none" rtlCol="0">
+            <a:spAutoFit/>
+          </a:bodyPr>
+          <a:lstStyle/>
+          <a:p>
+            <a:r>
+              <a:rPr lang="fr-FR" dirty="0"/>
+              <a:t>Teacher</a:t>
+            </a:r>
+          </a:p>
+        </p:txBody>
+      </p:sp>
+      <p:sp>
+        <p:nvSpPr>
+          <p:cNvPr id="25" name="TextBox 24">
+            <a:extLst>
+              <a:ext uri="{FF2B5EF4-FFF2-40B4-BE49-F238E27FC236}">
+                <a16:creationId xmlns:a16="http://schemas.microsoft.com/office/drawing/2014/main" id="{B3721627-0FF6-E843-92B1-7897C7F9063B}"/>
+              </a:ext>
+            </a:extLst>
+          </p:cNvPr>
+          <p:cNvSpPr txBox="1"/>
+          <p:nvPr/>
+        </p:nvSpPr>
+        <p:spPr>
+          <a:xfrm>
+            <a:off x="2131281" y="4843664"/>
+            <a:ext cx="184731" cy="369332"/>
+          </a:xfrm>
+          <a:prstGeom prst="rect">
+            <a:avLst/>
+          </a:prstGeom>
+          <a:noFill/>
+        </p:spPr>
+        <p:txBody>
+          <a:bodyPr wrap="none" rtlCol="0">
+            <a:spAutoFit/>
+          </a:bodyPr>
+          <a:lstStyle/>
+          <a:p>
+            <a:endParaRPr lang="fr-FR" dirty="0"/>
+          </a:p>
+        </p:txBody>
+      </p:sp>
+    </p:spTree>
+    <p:extLst>
+      <p:ext uri="{BB962C8B-B14F-4D97-AF65-F5344CB8AC3E}">
+        <p14:creationId xmlns:p14="http://schemas.microsoft.com/office/powerpoint/2010/main" val="3512159635"/>
+      </p:ext>
+    </p:extLst>
+  </p:cSld>
+  <p:clrMapOvr>
+    <a:masterClrMapping/>
+  </p:clrMapOvr>
+  <mc:AlternateContent xmlns:mc="http://schemas.openxmlformats.org/markup-compatibility/2006" xmlns:p14="http://schemas.microsoft.com/office/powerpoint/2010/main">
+    <mc:Choice Requires="p14">
+      <p:transition spd="med" p14:dur="700">
+        <p:fade/>
+      </p:transition>
+    </mc:Choice>
+    <mc:Fallback xmlns="">
+      <p:transition spd="med">
+        <p:fade/>
+      </p:transition>
+    </mc:Fallback>
+  </mc:AlternateContent>
+</p:sld>
+</file>
+
+<file path=ppt/slides/slide24.xml><?xml version="1.0" encoding="utf-8"?>
+<p:sld xmlns:a="http://schemas.openxmlformats.org/drawingml/2006/main" xmlns:r="http://schemas.openxmlformats.org/officeDocument/2006/relationships" xmlns:p="http://schemas.openxmlformats.org/presentationml/2006/main">
+  <p:cSld>
+    <p:spTree>
+      <p:nvGrpSpPr>
+        <p:cNvPr id="1" name=""/>
+        <p:cNvGrpSpPr/>
+        <p:nvPr/>
+      </p:nvGrpSpPr>
+      <p:grpSpPr>
+        <a:xfrm>
+          <a:off x="0" y="0"/>
+          <a:ext cx="0" cy="0"/>
+          <a:chOff x="0" y="0"/>
+          <a:chExt cx="0" cy="0"/>
+        </a:xfrm>
+      </p:grpSpPr>
+      <p:cxnSp>
+        <p:nvCxnSpPr>
+          <p:cNvPr id="4" name="Straight Arrow Connector 3">
+            <a:extLst>
+              <a:ext uri="{FF2B5EF4-FFF2-40B4-BE49-F238E27FC236}">
+                <a16:creationId xmlns:a16="http://schemas.microsoft.com/office/drawing/2014/main" id="{32DDB47C-010D-9D45-A471-240076BA3B2E}"/>
+              </a:ext>
+            </a:extLst>
+          </p:cNvPr>
+          <p:cNvCxnSpPr/>
+          <p:nvPr/>
+        </p:nvCxnSpPr>
+        <p:spPr>
+          <a:xfrm>
+            <a:off x="5519351" y="749643"/>
+            <a:ext cx="0" cy="5231027"/>
+          </a:xfrm>
+          <a:prstGeom prst="straightConnector1">
+            <a:avLst/>
+          </a:prstGeom>
+          <a:ln w="47625">
+            <a:headEnd type="triangle"/>
+            <a:tailEnd type="triangle"/>
+          </a:ln>
+        </p:spPr>
+        <p:style>
+          <a:lnRef idx="1">
+            <a:schemeClr val="accent1"/>
+          </a:lnRef>
+          <a:fillRef idx="0">
+            <a:schemeClr val="accent1"/>
+          </a:fillRef>
+          <a:effectRef idx="0">
+            <a:schemeClr val="accent1"/>
+          </a:effectRef>
+          <a:fontRef idx="minor">
+            <a:schemeClr val="tx1"/>
+          </a:fontRef>
+        </p:style>
+      </p:cxnSp>
+      <p:cxnSp>
+        <p:nvCxnSpPr>
+          <p:cNvPr id="11" name="Straight Arrow Connector 10">
+            <a:extLst>
+              <a:ext uri="{FF2B5EF4-FFF2-40B4-BE49-F238E27FC236}">
+                <a16:creationId xmlns:a16="http://schemas.microsoft.com/office/drawing/2014/main" id="{F59830D0-B5C0-1D43-A1D4-8B5BFC081480}"/>
+              </a:ext>
+            </a:extLst>
+          </p:cNvPr>
+          <p:cNvCxnSpPr>
+            <a:cxnSpLocks/>
+          </p:cNvCxnSpPr>
+          <p:nvPr/>
+        </p:nvCxnSpPr>
+        <p:spPr>
+          <a:xfrm flipV="1">
+            <a:off x="2108886" y="3303373"/>
+            <a:ext cx="7348152" cy="61783"/>
+          </a:xfrm>
+          <a:prstGeom prst="straightConnector1">
+            <a:avLst/>
+          </a:prstGeom>
+          <a:ln w="47625">
+            <a:headEnd type="triangle"/>
+            <a:tailEnd type="triangle"/>
+          </a:ln>
+        </p:spPr>
+        <p:style>
+          <a:lnRef idx="1">
+            <a:schemeClr val="accent1"/>
+          </a:lnRef>
+          <a:fillRef idx="0">
+            <a:schemeClr val="accent1"/>
+          </a:fillRef>
+          <a:effectRef idx="0">
+            <a:schemeClr val="accent1"/>
+          </a:effectRef>
+          <a:fontRef idx="minor">
+            <a:schemeClr val="tx1"/>
+          </a:fontRef>
+        </p:style>
+      </p:cxnSp>
+      <p:sp>
+        <p:nvSpPr>
+          <p:cNvPr id="16" name="Rectangle 15">
+            <a:extLst>
+              <a:ext uri="{FF2B5EF4-FFF2-40B4-BE49-F238E27FC236}">
+                <a16:creationId xmlns:a16="http://schemas.microsoft.com/office/drawing/2014/main" id="{2AB9BEE5-457D-4A4E-A343-31DAB492B57F}"/>
+              </a:ext>
+            </a:extLst>
+          </p:cNvPr>
+          <p:cNvSpPr/>
+          <p:nvPr/>
+        </p:nvSpPr>
+        <p:spPr>
+          <a:xfrm>
+            <a:off x="1021491" y="3456281"/>
+            <a:ext cx="2603158" cy="923330"/>
+          </a:xfrm>
+          <a:prstGeom prst="rect">
+            <a:avLst/>
+          </a:prstGeom>
+        </p:spPr>
+        <p:txBody>
+          <a:bodyPr wrap="square">
+            <a:spAutoFit/>
+          </a:bodyPr>
+          <a:lstStyle/>
+          <a:p>
+            <a:r>
+              <a:rPr lang="en-US" b="1" dirty="0">
+                <a:solidFill>
+                  <a:schemeClr val="accent1"/>
+                </a:solidFill>
+                <a:latin typeface="Cambria" panose="02040503050406030204" pitchFamily="18" charset="0"/>
+              </a:rPr>
+              <a:t>LOW DEXTERITY AND</a:t>
+            </a:r>
+          </a:p>
+          <a:p>
+            <a:r>
+              <a:rPr lang="en-US" b="1" dirty="0">
+                <a:solidFill>
+                  <a:schemeClr val="accent1"/>
+                </a:solidFill>
+                <a:latin typeface="Cambria" panose="02040503050406030204" pitchFamily="18" charset="0"/>
+              </a:rPr>
+              <a:t>STRUCTURED ENVIRONMENT</a:t>
+            </a:r>
+            <a:endParaRPr lang="fr-FR" dirty="0"/>
+          </a:p>
+        </p:txBody>
+      </p:sp>
+      <p:sp>
+        <p:nvSpPr>
+          <p:cNvPr id="17" name="Rectangle 16">
+            <a:extLst>
+              <a:ext uri="{FF2B5EF4-FFF2-40B4-BE49-F238E27FC236}">
+                <a16:creationId xmlns:a16="http://schemas.microsoft.com/office/drawing/2014/main" id="{10BE394B-2F5F-BF4A-8D12-37A81F03A69C}"/>
+              </a:ext>
+            </a:extLst>
+          </p:cNvPr>
+          <p:cNvSpPr/>
+          <p:nvPr/>
+        </p:nvSpPr>
+        <p:spPr>
+          <a:xfrm>
+            <a:off x="7937156" y="3456281"/>
+            <a:ext cx="3863546" cy="646331"/>
+          </a:xfrm>
+          <a:prstGeom prst="rect">
+            <a:avLst/>
+          </a:prstGeom>
+        </p:spPr>
+        <p:txBody>
+          <a:bodyPr wrap="square">
+            <a:spAutoFit/>
+          </a:bodyPr>
+          <a:lstStyle/>
+          <a:p>
+            <a:r>
+              <a:rPr lang="en-US" b="1" dirty="0">
+                <a:solidFill>
+                  <a:schemeClr val="accent1"/>
+                </a:solidFill>
+                <a:latin typeface="Cambria" panose="02040503050406030204" pitchFamily="18" charset="0"/>
+              </a:rPr>
+              <a:t>HIGH DEXTIRITY AND UNSTRUCTURED ENVIRONMENT</a:t>
+            </a:r>
+            <a:endParaRPr lang="fr-FR" dirty="0"/>
+          </a:p>
+        </p:txBody>
+      </p:sp>
+      <p:sp>
+        <p:nvSpPr>
+          <p:cNvPr id="18" name="Rectangle 17">
+            <a:extLst>
+              <a:ext uri="{FF2B5EF4-FFF2-40B4-BE49-F238E27FC236}">
+                <a16:creationId xmlns:a16="http://schemas.microsoft.com/office/drawing/2014/main" id="{5E2A8B83-0FED-F842-8BD7-B008BE0D4967}"/>
+              </a:ext>
+            </a:extLst>
+          </p:cNvPr>
+          <p:cNvSpPr/>
+          <p:nvPr/>
+        </p:nvSpPr>
+        <p:spPr>
+          <a:xfrm>
+            <a:off x="4924166" y="6088270"/>
+            <a:ext cx="1190369" cy="646331"/>
+          </a:xfrm>
+          <a:prstGeom prst="rect">
+            <a:avLst/>
+          </a:prstGeom>
+        </p:spPr>
+        <p:txBody>
+          <a:bodyPr wrap="square">
+            <a:spAutoFit/>
+          </a:bodyPr>
+          <a:lstStyle/>
+          <a:p>
+            <a:r>
+              <a:rPr lang="en-US" b="1" dirty="0">
+                <a:solidFill>
+                  <a:schemeClr val="accent1"/>
+                </a:solidFill>
+                <a:latin typeface="Cambria" panose="02040503050406030204" pitchFamily="18" charset="0"/>
+              </a:rPr>
+              <a:t>ASOCIAL</a:t>
+            </a:r>
+            <a:br>
+              <a:rPr lang="en-US" b="1" dirty="0">
+                <a:solidFill>
+                  <a:schemeClr val="accent1"/>
+                </a:solidFill>
+                <a:latin typeface="Cambria" panose="02040503050406030204" pitchFamily="18" charset="0"/>
+              </a:rPr>
+            </a:br>
+            <a:endParaRPr lang="fr-FR" dirty="0"/>
+          </a:p>
+        </p:txBody>
+      </p:sp>
+      <p:sp>
+        <p:nvSpPr>
+          <p:cNvPr id="19" name="Rectangle 18">
+            <a:extLst>
+              <a:ext uri="{FF2B5EF4-FFF2-40B4-BE49-F238E27FC236}">
+                <a16:creationId xmlns:a16="http://schemas.microsoft.com/office/drawing/2014/main" id="{9D955DFC-605B-4C45-9D90-2B0A224D7D3C}"/>
+              </a:ext>
+            </a:extLst>
+          </p:cNvPr>
+          <p:cNvSpPr/>
+          <p:nvPr/>
+        </p:nvSpPr>
+        <p:spPr>
+          <a:xfrm>
+            <a:off x="5084803" y="403831"/>
+            <a:ext cx="1190369" cy="369332"/>
+          </a:xfrm>
+          <a:prstGeom prst="rect">
+            <a:avLst/>
+          </a:prstGeom>
+        </p:spPr>
+        <p:txBody>
+          <a:bodyPr wrap="square">
+            <a:spAutoFit/>
+          </a:bodyPr>
+          <a:lstStyle/>
+          <a:p>
+            <a:r>
+              <a:rPr lang="en-US" b="1" dirty="0">
+                <a:solidFill>
+                  <a:schemeClr val="accent1"/>
+                </a:solidFill>
+                <a:latin typeface="Cambria" panose="02040503050406030204" pitchFamily="18" charset="0"/>
+              </a:rPr>
+              <a:t>SOCIAL</a:t>
+            </a:r>
+            <a:endParaRPr lang="fr-FR" dirty="0"/>
+          </a:p>
+        </p:txBody>
+      </p:sp>
+      <p:sp>
+        <p:nvSpPr>
+          <p:cNvPr id="21" name="Rectangle 20">
+            <a:extLst>
+              <a:ext uri="{FF2B5EF4-FFF2-40B4-BE49-F238E27FC236}">
+                <a16:creationId xmlns:a16="http://schemas.microsoft.com/office/drawing/2014/main" id="{11674881-8AB7-AA4B-91AA-A9C30186EA94}"/>
+              </a:ext>
+            </a:extLst>
+          </p:cNvPr>
+          <p:cNvSpPr/>
+          <p:nvPr/>
+        </p:nvSpPr>
+        <p:spPr>
+          <a:xfrm>
+            <a:off x="9961604" y="80665"/>
+            <a:ext cx="2774093" cy="1015663"/>
+          </a:xfrm>
+          <a:prstGeom prst="rect">
+            <a:avLst/>
+          </a:prstGeom>
+        </p:spPr>
+        <p:txBody>
+          <a:bodyPr wrap="square">
+            <a:spAutoFit/>
+          </a:bodyPr>
+          <a:lstStyle/>
+          <a:p>
+            <a:r>
+              <a:rPr lang="en-US" sz="3000" b="1" dirty="0">
+                <a:solidFill>
+                  <a:schemeClr val="accent6">
+                    <a:lumMod val="75000"/>
+                  </a:schemeClr>
+                </a:solidFill>
+                <a:latin typeface="Cambria" panose="02040503050406030204" pitchFamily="18" charset="0"/>
+              </a:rPr>
+              <a:t>PHYSICAL</a:t>
+            </a:r>
+          </a:p>
+          <a:p>
+            <a:r>
+              <a:rPr lang="en-US" sz="3000" b="1" dirty="0">
+                <a:solidFill>
+                  <a:schemeClr val="accent6">
+                    <a:lumMod val="75000"/>
+                  </a:schemeClr>
+                </a:solidFill>
+                <a:latin typeface="Cambria" panose="02040503050406030204" pitchFamily="18" charset="0"/>
+              </a:rPr>
+              <a:t>LABOR</a:t>
+            </a:r>
+            <a:endParaRPr lang="fr-FR" sz="3000" dirty="0">
+              <a:solidFill>
+                <a:schemeClr val="accent6">
+                  <a:lumMod val="75000"/>
+                </a:schemeClr>
+              </a:solidFill>
+            </a:endParaRPr>
+          </a:p>
+        </p:txBody>
+      </p:sp>
+    </p:spTree>
+    <p:extLst>
+      <p:ext uri="{BB962C8B-B14F-4D97-AF65-F5344CB8AC3E}">
+        <p14:creationId xmlns:p14="http://schemas.microsoft.com/office/powerpoint/2010/main" val="4179104704"/>
+      </p:ext>
+    </p:extLst>
+  </p:cSld>
+  <p:clrMapOvr>
+    <a:masterClrMapping/>
+  </p:clrMapOvr>
+  <mc:AlternateContent xmlns:mc="http://schemas.openxmlformats.org/markup-compatibility/2006" xmlns:p14="http://schemas.microsoft.com/office/powerpoint/2010/main">
+    <mc:Choice Requires="p14">
+      <p:transition spd="med" p14:dur="700">
+        <p:fade/>
+      </p:transition>
+    </mc:Choice>
+    <mc:Fallback xmlns="">
+      <p:transition spd="med">
+        <p:fade/>
+      </p:transition>
+    </mc:Fallback>
+  </mc:AlternateContent>
+</p:sld>
+</file>
+
 <file path=ppt/slides/slide3.xml><?xml version="1.0" encoding="utf-8"?>
 <p:sld xmlns:a="http://schemas.openxmlformats.org/drawingml/2006/main" xmlns:r="http://schemas.openxmlformats.org/officeDocument/2006/relationships" xmlns:p="http://schemas.openxmlformats.org/presentationml/2006/main">
   <p:cSld>
@@ -5484,7 +9765,7 @@
         <p:spPr>
           <a:xfrm>
             <a:off x="1271768" y="1116000"/>
-            <a:ext cx="9137152" cy="2246769"/>
+            <a:ext cx="9379756" cy="2246769"/>
           </a:xfrm>
           <a:prstGeom prst="rect">
             <a:avLst/>
@@ -5537,7 +9818,7 @@
                 </a:solidFill>
                 <a:latin typeface="Cambria" panose="02040503050406030204" pitchFamily="18" charset="0"/>
               </a:rPr>
-              <a:t>WHAT ABOUT TECHNICAL, BUSINESS, POLICY BASED OPEN ISSUES?</a:t>
+              <a:t>WHAT ABOUT TECHNICAL, BUSINESS BASED OPEN ISSUES AND SOCIAL IMPACT?</a:t>
             </a:r>
           </a:p>
         </p:txBody>
@@ -5593,7 +9874,7 @@
         <p:spPr>
           <a:xfrm>
             <a:off x="1271768" y="1115051"/>
-            <a:ext cx="9196386" cy="630942"/>
+            <a:ext cx="9196386" cy="2400657"/>
           </a:xfrm>
           <a:prstGeom prst="rect">
             <a:avLst/>
@@ -5607,13 +9888,35 @@
           <a:lstStyle/>
           <a:p>
             <a:r>
-              <a:rPr lang="en-US" sz="3500" b="1" dirty="0">
-                <a:solidFill>
-                  <a:schemeClr val="accent1"/>
-                </a:solidFill>
-                <a:latin typeface="Cambria" panose="02040503050406030204" pitchFamily="18" charset="0"/>
-              </a:rPr>
-              <a:t>DISCOVERY VS. IMPLEMENTATION</a:t>
+              <a:rPr lang="en-US" sz="5000" b="1" dirty="0">
+                <a:solidFill>
+                  <a:schemeClr val="accent1"/>
+                </a:solidFill>
+                <a:latin typeface="Cambria" panose="02040503050406030204" pitchFamily="18" charset="0"/>
+              </a:rPr>
+              <a:t>DISCOVERY </a:t>
+            </a:r>
+          </a:p>
+          <a:p>
+            <a:r>
+              <a:rPr lang="en-US" sz="5000" b="1" dirty="0">
+                <a:solidFill>
+                  <a:schemeClr val="accent1"/>
+                </a:solidFill>
+                <a:latin typeface="Cambria" panose="02040503050406030204" pitchFamily="18" charset="0"/>
+              </a:rPr>
+              <a:t>VS.</a:t>
+            </a:r>
+          </a:p>
+          <a:p>
+            <a:r>
+              <a:rPr lang="en-US" sz="5000" b="1" dirty="0">
+                <a:solidFill>
+                  <a:schemeClr val="accent1"/>
+                </a:solidFill>
+                <a:latin typeface="Cambria" panose="02040503050406030204" pitchFamily="18" charset="0"/>
+              </a:rPr>
+              <a:t>IMPLEMENTATION</a:t>
             </a:r>
           </a:p>
         </p:txBody>
@@ -6737,7 +11040,7 @@
                 </a:solidFill>
                 <a:latin typeface="Cambria" panose="02040503050406030204" pitchFamily="18" charset="0"/>
               </a:rPr>
-              <a:t>BEST PRACTICES</a:t>
+              <a:t>BEST PRACTICES: STRATEGY FOR AI ENGINEERS</a:t>
             </a:r>
             <a:br>
               <a:rPr lang="en-US" sz="2400" b="1" dirty="0">
@@ -6799,7 +11102,7 @@
         </p:nvSpPr>
         <p:spPr>
           <a:xfrm>
-            <a:off x="1271768" y="5056555"/>
+            <a:off x="1271768" y="4561255"/>
             <a:ext cx="9387840" cy="369332"/>
           </a:xfrm>
           <a:prstGeom prst="rect">
@@ -6836,7 +11139,7 @@
         </p:nvSpPr>
         <p:spPr>
           <a:xfrm>
-            <a:off x="1271768" y="5324594"/>
+            <a:off x="1271768" y="4829294"/>
             <a:ext cx="2094869" cy="369332"/>
           </a:xfrm>
           <a:prstGeom prst="rect">
@@ -6885,7 +11188,7 @@
         </p:nvSpPr>
         <p:spPr>
           <a:xfrm>
-            <a:off x="1271768" y="5595758"/>
+            <a:off x="1271768" y="5100458"/>
             <a:ext cx="2418675" cy="369332"/>
           </a:xfrm>
           <a:prstGeom prst="rect">
@@ -6922,7 +11225,7 @@
         </p:nvSpPr>
         <p:spPr>
           <a:xfrm>
-            <a:off x="1271768" y="5868203"/>
+            <a:off x="1271768" y="5372903"/>
             <a:ext cx="2872838" cy="369332"/>
           </a:xfrm>
           <a:prstGeom prst="rect">
@@ -6971,7 +11274,7 @@
         </p:nvSpPr>
         <p:spPr>
           <a:xfrm>
-            <a:off x="1271768" y="6162227"/>
+            <a:off x="1271768" y="5666927"/>
             <a:ext cx="3823354" cy="369332"/>
           </a:xfrm>
           <a:prstGeom prst="rect">
@@ -7007,6 +11310,55 @@
                 <a:hlinkClick r:id="rId7"/>
               </a:rPr>
               <a:t>competitions</a:t>
+            </a:r>
+            <a:endParaRPr lang="fr-FR" dirty="0"/>
+          </a:p>
+        </p:txBody>
+      </p:sp>
+      <p:sp>
+        <p:nvSpPr>
+          <p:cNvPr id="9" name="Rectangle 8">
+            <a:extLst>
+              <a:ext uri="{FF2B5EF4-FFF2-40B4-BE49-F238E27FC236}">
+                <a16:creationId xmlns:a16="http://schemas.microsoft.com/office/drawing/2014/main" id="{CE00D68F-82C3-B643-B219-2C4302AB3A9B}"/>
+              </a:ext>
+            </a:extLst>
+          </p:cNvPr>
+          <p:cNvSpPr/>
+          <p:nvPr/>
+        </p:nvSpPr>
+        <p:spPr>
+          <a:xfrm>
+            <a:off x="1271768" y="5960951"/>
+            <a:ext cx="2167003" cy="369332"/>
+          </a:xfrm>
+          <a:prstGeom prst="rect">
+            <a:avLst/>
+          </a:prstGeom>
+        </p:spPr>
+        <p:txBody>
+          <a:bodyPr wrap="none">
+            <a:spAutoFit/>
+          </a:bodyPr>
+          <a:lstStyle/>
+          <a:p>
+            <a:r>
+              <a:rPr lang="fr-FR" dirty="0">
+                <a:hlinkClick r:id="rId8"/>
+              </a:rPr>
+              <a:t>https://</a:t>
+            </a:r>
+            <a:r>
+              <a:rPr lang="fr-FR" dirty="0" err="1">
+                <a:hlinkClick r:id="rId8"/>
+              </a:rPr>
+              <a:t>challenger.ai</a:t>
+            </a:r>
+            <a:r>
+              <a:rPr lang="fr-FR" dirty="0">
+                <a:hlinkClick r:id="rId8"/>
+              </a:rPr>
+              <a:t>/</a:t>
             </a:r>
             <a:endParaRPr lang="fr-FR" dirty="0"/>
           </a:p>

--- a/presentations/session-9-open-issues-in-ai.pptx
+++ b/presentations/session-9-open-issues-in-ai.pptx
@@ -9315,38 +9315,6 @@
               <a:rPr lang="fr-FR" dirty="0"/>
               <a:t>Teacher</a:t>
             </a:r>
-          </a:p>
-        </p:txBody>
-      </p:sp>
-      <p:sp>
-        <p:nvSpPr>
-          <p:cNvPr id="25" name="TextBox 24">
-            <a:extLst>
-              <a:ext uri="{FF2B5EF4-FFF2-40B4-BE49-F238E27FC236}">
-                <a16:creationId xmlns:a16="http://schemas.microsoft.com/office/drawing/2014/main" id="{B3721627-0FF6-E843-92B1-7897C7F9063B}"/>
-              </a:ext>
-            </a:extLst>
-          </p:cNvPr>
-          <p:cNvSpPr txBox="1"/>
-          <p:nvPr/>
-        </p:nvSpPr>
-        <p:spPr>
-          <a:xfrm>
-            <a:off x="2131281" y="4843664"/>
-            <a:ext cx="184731" cy="369332"/>
-          </a:xfrm>
-          <a:prstGeom prst="rect">
-            <a:avLst/>
-          </a:prstGeom>
-          <a:noFill/>
-        </p:spPr>
-        <p:txBody>
-          <a:bodyPr wrap="none" rtlCol="0">
-            <a:spAutoFit/>
-          </a:bodyPr>
-          <a:lstStyle/>
-          <a:p>
-            <a:endParaRPr lang="fr-FR" dirty="0"/>
           </a:p>
         </p:txBody>
       </p:sp>

--- a/presentations/session-9-open-issues-in-ai.pptx
+++ b/presentations/session-9-open-issues-in-ai.pptx
@@ -5,33 +5,31 @@
     <p:sldMasterId id="2147483648" r:id="rId1"/>
   </p:sldMasterIdLst>
   <p:notesMasterIdLst>
-    <p:notesMasterId r:id="rId26"/>
+    <p:notesMasterId r:id="rId24"/>
   </p:notesMasterIdLst>
   <p:sldIdLst>
     <p:sldId id="263" r:id="rId2"/>
     <p:sldId id="538" r:id="rId3"/>
     <p:sldId id="542" r:id="rId4"/>
-    <p:sldId id="556" r:id="rId5"/>
+    <p:sldId id="590" r:id="rId5"/>
     <p:sldId id="564" r:id="rId6"/>
     <p:sldId id="565" r:id="rId7"/>
     <p:sldId id="567" r:id="rId8"/>
     <p:sldId id="568" r:id="rId9"/>
     <p:sldId id="566" r:id="rId10"/>
-    <p:sldId id="558" r:id="rId11"/>
+    <p:sldId id="591" r:id="rId11"/>
     <p:sldId id="570" r:id="rId12"/>
     <p:sldId id="575" r:id="rId13"/>
     <p:sldId id="569" r:id="rId14"/>
     <p:sldId id="576" r:id="rId15"/>
     <p:sldId id="572" r:id="rId16"/>
     <p:sldId id="581" r:id="rId17"/>
-    <p:sldId id="559" r:id="rId18"/>
-    <p:sldId id="582" r:id="rId19"/>
-    <p:sldId id="583" r:id="rId20"/>
-    <p:sldId id="585" r:id="rId21"/>
-    <p:sldId id="586" r:id="rId22"/>
-    <p:sldId id="584" r:id="rId23"/>
-    <p:sldId id="587" r:id="rId24"/>
-    <p:sldId id="588" r:id="rId25"/>
+    <p:sldId id="592" r:id="rId18"/>
+    <p:sldId id="583" r:id="rId19"/>
+    <p:sldId id="586" r:id="rId20"/>
+    <p:sldId id="593" r:id="rId21"/>
+    <p:sldId id="587" r:id="rId22"/>
+    <p:sldId id="588" r:id="rId23"/>
   </p:sldIdLst>
   <p:sldSz cx="12192000" cy="6858000"/>
   <p:notesSz cx="6797675" cy="9874250"/>
@@ -626,10 +624,11 @@
           <a:bodyPr/>
           <a:lstStyle/>
           <a:p>
-            <a:r>
-              <a:rPr lang="en-US" dirty="0"/>
-              <a:t>AGI: Artificial General Intelligence</a:t>
-            </a:r>
+            <a:pPr marL="171450" indent="-171450">
+              <a:buFont typeface="Arial" panose="020B0604020202020204" pitchFamily="34" charset="0"/>
+              <a:buChar char="•"/>
+            </a:pPr>
+            <a:endParaRPr lang="en-US" dirty="0"/>
           </a:p>
         </p:txBody>
       </p:sp>
@@ -659,7 +658,7 @@
     </p:spTree>
     <p:extLst>
       <p:ext uri="{BB962C8B-B14F-4D97-AF65-F5344CB8AC3E}">
-        <p14:creationId xmlns:p14="http://schemas.microsoft.com/office/powerpoint/2010/main" val="2780719010"/>
+        <p14:creationId xmlns:p14="http://schemas.microsoft.com/office/powerpoint/2010/main" val="2118566809"/>
       </p:ext>
     </p:extLst>
   </p:cSld>
@@ -1835,6 +1834,10 @@
           <a:bodyPr/>
           <a:lstStyle/>
           <a:p>
+            <a:pPr marL="171450" indent="-171450">
+              <a:buFont typeface="Arial" panose="020B0604020202020204" pitchFamily="34" charset="0"/>
+              <a:buChar char="•"/>
+            </a:pPr>
             <a:endParaRPr lang="en-US" dirty="0"/>
           </a:p>
         </p:txBody>
@@ -1865,7 +1868,7 @@
     </p:spTree>
     <p:extLst>
       <p:ext uri="{BB962C8B-B14F-4D97-AF65-F5344CB8AC3E}">
-        <p14:creationId xmlns:p14="http://schemas.microsoft.com/office/powerpoint/2010/main" val="1426491306"/>
+        <p14:creationId xmlns:p14="http://schemas.microsoft.com/office/powerpoint/2010/main" val="2991752885"/>
       </p:ext>
     </p:extLst>
   </p:cSld>
@@ -1919,6 +1922,21 @@
           <a:bodyPr/>
           <a:lstStyle/>
           <a:p>
+            <a:r>
+              <a:rPr lang="en-US" dirty="0"/>
+              <a:t>Bullet 1: dire prediction</a:t>
+            </a:r>
+          </a:p>
+          <a:p>
+            <a:endParaRPr lang="en-US" dirty="0"/>
+          </a:p>
+          <a:p>
+            <a:r>
+              <a:rPr lang="en-US" dirty="0"/>
+              <a:t>Why such a huge gap? OECD focused on a task-based approach rather than entire occupation</a:t>
+            </a:r>
+          </a:p>
+          <a:p>
             <a:endParaRPr lang="en-US" dirty="0"/>
           </a:p>
         </p:txBody>
@@ -1949,7 +1967,7 @@
     </p:spTree>
     <p:extLst>
       <p:ext uri="{BB962C8B-B14F-4D97-AF65-F5344CB8AC3E}">
-        <p14:creationId xmlns:p14="http://schemas.microsoft.com/office/powerpoint/2010/main" val="2449674475"/>
+        <p14:creationId xmlns:p14="http://schemas.microsoft.com/office/powerpoint/2010/main" val="3445430856"/>
       </p:ext>
     </p:extLst>
   </p:cSld>
@@ -2003,21 +2021,6 @@
           <a:bodyPr/>
           <a:lstStyle/>
           <a:p>
-            <a:r>
-              <a:rPr lang="en-US" dirty="0"/>
-              <a:t>Bullet 1: dire prediction</a:t>
-            </a:r>
-          </a:p>
-          <a:p>
-            <a:endParaRPr lang="en-US" dirty="0"/>
-          </a:p>
-          <a:p>
-            <a:r>
-              <a:rPr lang="en-US" dirty="0"/>
-              <a:t>Why such a huge gap? OECD focused on a task-based approach rather than entire occupation</a:t>
-            </a:r>
-          </a:p>
-          <a:p>
             <a:endParaRPr lang="en-US" dirty="0"/>
           </a:p>
         </p:txBody>
@@ -2048,7 +2051,7 @@
     </p:spTree>
     <p:extLst>
       <p:ext uri="{BB962C8B-B14F-4D97-AF65-F5344CB8AC3E}">
-        <p14:creationId xmlns:p14="http://schemas.microsoft.com/office/powerpoint/2010/main" val="3445430856"/>
+        <p14:creationId xmlns:p14="http://schemas.microsoft.com/office/powerpoint/2010/main" val="2187487454"/>
       </p:ext>
     </p:extLst>
   </p:cSld>
@@ -2186,21 +2189,10 @@
           <a:bodyPr/>
           <a:lstStyle/>
           <a:p>
-            <a:r>
-              <a:rPr lang="en-US" dirty="0"/>
-              <a:t>Bullet 1: dire prediction</a:t>
-            </a:r>
-          </a:p>
-          <a:p>
-            <a:endParaRPr lang="en-US" dirty="0"/>
-          </a:p>
-          <a:p>
-            <a:r>
-              <a:rPr lang="en-US" dirty="0"/>
-              <a:t>Why such a huge gap? OECD focused on a task-based approach rather than entire occupation</a:t>
-            </a:r>
-          </a:p>
-          <a:p>
+            <a:pPr marL="171450" indent="-171450">
+              <a:buFont typeface="Arial" panose="020B0604020202020204" pitchFamily="34" charset="0"/>
+              <a:buChar char="•"/>
+            </a:pPr>
             <a:endParaRPr lang="en-US" dirty="0"/>
           </a:p>
         </p:txBody>
@@ -2231,7 +2223,7 @@
     </p:spTree>
     <p:extLst>
       <p:ext uri="{BB962C8B-B14F-4D97-AF65-F5344CB8AC3E}">
-        <p14:creationId xmlns:p14="http://schemas.microsoft.com/office/powerpoint/2010/main" val="3215488144"/>
+        <p14:creationId xmlns:p14="http://schemas.microsoft.com/office/powerpoint/2010/main" val="3152345387"/>
       </p:ext>
     </p:extLst>
   </p:cSld>
@@ -2315,7 +2307,7 @@
     </p:spTree>
     <p:extLst>
       <p:ext uri="{BB962C8B-B14F-4D97-AF65-F5344CB8AC3E}">
-        <p14:creationId xmlns:p14="http://schemas.microsoft.com/office/powerpoint/2010/main" val="2187487454"/>
+        <p14:creationId xmlns:p14="http://schemas.microsoft.com/office/powerpoint/2010/main" val="3545786996"/>
       </p:ext>
     </p:extLst>
   </p:cSld>
@@ -2391,174 +2383,6 @@
             <a:fld id="{2F6F93F9-6E01-423B-ABB3-8FB3B0651941}" type="slidenum">
               <a:rPr lang="en-US" smtClean="0"/>
               <a:t>22</a:t>
-            </a:fld>
-            <a:endParaRPr lang="en-US"/>
-          </a:p>
-        </p:txBody>
-      </p:sp>
-    </p:spTree>
-    <p:extLst>
-      <p:ext uri="{BB962C8B-B14F-4D97-AF65-F5344CB8AC3E}">
-        <p14:creationId xmlns:p14="http://schemas.microsoft.com/office/powerpoint/2010/main" val="324264664"/>
-      </p:ext>
-    </p:extLst>
-  </p:cSld>
-  <p:clrMapOvr>
-    <a:masterClrMapping/>
-  </p:clrMapOvr>
-</p:notes>
-</file>
-
-<file path=ppt/notesSlides/notesSlide23.xml><?xml version="1.0" encoding="utf-8"?>
-<p:notes xmlns:a="http://schemas.openxmlformats.org/drawingml/2006/main" xmlns:r="http://schemas.openxmlformats.org/officeDocument/2006/relationships" xmlns:p="http://schemas.openxmlformats.org/presentationml/2006/main">
-  <p:cSld>
-    <p:spTree>
-      <p:nvGrpSpPr>
-        <p:cNvPr id="1" name=""/>
-        <p:cNvGrpSpPr/>
-        <p:nvPr/>
-      </p:nvGrpSpPr>
-      <p:grpSpPr>
-        <a:xfrm>
-          <a:off x="0" y="0"/>
-          <a:ext cx="0" cy="0"/>
-          <a:chOff x="0" y="0"/>
-          <a:chExt cx="0" cy="0"/>
-        </a:xfrm>
-      </p:grpSpPr>
-      <p:sp>
-        <p:nvSpPr>
-          <p:cNvPr id="2" name="Slide Image Placeholder 1"/>
-          <p:cNvSpPr>
-            <a:spLocks noGrp="1" noRot="1" noChangeAspect="1"/>
-          </p:cNvSpPr>
-          <p:nvPr>
-            <p:ph type="sldImg"/>
-          </p:nvPr>
-        </p:nvSpPr>
-        <p:spPr/>
-      </p:sp>
-      <p:sp>
-        <p:nvSpPr>
-          <p:cNvPr id="3" name="Notes Placeholder 2"/>
-          <p:cNvSpPr>
-            <a:spLocks noGrp="1"/>
-          </p:cNvSpPr>
-          <p:nvPr>
-            <p:ph type="body" idx="1"/>
-          </p:nvPr>
-        </p:nvSpPr>
-        <p:spPr/>
-        <p:txBody>
-          <a:bodyPr/>
-          <a:lstStyle/>
-          <a:p>
-            <a:endParaRPr lang="en-US" dirty="0"/>
-          </a:p>
-        </p:txBody>
-      </p:sp>
-      <p:sp>
-        <p:nvSpPr>
-          <p:cNvPr id="4" name="Slide Number Placeholder 3"/>
-          <p:cNvSpPr>
-            <a:spLocks noGrp="1"/>
-          </p:cNvSpPr>
-          <p:nvPr>
-            <p:ph type="sldNum" sz="quarter" idx="10"/>
-          </p:nvPr>
-        </p:nvSpPr>
-        <p:spPr/>
-        <p:txBody>
-          <a:bodyPr/>
-          <a:lstStyle/>
-          <a:p>
-            <a:fld id="{2F6F93F9-6E01-423B-ABB3-8FB3B0651941}" type="slidenum">
-              <a:rPr lang="en-US" smtClean="0"/>
-              <a:t>23</a:t>
-            </a:fld>
-            <a:endParaRPr lang="en-US"/>
-          </a:p>
-        </p:txBody>
-      </p:sp>
-    </p:spTree>
-    <p:extLst>
-      <p:ext uri="{BB962C8B-B14F-4D97-AF65-F5344CB8AC3E}">
-        <p14:creationId xmlns:p14="http://schemas.microsoft.com/office/powerpoint/2010/main" val="3545786996"/>
-      </p:ext>
-    </p:extLst>
-  </p:cSld>
-  <p:clrMapOvr>
-    <a:masterClrMapping/>
-  </p:clrMapOvr>
-</p:notes>
-</file>
-
-<file path=ppt/notesSlides/notesSlide24.xml><?xml version="1.0" encoding="utf-8"?>
-<p:notes xmlns:a="http://schemas.openxmlformats.org/drawingml/2006/main" xmlns:r="http://schemas.openxmlformats.org/officeDocument/2006/relationships" xmlns:p="http://schemas.openxmlformats.org/presentationml/2006/main">
-  <p:cSld>
-    <p:spTree>
-      <p:nvGrpSpPr>
-        <p:cNvPr id="1" name=""/>
-        <p:cNvGrpSpPr/>
-        <p:nvPr/>
-      </p:nvGrpSpPr>
-      <p:grpSpPr>
-        <a:xfrm>
-          <a:off x="0" y="0"/>
-          <a:ext cx="0" cy="0"/>
-          <a:chOff x="0" y="0"/>
-          <a:chExt cx="0" cy="0"/>
-        </a:xfrm>
-      </p:grpSpPr>
-      <p:sp>
-        <p:nvSpPr>
-          <p:cNvPr id="2" name="Slide Image Placeholder 1"/>
-          <p:cNvSpPr>
-            <a:spLocks noGrp="1" noRot="1" noChangeAspect="1"/>
-          </p:cNvSpPr>
-          <p:nvPr>
-            <p:ph type="sldImg"/>
-          </p:nvPr>
-        </p:nvSpPr>
-        <p:spPr/>
-      </p:sp>
-      <p:sp>
-        <p:nvSpPr>
-          <p:cNvPr id="3" name="Notes Placeholder 2"/>
-          <p:cNvSpPr>
-            <a:spLocks noGrp="1"/>
-          </p:cNvSpPr>
-          <p:nvPr>
-            <p:ph type="body" idx="1"/>
-          </p:nvPr>
-        </p:nvSpPr>
-        <p:spPr/>
-        <p:txBody>
-          <a:bodyPr/>
-          <a:lstStyle/>
-          <a:p>
-            <a:endParaRPr lang="en-US" dirty="0"/>
-          </a:p>
-        </p:txBody>
-      </p:sp>
-      <p:sp>
-        <p:nvSpPr>
-          <p:cNvPr id="4" name="Slide Number Placeholder 3"/>
-          <p:cNvSpPr>
-            <a:spLocks noGrp="1"/>
-          </p:cNvSpPr>
-          <p:nvPr>
-            <p:ph type="sldNum" sz="quarter" idx="10"/>
-          </p:nvPr>
-        </p:nvSpPr>
-        <p:spPr/>
-        <p:txBody>
-          <a:bodyPr/>
-          <a:lstStyle/>
-          <a:p>
-            <a:fld id="{2F6F93F9-6E01-423B-ABB3-8FB3B0651941}" type="slidenum">
-              <a:rPr lang="en-US" smtClean="0"/>
-              <a:t>24</a:t>
             </a:fld>
             <a:endParaRPr lang="en-US"/>
           </a:p>
@@ -2709,6 +2533,10 @@
           <a:bodyPr/>
           <a:lstStyle/>
           <a:p>
+            <a:pPr marL="171450" indent="-171450">
+              <a:buFont typeface="Arial" panose="020B0604020202020204" pitchFamily="34" charset="0"/>
+              <a:buChar char="•"/>
+            </a:pPr>
             <a:endParaRPr lang="en-US" dirty="0"/>
           </a:p>
         </p:txBody>
@@ -2739,7 +2567,7 @@
     </p:spTree>
     <p:extLst>
       <p:ext uri="{BB962C8B-B14F-4D97-AF65-F5344CB8AC3E}">
-        <p14:creationId xmlns:p14="http://schemas.microsoft.com/office/powerpoint/2010/main" val="2170746578"/>
+        <p14:creationId xmlns:p14="http://schemas.microsoft.com/office/powerpoint/2010/main" val="4171795677"/>
       </p:ext>
     </p:extLst>
   </p:cSld>
@@ -5812,7 +5640,7 @@
             <a:r>
               <a:rPr lang="en-US" sz="3200" b="1" dirty="0">
                 <a:solidFill>
-                  <a:srgbClr val="0F90D0"/>
+                  <a:schemeClr val="accent1"/>
                 </a:solidFill>
                 <a:latin typeface="Cambria" panose="02040503050406030204" pitchFamily="18" charset="0"/>
               </a:rPr>
@@ -5824,18 +5652,22 @@
             <a:r>
               <a:rPr lang="en-US" sz="3200" b="1" dirty="0">
                 <a:solidFill>
-                  <a:srgbClr val="0F90D0"/>
+                  <a:schemeClr val="accent1"/>
                 </a:solidFill>
                 <a:latin typeface="Cambria" panose="02040503050406030204" pitchFamily="18" charset="0"/>
               </a:rPr>
               <a:t>WORKSHOP ON EMERGING TECHNOLOGIES</a:t>
             </a:r>
-            <a:endParaRPr lang="en-US" sz="3200" dirty="0"/>
+            <a:endParaRPr lang="en-US" sz="3200" dirty="0">
+              <a:solidFill>
+                <a:schemeClr val="accent1"/>
+              </a:solidFill>
+            </a:endParaRPr>
           </a:p>
           <a:p>
             <a:endParaRPr lang="en-US" sz="3200" b="1" dirty="0">
               <a:solidFill>
-                <a:srgbClr val="0F90D0"/>
+                <a:schemeClr val="accent1"/>
               </a:solidFill>
               <a:latin typeface="Cambria" panose="02040503050406030204" pitchFamily="18" charset="0"/>
             </a:endParaRPr>
@@ -5843,7 +5675,7 @@
           <a:p>
             <a:endParaRPr lang="en-US" sz="3200" b="1" dirty="0">
               <a:solidFill>
-                <a:srgbClr val="0F90D0"/>
+                <a:schemeClr val="accent1"/>
               </a:solidFill>
               <a:latin typeface="Cambria" panose="02040503050406030204" pitchFamily="18" charset="0"/>
             </a:endParaRPr>
@@ -5852,7 +5684,7 @@
             <a:r>
               <a:rPr lang="en-US" sz="3200" b="1" dirty="0">
                 <a:solidFill>
-                  <a:srgbClr val="0F90D0"/>
+                  <a:schemeClr val="accent1"/>
                 </a:solidFill>
                 <a:latin typeface="Cambria" panose="02040503050406030204" pitchFamily="18" charset="0"/>
               </a:rPr>
@@ -5860,7 +5692,7 @@
             </a:r>
             <a:endParaRPr lang="en-US" sz="3200" dirty="0">
               <a:solidFill>
-                <a:srgbClr val="0F90D0"/>
+                <a:schemeClr val="accent1"/>
               </a:solidFill>
               <a:latin typeface="Cambria" panose="02040503050406030204" pitchFamily="18" charset="0"/>
             </a:endParaRPr>
@@ -5953,14 +5785,14 @@
       </p:grpSpPr>
       <p:sp>
         <p:nvSpPr>
-          <p:cNvPr id="8" name="TextBox 7"/>
+          <p:cNvPr id="3" name="TextBox 2"/>
           <p:cNvSpPr txBox="1"/>
           <p:nvPr/>
         </p:nvSpPr>
         <p:spPr>
           <a:xfrm>
-            <a:off x="1271768" y="1115051"/>
-            <a:ext cx="11142654" cy="2400657"/>
+            <a:off x="2513337" y="1738043"/>
+            <a:ext cx="9851658" cy="2400657"/>
           </a:xfrm>
           <a:prstGeom prst="rect">
             <a:avLst/>
@@ -5980,7 +5812,7 @@
                 </a:solidFill>
                 <a:latin typeface="Cambria" panose="02040503050406030204" pitchFamily="18" charset="0"/>
               </a:rPr>
-              <a:t>NARROW AI </a:t>
+              <a:t>ARTIFICIAL </a:t>
             </a:r>
           </a:p>
           <a:p>
@@ -5991,26 +5823,54 @@
                 </a:solidFill>
                 <a:latin typeface="Cambria" panose="02040503050406030204" pitchFamily="18" charset="0"/>
               </a:rPr>
-              <a:t>VS.</a:t>
-            </a:r>
-          </a:p>
-          <a:p>
-            <a:r>
-              <a:rPr lang="en-US" sz="5000" b="1" dirty="0">
-                <a:solidFill>
-                  <a:schemeClr val="accent1"/>
-                </a:solidFill>
-                <a:latin typeface="Cambria" panose="02040503050406030204" pitchFamily="18" charset="0"/>
-              </a:rPr>
-              <a:t>AGI</a:t>
-            </a:r>
-          </a:p>
-        </p:txBody>
-      </p:sp>
+              <a:t>NARROW | GENERAL INTELLIGENCE</a:t>
+            </a:r>
+          </a:p>
+        </p:txBody>
+      </p:sp>
+      <p:cxnSp>
+        <p:nvCxnSpPr>
+          <p:cNvPr id="5" name="Straight Connector 4">
+            <a:extLst>
+              <a:ext uri="{FF2B5EF4-FFF2-40B4-BE49-F238E27FC236}">
+                <a16:creationId xmlns:a16="http://schemas.microsoft.com/office/drawing/2014/main" id="{2571E43F-CCA3-BB47-A7AF-81B47EA888E0}"/>
+              </a:ext>
+            </a:extLst>
+          </p:cNvPr>
+          <p:cNvCxnSpPr>
+            <a:cxnSpLocks/>
+          </p:cNvCxnSpPr>
+          <p:nvPr/>
+        </p:nvCxnSpPr>
+        <p:spPr>
+          <a:xfrm>
+            <a:off x="2300750" y="1879133"/>
+            <a:ext cx="0" cy="2083267"/>
+          </a:xfrm>
+          <a:prstGeom prst="line">
+            <a:avLst/>
+          </a:prstGeom>
+          <a:ln w="38100"/>
+        </p:spPr>
+        <p:style>
+          <a:lnRef idx="1">
+            <a:schemeClr val="accent1"/>
+          </a:lnRef>
+          <a:fillRef idx="0">
+            <a:schemeClr val="accent1"/>
+          </a:fillRef>
+          <a:effectRef idx="0">
+            <a:schemeClr val="accent1"/>
+          </a:effectRef>
+          <a:fontRef idx="minor">
+            <a:schemeClr val="tx1"/>
+          </a:fontRef>
+        </p:style>
+      </p:cxnSp>
     </p:spTree>
     <p:extLst>
       <p:ext uri="{BB962C8B-B14F-4D97-AF65-F5344CB8AC3E}">
-        <p14:creationId xmlns:p14="http://schemas.microsoft.com/office/powerpoint/2010/main" val="1581891547"/>
+        <p14:creationId xmlns:p14="http://schemas.microsoft.com/office/powerpoint/2010/main" val="3222065334"/>
       </p:ext>
     </p:extLst>
   </p:cSld>
@@ -6228,6 +6088,45 @@
           </a:p>
         </p:txBody>
       </p:sp>
+      <p:cxnSp>
+        <p:nvCxnSpPr>
+          <p:cNvPr id="4" name="Straight Connector 3">
+            <a:extLst>
+              <a:ext uri="{FF2B5EF4-FFF2-40B4-BE49-F238E27FC236}">
+                <a16:creationId xmlns:a16="http://schemas.microsoft.com/office/drawing/2014/main" id="{D49AA050-4EF1-E445-8C73-9E3A18E845FE}"/>
+              </a:ext>
+            </a:extLst>
+          </p:cNvPr>
+          <p:cNvCxnSpPr>
+            <a:cxnSpLocks/>
+          </p:cNvCxnSpPr>
+          <p:nvPr/>
+        </p:nvCxnSpPr>
+        <p:spPr>
+          <a:xfrm>
+            <a:off x="1378101" y="1753299"/>
+            <a:ext cx="4948558" cy="0"/>
+          </a:xfrm>
+          <a:prstGeom prst="line">
+            <a:avLst/>
+          </a:prstGeom>
+          <a:ln w="12700"/>
+        </p:spPr>
+        <p:style>
+          <a:lnRef idx="1">
+            <a:schemeClr val="accent1"/>
+          </a:lnRef>
+          <a:fillRef idx="0">
+            <a:schemeClr val="accent1"/>
+          </a:fillRef>
+          <a:effectRef idx="0">
+            <a:schemeClr val="accent1"/>
+          </a:effectRef>
+          <a:fontRef idx="minor">
+            <a:schemeClr val="tx1"/>
+          </a:fontRef>
+        </p:style>
+      </p:cxnSp>
     </p:spTree>
     <p:extLst>
       <p:ext uri="{BB962C8B-B14F-4D97-AF65-F5344CB8AC3E}">
@@ -6420,6 +6319,45 @@
           </a:p>
         </p:txBody>
       </p:sp>
+      <p:cxnSp>
+        <p:nvCxnSpPr>
+          <p:cNvPr id="4" name="Straight Connector 3">
+            <a:extLst>
+              <a:ext uri="{FF2B5EF4-FFF2-40B4-BE49-F238E27FC236}">
+                <a16:creationId xmlns:a16="http://schemas.microsoft.com/office/drawing/2014/main" id="{763056DA-427E-7843-9AE3-6302EDFA9A71}"/>
+              </a:ext>
+            </a:extLst>
+          </p:cNvPr>
+          <p:cNvCxnSpPr>
+            <a:cxnSpLocks/>
+          </p:cNvCxnSpPr>
+          <p:nvPr/>
+        </p:nvCxnSpPr>
+        <p:spPr>
+          <a:xfrm>
+            <a:off x="1378101" y="1753299"/>
+            <a:ext cx="4091823" cy="0"/>
+          </a:xfrm>
+          <a:prstGeom prst="line">
+            <a:avLst/>
+          </a:prstGeom>
+          <a:ln w="12700"/>
+        </p:spPr>
+        <p:style>
+          <a:lnRef idx="1">
+            <a:schemeClr val="accent1"/>
+          </a:lnRef>
+          <a:fillRef idx="0">
+            <a:schemeClr val="accent1"/>
+          </a:fillRef>
+          <a:effectRef idx="0">
+            <a:schemeClr val="accent1"/>
+          </a:effectRef>
+          <a:fontRef idx="minor">
+            <a:schemeClr val="tx1"/>
+          </a:fontRef>
+        </p:style>
+      </p:cxnSp>
     </p:spTree>
     <p:extLst>
       <p:ext uri="{BB962C8B-B14F-4D97-AF65-F5344CB8AC3E}">
@@ -6945,6 +6883,45 @@
           </a:p>
         </p:txBody>
       </p:sp>
+      <p:cxnSp>
+        <p:nvCxnSpPr>
+          <p:cNvPr id="9" name="Straight Connector 8">
+            <a:extLst>
+              <a:ext uri="{FF2B5EF4-FFF2-40B4-BE49-F238E27FC236}">
+                <a16:creationId xmlns:a16="http://schemas.microsoft.com/office/drawing/2014/main" id="{60C52E17-6084-B145-B8A8-B8533ECCBD28}"/>
+              </a:ext>
+            </a:extLst>
+          </p:cNvPr>
+          <p:cNvCxnSpPr>
+            <a:cxnSpLocks/>
+          </p:cNvCxnSpPr>
+          <p:nvPr/>
+        </p:nvCxnSpPr>
+        <p:spPr>
+          <a:xfrm>
+            <a:off x="1378101" y="1753299"/>
+            <a:ext cx="10097207" cy="0"/>
+          </a:xfrm>
+          <a:prstGeom prst="line">
+            <a:avLst/>
+          </a:prstGeom>
+          <a:ln w="12700"/>
+        </p:spPr>
+        <p:style>
+          <a:lnRef idx="1">
+            <a:schemeClr val="accent1"/>
+          </a:lnRef>
+          <a:fillRef idx="0">
+            <a:schemeClr val="accent1"/>
+          </a:fillRef>
+          <a:effectRef idx="0">
+            <a:schemeClr val="accent1"/>
+          </a:effectRef>
+          <a:fontRef idx="minor">
+            <a:schemeClr val="tx1"/>
+          </a:fontRef>
+        </p:style>
+      </p:cxnSp>
     </p:spTree>
     <p:extLst>
       <p:ext uri="{BB962C8B-B14F-4D97-AF65-F5344CB8AC3E}">
@@ -7234,6 +7211,45 @@
           </a:p>
         </p:txBody>
       </p:sp>
+      <p:cxnSp>
+        <p:nvCxnSpPr>
+          <p:cNvPr id="5" name="Straight Connector 4">
+            <a:extLst>
+              <a:ext uri="{FF2B5EF4-FFF2-40B4-BE49-F238E27FC236}">
+                <a16:creationId xmlns:a16="http://schemas.microsoft.com/office/drawing/2014/main" id="{42A41E69-7588-1141-85AB-3E64FCF88D3D}"/>
+              </a:ext>
+            </a:extLst>
+          </p:cNvPr>
+          <p:cNvCxnSpPr>
+            <a:cxnSpLocks/>
+          </p:cNvCxnSpPr>
+          <p:nvPr/>
+        </p:nvCxnSpPr>
+        <p:spPr>
+          <a:xfrm>
+            <a:off x="1378101" y="1753299"/>
+            <a:ext cx="9611175" cy="0"/>
+          </a:xfrm>
+          <a:prstGeom prst="line">
+            <a:avLst/>
+          </a:prstGeom>
+          <a:ln w="12700"/>
+        </p:spPr>
+        <p:style>
+          <a:lnRef idx="1">
+            <a:schemeClr val="accent1"/>
+          </a:lnRef>
+          <a:fillRef idx="0">
+            <a:schemeClr val="accent1"/>
+          </a:fillRef>
+          <a:effectRef idx="0">
+            <a:schemeClr val="accent1"/>
+          </a:effectRef>
+          <a:fontRef idx="minor">
+            <a:schemeClr val="tx1"/>
+          </a:fontRef>
+        </p:style>
+      </p:cxnSp>
     </p:spTree>
     <p:extLst>
       <p:ext uri="{BB962C8B-B14F-4D97-AF65-F5344CB8AC3E}">
@@ -7457,6 +7473,45 @@
           </a:p>
         </p:txBody>
       </p:sp>
+      <p:cxnSp>
+        <p:nvCxnSpPr>
+          <p:cNvPr id="9" name="Straight Connector 8">
+            <a:extLst>
+              <a:ext uri="{FF2B5EF4-FFF2-40B4-BE49-F238E27FC236}">
+                <a16:creationId xmlns:a16="http://schemas.microsoft.com/office/drawing/2014/main" id="{0D61A96B-BD32-4042-B64C-1D223CDA9230}"/>
+              </a:ext>
+            </a:extLst>
+          </p:cNvPr>
+          <p:cNvCxnSpPr>
+            <a:cxnSpLocks/>
+          </p:cNvCxnSpPr>
+          <p:nvPr/>
+        </p:nvCxnSpPr>
+        <p:spPr>
+          <a:xfrm>
+            <a:off x="1378101" y="1753299"/>
+            <a:ext cx="8416688" cy="0"/>
+          </a:xfrm>
+          <a:prstGeom prst="line">
+            <a:avLst/>
+          </a:prstGeom>
+          <a:ln w="12700"/>
+        </p:spPr>
+        <p:style>
+          <a:lnRef idx="1">
+            <a:schemeClr val="accent1"/>
+          </a:lnRef>
+          <a:fillRef idx="0">
+            <a:schemeClr val="accent1"/>
+          </a:fillRef>
+          <a:effectRef idx="0">
+            <a:schemeClr val="accent1"/>
+          </a:effectRef>
+          <a:fontRef idx="minor">
+            <a:schemeClr val="tx1"/>
+          </a:fontRef>
+        </p:style>
+      </p:cxnSp>
     </p:spTree>
     <p:extLst>
       <p:ext uri="{BB962C8B-B14F-4D97-AF65-F5344CB8AC3E}">
@@ -7501,14 +7556,14 @@
       </p:grpSpPr>
       <p:sp>
         <p:nvSpPr>
-          <p:cNvPr id="8" name="TextBox 7"/>
+          <p:cNvPr id="3" name="TextBox 2"/>
           <p:cNvSpPr txBox="1"/>
           <p:nvPr/>
         </p:nvSpPr>
         <p:spPr>
           <a:xfrm>
-            <a:off x="1271768" y="1115051"/>
-            <a:ext cx="9196386" cy="861774"/>
+            <a:off x="2513338" y="1738043"/>
+            <a:ext cx="8924282" cy="861774"/>
           </a:xfrm>
           <a:prstGeom prst="rect">
             <a:avLst/>
@@ -7528,115 +7583,54 @@
                 </a:solidFill>
                 <a:latin typeface="Cambria" panose="02040503050406030204" pitchFamily="18" charset="0"/>
               </a:rPr>
-              <a:t>AI TRADEOFFS</a:t>
-            </a:r>
-          </a:p>
-        </p:txBody>
-      </p:sp>
-      <p:sp>
-        <p:nvSpPr>
-          <p:cNvPr id="3" name="TextBox 2">
+              <a:t>SOCIAL IMPACT</a:t>
+            </a:r>
+          </a:p>
+        </p:txBody>
+      </p:sp>
+      <p:cxnSp>
+        <p:nvCxnSpPr>
+          <p:cNvPr id="5" name="Straight Connector 4">
             <a:extLst>
               <a:ext uri="{FF2B5EF4-FFF2-40B4-BE49-F238E27FC236}">
-                <a16:creationId xmlns:a16="http://schemas.microsoft.com/office/drawing/2014/main" id="{C52FDFE8-C131-F145-8143-EFCAD8E53816}"/>
+                <a16:creationId xmlns:a16="http://schemas.microsoft.com/office/drawing/2014/main" id="{2571E43F-CCA3-BB47-A7AF-81B47EA888E0}"/>
               </a:ext>
             </a:extLst>
           </p:cNvPr>
-          <p:cNvSpPr txBox="1"/>
+          <p:cNvCxnSpPr>
+            <a:cxnSpLocks/>
+          </p:cNvCxnSpPr>
           <p:nvPr/>
-        </p:nvSpPr>
-        <p:spPr>
-          <a:xfrm>
-            <a:off x="1275701" y="2366108"/>
-            <a:ext cx="9909364" cy="1938992"/>
-          </a:xfrm>
-          <a:prstGeom prst="rect">
+        </p:nvCxnSpPr>
+        <p:spPr>
+          <a:xfrm>
+            <a:off x="2300750" y="1879133"/>
+            <a:ext cx="0" cy="600456"/>
+          </a:xfrm>
+          <a:prstGeom prst="line">
             <a:avLst/>
           </a:prstGeom>
-          <a:noFill/>
-        </p:spPr>
-        <p:txBody>
-          <a:bodyPr wrap="square" rtlCol="0">
-            <a:spAutoFit/>
-          </a:bodyPr>
-          <a:lstStyle/>
-          <a:p>
-            <a:pPr marL="342900" indent="-342900">
-              <a:buFont typeface="Arial"/>
-              <a:buChar char="•"/>
-            </a:pPr>
-            <a:r>
-              <a:rPr lang="en-US" sz="2400" b="1" dirty="0">
-                <a:solidFill>
-                  <a:schemeClr val="accent1"/>
-                </a:solidFill>
-                <a:latin typeface="Cambria" panose="02040503050406030204" pitchFamily="18" charset="0"/>
-              </a:rPr>
-              <a:t>MORE DATA =&gt; LESS PRIVACY</a:t>
-            </a:r>
-          </a:p>
-          <a:p>
-            <a:pPr marL="342900" indent="-342900">
-              <a:buFont typeface="Arial"/>
-              <a:buChar char="•"/>
-            </a:pPr>
-            <a:endParaRPr lang="en-US" sz="2400" b="1" dirty="0">
-              <a:solidFill>
-                <a:schemeClr val="accent1"/>
-              </a:solidFill>
-              <a:latin typeface="Cambria" panose="02040503050406030204" pitchFamily="18" charset="0"/>
-            </a:endParaRPr>
-          </a:p>
-          <a:p>
-            <a:pPr marL="342900" indent="-342900">
-              <a:buFont typeface="Arial"/>
-              <a:buChar char="•"/>
-            </a:pPr>
-            <a:r>
-              <a:rPr lang="en-US" sz="2400" b="1" dirty="0">
-                <a:solidFill>
-                  <a:schemeClr val="accent1"/>
-                </a:solidFill>
-                <a:latin typeface="Cambria" panose="02040503050406030204" pitchFamily="18" charset="0"/>
-              </a:rPr>
-              <a:t>MORE AUTONOMY =&gt; LESS CONTROL</a:t>
-            </a:r>
-            <a:br>
-              <a:rPr lang="en-US" sz="2400" b="1" dirty="0">
-                <a:solidFill>
-                  <a:schemeClr val="accent1"/>
-                </a:solidFill>
-                <a:latin typeface="Cambria" panose="02040503050406030204" pitchFamily="18" charset="0"/>
-              </a:rPr>
-            </a:br>
-            <a:endParaRPr lang="en-US" sz="2400" b="1" dirty="0">
-              <a:solidFill>
-                <a:schemeClr val="accent1"/>
-              </a:solidFill>
-              <a:latin typeface="Cambria" panose="02040503050406030204" pitchFamily="18" charset="0"/>
-            </a:endParaRPr>
-          </a:p>
-          <a:p>
-            <a:pPr marL="342900" indent="-342900">
-              <a:buFont typeface="Arial"/>
-              <a:buChar char="•"/>
-            </a:pPr>
-            <a:r>
-              <a:rPr lang="en-US" sz="2400" b="1" dirty="0">
-                <a:solidFill>
-                  <a:schemeClr val="accent1"/>
-                </a:solidFill>
-                <a:latin typeface="Cambria" panose="02040503050406030204" pitchFamily="18" charset="0"/>
-              </a:rPr>
-              <a:t>MORE SPEED =&gt; LESS ACCURACY</a:t>
-            </a:r>
-          </a:p>
-        </p:txBody>
-      </p:sp>
+          <a:ln w="38100"/>
+        </p:spPr>
+        <p:style>
+          <a:lnRef idx="1">
+            <a:schemeClr val="accent1"/>
+          </a:lnRef>
+          <a:fillRef idx="0">
+            <a:schemeClr val="accent1"/>
+          </a:fillRef>
+          <a:effectRef idx="0">
+            <a:schemeClr val="accent1"/>
+          </a:effectRef>
+          <a:fontRef idx="minor">
+            <a:schemeClr val="tx1"/>
+          </a:fontRef>
+        </p:style>
+      </p:cxnSp>
     </p:spTree>
     <p:extLst>
       <p:ext uri="{BB962C8B-B14F-4D97-AF65-F5344CB8AC3E}">
-        <p14:creationId xmlns:p14="http://schemas.microsoft.com/office/powerpoint/2010/main" val="1108266415"/>
+        <p14:creationId xmlns:p14="http://schemas.microsoft.com/office/powerpoint/2010/main" val="79222172"/>
       </p:ext>
     </p:extLst>
   </p:cSld>
@@ -7684,7 +7678,7 @@
         <p:spPr>
           <a:xfrm>
             <a:off x="1271768" y="1115051"/>
-            <a:ext cx="9196386" cy="861774"/>
+            <a:ext cx="9196386" cy="553998"/>
           </a:xfrm>
           <a:prstGeom prst="rect">
             <a:avLst/>
@@ -7698,21 +7692,316 @@
           <a:lstStyle/>
           <a:p>
             <a:r>
-              <a:rPr lang="en-US" sz="5000" b="1" dirty="0">
+              <a:rPr lang="en-US" sz="3000" b="1" dirty="0">
                 <a:solidFill>
                   <a:schemeClr val="accent1"/>
                 </a:solidFill>
                 <a:latin typeface="Cambria" panose="02040503050406030204" pitchFamily="18" charset="0"/>
               </a:rPr>
-              <a:t>SOCIAL IMPACT</a:t>
-            </a:r>
-          </a:p>
-        </p:txBody>
-      </p:sp>
+              <a:t>SOME AI-INDUCED JOB LOSSES FORECASTS</a:t>
+            </a:r>
+          </a:p>
+        </p:txBody>
+      </p:sp>
+      <p:sp>
+        <p:nvSpPr>
+          <p:cNvPr id="6" name="TextBox 5">
+            <a:extLst>
+              <a:ext uri="{FF2B5EF4-FFF2-40B4-BE49-F238E27FC236}">
+                <a16:creationId xmlns:a16="http://schemas.microsoft.com/office/drawing/2014/main" id="{80CDDE41-8C09-D54C-917C-9FB77CE4824D}"/>
+              </a:ext>
+            </a:extLst>
+          </p:cNvPr>
+          <p:cNvSpPr txBox="1"/>
+          <p:nvPr/>
+        </p:nvSpPr>
+        <p:spPr>
+          <a:xfrm>
+            <a:off x="1271768" y="2135448"/>
+            <a:ext cx="9909364" cy="3170099"/>
+          </a:xfrm>
+          <a:prstGeom prst="rect">
+            <a:avLst/>
+          </a:prstGeom>
+          <a:noFill/>
+        </p:spPr>
+        <p:txBody>
+          <a:bodyPr wrap="square" rtlCol="0">
+            <a:spAutoFit/>
+          </a:bodyPr>
+          <a:lstStyle/>
+          <a:p>
+            <a:pPr marL="342900" indent="-342900">
+              <a:buFont typeface="Arial"/>
+              <a:buChar char="•"/>
+            </a:pPr>
+            <a:r>
+              <a:rPr lang="en-US" sz="4000" b="1" dirty="0">
+                <a:solidFill>
+                  <a:schemeClr val="accent1"/>
+                </a:solidFill>
+                <a:latin typeface="Cambria" panose="02040503050406030204" pitchFamily="18" charset="0"/>
+              </a:rPr>
+              <a:t>47%</a:t>
+            </a:r>
+            <a:r>
+              <a:rPr lang="en-US" sz="2400" b="1" dirty="0">
+                <a:solidFill>
+                  <a:schemeClr val="accent1"/>
+                </a:solidFill>
+                <a:latin typeface="Cambria" panose="02040503050406030204" pitchFamily="18" charset="0"/>
+              </a:rPr>
+              <a:t> OF U.S JOBS COULD BE AUTOMATED WITHIN THE NEXT DECADE OR TWO (Frey &amp; Osborne, 2013) </a:t>
+            </a:r>
+            <a:br>
+              <a:rPr lang="en-US" sz="2400" b="1" dirty="0">
+                <a:solidFill>
+                  <a:schemeClr val="accent1"/>
+                </a:solidFill>
+                <a:latin typeface="Cambria" panose="02040503050406030204" pitchFamily="18" charset="0"/>
+              </a:rPr>
+            </a:br>
+            <a:br>
+              <a:rPr lang="en-US" sz="2400" b="1" dirty="0">
+                <a:solidFill>
+                  <a:schemeClr val="accent1"/>
+                </a:solidFill>
+                <a:latin typeface="Cambria" panose="02040503050406030204" pitchFamily="18" charset="0"/>
+              </a:rPr>
+            </a:br>
+            <a:endParaRPr lang="en-US" sz="2400" b="1" dirty="0">
+              <a:solidFill>
+                <a:schemeClr val="accent1"/>
+              </a:solidFill>
+              <a:latin typeface="Cambria" panose="02040503050406030204" pitchFamily="18" charset="0"/>
+            </a:endParaRPr>
+          </a:p>
+          <a:p>
+            <a:pPr marL="342900" indent="-342900">
+              <a:buFont typeface="Arial"/>
+              <a:buChar char="•"/>
+            </a:pPr>
+            <a:r>
+              <a:rPr lang="en-US" sz="2400" b="1" dirty="0">
+                <a:solidFill>
+                  <a:schemeClr val="accent1"/>
+                </a:solidFill>
+                <a:latin typeface="Cambria" panose="02040503050406030204" pitchFamily="18" charset="0"/>
+              </a:rPr>
+              <a:t>JUST </a:t>
+            </a:r>
+            <a:r>
+              <a:rPr lang="en-US" sz="4000" b="1" dirty="0">
+                <a:solidFill>
+                  <a:schemeClr val="accent1"/>
+                </a:solidFill>
+                <a:latin typeface="Cambria" panose="02040503050406030204" pitchFamily="18" charset="0"/>
+              </a:rPr>
+              <a:t>9%</a:t>
+            </a:r>
+            <a:r>
+              <a:rPr lang="en-US" sz="2400" b="1" dirty="0">
+                <a:solidFill>
+                  <a:schemeClr val="accent1"/>
+                </a:solidFill>
+                <a:latin typeface="Cambria" panose="02040503050406030204" pitchFamily="18" charset="0"/>
+              </a:rPr>
+              <a:t> OF JOBS IN THE U.S WERE AT HIGH RISK OF AUTOMATION (OECD report, 2016)</a:t>
+            </a:r>
+            <a:br>
+              <a:rPr lang="en-US" sz="2400" b="1" dirty="0">
+                <a:solidFill>
+                  <a:schemeClr val="accent1"/>
+                </a:solidFill>
+                <a:latin typeface="Cambria" panose="02040503050406030204" pitchFamily="18" charset="0"/>
+              </a:rPr>
+            </a:br>
+            <a:endParaRPr lang="en-US" sz="2400" b="1" dirty="0">
+              <a:solidFill>
+                <a:schemeClr val="accent1"/>
+              </a:solidFill>
+              <a:latin typeface="Cambria" panose="02040503050406030204" pitchFamily="18" charset="0"/>
+            </a:endParaRPr>
+          </a:p>
+        </p:txBody>
+      </p:sp>
+      <p:sp>
+        <p:nvSpPr>
+          <p:cNvPr id="4" name="Rectangle 3">
+            <a:extLst>
+              <a:ext uri="{FF2B5EF4-FFF2-40B4-BE49-F238E27FC236}">
+                <a16:creationId xmlns:a16="http://schemas.microsoft.com/office/drawing/2014/main" id="{7D1E94C7-9D42-FB42-95C0-9A8C49E520F6}"/>
+              </a:ext>
+            </a:extLst>
+          </p:cNvPr>
+          <p:cNvSpPr/>
+          <p:nvPr/>
+        </p:nvSpPr>
+        <p:spPr>
+          <a:xfrm>
+            <a:off x="1605587" y="3104944"/>
+            <a:ext cx="10488479" cy="369332"/>
+          </a:xfrm>
+          <a:prstGeom prst="rect">
+            <a:avLst/>
+          </a:prstGeom>
+        </p:spPr>
+        <p:txBody>
+          <a:bodyPr wrap="square">
+            <a:spAutoFit/>
+          </a:bodyPr>
+          <a:lstStyle/>
+          <a:p>
+            <a:r>
+              <a:rPr lang="fr-FR" dirty="0">
+                <a:hlinkClick r:id="rId3"/>
+              </a:rPr>
+              <a:t>https://</a:t>
+            </a:r>
+            <a:r>
+              <a:rPr lang="fr-FR" dirty="0" err="1">
+                <a:hlinkClick r:id="rId3"/>
+              </a:rPr>
+              <a:t>www.oxfordmartin.ox.ac.uk</a:t>
+            </a:r>
+            <a:r>
+              <a:rPr lang="fr-FR" dirty="0">
+                <a:hlinkClick r:id="rId3"/>
+              </a:rPr>
+              <a:t>/</a:t>
+            </a:r>
+            <a:r>
+              <a:rPr lang="fr-FR" dirty="0" err="1">
+                <a:hlinkClick r:id="rId3"/>
+              </a:rPr>
+              <a:t>downloads</a:t>
+            </a:r>
+            <a:r>
+              <a:rPr lang="fr-FR" dirty="0">
+                <a:hlinkClick r:id="rId3"/>
+              </a:rPr>
+              <a:t>/</a:t>
+            </a:r>
+            <a:r>
+              <a:rPr lang="fr-FR" dirty="0" err="1">
+                <a:hlinkClick r:id="rId3"/>
+              </a:rPr>
+              <a:t>academic</a:t>
+            </a:r>
+            <a:r>
+              <a:rPr lang="fr-FR" dirty="0">
+                <a:hlinkClick r:id="rId3"/>
+              </a:rPr>
+              <a:t>/</a:t>
+            </a:r>
+            <a:r>
+              <a:rPr lang="fr-FR" dirty="0" err="1">
+                <a:hlinkClick r:id="rId3"/>
+              </a:rPr>
+              <a:t>The_Future_of_Employment.pdf</a:t>
+            </a:r>
+            <a:endParaRPr lang="fr-FR" dirty="0"/>
+          </a:p>
+        </p:txBody>
+      </p:sp>
+      <p:sp>
+        <p:nvSpPr>
+          <p:cNvPr id="2" name="Rectangle 1">
+            <a:extLst>
+              <a:ext uri="{FF2B5EF4-FFF2-40B4-BE49-F238E27FC236}">
+                <a16:creationId xmlns:a16="http://schemas.microsoft.com/office/drawing/2014/main" id="{0CDDE724-555D-BC4C-A89E-16E0CB598528}"/>
+              </a:ext>
+            </a:extLst>
+          </p:cNvPr>
+          <p:cNvSpPr/>
+          <p:nvPr/>
+        </p:nvSpPr>
+        <p:spPr>
+          <a:xfrm>
+            <a:off x="1605587" y="4839188"/>
+            <a:ext cx="6433751" cy="369332"/>
+          </a:xfrm>
+          <a:prstGeom prst="rect">
+            <a:avLst/>
+          </a:prstGeom>
+        </p:spPr>
+        <p:txBody>
+          <a:bodyPr wrap="square">
+            <a:spAutoFit/>
+          </a:bodyPr>
+          <a:lstStyle/>
+          <a:p>
+            <a:r>
+              <a:rPr lang="fr-FR" dirty="0">
+                <a:hlinkClick r:id="rId4"/>
+              </a:rPr>
+              <a:t>http://</a:t>
+            </a:r>
+            <a:r>
+              <a:rPr lang="fr-FR" dirty="0" err="1">
+                <a:hlinkClick r:id="rId4"/>
+              </a:rPr>
+              <a:t>www.ifuturo.org</a:t>
+            </a:r>
+            <a:r>
+              <a:rPr lang="fr-FR" dirty="0">
+                <a:hlinkClick r:id="rId4"/>
+              </a:rPr>
+              <a:t>/sites/default/files/docs/</a:t>
+            </a:r>
+            <a:r>
+              <a:rPr lang="fr-FR" dirty="0" err="1">
+                <a:hlinkClick r:id="rId4"/>
+              </a:rPr>
+              <a:t>automation.pdf</a:t>
+            </a:r>
+            <a:endParaRPr lang="fr-FR" dirty="0"/>
+          </a:p>
+        </p:txBody>
+      </p:sp>
+      <p:cxnSp>
+        <p:nvCxnSpPr>
+          <p:cNvPr id="7" name="Straight Connector 6">
+            <a:extLst>
+              <a:ext uri="{FF2B5EF4-FFF2-40B4-BE49-F238E27FC236}">
+                <a16:creationId xmlns:a16="http://schemas.microsoft.com/office/drawing/2014/main" id="{0C045A24-EE49-B949-A749-BCA2669ACAA8}"/>
+              </a:ext>
+            </a:extLst>
+          </p:cNvPr>
+          <p:cNvCxnSpPr>
+            <a:cxnSpLocks/>
+          </p:cNvCxnSpPr>
+          <p:nvPr/>
+        </p:nvCxnSpPr>
+        <p:spPr>
+          <a:xfrm>
+            <a:off x="1378101" y="1753299"/>
+            <a:ext cx="9026288" cy="0"/>
+          </a:xfrm>
+          <a:prstGeom prst="line">
+            <a:avLst/>
+          </a:prstGeom>
+          <a:ln w="12700"/>
+        </p:spPr>
+        <p:style>
+          <a:lnRef idx="1">
+            <a:schemeClr val="accent1"/>
+          </a:lnRef>
+          <a:fillRef idx="0">
+            <a:schemeClr val="accent1"/>
+          </a:fillRef>
+          <a:effectRef idx="0">
+            <a:schemeClr val="accent1"/>
+          </a:effectRef>
+          <a:fontRef idx="minor">
+            <a:schemeClr val="tx1"/>
+          </a:fontRef>
+        </p:style>
+      </p:cxnSp>
     </p:spTree>
     <p:extLst>
       <p:ext uri="{BB962C8B-B14F-4D97-AF65-F5344CB8AC3E}">
-        <p14:creationId xmlns:p14="http://schemas.microsoft.com/office/powerpoint/2010/main" val="1624558547"/>
+        <p14:creationId xmlns:p14="http://schemas.microsoft.com/office/powerpoint/2010/main" val="2524662446"/>
       </p:ext>
     </p:extLst>
   </p:cSld>
@@ -7780,7 +8069,7 @@
                 </a:solidFill>
                 <a:latin typeface="Cambria" panose="02040503050406030204" pitchFamily="18" charset="0"/>
               </a:rPr>
-              <a:t>SOME AI-INDUCED JOB LOSSES FORECASTS</a:t>
+              <a:t>THE END OF BLIND OPTIMISM </a:t>
             </a:r>
           </a:p>
         </p:txBody>
@@ -7800,7 +8089,7 @@
         <p:spPr>
           <a:xfrm>
             <a:off x="1271768" y="2135448"/>
-            <a:ext cx="9909364" cy="3170099"/>
+            <a:ext cx="9909364" cy="2308324"/>
           </a:xfrm>
           <a:prstGeom prst="rect">
             <a:avLst/>
@@ -7818,22 +8107,30 @@
               <a:buChar char="•"/>
             </a:pPr>
             <a:r>
-              <a:rPr lang="en-US" sz="4000" b="1" dirty="0">
+              <a:rPr lang="en-US" sz="2400" b="1" dirty="0">
                 <a:solidFill>
                   <a:schemeClr val="accent1"/>
                 </a:solidFill>
                 <a:latin typeface="Cambria" panose="02040503050406030204" pitchFamily="18" charset="0"/>
               </a:rPr>
-              <a:t>47%</a:t>
-            </a:r>
-            <a:r>
+              <a:t>TECHNO-OPTIMISM: “JUST ANOTHER INDUSTRIAL REVOLUTION …</a:t>
+            </a:r>
+            <a:br>
               <a:rPr lang="en-US" sz="2400" b="1" dirty="0">
                 <a:solidFill>
                   <a:schemeClr val="accent1"/>
                 </a:solidFill>
                 <a:latin typeface="Cambria" panose="02040503050406030204" pitchFamily="18" charset="0"/>
               </a:rPr>
-              <a:t> OF U.S JOBS COULD BE AUTOMATED WITHIN THE NEXT DECADE OR TWO (Frey &amp; Osborne, 2013) </a:t>
+            </a:br>
+            <a:r>
+              <a:rPr lang="en-US" sz="2400" b="1" dirty="0">
+                <a:solidFill>
+                  <a:schemeClr val="accent1"/>
+                </a:solidFill>
+                <a:latin typeface="Cambria" panose="02040503050406030204" pitchFamily="18" charset="0"/>
+              </a:rPr>
+              <a:t>COMMUNICATING VESSELS” </a:t>
             </a:r>
             <a:br>
               <a:rPr lang="en-US" sz="2400" b="1" dirty="0">
@@ -7870,66 +8167,35 @@
                 </a:solidFill>
                 <a:latin typeface="Cambria" panose="02040503050406030204" pitchFamily="18" charset="0"/>
               </a:rPr>
-              <a:t>JUST </a:t>
-            </a:r>
-            <a:r>
-              <a:rPr lang="en-US" sz="4000" b="1" dirty="0">
-                <a:solidFill>
-                  <a:schemeClr val="accent1"/>
-                </a:solidFill>
-                <a:latin typeface="Cambria" panose="02040503050406030204" pitchFamily="18" charset="0"/>
-              </a:rPr>
-              <a:t>9%</a:t>
-            </a:r>
-            <a:r>
-              <a:rPr lang="en-US" sz="2400" b="1" dirty="0">
-                <a:solidFill>
-                  <a:schemeClr val="accent1"/>
-                </a:solidFill>
-                <a:latin typeface="Cambria" panose="02040503050406030204" pitchFamily="18" charset="0"/>
-              </a:rPr>
-              <a:t> OF JOBS IN THE U.S WERE AT HIGH RISK OF AUTOMATION (OECD report, 2016)</a:t>
-            </a:r>
-            <a:br>
-              <a:rPr lang="en-US" sz="2400" b="1" dirty="0">
-                <a:solidFill>
-                  <a:schemeClr val="accent1"/>
-                </a:solidFill>
-                <a:latin typeface="Cambria" panose="02040503050406030204" pitchFamily="18" charset="0"/>
-              </a:rPr>
-            </a:br>
-            <a:endParaRPr lang="en-US" sz="2400" b="1" dirty="0">
-              <a:solidFill>
-                <a:schemeClr val="accent1"/>
-              </a:solidFill>
-              <a:latin typeface="Cambria" panose="02040503050406030204" pitchFamily="18" charset="0"/>
-            </a:endParaRPr>
-          </a:p>
-        </p:txBody>
-      </p:sp>
-      <p:sp>
-        <p:nvSpPr>
-          <p:cNvPr id="4" name="Rectangle 3">
+              <a:t>UNIQUE NATURE GENERAL PURPOSE TECHNOLOGY (GPT): ”BETTER, FASTER, STRONGER”</a:t>
+            </a:r>
+          </a:p>
+        </p:txBody>
+      </p:sp>
+      <p:sp>
+        <p:nvSpPr>
+          <p:cNvPr id="3" name="TextBox 2">
             <a:extLst>
               <a:ext uri="{FF2B5EF4-FFF2-40B4-BE49-F238E27FC236}">
-                <a16:creationId xmlns:a16="http://schemas.microsoft.com/office/drawing/2014/main" id="{7D1E94C7-9D42-FB42-95C0-9A8C49E520F6}"/>
+                <a16:creationId xmlns:a16="http://schemas.microsoft.com/office/drawing/2014/main" id="{4045CEFA-DACF-D844-9449-CBC9071336EB}"/>
               </a:ext>
             </a:extLst>
           </p:cNvPr>
-          <p:cNvSpPr/>
+          <p:cNvSpPr txBox="1"/>
           <p:nvPr/>
         </p:nvSpPr>
         <p:spPr>
           <a:xfrm>
-            <a:off x="1605587" y="3104944"/>
-            <a:ext cx="10488479" cy="369332"/>
+            <a:off x="1271768" y="5601730"/>
+            <a:ext cx="4282326" cy="369332"/>
           </a:xfrm>
           <a:prstGeom prst="rect">
             <a:avLst/>
           </a:prstGeom>
-        </p:spPr>
-        <p:txBody>
-          <a:bodyPr wrap="square">
+          <a:noFill/>
+        </p:spPr>
+        <p:txBody>
+          <a:bodyPr wrap="none" rtlCol="0">
             <a:spAutoFit/>
           </a:bodyPr>
           <a:lstStyle/>
@@ -7938,113 +8204,67 @@
               <a:rPr lang="fr-FR" dirty="0">
                 <a:hlinkClick r:id="rId3"/>
               </a:rPr>
-              <a:t>https://</a:t>
+              <a:t>http://</a:t>
             </a:r>
             <a:r>
               <a:rPr lang="fr-FR" dirty="0" err="1">
                 <a:hlinkClick r:id="rId3"/>
               </a:rPr>
-              <a:t>www.oxfordmartin.ox.ac.uk</a:t>
+              <a:t>secondmachineage.com</a:t>
             </a:r>
             <a:r>
               <a:rPr lang="fr-FR" dirty="0">
                 <a:hlinkClick r:id="rId3"/>
               </a:rPr>
-              <a:t>/</a:t>
-            </a:r>
-            <a:r>
-              <a:rPr lang="fr-FR" dirty="0" err="1">
-                <a:hlinkClick r:id="rId3"/>
-              </a:rPr>
-              <a:t>downloads</a:t>
-            </a:r>
-            <a:r>
-              <a:rPr lang="fr-FR" dirty="0">
-                <a:hlinkClick r:id="rId3"/>
-              </a:rPr>
-              <a:t>/</a:t>
-            </a:r>
-            <a:r>
-              <a:rPr lang="fr-FR" dirty="0" err="1">
-                <a:hlinkClick r:id="rId3"/>
-              </a:rPr>
-              <a:t>academic</a:t>
-            </a:r>
-            <a:r>
-              <a:rPr lang="fr-FR" dirty="0">
-                <a:hlinkClick r:id="rId3"/>
-              </a:rPr>
-              <a:t>/</a:t>
-            </a:r>
-            <a:r>
-              <a:rPr lang="fr-FR" dirty="0" err="1">
-                <a:hlinkClick r:id="rId3"/>
-              </a:rPr>
-              <a:t>The_Future_of_Employment.pdf</a:t>
+              <a:t>/about-2ma/</a:t>
             </a:r>
             <a:endParaRPr lang="fr-FR" dirty="0"/>
           </a:p>
         </p:txBody>
       </p:sp>
-      <p:sp>
-        <p:nvSpPr>
-          <p:cNvPr id="2" name="Rectangle 1">
+      <p:cxnSp>
+        <p:nvCxnSpPr>
+          <p:cNvPr id="7" name="Straight Connector 6">
             <a:extLst>
               <a:ext uri="{FF2B5EF4-FFF2-40B4-BE49-F238E27FC236}">
-                <a16:creationId xmlns:a16="http://schemas.microsoft.com/office/drawing/2014/main" id="{0CDDE724-555D-BC4C-A89E-16E0CB598528}"/>
+                <a16:creationId xmlns:a16="http://schemas.microsoft.com/office/drawing/2014/main" id="{76BF993D-FFDA-D74D-AB91-9046B76E3B30}"/>
               </a:ext>
             </a:extLst>
           </p:cNvPr>
-          <p:cNvSpPr/>
+          <p:cNvCxnSpPr>
+            <a:cxnSpLocks/>
+          </p:cNvCxnSpPr>
           <p:nvPr/>
-        </p:nvSpPr>
-        <p:spPr>
-          <a:xfrm>
-            <a:off x="1605587" y="4839188"/>
-            <a:ext cx="6433751" cy="369332"/>
-          </a:xfrm>
-          <a:prstGeom prst="rect">
+        </p:nvCxnSpPr>
+        <p:spPr>
+          <a:xfrm>
+            <a:off x="1378101" y="1753299"/>
+            <a:ext cx="9504083" cy="0"/>
+          </a:xfrm>
+          <a:prstGeom prst="line">
             <a:avLst/>
           </a:prstGeom>
-        </p:spPr>
-        <p:txBody>
-          <a:bodyPr wrap="square">
-            <a:spAutoFit/>
-          </a:bodyPr>
-          <a:lstStyle/>
-          <a:p>
-            <a:r>
-              <a:rPr lang="fr-FR" dirty="0">
-                <a:hlinkClick r:id="rId4"/>
-              </a:rPr>
-              <a:t>http://</a:t>
-            </a:r>
-            <a:r>
-              <a:rPr lang="fr-FR" dirty="0" err="1">
-                <a:hlinkClick r:id="rId4"/>
-              </a:rPr>
-              <a:t>www.ifuturo.org</a:t>
-            </a:r>
-            <a:r>
-              <a:rPr lang="fr-FR" dirty="0">
-                <a:hlinkClick r:id="rId4"/>
-              </a:rPr>
-              <a:t>/sites/default/files/docs/</a:t>
-            </a:r>
-            <a:r>
-              <a:rPr lang="fr-FR" dirty="0" err="1">
-                <a:hlinkClick r:id="rId4"/>
-              </a:rPr>
-              <a:t>automation.pdf</a:t>
-            </a:r>
-            <a:endParaRPr lang="fr-FR" dirty="0"/>
-          </a:p>
-        </p:txBody>
-      </p:sp>
+          <a:ln w="12700"/>
+        </p:spPr>
+        <p:style>
+          <a:lnRef idx="1">
+            <a:schemeClr val="accent1"/>
+          </a:lnRef>
+          <a:fillRef idx="0">
+            <a:schemeClr val="accent1"/>
+          </a:fillRef>
+          <a:effectRef idx="0">
+            <a:schemeClr val="accent1"/>
+          </a:effectRef>
+          <a:fontRef idx="minor">
+            <a:schemeClr val="tx1"/>
+          </a:fontRef>
+        </p:style>
+      </p:cxnSp>
     </p:spTree>
     <p:extLst>
       <p:ext uri="{BB962C8B-B14F-4D97-AF65-F5344CB8AC3E}">
-        <p14:creationId xmlns:p14="http://schemas.microsoft.com/office/powerpoint/2010/main" val="2524662446"/>
+        <p14:creationId xmlns:p14="http://schemas.microsoft.com/office/powerpoint/2010/main" val="596059307"/>
       </p:ext>
     </p:extLst>
   </p:cSld>
@@ -8224,6 +8444,45 @@
           </a:p>
         </p:txBody>
       </p:sp>
+      <p:cxnSp>
+        <p:nvCxnSpPr>
+          <p:cNvPr id="4" name="Straight Connector 3">
+            <a:extLst>
+              <a:ext uri="{FF2B5EF4-FFF2-40B4-BE49-F238E27FC236}">
+                <a16:creationId xmlns:a16="http://schemas.microsoft.com/office/drawing/2014/main" id="{FC8B3CCE-F1DF-F748-8D7A-6CB58DF88CC2}"/>
+              </a:ext>
+            </a:extLst>
+          </p:cNvPr>
+          <p:cNvCxnSpPr>
+            <a:cxnSpLocks/>
+          </p:cNvCxnSpPr>
+          <p:nvPr/>
+        </p:nvCxnSpPr>
+        <p:spPr>
+          <a:xfrm>
+            <a:off x="1378101" y="1753299"/>
+            <a:ext cx="9405229" cy="0"/>
+          </a:xfrm>
+          <a:prstGeom prst="line">
+            <a:avLst/>
+          </a:prstGeom>
+          <a:ln w="12700"/>
+        </p:spPr>
+        <p:style>
+          <a:lnRef idx="1">
+            <a:schemeClr val="accent1"/>
+          </a:lnRef>
+          <a:fillRef idx="0">
+            <a:schemeClr val="accent1"/>
+          </a:fillRef>
+          <a:effectRef idx="0">
+            <a:schemeClr val="accent1"/>
+          </a:effectRef>
+          <a:fontRef idx="minor">
+            <a:schemeClr val="tx1"/>
+          </a:fontRef>
+        </p:style>
+      </p:cxnSp>
     </p:spTree>
     <p:extLst>
       <p:ext uri="{BB962C8B-B14F-4D97-AF65-F5344CB8AC3E}">
@@ -8268,14 +8527,14 @@
       </p:grpSpPr>
       <p:sp>
         <p:nvSpPr>
-          <p:cNvPr id="8" name="TextBox 7"/>
+          <p:cNvPr id="3" name="TextBox 2"/>
           <p:cNvSpPr txBox="1"/>
           <p:nvPr/>
         </p:nvSpPr>
         <p:spPr>
           <a:xfrm>
-            <a:off x="1271768" y="1115051"/>
-            <a:ext cx="9196386" cy="553998"/>
+            <a:off x="2513338" y="1738043"/>
+            <a:ext cx="8924282" cy="861774"/>
           </a:xfrm>
           <a:prstGeom prst="rect">
             <a:avLst/>
@@ -8289,277 +8548,60 @@
           <a:lstStyle/>
           <a:p>
             <a:r>
-              <a:rPr lang="en-US" sz="3000" b="1" dirty="0">
+              <a:rPr lang="en-US" sz="5000" b="1" dirty="0">
                 <a:solidFill>
                   <a:schemeClr val="accent1"/>
                 </a:solidFill>
                 <a:latin typeface="Cambria" panose="02040503050406030204" pitchFamily="18" charset="0"/>
               </a:rPr>
-              <a:t>SOME AI-INDUCED JOB LOSSES FORECASTS</a:t>
-            </a:r>
-          </a:p>
-        </p:txBody>
-      </p:sp>
-      <p:sp>
-        <p:nvSpPr>
-          <p:cNvPr id="6" name="TextBox 5">
+              <a:t>WORKING GROUP SESSION</a:t>
+            </a:r>
+          </a:p>
+        </p:txBody>
+      </p:sp>
+      <p:cxnSp>
+        <p:nvCxnSpPr>
+          <p:cNvPr id="5" name="Straight Connector 4">
             <a:extLst>
               <a:ext uri="{FF2B5EF4-FFF2-40B4-BE49-F238E27FC236}">
-                <a16:creationId xmlns:a16="http://schemas.microsoft.com/office/drawing/2014/main" id="{80CDDE41-8C09-D54C-917C-9FB77CE4824D}"/>
+                <a16:creationId xmlns:a16="http://schemas.microsoft.com/office/drawing/2014/main" id="{2571E43F-CCA3-BB47-A7AF-81B47EA888E0}"/>
               </a:ext>
             </a:extLst>
           </p:cNvPr>
-          <p:cNvSpPr txBox="1"/>
+          <p:cNvCxnSpPr>
+            <a:cxnSpLocks/>
+          </p:cNvCxnSpPr>
           <p:nvPr/>
-        </p:nvSpPr>
-        <p:spPr>
-          <a:xfrm>
-            <a:off x="1271768" y="2135448"/>
-            <a:ext cx="9909364" cy="3170099"/>
-          </a:xfrm>
-          <a:prstGeom prst="rect">
+        </p:nvCxnSpPr>
+        <p:spPr>
+          <a:xfrm>
+            <a:off x="2300750" y="1879133"/>
+            <a:ext cx="0" cy="720684"/>
+          </a:xfrm>
+          <a:prstGeom prst="line">
             <a:avLst/>
           </a:prstGeom>
-          <a:noFill/>
-        </p:spPr>
-        <p:txBody>
-          <a:bodyPr wrap="square" rtlCol="0">
-            <a:spAutoFit/>
-          </a:bodyPr>
-          <a:lstStyle/>
-          <a:p>
-            <a:pPr marL="342900" indent="-342900">
-              <a:buFont typeface="Arial"/>
-              <a:buChar char="•"/>
-            </a:pPr>
-            <a:r>
-              <a:rPr lang="en-US" sz="4000" b="1" dirty="0">
-                <a:solidFill>
-                  <a:schemeClr val="accent1"/>
-                </a:solidFill>
-                <a:latin typeface="Cambria" panose="02040503050406030204" pitchFamily="18" charset="0"/>
-              </a:rPr>
-              <a:t>47%</a:t>
-            </a:r>
-            <a:r>
-              <a:rPr lang="en-US" sz="2400" b="1" dirty="0">
-                <a:solidFill>
-                  <a:schemeClr val="accent1"/>
-                </a:solidFill>
-                <a:latin typeface="Cambria" panose="02040503050406030204" pitchFamily="18" charset="0"/>
-              </a:rPr>
-              <a:t> OF U.S JOBS COULD BE AUTOMATED WITHIN THE NEXT DECADE OR TWO (Frey &amp; Osborne, 2013) </a:t>
-            </a:r>
-            <a:br>
-              <a:rPr lang="en-US" sz="2400" b="1" dirty="0">
-                <a:solidFill>
-                  <a:schemeClr val="accent1"/>
-                </a:solidFill>
-                <a:latin typeface="Cambria" panose="02040503050406030204" pitchFamily="18" charset="0"/>
-              </a:rPr>
-            </a:br>
-            <a:br>
-              <a:rPr lang="en-US" sz="2400" b="1" dirty="0">
-                <a:solidFill>
-                  <a:schemeClr val="accent1"/>
-                </a:solidFill>
-                <a:latin typeface="Cambria" panose="02040503050406030204" pitchFamily="18" charset="0"/>
-              </a:rPr>
-            </a:br>
-            <a:endParaRPr lang="en-US" sz="2400" b="1" dirty="0">
-              <a:solidFill>
-                <a:schemeClr val="accent1"/>
-              </a:solidFill>
-              <a:latin typeface="Cambria" panose="02040503050406030204" pitchFamily="18" charset="0"/>
-            </a:endParaRPr>
-          </a:p>
-          <a:p>
-            <a:pPr marL="342900" indent="-342900">
-              <a:buFont typeface="Arial"/>
-              <a:buChar char="•"/>
-            </a:pPr>
-            <a:r>
-              <a:rPr lang="en-US" sz="2400" b="1" dirty="0">
-                <a:solidFill>
-                  <a:schemeClr val="accent1"/>
-                </a:solidFill>
-                <a:latin typeface="Cambria" panose="02040503050406030204" pitchFamily="18" charset="0"/>
-              </a:rPr>
-              <a:t>JUST </a:t>
-            </a:r>
-            <a:r>
-              <a:rPr lang="en-US" sz="4000" b="1" dirty="0">
-                <a:solidFill>
-                  <a:schemeClr val="accent1"/>
-                </a:solidFill>
-                <a:latin typeface="Cambria" panose="02040503050406030204" pitchFamily="18" charset="0"/>
-              </a:rPr>
-              <a:t>9%</a:t>
-            </a:r>
-            <a:r>
-              <a:rPr lang="en-US" sz="2400" b="1" dirty="0">
-                <a:solidFill>
-                  <a:schemeClr val="accent1"/>
-                </a:solidFill>
-                <a:latin typeface="Cambria" panose="02040503050406030204" pitchFamily="18" charset="0"/>
-              </a:rPr>
-              <a:t> OF JOBS IN THE U.S WERE AT HIGH RISK OF AUTOMATION (OECD report, 2016)</a:t>
-            </a:r>
-            <a:br>
-              <a:rPr lang="en-US" sz="2400" b="1" dirty="0">
-                <a:solidFill>
-                  <a:schemeClr val="accent1"/>
-                </a:solidFill>
-                <a:latin typeface="Cambria" panose="02040503050406030204" pitchFamily="18" charset="0"/>
-              </a:rPr>
-            </a:br>
-            <a:endParaRPr lang="en-US" sz="2400" b="1" dirty="0">
-              <a:solidFill>
-                <a:schemeClr val="accent1"/>
-              </a:solidFill>
-              <a:latin typeface="Cambria" panose="02040503050406030204" pitchFamily="18" charset="0"/>
-            </a:endParaRPr>
-          </a:p>
-        </p:txBody>
-      </p:sp>
-      <p:sp>
-        <p:nvSpPr>
-          <p:cNvPr id="4" name="Rectangle 3">
-            <a:extLst>
-              <a:ext uri="{FF2B5EF4-FFF2-40B4-BE49-F238E27FC236}">
-                <a16:creationId xmlns:a16="http://schemas.microsoft.com/office/drawing/2014/main" id="{7D1E94C7-9D42-FB42-95C0-9A8C49E520F6}"/>
-              </a:ext>
-            </a:extLst>
-          </p:cNvPr>
-          <p:cNvSpPr/>
-          <p:nvPr/>
-        </p:nvSpPr>
-        <p:spPr>
-          <a:xfrm>
-            <a:off x="1605587" y="3104944"/>
-            <a:ext cx="10488479" cy="369332"/>
-          </a:xfrm>
-          <a:prstGeom prst="rect">
-            <a:avLst/>
-          </a:prstGeom>
-        </p:spPr>
-        <p:txBody>
-          <a:bodyPr wrap="square">
-            <a:spAutoFit/>
-          </a:bodyPr>
-          <a:lstStyle/>
-          <a:p>
-            <a:r>
-              <a:rPr lang="fr-FR" dirty="0">
-                <a:hlinkClick r:id="rId3"/>
-              </a:rPr>
-              <a:t>https://</a:t>
-            </a:r>
-            <a:r>
-              <a:rPr lang="fr-FR" dirty="0" err="1">
-                <a:hlinkClick r:id="rId3"/>
-              </a:rPr>
-              <a:t>www.oxfordmartin.ox.ac.uk</a:t>
-            </a:r>
-            <a:r>
-              <a:rPr lang="fr-FR" dirty="0">
-                <a:hlinkClick r:id="rId3"/>
-              </a:rPr>
-              <a:t>/</a:t>
-            </a:r>
-            <a:r>
-              <a:rPr lang="fr-FR" dirty="0" err="1">
-                <a:hlinkClick r:id="rId3"/>
-              </a:rPr>
-              <a:t>downloads</a:t>
-            </a:r>
-            <a:r>
-              <a:rPr lang="fr-FR" dirty="0">
-                <a:hlinkClick r:id="rId3"/>
-              </a:rPr>
-              <a:t>/</a:t>
-            </a:r>
-            <a:r>
-              <a:rPr lang="fr-FR" dirty="0" err="1">
-                <a:hlinkClick r:id="rId3"/>
-              </a:rPr>
-              <a:t>academic</a:t>
-            </a:r>
-            <a:r>
-              <a:rPr lang="fr-FR" dirty="0">
-                <a:hlinkClick r:id="rId3"/>
-              </a:rPr>
-              <a:t>/</a:t>
-            </a:r>
-            <a:r>
-              <a:rPr lang="fr-FR" dirty="0" err="1">
-                <a:hlinkClick r:id="rId3"/>
-              </a:rPr>
-              <a:t>The_Future_of_Employment.pdf</a:t>
-            </a:r>
-            <a:endParaRPr lang="fr-FR" dirty="0"/>
-          </a:p>
-        </p:txBody>
-      </p:sp>
-      <p:sp>
-        <p:nvSpPr>
-          <p:cNvPr id="2" name="Rectangle 1">
-            <a:extLst>
-              <a:ext uri="{FF2B5EF4-FFF2-40B4-BE49-F238E27FC236}">
-                <a16:creationId xmlns:a16="http://schemas.microsoft.com/office/drawing/2014/main" id="{0CDDE724-555D-BC4C-A89E-16E0CB598528}"/>
-              </a:ext>
-            </a:extLst>
-          </p:cNvPr>
-          <p:cNvSpPr/>
-          <p:nvPr/>
-        </p:nvSpPr>
-        <p:spPr>
-          <a:xfrm>
-            <a:off x="1605587" y="4839188"/>
-            <a:ext cx="6433751" cy="369332"/>
-          </a:xfrm>
-          <a:prstGeom prst="rect">
-            <a:avLst/>
-          </a:prstGeom>
-        </p:spPr>
-        <p:txBody>
-          <a:bodyPr wrap="square">
-            <a:spAutoFit/>
-          </a:bodyPr>
-          <a:lstStyle/>
-          <a:p>
-            <a:r>
-              <a:rPr lang="fr-FR" dirty="0">
-                <a:hlinkClick r:id="rId4"/>
-              </a:rPr>
-              <a:t>http://</a:t>
-            </a:r>
-            <a:r>
-              <a:rPr lang="fr-FR" dirty="0" err="1">
-                <a:hlinkClick r:id="rId4"/>
-              </a:rPr>
-              <a:t>www.ifuturo.org</a:t>
-            </a:r>
-            <a:r>
-              <a:rPr lang="fr-FR" dirty="0">
-                <a:hlinkClick r:id="rId4"/>
-              </a:rPr>
-              <a:t>/sites/default/files/docs/</a:t>
-            </a:r>
-            <a:r>
-              <a:rPr lang="fr-FR" dirty="0" err="1">
-                <a:hlinkClick r:id="rId4"/>
-              </a:rPr>
-              <a:t>automation.pdf</a:t>
-            </a:r>
-            <a:endParaRPr lang="fr-FR" dirty="0"/>
-          </a:p>
-        </p:txBody>
-      </p:sp>
+          <a:ln w="38100"/>
+        </p:spPr>
+        <p:style>
+          <a:lnRef idx="1">
+            <a:schemeClr val="accent1"/>
+          </a:lnRef>
+          <a:fillRef idx="0">
+            <a:schemeClr val="accent1"/>
+          </a:fillRef>
+          <a:effectRef idx="0">
+            <a:schemeClr val="accent1"/>
+          </a:effectRef>
+          <a:fontRef idx="minor">
+            <a:schemeClr val="tx1"/>
+          </a:fontRef>
+        </p:style>
+      </p:cxnSp>
     </p:spTree>
     <p:extLst>
       <p:ext uri="{BB962C8B-B14F-4D97-AF65-F5344CB8AC3E}">
-        <p14:creationId xmlns:p14="http://schemas.microsoft.com/office/powerpoint/2010/main" val="1666748756"/>
+        <p14:creationId xmlns:p14="http://schemas.microsoft.com/office/powerpoint/2010/main" val="1233123057"/>
       </p:ext>
     </p:extLst>
   </p:cSld>
@@ -8598,306 +8640,6 @@
           <a:chExt cx="0" cy="0"/>
         </a:xfrm>
       </p:grpSpPr>
-      <p:sp>
-        <p:nvSpPr>
-          <p:cNvPr id="8" name="TextBox 7"/>
-          <p:cNvSpPr txBox="1"/>
-          <p:nvPr/>
-        </p:nvSpPr>
-        <p:spPr>
-          <a:xfrm>
-            <a:off x="1271768" y="1115051"/>
-            <a:ext cx="9196386" cy="553998"/>
-          </a:xfrm>
-          <a:prstGeom prst="rect">
-            <a:avLst/>
-          </a:prstGeom>
-          <a:noFill/>
-        </p:spPr>
-        <p:txBody>
-          <a:bodyPr wrap="square" rtlCol="0">
-            <a:spAutoFit/>
-          </a:bodyPr>
-          <a:lstStyle/>
-          <a:p>
-            <a:r>
-              <a:rPr lang="en-US" sz="3000" b="1" dirty="0">
-                <a:solidFill>
-                  <a:schemeClr val="accent1"/>
-                </a:solidFill>
-                <a:latin typeface="Cambria" panose="02040503050406030204" pitchFamily="18" charset="0"/>
-              </a:rPr>
-              <a:t>THE END OF BLIND OPTIMISM </a:t>
-            </a:r>
-          </a:p>
-        </p:txBody>
-      </p:sp>
-      <p:sp>
-        <p:nvSpPr>
-          <p:cNvPr id="6" name="TextBox 5">
-            <a:extLst>
-              <a:ext uri="{FF2B5EF4-FFF2-40B4-BE49-F238E27FC236}">
-                <a16:creationId xmlns:a16="http://schemas.microsoft.com/office/drawing/2014/main" id="{80CDDE41-8C09-D54C-917C-9FB77CE4824D}"/>
-              </a:ext>
-            </a:extLst>
-          </p:cNvPr>
-          <p:cNvSpPr txBox="1"/>
-          <p:nvPr/>
-        </p:nvSpPr>
-        <p:spPr>
-          <a:xfrm>
-            <a:off x="1271768" y="2135448"/>
-            <a:ext cx="9909364" cy="2308324"/>
-          </a:xfrm>
-          <a:prstGeom prst="rect">
-            <a:avLst/>
-          </a:prstGeom>
-          <a:noFill/>
-        </p:spPr>
-        <p:txBody>
-          <a:bodyPr wrap="square" rtlCol="0">
-            <a:spAutoFit/>
-          </a:bodyPr>
-          <a:lstStyle/>
-          <a:p>
-            <a:pPr marL="342900" indent="-342900">
-              <a:buFont typeface="Arial"/>
-              <a:buChar char="•"/>
-            </a:pPr>
-            <a:r>
-              <a:rPr lang="en-US" sz="2400" b="1" dirty="0">
-                <a:solidFill>
-                  <a:schemeClr val="accent1"/>
-                </a:solidFill>
-                <a:latin typeface="Cambria" panose="02040503050406030204" pitchFamily="18" charset="0"/>
-              </a:rPr>
-              <a:t>TECHNO-OPTIMISM: “JUST ANOTHER INDUSTRIAL REVOLUTION …</a:t>
-            </a:r>
-            <a:br>
-              <a:rPr lang="en-US" sz="2400" b="1" dirty="0">
-                <a:solidFill>
-                  <a:schemeClr val="accent1"/>
-                </a:solidFill>
-                <a:latin typeface="Cambria" panose="02040503050406030204" pitchFamily="18" charset="0"/>
-              </a:rPr>
-            </a:br>
-            <a:r>
-              <a:rPr lang="en-US" sz="2400" b="1" dirty="0">
-                <a:solidFill>
-                  <a:schemeClr val="accent1"/>
-                </a:solidFill>
-                <a:latin typeface="Cambria" panose="02040503050406030204" pitchFamily="18" charset="0"/>
-              </a:rPr>
-              <a:t>COMMUNICATING VESSELS” </a:t>
-            </a:r>
-            <a:br>
-              <a:rPr lang="en-US" sz="2400" b="1" dirty="0">
-                <a:solidFill>
-                  <a:schemeClr val="accent1"/>
-                </a:solidFill>
-                <a:latin typeface="Cambria" panose="02040503050406030204" pitchFamily="18" charset="0"/>
-              </a:rPr>
-            </a:br>
-            <a:br>
-              <a:rPr lang="en-US" sz="2400" b="1" dirty="0">
-                <a:solidFill>
-                  <a:schemeClr val="accent1"/>
-                </a:solidFill>
-                <a:latin typeface="Cambria" panose="02040503050406030204" pitchFamily="18" charset="0"/>
-              </a:rPr>
-            </a:br>
-            <a:endParaRPr lang="en-US" sz="2400" b="1" dirty="0">
-              <a:solidFill>
-                <a:schemeClr val="accent1"/>
-              </a:solidFill>
-              <a:latin typeface="Cambria" panose="02040503050406030204" pitchFamily="18" charset="0"/>
-            </a:endParaRPr>
-          </a:p>
-          <a:p>
-            <a:pPr marL="342900" indent="-342900">
-              <a:buFont typeface="Arial"/>
-              <a:buChar char="•"/>
-            </a:pPr>
-            <a:r>
-              <a:rPr lang="en-US" sz="2400" b="1" dirty="0">
-                <a:solidFill>
-                  <a:schemeClr val="accent1"/>
-                </a:solidFill>
-                <a:latin typeface="Cambria" panose="02040503050406030204" pitchFamily="18" charset="0"/>
-              </a:rPr>
-              <a:t>UNIQUE NATURE GENERAL PURPOSE TECHNOLOGY (GPT): ”BETTER, FASTER, STRONGER”</a:t>
-            </a:r>
-          </a:p>
-        </p:txBody>
-      </p:sp>
-      <p:sp>
-        <p:nvSpPr>
-          <p:cNvPr id="3" name="TextBox 2">
-            <a:extLst>
-              <a:ext uri="{FF2B5EF4-FFF2-40B4-BE49-F238E27FC236}">
-                <a16:creationId xmlns:a16="http://schemas.microsoft.com/office/drawing/2014/main" id="{4045CEFA-DACF-D844-9449-CBC9071336EB}"/>
-              </a:ext>
-            </a:extLst>
-          </p:cNvPr>
-          <p:cNvSpPr txBox="1"/>
-          <p:nvPr/>
-        </p:nvSpPr>
-        <p:spPr>
-          <a:xfrm>
-            <a:off x="1271768" y="5601730"/>
-            <a:ext cx="4282326" cy="369332"/>
-          </a:xfrm>
-          <a:prstGeom prst="rect">
-            <a:avLst/>
-          </a:prstGeom>
-          <a:noFill/>
-        </p:spPr>
-        <p:txBody>
-          <a:bodyPr wrap="none" rtlCol="0">
-            <a:spAutoFit/>
-          </a:bodyPr>
-          <a:lstStyle/>
-          <a:p>
-            <a:r>
-              <a:rPr lang="fr-FR" dirty="0">
-                <a:hlinkClick r:id="rId3"/>
-              </a:rPr>
-              <a:t>http://</a:t>
-            </a:r>
-            <a:r>
-              <a:rPr lang="fr-FR" dirty="0" err="1">
-                <a:hlinkClick r:id="rId3"/>
-              </a:rPr>
-              <a:t>secondmachineage.com</a:t>
-            </a:r>
-            <a:r>
-              <a:rPr lang="fr-FR" dirty="0">
-                <a:hlinkClick r:id="rId3"/>
-              </a:rPr>
-              <a:t>/about-2ma/</a:t>
-            </a:r>
-            <a:endParaRPr lang="fr-FR" dirty="0"/>
-          </a:p>
-        </p:txBody>
-      </p:sp>
-    </p:spTree>
-    <p:extLst>
-      <p:ext uri="{BB962C8B-B14F-4D97-AF65-F5344CB8AC3E}">
-        <p14:creationId xmlns:p14="http://schemas.microsoft.com/office/powerpoint/2010/main" val="596059307"/>
-      </p:ext>
-    </p:extLst>
-  </p:cSld>
-  <p:clrMapOvr>
-    <a:masterClrMapping/>
-  </p:clrMapOvr>
-  <mc:AlternateContent xmlns:mc="http://schemas.openxmlformats.org/markup-compatibility/2006" xmlns:p14="http://schemas.microsoft.com/office/powerpoint/2010/main">
-    <mc:Choice Requires="p14">
-      <p:transition spd="med" p14:dur="700">
-        <p:fade/>
-      </p:transition>
-    </mc:Choice>
-    <mc:Fallback xmlns="">
-      <p:transition spd="med">
-        <p:fade/>
-      </p:transition>
-    </mc:Fallback>
-  </mc:AlternateContent>
-</p:sld>
-</file>
-
-<file path=ppt/slides/slide22.xml><?xml version="1.0" encoding="utf-8"?>
-<p:sld xmlns:a="http://schemas.openxmlformats.org/drawingml/2006/main" xmlns:r="http://schemas.openxmlformats.org/officeDocument/2006/relationships" xmlns:p="http://schemas.openxmlformats.org/presentationml/2006/main">
-  <p:cSld>
-    <p:spTree>
-      <p:nvGrpSpPr>
-        <p:cNvPr id="1" name=""/>
-        <p:cNvGrpSpPr/>
-        <p:nvPr/>
-      </p:nvGrpSpPr>
-      <p:grpSpPr>
-        <a:xfrm>
-          <a:off x="0" y="0"/>
-          <a:ext cx="0" cy="0"/>
-          <a:chOff x="0" y="0"/>
-          <a:chExt cx="0" cy="0"/>
-        </a:xfrm>
-      </p:grpSpPr>
-      <p:sp>
-        <p:nvSpPr>
-          <p:cNvPr id="8" name="TextBox 7"/>
-          <p:cNvSpPr txBox="1"/>
-          <p:nvPr/>
-        </p:nvSpPr>
-        <p:spPr>
-          <a:xfrm>
-            <a:off x="1271768" y="1115051"/>
-            <a:ext cx="9196386" cy="861774"/>
-          </a:xfrm>
-          <a:prstGeom prst="rect">
-            <a:avLst/>
-          </a:prstGeom>
-          <a:noFill/>
-        </p:spPr>
-        <p:txBody>
-          <a:bodyPr wrap="square" rtlCol="0">
-            <a:spAutoFit/>
-          </a:bodyPr>
-          <a:lstStyle/>
-          <a:p>
-            <a:r>
-              <a:rPr lang="en-US" sz="5000" b="1" dirty="0">
-                <a:solidFill>
-                  <a:schemeClr val="accent1"/>
-                </a:solidFill>
-                <a:latin typeface="Cambria" panose="02040503050406030204" pitchFamily="18" charset="0"/>
-              </a:rPr>
-              <a:t>WORKING GROUP SESSION</a:t>
-            </a:r>
-          </a:p>
-        </p:txBody>
-      </p:sp>
-    </p:spTree>
-    <p:extLst>
-      <p:ext uri="{BB962C8B-B14F-4D97-AF65-F5344CB8AC3E}">
-        <p14:creationId xmlns:p14="http://schemas.microsoft.com/office/powerpoint/2010/main" val="2410272891"/>
-      </p:ext>
-    </p:extLst>
-  </p:cSld>
-  <p:clrMapOvr>
-    <a:masterClrMapping/>
-  </p:clrMapOvr>
-  <mc:AlternateContent xmlns:mc="http://schemas.openxmlformats.org/markup-compatibility/2006" xmlns:p14="http://schemas.microsoft.com/office/powerpoint/2010/main">
-    <mc:Choice Requires="p14">
-      <p:transition spd="med" p14:dur="700">
-        <p:fade/>
-      </p:transition>
-    </mc:Choice>
-    <mc:Fallback xmlns="">
-      <p:transition spd="med">
-        <p:fade/>
-      </p:transition>
-    </mc:Fallback>
-  </mc:AlternateContent>
-</p:sld>
-</file>
-
-<file path=ppt/slides/slide23.xml><?xml version="1.0" encoding="utf-8"?>
-<p:sld xmlns:a="http://schemas.openxmlformats.org/drawingml/2006/main" xmlns:r="http://schemas.openxmlformats.org/officeDocument/2006/relationships" xmlns:p="http://schemas.openxmlformats.org/presentationml/2006/main">
-  <p:cSld>
-    <p:spTree>
-      <p:nvGrpSpPr>
-        <p:cNvPr id="1" name=""/>
-        <p:cNvGrpSpPr/>
-        <p:nvPr/>
-      </p:nvGrpSpPr>
-      <p:grpSpPr>
-        <a:xfrm>
-          <a:off x="0" y="0"/>
-          <a:ext cx="0" cy="0"/>
-          <a:chOff x="0" y="0"/>
-          <a:chExt cx="0" cy="0"/>
-        </a:xfrm>
-      </p:grpSpPr>
       <p:cxnSp>
         <p:nvCxnSpPr>
           <p:cNvPr id="4" name="Straight Arrow Connector 3">
@@ -9343,7 +9085,7 @@
 </p:sld>
 </file>
 
-<file path=ppt/slides/slide24.xml><?xml version="1.0" encoding="utf-8"?>
+<file path=ppt/slides/slide22.xml><?xml version="1.0" encoding="utf-8"?>
 <p:sld xmlns:a="http://schemas.openxmlformats.org/drawingml/2006/main" xmlns:r="http://schemas.openxmlformats.org/officeDocument/2006/relationships" xmlns:p="http://schemas.openxmlformats.org/presentationml/2006/main">
   <p:cSld>
     <p:spTree>
@@ -9732,7 +9474,7 @@
         </p:nvSpPr>
         <p:spPr>
           <a:xfrm>
-            <a:off x="1271768" y="1116000"/>
+            <a:off x="2342687" y="1684411"/>
             <a:ext cx="9379756" cy="2246769"/>
           </a:xfrm>
           <a:prstGeom prst="rect">
@@ -9746,10 +9488,6 @@
           </a:bodyPr>
           <a:lstStyle/>
           <a:p>
-            <a:pPr marL="514350" indent="-514350">
-              <a:buFont typeface="+mj-lt"/>
-              <a:buAutoNum type="arabicPeriod"/>
-            </a:pPr>
             <a:r>
               <a:rPr lang="en-US" sz="3500" b="1" dirty="0">
                 <a:solidFill>
@@ -9775,10 +9513,6 @@
             </a:endParaRPr>
           </a:p>
           <a:p>
-            <a:pPr marL="514350" indent="-514350">
-              <a:buFont typeface="+mj-lt"/>
-              <a:buAutoNum type="arabicPeriod"/>
-            </a:pPr>
             <a:r>
               <a:rPr lang="en-US" sz="3500" b="1" dirty="0">
                 <a:solidFill>
@@ -9835,14 +9569,14 @@
       </p:grpSpPr>
       <p:sp>
         <p:nvSpPr>
-          <p:cNvPr id="8" name="TextBox 7"/>
+          <p:cNvPr id="3" name="TextBox 2"/>
           <p:cNvSpPr txBox="1"/>
           <p:nvPr/>
         </p:nvSpPr>
         <p:spPr>
           <a:xfrm>
-            <a:off x="1271768" y="1115051"/>
-            <a:ext cx="9196386" cy="2400657"/>
+            <a:off x="2513338" y="1738043"/>
+            <a:ext cx="8924282" cy="1631216"/>
           </a:xfrm>
           <a:prstGeom prst="rect">
             <a:avLst/>
@@ -9862,37 +9596,54 @@
                 </a:solidFill>
                 <a:latin typeface="Cambria" panose="02040503050406030204" pitchFamily="18" charset="0"/>
               </a:rPr>
-              <a:t>DISCOVERY </a:t>
-            </a:r>
-          </a:p>
-          <a:p>
-            <a:r>
-              <a:rPr lang="en-US" sz="5000" b="1" dirty="0">
-                <a:solidFill>
-                  <a:schemeClr val="accent1"/>
-                </a:solidFill>
-                <a:latin typeface="Cambria" panose="02040503050406030204" pitchFamily="18" charset="0"/>
-              </a:rPr>
-              <a:t>VS.</a:t>
-            </a:r>
-          </a:p>
-          <a:p>
-            <a:r>
-              <a:rPr lang="en-US" sz="5000" b="1" dirty="0">
-                <a:solidFill>
-                  <a:schemeClr val="accent1"/>
-                </a:solidFill>
-                <a:latin typeface="Cambria" panose="02040503050406030204" pitchFamily="18" charset="0"/>
-              </a:rPr>
-              <a:t>IMPLEMENTATION</a:t>
-            </a:r>
-          </a:p>
-        </p:txBody>
-      </p:sp>
+              <a:t>DISCOVERY VS. IMPLEMENTATION</a:t>
+            </a:r>
+          </a:p>
+        </p:txBody>
+      </p:sp>
+      <p:cxnSp>
+        <p:nvCxnSpPr>
+          <p:cNvPr id="5" name="Straight Connector 4">
+            <a:extLst>
+              <a:ext uri="{FF2B5EF4-FFF2-40B4-BE49-F238E27FC236}">
+                <a16:creationId xmlns:a16="http://schemas.microsoft.com/office/drawing/2014/main" id="{2571E43F-CCA3-BB47-A7AF-81B47EA888E0}"/>
+              </a:ext>
+            </a:extLst>
+          </p:cNvPr>
+          <p:cNvCxnSpPr>
+            <a:cxnSpLocks/>
+          </p:cNvCxnSpPr>
+          <p:nvPr/>
+        </p:nvCxnSpPr>
+        <p:spPr>
+          <a:xfrm>
+            <a:off x="2300750" y="1879133"/>
+            <a:ext cx="0" cy="1300672"/>
+          </a:xfrm>
+          <a:prstGeom prst="line">
+            <a:avLst/>
+          </a:prstGeom>
+          <a:ln w="38100"/>
+        </p:spPr>
+        <p:style>
+          <a:lnRef idx="1">
+            <a:schemeClr val="accent1"/>
+          </a:lnRef>
+          <a:fillRef idx="0">
+            <a:schemeClr val="accent1"/>
+          </a:fillRef>
+          <a:effectRef idx="0">
+            <a:schemeClr val="accent1"/>
+          </a:effectRef>
+          <a:fontRef idx="minor">
+            <a:schemeClr val="tx1"/>
+          </a:fontRef>
+        </p:style>
+      </p:cxnSp>
     </p:spTree>
     <p:extLst>
       <p:ext uri="{BB962C8B-B14F-4D97-AF65-F5344CB8AC3E}">
-        <p14:creationId xmlns:p14="http://schemas.microsoft.com/office/powerpoint/2010/main" val="1601071183"/>
+        <p14:creationId xmlns:p14="http://schemas.microsoft.com/office/powerpoint/2010/main" val="2035659700"/>
       </p:ext>
     </p:extLst>
   </p:cSld>
@@ -10123,6 +9874,45 @@
           </a:p>
         </p:txBody>
       </p:sp>
+      <p:cxnSp>
+        <p:nvCxnSpPr>
+          <p:cNvPr id="7" name="Straight Connector 6">
+            <a:extLst>
+              <a:ext uri="{FF2B5EF4-FFF2-40B4-BE49-F238E27FC236}">
+                <a16:creationId xmlns:a16="http://schemas.microsoft.com/office/drawing/2014/main" id="{34555941-8AE9-FD4E-9ECA-1C3AF2F34FB6}"/>
+              </a:ext>
+            </a:extLst>
+          </p:cNvPr>
+          <p:cNvCxnSpPr>
+            <a:cxnSpLocks/>
+          </p:cNvCxnSpPr>
+          <p:nvPr/>
+        </p:nvCxnSpPr>
+        <p:spPr>
+          <a:xfrm>
+            <a:off x="1378101" y="1753299"/>
+            <a:ext cx="7111558" cy="0"/>
+          </a:xfrm>
+          <a:prstGeom prst="line">
+            <a:avLst/>
+          </a:prstGeom>
+          <a:ln w="12700"/>
+        </p:spPr>
+        <p:style>
+          <a:lnRef idx="1">
+            <a:schemeClr val="accent1"/>
+          </a:lnRef>
+          <a:fillRef idx="0">
+            <a:schemeClr val="accent1"/>
+          </a:fillRef>
+          <a:effectRef idx="0">
+            <a:schemeClr val="accent1"/>
+          </a:effectRef>
+          <a:fontRef idx="minor">
+            <a:schemeClr val="tx1"/>
+          </a:fontRef>
+        </p:style>
+      </p:cxnSp>
     </p:spTree>
     <p:extLst>
       <p:ext uri="{BB962C8B-B14F-4D97-AF65-F5344CB8AC3E}">
@@ -10315,6 +10105,45 @@
           </a:p>
         </p:txBody>
       </p:sp>
+      <p:cxnSp>
+        <p:nvCxnSpPr>
+          <p:cNvPr id="5" name="Straight Connector 4">
+            <a:extLst>
+              <a:ext uri="{FF2B5EF4-FFF2-40B4-BE49-F238E27FC236}">
+                <a16:creationId xmlns:a16="http://schemas.microsoft.com/office/drawing/2014/main" id="{C1292DCA-7000-6C41-B7F2-2340CF21896A}"/>
+              </a:ext>
+            </a:extLst>
+          </p:cNvPr>
+          <p:cNvCxnSpPr>
+            <a:cxnSpLocks/>
+          </p:cNvCxnSpPr>
+          <p:nvPr/>
+        </p:nvCxnSpPr>
+        <p:spPr>
+          <a:xfrm>
+            <a:off x="1378101" y="1753299"/>
+            <a:ext cx="8589683" cy="0"/>
+          </a:xfrm>
+          <a:prstGeom prst="line">
+            <a:avLst/>
+          </a:prstGeom>
+          <a:ln w="12700"/>
+        </p:spPr>
+        <p:style>
+          <a:lnRef idx="1">
+            <a:schemeClr val="accent1"/>
+          </a:lnRef>
+          <a:fillRef idx="0">
+            <a:schemeClr val="accent1"/>
+          </a:fillRef>
+          <a:effectRef idx="0">
+            <a:schemeClr val="accent1"/>
+          </a:effectRef>
+          <a:fontRef idx="minor">
+            <a:schemeClr val="tx1"/>
+          </a:fontRef>
+        </p:style>
+      </p:cxnSp>
     </p:spTree>
     <p:extLst>
       <p:ext uri="{BB962C8B-B14F-4D97-AF65-F5344CB8AC3E}">
@@ -10571,6 +10400,45 @@
           </a:p>
         </p:txBody>
       </p:sp>
+      <p:cxnSp>
+        <p:nvCxnSpPr>
+          <p:cNvPr id="5" name="Straight Connector 4">
+            <a:extLst>
+              <a:ext uri="{FF2B5EF4-FFF2-40B4-BE49-F238E27FC236}">
+                <a16:creationId xmlns:a16="http://schemas.microsoft.com/office/drawing/2014/main" id="{16C12159-3AF7-8A42-BF67-3D0CC63A52CB}"/>
+              </a:ext>
+            </a:extLst>
+          </p:cNvPr>
+          <p:cNvCxnSpPr>
+            <a:cxnSpLocks/>
+          </p:cNvCxnSpPr>
+          <p:nvPr/>
+        </p:nvCxnSpPr>
+        <p:spPr>
+          <a:xfrm>
+            <a:off x="1378101" y="1753299"/>
+            <a:ext cx="8812104" cy="0"/>
+          </a:xfrm>
+          <a:prstGeom prst="line">
+            <a:avLst/>
+          </a:prstGeom>
+          <a:ln w="12700"/>
+        </p:spPr>
+        <p:style>
+          <a:lnRef idx="1">
+            <a:schemeClr val="accent1"/>
+          </a:lnRef>
+          <a:fillRef idx="0">
+            <a:schemeClr val="accent1"/>
+          </a:fillRef>
+          <a:effectRef idx="0">
+            <a:schemeClr val="accent1"/>
+          </a:effectRef>
+          <a:fontRef idx="minor">
+            <a:schemeClr val="tx1"/>
+          </a:fontRef>
+        </p:style>
+      </p:cxnSp>
     </p:spTree>
     <p:extLst>
       <p:ext uri="{BB962C8B-B14F-4D97-AF65-F5344CB8AC3E}">
@@ -10864,6 +10732,45 @@
           </a:p>
         </p:txBody>
       </p:sp>
+      <p:cxnSp>
+        <p:nvCxnSpPr>
+          <p:cNvPr id="7" name="Straight Connector 6">
+            <a:extLst>
+              <a:ext uri="{FF2B5EF4-FFF2-40B4-BE49-F238E27FC236}">
+                <a16:creationId xmlns:a16="http://schemas.microsoft.com/office/drawing/2014/main" id="{0A658025-390A-0747-8739-38BF3E7B3A81}"/>
+              </a:ext>
+            </a:extLst>
+          </p:cNvPr>
+          <p:cNvCxnSpPr>
+            <a:cxnSpLocks/>
+          </p:cNvCxnSpPr>
+          <p:nvPr/>
+        </p:nvCxnSpPr>
+        <p:spPr>
+          <a:xfrm>
+            <a:off x="1378101" y="1753299"/>
+            <a:ext cx="7942068" cy="0"/>
+          </a:xfrm>
+          <a:prstGeom prst="line">
+            <a:avLst/>
+          </a:prstGeom>
+          <a:ln w="12700"/>
+        </p:spPr>
+        <p:style>
+          <a:lnRef idx="1">
+            <a:schemeClr val="accent1"/>
+          </a:lnRef>
+          <a:fillRef idx="0">
+            <a:schemeClr val="accent1"/>
+          </a:fillRef>
+          <a:effectRef idx="0">
+            <a:schemeClr val="accent1"/>
+          </a:effectRef>
+          <a:fontRef idx="minor">
+            <a:schemeClr val="tx1"/>
+          </a:fontRef>
+        </p:style>
+      </p:cxnSp>
     </p:spTree>
     <p:extLst>
       <p:ext uri="{BB962C8B-B14F-4D97-AF65-F5344CB8AC3E}">
@@ -10954,7 +10861,7 @@
         </p:nvSpPr>
         <p:spPr>
           <a:xfrm>
-            <a:off x="1275701" y="2333156"/>
+            <a:off x="1271768" y="2078654"/>
             <a:ext cx="9909364" cy="2308324"/>
           </a:xfrm>
           <a:prstGeom prst="rect">
@@ -11332,6 +11239,45 @@
           </a:p>
         </p:txBody>
       </p:sp>
+      <p:cxnSp>
+        <p:nvCxnSpPr>
+          <p:cNvPr id="10" name="Straight Connector 9">
+            <a:extLst>
+              <a:ext uri="{FF2B5EF4-FFF2-40B4-BE49-F238E27FC236}">
+                <a16:creationId xmlns:a16="http://schemas.microsoft.com/office/drawing/2014/main" id="{7F67092B-CD9F-484D-B253-FEAF9631C41D}"/>
+              </a:ext>
+            </a:extLst>
+          </p:cNvPr>
+          <p:cNvCxnSpPr>
+            <a:cxnSpLocks/>
+          </p:cNvCxnSpPr>
+          <p:nvPr/>
+        </p:nvCxnSpPr>
+        <p:spPr>
+          <a:xfrm>
+            <a:off x="1378101" y="1753299"/>
+            <a:ext cx="6917402" cy="0"/>
+          </a:xfrm>
+          <a:prstGeom prst="line">
+            <a:avLst/>
+          </a:prstGeom>
+          <a:ln w="12700"/>
+        </p:spPr>
+        <p:style>
+          <a:lnRef idx="1">
+            <a:schemeClr val="accent1"/>
+          </a:lnRef>
+          <a:fillRef idx="0">
+            <a:schemeClr val="accent1"/>
+          </a:fillRef>
+          <a:effectRef idx="0">
+            <a:schemeClr val="accent1"/>
+          </a:effectRef>
+          <a:fontRef idx="minor">
+            <a:schemeClr val="tx1"/>
+          </a:fontRef>
+        </p:style>
+      </p:cxnSp>
     </p:spTree>
     <p:extLst>
       <p:ext uri="{BB962C8B-B14F-4D97-AF65-F5344CB8AC3E}">

--- a/presentations/session-9-open-issues-in-ai.pptx
+++ b/presentations/session-9-open-issues-in-ai.pptx
@@ -8920,7 +8920,7 @@
         </p:nvSpPr>
         <p:spPr>
           <a:xfrm>
-            <a:off x="9961604" y="80665"/>
+            <a:off x="9772134" y="182257"/>
             <a:ext cx="2774093" cy="1015663"/>
           </a:xfrm>
           <a:prstGeom prst="rect">
@@ -9377,7 +9377,7 @@
         </p:nvSpPr>
         <p:spPr>
           <a:xfrm>
-            <a:off x="9961604" y="80665"/>
+            <a:off x="9735065" y="179519"/>
             <a:ext cx="2774093" cy="1015663"/>
           </a:xfrm>
           <a:prstGeom prst="rect">
@@ -9525,6 +9525,45 @@
           </a:p>
         </p:txBody>
       </p:sp>
+      <p:pic>
+        <p:nvPicPr>
+          <p:cNvPr id="4" name="Graphic 3" descr="Thought bubble">
+            <a:extLst>
+              <a:ext uri="{FF2B5EF4-FFF2-40B4-BE49-F238E27FC236}">
+                <a16:creationId xmlns:a16="http://schemas.microsoft.com/office/drawing/2014/main" id="{4E32B630-9E2C-B747-AE36-E3EDD9DE5F55}"/>
+              </a:ext>
+            </a:extLst>
+          </p:cNvPr>
+          <p:cNvPicPr>
+            <a:picLocks noChangeAspect="1"/>
+          </p:cNvPicPr>
+          <p:nvPr/>
+        </p:nvPicPr>
+        <p:blipFill>
+          <a:blip r:embed="rId3">
+            <a:extLst>
+              <a:ext uri="{28A0092B-C50C-407E-A947-70E740481C1C}">
+                <a14:useLocalDpi xmlns:a14="http://schemas.microsoft.com/office/drawing/2010/main" val="0"/>
+              </a:ext>
+              <a:ext uri="{96DAC541-7B7A-43D3-8B79-37D633B846F1}">
+                <asvg:svgBlip xmlns:asvg="http://schemas.microsoft.com/office/drawing/2016/SVG/main" r:embed="rId4"/>
+              </a:ext>
+            </a:extLst>
+          </a:blip>
+          <a:stretch>
+            <a:fillRect/>
+          </a:stretch>
+        </p:blipFill>
+        <p:spPr>
+          <a:xfrm>
+            <a:off x="10234569" y="8238"/>
+            <a:ext cx="1686187" cy="1686187"/>
+          </a:xfrm>
+          <a:prstGeom prst="rect">
+            <a:avLst/>
+          </a:prstGeom>
+        </p:spPr>
+      </p:pic>
     </p:spTree>
     <p:extLst>
       <p:ext uri="{BB962C8B-B14F-4D97-AF65-F5344CB8AC3E}">

--- a/presentations/session-9-open-issues-in-ai.pptx
+++ b/presentations/session-9-open-issues-in-ai.pptx
@@ -5,7 +5,7 @@
     <p:sldMasterId id="2147483648" r:id="rId1"/>
   </p:sldMasterIdLst>
   <p:notesMasterIdLst>
-    <p:notesMasterId r:id="rId24"/>
+    <p:notesMasterId r:id="rId25"/>
   </p:notesMasterIdLst>
   <p:sldIdLst>
     <p:sldId id="263" r:id="rId2"/>
@@ -28,8 +28,9 @@
     <p:sldId id="583" r:id="rId19"/>
     <p:sldId id="586" r:id="rId20"/>
     <p:sldId id="593" r:id="rId21"/>
-    <p:sldId id="587" r:id="rId22"/>
-    <p:sldId id="588" r:id="rId23"/>
+    <p:sldId id="601" r:id="rId22"/>
+    <p:sldId id="587" r:id="rId23"/>
+    <p:sldId id="588" r:id="rId24"/>
   </p:sldIdLst>
   <p:sldSz cx="12192000" cy="6858000"/>
   <p:notesSz cx="6797675" cy="9874250"/>
@@ -2307,7 +2308,7 @@
     </p:spTree>
     <p:extLst>
       <p:ext uri="{BB962C8B-B14F-4D97-AF65-F5344CB8AC3E}">
-        <p14:creationId xmlns:p14="http://schemas.microsoft.com/office/powerpoint/2010/main" val="3545786996"/>
+        <p14:creationId xmlns:p14="http://schemas.microsoft.com/office/powerpoint/2010/main" val="1978792854"/>
       </p:ext>
     </p:extLst>
   </p:cSld>
@@ -2383,6 +2384,90 @@
             <a:fld id="{2F6F93F9-6E01-423B-ABB3-8FB3B0651941}" type="slidenum">
               <a:rPr lang="en-US" smtClean="0"/>
               <a:t>22</a:t>
+            </a:fld>
+            <a:endParaRPr lang="en-US"/>
+          </a:p>
+        </p:txBody>
+      </p:sp>
+    </p:spTree>
+    <p:extLst>
+      <p:ext uri="{BB962C8B-B14F-4D97-AF65-F5344CB8AC3E}">
+        <p14:creationId xmlns:p14="http://schemas.microsoft.com/office/powerpoint/2010/main" val="3545786996"/>
+      </p:ext>
+    </p:extLst>
+  </p:cSld>
+  <p:clrMapOvr>
+    <a:masterClrMapping/>
+  </p:clrMapOvr>
+</p:notes>
+</file>
+
+<file path=ppt/notesSlides/notesSlide23.xml><?xml version="1.0" encoding="utf-8"?>
+<p:notes xmlns:a="http://schemas.openxmlformats.org/drawingml/2006/main" xmlns:r="http://schemas.openxmlformats.org/officeDocument/2006/relationships" xmlns:p="http://schemas.openxmlformats.org/presentationml/2006/main">
+  <p:cSld>
+    <p:spTree>
+      <p:nvGrpSpPr>
+        <p:cNvPr id="1" name=""/>
+        <p:cNvGrpSpPr/>
+        <p:nvPr/>
+      </p:nvGrpSpPr>
+      <p:grpSpPr>
+        <a:xfrm>
+          <a:off x="0" y="0"/>
+          <a:ext cx="0" cy="0"/>
+          <a:chOff x="0" y="0"/>
+          <a:chExt cx="0" cy="0"/>
+        </a:xfrm>
+      </p:grpSpPr>
+      <p:sp>
+        <p:nvSpPr>
+          <p:cNvPr id="2" name="Slide Image Placeholder 1"/>
+          <p:cNvSpPr>
+            <a:spLocks noGrp="1" noRot="1" noChangeAspect="1"/>
+          </p:cNvSpPr>
+          <p:nvPr>
+            <p:ph type="sldImg"/>
+          </p:nvPr>
+        </p:nvSpPr>
+        <p:spPr/>
+      </p:sp>
+      <p:sp>
+        <p:nvSpPr>
+          <p:cNvPr id="3" name="Notes Placeholder 2"/>
+          <p:cNvSpPr>
+            <a:spLocks noGrp="1"/>
+          </p:cNvSpPr>
+          <p:nvPr>
+            <p:ph type="body" idx="1"/>
+          </p:nvPr>
+        </p:nvSpPr>
+        <p:spPr/>
+        <p:txBody>
+          <a:bodyPr/>
+          <a:lstStyle/>
+          <a:p>
+            <a:endParaRPr lang="en-US" dirty="0"/>
+          </a:p>
+        </p:txBody>
+      </p:sp>
+      <p:sp>
+        <p:nvSpPr>
+          <p:cNvPr id="4" name="Slide Number Placeholder 3"/>
+          <p:cNvSpPr>
+            <a:spLocks noGrp="1"/>
+          </p:cNvSpPr>
+          <p:nvPr>
+            <p:ph type="sldNum" sz="quarter" idx="10"/>
+          </p:nvPr>
+        </p:nvSpPr>
+        <p:spPr/>
+        <p:txBody>
+          <a:bodyPr/>
+          <a:lstStyle/>
+          <a:p>
+            <a:fld id="{2F6F93F9-6E01-423B-ABB3-8FB3B0651941}" type="slidenum">
+              <a:rPr lang="en-US" smtClean="0"/>
+              <a:t>23</a:t>
             </a:fld>
             <a:endParaRPr lang="en-US"/>
           </a:p>
@@ -5791,8 +5876,8 @@
         </p:nvSpPr>
         <p:spPr>
           <a:xfrm>
-            <a:off x="2513337" y="1738043"/>
-            <a:ext cx="9851658" cy="2400657"/>
+            <a:off x="2513336" y="1738043"/>
+            <a:ext cx="10090555" cy="2400657"/>
           </a:xfrm>
           <a:prstGeom prst="rect">
             <a:avLst/>
@@ -8352,7 +8437,7 @@
         <p:spPr>
           <a:xfrm>
             <a:off x="1263001" y="2050947"/>
-            <a:ext cx="9909364" cy="2308324"/>
+            <a:ext cx="9909364" cy="4524315"/>
           </a:xfrm>
           <a:prstGeom prst="rect">
             <a:avLst/>
@@ -8365,7 +8450,7 @@
           </a:bodyPr>
           <a:lstStyle/>
           <a:p>
-            <a:pPr marL="514350" indent="-514350">
+            <a:pPr marL="457200" indent="-457200">
               <a:buFont typeface="+mj-lt"/>
               <a:buAutoNum type="romanUcPeriod"/>
             </a:pPr>
@@ -8376,7 +8461,7 @@
                 </a:solidFill>
                 <a:latin typeface="Cambria" panose="02040503050406030204" pitchFamily="18" charset="0"/>
               </a:rPr>
-              <a:t>RECAP. OPEN ISSUES SEEN SO FAR</a:t>
+              <a:t>PROVIDE A BROAD OVERVIEW OF OPEN ISSUES</a:t>
             </a:r>
             <a:br>
               <a:rPr lang="en-US" sz="2400" b="1" dirty="0">
@@ -8405,7 +8490,65 @@
                 </a:solidFill>
                 <a:latin typeface="Cambria" panose="02040503050406030204" pitchFamily="18" charset="0"/>
               </a:rPr>
-              <a:t>PROVIDE AN OVERVIEW OF OPEN ISSUES BEYOND ETHICAL ONES</a:t>
+              <a:t>RE-FOCUS DEBATE ON ALREADY CURRENT ISSUES</a:t>
+            </a:r>
+            <a:br>
+              <a:rPr lang="en-US" sz="2400" b="1" dirty="0">
+                <a:solidFill>
+                  <a:schemeClr val="accent1"/>
+                </a:solidFill>
+                <a:latin typeface="Cambria" panose="02040503050406030204" pitchFamily="18" charset="0"/>
+              </a:rPr>
+            </a:br>
+            <a:endParaRPr lang="en-US" sz="2400" b="1" dirty="0">
+              <a:solidFill>
+                <a:schemeClr val="accent1"/>
+              </a:solidFill>
+              <a:latin typeface="Cambria" panose="02040503050406030204" pitchFamily="18" charset="0"/>
+            </a:endParaRPr>
+          </a:p>
+          <a:p>
+            <a:pPr marL="457200" indent="-457200">
+              <a:buFont typeface="+mj-lt"/>
+              <a:buAutoNum type="romanUcPeriod"/>
+            </a:pPr>
+            <a:r>
+              <a:rPr lang="en-US" sz="2400" b="1" dirty="0">
+                <a:solidFill>
+                  <a:schemeClr val="accent1"/>
+                </a:solidFill>
+                <a:latin typeface="Cambria" panose="02040503050406030204" pitchFamily="18" charset="0"/>
+              </a:rPr>
+              <a:t> HIGHLIGHT THE IMPORTANT DIFFERENCE BETWEEN NARROW VS. GENERAL ARTIFICIAL INTELLIGENCE</a:t>
+            </a:r>
+            <a:br>
+              <a:rPr lang="en-US" sz="2400" b="1" dirty="0">
+                <a:solidFill>
+                  <a:schemeClr val="accent1"/>
+                </a:solidFill>
+                <a:latin typeface="Cambria" panose="02040503050406030204" pitchFamily="18" charset="0"/>
+              </a:rPr>
+            </a:br>
+            <a:endParaRPr lang="en-US" sz="2400" b="1" dirty="0">
+              <a:solidFill>
+                <a:schemeClr val="accent1"/>
+              </a:solidFill>
+              <a:latin typeface="Cambria" panose="02040503050406030204" pitchFamily="18" charset="0"/>
+            </a:endParaRPr>
+          </a:p>
+          <a:p>
+            <a:pPr marL="457200" indent="-457200">
+              <a:buFont typeface="+mj-lt"/>
+              <a:buAutoNum type="romanUcPeriod"/>
+            </a:pPr>
+            <a:r>
+              <a:rPr lang="en-US" sz="2400" b="1" dirty="0">
+                <a:solidFill>
+                  <a:schemeClr val="accent1"/>
+                </a:solidFill>
+                <a:latin typeface="Cambria" panose="02040503050406030204" pitchFamily="18" charset="0"/>
+              </a:rPr>
+              <a:t>GENERATE DEBATE ON ISSUES RELATED TO JOBS REPLACEMENT RISKS</a:t>
             </a:r>
             <a:br>
               <a:rPr lang="en-US" sz="2400" b="1" dirty="0">
@@ -8640,6 +8783,262 @@
           <a:chExt cx="0" cy="0"/>
         </a:xfrm>
       </p:grpSpPr>
+      <p:sp>
+        <p:nvSpPr>
+          <p:cNvPr id="8" name="TextBox 7"/>
+          <p:cNvSpPr txBox="1"/>
+          <p:nvPr/>
+        </p:nvSpPr>
+        <p:spPr>
+          <a:xfrm>
+            <a:off x="1271768" y="1115051"/>
+            <a:ext cx="9196386" cy="553998"/>
+          </a:xfrm>
+          <a:prstGeom prst="rect">
+            <a:avLst/>
+          </a:prstGeom>
+          <a:noFill/>
+        </p:spPr>
+        <p:txBody>
+          <a:bodyPr wrap="square" rtlCol="0">
+            <a:spAutoFit/>
+          </a:bodyPr>
+          <a:lstStyle/>
+          <a:p>
+            <a:r>
+              <a:rPr lang="en-US" sz="3000" b="1" dirty="0">
+                <a:solidFill>
+                  <a:schemeClr val="accent1"/>
+                </a:solidFill>
+                <a:latin typeface="Cambria" panose="02040503050406030204" pitchFamily="18" charset="0"/>
+              </a:rPr>
+              <a:t>WORKING GROUP SETUP</a:t>
+            </a:r>
+          </a:p>
+        </p:txBody>
+      </p:sp>
+      <p:cxnSp>
+        <p:nvCxnSpPr>
+          <p:cNvPr id="4" name="Straight Connector 3">
+            <a:extLst>
+              <a:ext uri="{FF2B5EF4-FFF2-40B4-BE49-F238E27FC236}">
+                <a16:creationId xmlns:a16="http://schemas.microsoft.com/office/drawing/2014/main" id="{69223EC3-7B3E-124B-8D71-5CD434FC49C5}"/>
+              </a:ext>
+            </a:extLst>
+          </p:cNvPr>
+          <p:cNvCxnSpPr>
+            <a:cxnSpLocks/>
+          </p:cNvCxnSpPr>
+          <p:nvPr/>
+        </p:nvCxnSpPr>
+        <p:spPr>
+          <a:xfrm>
+            <a:off x="1378101" y="1753299"/>
+            <a:ext cx="8703159" cy="0"/>
+          </a:xfrm>
+          <a:prstGeom prst="line">
+            <a:avLst/>
+          </a:prstGeom>
+          <a:ln w="12700"/>
+        </p:spPr>
+        <p:style>
+          <a:lnRef idx="1">
+            <a:schemeClr val="accent1"/>
+          </a:lnRef>
+          <a:fillRef idx="0">
+            <a:schemeClr val="accent1"/>
+          </a:fillRef>
+          <a:effectRef idx="0">
+            <a:schemeClr val="accent1"/>
+          </a:effectRef>
+          <a:fontRef idx="minor">
+            <a:schemeClr val="tx1"/>
+          </a:fontRef>
+        </p:style>
+      </p:cxnSp>
+      <p:sp>
+        <p:nvSpPr>
+          <p:cNvPr id="5" name="TextBox 4">
+            <a:extLst>
+              <a:ext uri="{FF2B5EF4-FFF2-40B4-BE49-F238E27FC236}">
+                <a16:creationId xmlns:a16="http://schemas.microsoft.com/office/drawing/2014/main" id="{49440640-A049-6442-9516-531ED1982149}"/>
+              </a:ext>
+            </a:extLst>
+          </p:cNvPr>
+          <p:cNvSpPr txBox="1"/>
+          <p:nvPr/>
+        </p:nvSpPr>
+        <p:spPr>
+          <a:xfrm>
+            <a:off x="1363208" y="2089316"/>
+            <a:ext cx="9909364" cy="3785652"/>
+          </a:xfrm>
+          <a:prstGeom prst="rect">
+            <a:avLst/>
+          </a:prstGeom>
+          <a:noFill/>
+        </p:spPr>
+        <p:txBody>
+          <a:bodyPr wrap="square" rtlCol="0">
+            <a:spAutoFit/>
+          </a:bodyPr>
+          <a:lstStyle/>
+          <a:p>
+            <a:pPr marL="342900" indent="-342900">
+              <a:buFont typeface="Arial"/>
+              <a:buChar char="•"/>
+            </a:pPr>
+            <a:r>
+              <a:rPr lang="en-US" sz="2400" b="1" dirty="0">
+                <a:solidFill>
+                  <a:schemeClr val="accent1"/>
+                </a:solidFill>
+                <a:latin typeface="Cambria" panose="02040503050406030204" pitchFamily="18" charset="0"/>
+              </a:rPr>
+              <a:t>IDENTIFY A BROAD RANGE OF JOBS/PROFESSIONS </a:t>
+            </a:r>
+          </a:p>
+          <a:p>
+            <a:endParaRPr lang="en-US" sz="2400" b="1" dirty="0">
+              <a:solidFill>
+                <a:schemeClr val="accent1"/>
+              </a:solidFill>
+              <a:latin typeface="Cambria" panose="02040503050406030204" pitchFamily="18" charset="0"/>
+            </a:endParaRPr>
+          </a:p>
+          <a:p>
+            <a:pPr marL="342900" indent="-342900">
+              <a:buFont typeface="Arial"/>
+              <a:buChar char="•"/>
+            </a:pPr>
+            <a:r>
+              <a:rPr lang="en-US" sz="2400" b="1" dirty="0">
+                <a:solidFill>
+                  <a:schemeClr val="accent1"/>
+                </a:solidFill>
+                <a:latin typeface="Cambria" panose="02040503050406030204" pitchFamily="18" charset="0"/>
+              </a:rPr>
+              <a:t>CLASSIFY THEM AS MORE LABOUR/COGNITIVE LABOUR INCLINED</a:t>
+            </a:r>
+            <a:br>
+              <a:rPr lang="en-US" sz="2400" b="1" dirty="0">
+                <a:solidFill>
+                  <a:schemeClr val="accent1"/>
+                </a:solidFill>
+                <a:latin typeface="Cambria" panose="02040503050406030204" pitchFamily="18" charset="0"/>
+              </a:rPr>
+            </a:br>
+            <a:endParaRPr lang="en-US" sz="2400" b="1" dirty="0">
+              <a:solidFill>
+                <a:schemeClr val="accent1"/>
+              </a:solidFill>
+              <a:latin typeface="Cambria" panose="02040503050406030204" pitchFamily="18" charset="0"/>
+            </a:endParaRPr>
+          </a:p>
+          <a:p>
+            <a:pPr marL="342900" indent="-342900">
+              <a:buFont typeface="Arial"/>
+              <a:buChar char="•"/>
+            </a:pPr>
+            <a:r>
+              <a:rPr lang="en-US" sz="2400" b="1" dirty="0">
+                <a:solidFill>
+                  <a:schemeClr val="accent1"/>
+                </a:solidFill>
+                <a:latin typeface="Cambria" panose="02040503050406030204" pitchFamily="18" charset="0"/>
+              </a:rPr>
+              <a:t>POSITION THESE JOBS INTO THE TWO DIAGRAMS PROVIDED</a:t>
+            </a:r>
+            <a:br>
+              <a:rPr lang="en-US" sz="2400" b="1" dirty="0">
+                <a:solidFill>
+                  <a:schemeClr val="accent1"/>
+                </a:solidFill>
+                <a:latin typeface="Cambria" panose="02040503050406030204" pitchFamily="18" charset="0"/>
+              </a:rPr>
+            </a:br>
+            <a:endParaRPr lang="en-US" sz="2400" b="1" dirty="0">
+              <a:solidFill>
+                <a:schemeClr val="accent1"/>
+              </a:solidFill>
+              <a:latin typeface="Cambria" panose="02040503050406030204" pitchFamily="18" charset="0"/>
+            </a:endParaRPr>
+          </a:p>
+          <a:p>
+            <a:pPr marL="342900" indent="-342900">
+              <a:buFont typeface="Arial"/>
+              <a:buChar char="•"/>
+            </a:pPr>
+            <a:r>
+              <a:rPr lang="en-US" sz="2400" b="1" dirty="0">
+                <a:solidFill>
+                  <a:schemeClr val="accent1"/>
+                </a:solidFill>
+                <a:latin typeface="Cambria" panose="02040503050406030204" pitchFamily="18" charset="0"/>
+              </a:rPr>
+              <a:t>PRESENT TO YOUR PEERS WHERE THERE IS A RISK OF REPLACEMENT BY AI OR HOW AI COULD COMPLEMENT THEM</a:t>
+            </a:r>
+          </a:p>
+          <a:p>
+            <a:br>
+              <a:rPr lang="en-US" sz="2400" dirty="0">
+                <a:solidFill>
+                  <a:schemeClr val="accent1"/>
+                </a:solidFill>
+                <a:latin typeface="Cambria" panose="02040503050406030204" pitchFamily="18" charset="0"/>
+              </a:rPr>
+            </a:br>
+            <a:endParaRPr lang="en-US" sz="2400" dirty="0">
+              <a:solidFill>
+                <a:schemeClr val="accent1"/>
+              </a:solidFill>
+              <a:latin typeface="Cambria" panose="02040503050406030204" pitchFamily="18" charset="0"/>
+            </a:endParaRPr>
+          </a:p>
+        </p:txBody>
+      </p:sp>
+    </p:spTree>
+    <p:extLst>
+      <p:ext uri="{BB962C8B-B14F-4D97-AF65-F5344CB8AC3E}">
+        <p14:creationId xmlns:p14="http://schemas.microsoft.com/office/powerpoint/2010/main" val="1253148371"/>
+      </p:ext>
+    </p:extLst>
+  </p:cSld>
+  <p:clrMapOvr>
+    <a:masterClrMapping/>
+  </p:clrMapOvr>
+  <mc:AlternateContent xmlns:mc="http://schemas.openxmlformats.org/markup-compatibility/2006" xmlns:p14="http://schemas.microsoft.com/office/powerpoint/2010/main">
+    <mc:Choice Requires="p14">
+      <p:transition spd="med" p14:dur="700">
+        <p:fade/>
+      </p:transition>
+    </mc:Choice>
+    <mc:Fallback xmlns="">
+      <p:transition spd="med">
+        <p:fade/>
+      </p:transition>
+    </mc:Fallback>
+  </mc:AlternateContent>
+</p:sld>
+</file>
+
+<file path=ppt/slides/slide22.xml><?xml version="1.0" encoding="utf-8"?>
+<p:sld xmlns:a="http://schemas.openxmlformats.org/drawingml/2006/main" xmlns:r="http://schemas.openxmlformats.org/officeDocument/2006/relationships" xmlns:p="http://schemas.openxmlformats.org/presentationml/2006/main">
+  <p:cSld>
+    <p:spTree>
+      <p:nvGrpSpPr>
+        <p:cNvPr id="1" name=""/>
+        <p:cNvGrpSpPr/>
+        <p:nvPr/>
+      </p:nvGrpSpPr>
+      <p:grpSpPr>
+        <a:xfrm>
+          <a:off x="0" y="0"/>
+          <a:ext cx="0" cy="0"/>
+          <a:chOff x="0" y="0"/>
+          <a:chExt cx="0" cy="0"/>
+        </a:xfrm>
+      </p:grpSpPr>
       <p:cxnSp>
         <p:nvCxnSpPr>
           <p:cNvPr id="4" name="Straight Arrow Connector 3">
@@ -9085,7 +9484,7 @@
 </p:sld>
 </file>
 
-<file path=ppt/slides/slide22.xml><?xml version="1.0" encoding="utf-8"?>
+<file path=ppt/slides/slide23.xml><?xml version="1.0" encoding="utf-8"?>
 <p:sld xmlns:a="http://schemas.openxmlformats.org/drawingml/2006/main" xmlns:r="http://schemas.openxmlformats.org/officeDocument/2006/relationships" xmlns:p="http://schemas.openxmlformats.org/presentationml/2006/main">
   <p:cSld>
     <p:spTree>
